--- a/Projects/Investigate a Relational Database/sql-project-submission-template-1.pptx
+++ b/Projects/Investigate a Relational Database/sql-project-submission-template-1.pptx
@@ -1,31 +1,31 @@
 
 <file path=ppt/presentation.xml><?xml version="1.0" encoding="utf-8"?>
-<p:presentation xmlns:a="http://schemas.openxmlformats.org/drawingml/2006/main" xmlns:r="http://schemas.openxmlformats.org/officeDocument/2006/relationships" xmlns:mc="http://schemas.openxmlformats.org/markup-compatibility/2006" xmlns:mv="urn:schemas-microsoft-com:mac:vml" xmlns:p="http://schemas.openxmlformats.org/presentationml/2006/main" xmlns:c="http://schemas.openxmlformats.org/drawingml/2006/chart" xmlns:dgm="http://schemas.openxmlformats.org/drawingml/2006/diagram" xmlns:o="urn:schemas-microsoft-com:office:office" xmlns:v="urn:schemas-microsoft-com:vml" xmlns:pvml="urn:schemas-microsoft-com:office:powerpoint" xmlns:com="http://schemas.openxmlformats.org/drawingml/2006/compatibility" xmlns:p14="http://schemas.microsoft.com/office/powerpoint/2010/main" xmlns:p15="http://schemas.microsoft.com/office/powerpoint/2012/main" autoCompressPictures="0" embedTrueTypeFonts="1" strictFirstAndLastChars="0" saveSubsetFonts="1">
+<p:presentation xmlns:a="http://schemas.openxmlformats.org/drawingml/2006/main" xmlns:r="http://schemas.openxmlformats.org/officeDocument/2006/relationships" xmlns:p="http://schemas.openxmlformats.org/presentationml/2006/main" strictFirstAndLastChars="0" embedTrueTypeFonts="1" saveSubsetFonts="1" autoCompressPictures="0">
   <p:sldMasterIdLst>
-    <p:sldMasterId id="2147483659" r:id="rId3"/>
+    <p:sldMasterId id="2147483659" r:id="rId1"/>
   </p:sldMasterIdLst>
   <p:notesMasterIdLst>
-    <p:notesMasterId r:id="rId4"/>
+    <p:notesMasterId r:id="rId6"/>
   </p:notesMasterIdLst>
   <p:sldIdLst>
-    <p:sldId id="256" r:id="rId5"/>
-    <p:sldId id="257" r:id="rId6"/>
-    <p:sldId id="258" r:id="rId7"/>
-    <p:sldId id="259" r:id="rId8"/>
+    <p:sldId id="256" r:id="rId2"/>
+    <p:sldId id="260" r:id="rId3"/>
+    <p:sldId id="257" r:id="rId4"/>
+    <p:sldId id="261" r:id="rId5"/>
   </p:sldIdLst>
-  <p:sldSz cy="5143500" cx="9144000"/>
+  <p:sldSz cx="9144000" cy="5143500" type="screen16x9"/>
   <p:notesSz cx="6858000" cy="9144000"/>
   <p:embeddedFontLst>
     <p:embeddedFont>
-      <p:font typeface="Open Sans"/>
-      <p:regular r:id="rId9"/>
-      <p:bold r:id="rId10"/>
-      <p:italic r:id="rId11"/>
-      <p:boldItalic r:id="rId12"/>
+      <p:font typeface="Open Sans" panose="020B0606030504020204" pitchFamily="34" charset="0"/>
+      <p:regular r:id="rId7"/>
+      <p:bold r:id="rId8"/>
+      <p:italic r:id="rId9"/>
+      <p:boldItalic r:id="rId10"/>
     </p:embeddedFont>
   </p:embeddedFontLst>
   <p:defaultTextStyle>
-    <a:defPPr lvl="0" marR="0" rtl="0" algn="l">
+    <a:defPPr marR="0" lvl="0" algn="l" rtl="0">
       <a:lnSpc>
         <a:spcPct val="100000"/>
       </a:lnSpc>
@@ -36,7 +36,7 @@
         <a:spcPts val="0"/>
       </a:spcAft>
     </a:defPPr>
-    <a:lvl1pPr lvl="0" marR="0" rtl="0" algn="l">
+    <a:lvl1pPr marR="0" lvl="0" algn="l" rtl="0">
       <a:lnSpc>
         <a:spcPct val="100000"/>
       </a:lnSpc>
@@ -50,7 +50,7 @@
         <a:srgbClr val="000000"/>
       </a:buClr>
       <a:buFont typeface="Arial"/>
-      <a:defRPr b="0" i="0" sz="1400" u="none" cap="none" strike="noStrike">
+      <a:defRPr sz="1400" b="0" i="0" u="none" strike="noStrike" cap="none">
         <a:solidFill>
           <a:srgbClr val="000000"/>
         </a:solidFill>
@@ -60,7 +60,7 @@
         <a:sym typeface="Arial"/>
       </a:defRPr>
     </a:lvl1pPr>
-    <a:lvl2pPr lvl="1" marR="0" rtl="0" algn="l">
+    <a:lvl2pPr marR="0" lvl="1" algn="l" rtl="0">
       <a:lnSpc>
         <a:spcPct val="100000"/>
       </a:lnSpc>
@@ -74,7 +74,7 @@
         <a:srgbClr val="000000"/>
       </a:buClr>
       <a:buFont typeface="Arial"/>
-      <a:defRPr b="0" i="0" sz="1400" u="none" cap="none" strike="noStrike">
+      <a:defRPr sz="1400" b="0" i="0" u="none" strike="noStrike" cap="none">
         <a:solidFill>
           <a:srgbClr val="000000"/>
         </a:solidFill>
@@ -84,7 +84,7 @@
         <a:sym typeface="Arial"/>
       </a:defRPr>
     </a:lvl2pPr>
-    <a:lvl3pPr lvl="2" marR="0" rtl="0" algn="l">
+    <a:lvl3pPr marR="0" lvl="2" algn="l" rtl="0">
       <a:lnSpc>
         <a:spcPct val="100000"/>
       </a:lnSpc>
@@ -98,7 +98,7 @@
         <a:srgbClr val="000000"/>
       </a:buClr>
       <a:buFont typeface="Arial"/>
-      <a:defRPr b="0" i="0" sz="1400" u="none" cap="none" strike="noStrike">
+      <a:defRPr sz="1400" b="0" i="0" u="none" strike="noStrike" cap="none">
         <a:solidFill>
           <a:srgbClr val="000000"/>
         </a:solidFill>
@@ -108,7 +108,7 @@
         <a:sym typeface="Arial"/>
       </a:defRPr>
     </a:lvl3pPr>
-    <a:lvl4pPr lvl="3" marR="0" rtl="0" algn="l">
+    <a:lvl4pPr marR="0" lvl="3" algn="l" rtl="0">
       <a:lnSpc>
         <a:spcPct val="100000"/>
       </a:lnSpc>
@@ -122,7 +122,7 @@
         <a:srgbClr val="000000"/>
       </a:buClr>
       <a:buFont typeface="Arial"/>
-      <a:defRPr b="0" i="0" sz="1400" u="none" cap="none" strike="noStrike">
+      <a:defRPr sz="1400" b="0" i="0" u="none" strike="noStrike" cap="none">
         <a:solidFill>
           <a:srgbClr val="000000"/>
         </a:solidFill>
@@ -132,7 +132,7 @@
         <a:sym typeface="Arial"/>
       </a:defRPr>
     </a:lvl4pPr>
-    <a:lvl5pPr lvl="4" marR="0" rtl="0" algn="l">
+    <a:lvl5pPr marR="0" lvl="4" algn="l" rtl="0">
       <a:lnSpc>
         <a:spcPct val="100000"/>
       </a:lnSpc>
@@ -146,7 +146,7 @@
         <a:srgbClr val="000000"/>
       </a:buClr>
       <a:buFont typeface="Arial"/>
-      <a:defRPr b="0" i="0" sz="1400" u="none" cap="none" strike="noStrike">
+      <a:defRPr sz="1400" b="0" i="0" u="none" strike="noStrike" cap="none">
         <a:solidFill>
           <a:srgbClr val="000000"/>
         </a:solidFill>
@@ -156,7 +156,7 @@
         <a:sym typeface="Arial"/>
       </a:defRPr>
     </a:lvl5pPr>
-    <a:lvl6pPr lvl="5" marR="0" rtl="0" algn="l">
+    <a:lvl6pPr marR="0" lvl="5" algn="l" rtl="0">
       <a:lnSpc>
         <a:spcPct val="100000"/>
       </a:lnSpc>
@@ -170,7 +170,7 @@
         <a:srgbClr val="000000"/>
       </a:buClr>
       <a:buFont typeface="Arial"/>
-      <a:defRPr b="0" i="0" sz="1400" u="none" cap="none" strike="noStrike">
+      <a:defRPr sz="1400" b="0" i="0" u="none" strike="noStrike" cap="none">
         <a:solidFill>
           <a:srgbClr val="000000"/>
         </a:solidFill>
@@ -180,7 +180,7 @@
         <a:sym typeface="Arial"/>
       </a:defRPr>
     </a:lvl6pPr>
-    <a:lvl7pPr lvl="6" marR="0" rtl="0" algn="l">
+    <a:lvl7pPr marR="0" lvl="6" algn="l" rtl="0">
       <a:lnSpc>
         <a:spcPct val="100000"/>
       </a:lnSpc>
@@ -194,7 +194,7 @@
         <a:srgbClr val="000000"/>
       </a:buClr>
       <a:buFont typeface="Arial"/>
-      <a:defRPr b="0" i="0" sz="1400" u="none" cap="none" strike="noStrike">
+      <a:defRPr sz="1400" b="0" i="0" u="none" strike="noStrike" cap="none">
         <a:solidFill>
           <a:srgbClr val="000000"/>
         </a:solidFill>
@@ -204,7 +204,7 @@
         <a:sym typeface="Arial"/>
       </a:defRPr>
     </a:lvl7pPr>
-    <a:lvl8pPr lvl="7" marR="0" rtl="0" algn="l">
+    <a:lvl8pPr marR="0" lvl="7" algn="l" rtl="0">
       <a:lnSpc>
         <a:spcPct val="100000"/>
       </a:lnSpc>
@@ -218,7 +218,7 @@
         <a:srgbClr val="000000"/>
       </a:buClr>
       <a:buFont typeface="Arial"/>
-      <a:defRPr b="0" i="0" sz="1400" u="none" cap="none" strike="noStrike">
+      <a:defRPr sz="1400" b="0" i="0" u="none" strike="noStrike" cap="none">
         <a:solidFill>
           <a:srgbClr val="000000"/>
         </a:solidFill>
@@ -228,7 +228,7 @@
         <a:sym typeface="Arial"/>
       </a:defRPr>
     </a:lvl8pPr>
-    <a:lvl9pPr lvl="8" marR="0" rtl="0" algn="l">
+    <a:lvl9pPr marR="0" lvl="8" algn="l" rtl="0">
       <a:lnSpc>
         <a:spcPct val="100000"/>
       </a:lnSpc>
@@ -242,7 +242,7 @@
         <a:srgbClr val="000000"/>
       </a:buClr>
       <a:buFont typeface="Arial"/>
-      <a:defRPr b="0" i="0" sz="1400" u="none" cap="none" strike="noStrike">
+      <a:defRPr sz="1400" b="0" i="0" u="none" strike="noStrike" cap="none">
         <a:solidFill>
           <a:srgbClr val="000000"/>
         </a:solidFill>
@@ -256,12 +256,1972 @@
 </p:presentation>
 </file>
 
+<file path=ppt/charts/chart1.xml><?xml version="1.0" encoding="utf-8"?>
+<c:chartSpace xmlns:c="http://schemas.openxmlformats.org/drawingml/2006/chart" xmlns:a="http://schemas.openxmlformats.org/drawingml/2006/main" xmlns:r="http://schemas.openxmlformats.org/officeDocument/2006/relationships" xmlns:c16r2="http://schemas.microsoft.com/office/drawing/2015/06/chart">
+  <c:date1904 val="0"/>
+  <c:lang val="pt-BR"/>
+  <c:roundedCorners val="0"/>
+  <mc:AlternateContent xmlns:mc="http://schemas.openxmlformats.org/markup-compatibility/2006">
+    <mc:Choice xmlns:c14="http://schemas.microsoft.com/office/drawing/2007/8/2/chart" Requires="c14">
+      <c14:style val="102"/>
+    </mc:Choice>
+    <mc:Fallback>
+      <c:style val="2"/>
+    </mc:Fallback>
+  </mc:AlternateContent>
+  <c:chart>
+    <c:title>
+      <c:layout/>
+      <c:overlay val="0"/>
+      <c:spPr>
+        <a:noFill/>
+        <a:ln>
+          <a:noFill/>
+        </a:ln>
+        <a:effectLst/>
+      </c:spPr>
+      <c:txPr>
+        <a:bodyPr rot="0" spcFirstLastPara="1" vertOverflow="ellipsis" vert="horz" wrap="square" anchor="ctr" anchorCtr="1"/>
+        <a:lstStyle/>
+        <a:p>
+          <a:pPr>
+            <a:defRPr sz="1600" b="1" i="0" u="none" strike="noStrike" kern="1200" cap="none" spc="0" normalizeH="0" baseline="0">
+              <a:solidFill>
+                <a:schemeClr val="dk1">
+                  <a:lumMod val="50000"/>
+                  <a:lumOff val="50000"/>
+                </a:schemeClr>
+              </a:solidFill>
+              <a:latin typeface="+mj-lt"/>
+              <a:ea typeface="+mj-ea"/>
+              <a:cs typeface="+mj-cs"/>
+            </a:defRPr>
+          </a:pPr>
+          <a:endParaRPr lang="pt-PT"/>
+        </a:p>
+      </c:txPr>
+    </c:title>
+    <c:autoTitleDeleted val="0"/>
+    <c:plotArea>
+      <c:layout/>
+      <c:barChart>
+        <c:barDir val="col"/>
+        <c:grouping val="clustered"/>
+        <c:varyColors val="0"/>
+        <c:ser>
+          <c:idx val="0"/>
+          <c:order val="0"/>
+          <c:tx>
+            <c:strRef>
+              <c:f>'results-1'!$B$1</c:f>
+              <c:strCache>
+                <c:ptCount val="1"/>
+                <c:pt idx="0">
+                  <c:v>Number of Rental</c:v>
+                </c:pt>
+              </c:strCache>
+            </c:strRef>
+          </c:tx>
+          <c:spPr>
+            <a:solidFill>
+              <a:schemeClr val="accent1"/>
+            </a:solidFill>
+            <a:ln>
+              <a:noFill/>
+            </a:ln>
+            <a:effectLst/>
+          </c:spPr>
+          <c:invertIfNegative val="0"/>
+          <c:cat>
+            <c:strRef>
+              <c:f>'results-1'!$A$2:$A$17</c:f>
+              <c:strCache>
+                <c:ptCount val="16"/>
+                <c:pt idx="0">
+                  <c:v>Action</c:v>
+                </c:pt>
+                <c:pt idx="1">
+                  <c:v>Animation</c:v>
+                </c:pt>
+                <c:pt idx="2">
+                  <c:v>Children</c:v>
+                </c:pt>
+                <c:pt idx="3">
+                  <c:v>Classics</c:v>
+                </c:pt>
+                <c:pt idx="4">
+                  <c:v>Comedy</c:v>
+                </c:pt>
+                <c:pt idx="5">
+                  <c:v>Documentary</c:v>
+                </c:pt>
+                <c:pt idx="6">
+                  <c:v>Drama</c:v>
+                </c:pt>
+                <c:pt idx="7">
+                  <c:v>Family</c:v>
+                </c:pt>
+                <c:pt idx="8">
+                  <c:v>Foreign</c:v>
+                </c:pt>
+                <c:pt idx="9">
+                  <c:v>Games</c:v>
+                </c:pt>
+                <c:pt idx="10">
+                  <c:v>Horror</c:v>
+                </c:pt>
+                <c:pt idx="11">
+                  <c:v>Music</c:v>
+                </c:pt>
+                <c:pt idx="12">
+                  <c:v>New</c:v>
+                </c:pt>
+                <c:pt idx="13">
+                  <c:v>Sci-Fi</c:v>
+                </c:pt>
+                <c:pt idx="14">
+                  <c:v>Sports</c:v>
+                </c:pt>
+                <c:pt idx="15">
+                  <c:v>Travel</c:v>
+                </c:pt>
+              </c:strCache>
+            </c:strRef>
+          </c:cat>
+          <c:val>
+            <c:numRef>
+              <c:f>'results-1'!$B$2:$B$17</c:f>
+              <c:numCache>
+                <c:formatCode>General</c:formatCode>
+                <c:ptCount val="16"/>
+                <c:pt idx="0">
+                  <c:v>4144</c:v>
+                </c:pt>
+                <c:pt idx="1">
+                  <c:v>4234</c:v>
+                </c:pt>
+                <c:pt idx="2">
+                  <c:v>3416</c:v>
+                </c:pt>
+                <c:pt idx="3">
+                  <c:v>3383</c:v>
+                </c:pt>
+                <c:pt idx="4">
+                  <c:v>3433</c:v>
+                </c:pt>
+                <c:pt idx="5">
+                  <c:v>3928</c:v>
+                </c:pt>
+                <c:pt idx="6">
+                  <c:v>3912</c:v>
+                </c:pt>
+                <c:pt idx="7">
+                  <c:v>4032</c:v>
+                </c:pt>
+                <c:pt idx="8">
+                  <c:v>3708</c:v>
+                </c:pt>
+                <c:pt idx="9">
+                  <c:v>3620</c:v>
+                </c:pt>
+                <c:pt idx="10">
+                  <c:v>2986</c:v>
+                </c:pt>
+                <c:pt idx="11">
+                  <c:v>3093</c:v>
+                </c:pt>
+                <c:pt idx="12">
+                  <c:v>3384</c:v>
+                </c:pt>
+                <c:pt idx="13">
+                  <c:v>4048</c:v>
+                </c:pt>
+                <c:pt idx="14">
+                  <c:v>4244</c:v>
+                </c:pt>
+                <c:pt idx="15">
+                  <c:v>3110</c:v>
+                </c:pt>
+              </c:numCache>
+            </c:numRef>
+          </c:val>
+          <c:extLst>
+            <c:ext xmlns:c16="http://schemas.microsoft.com/office/drawing/2014/chart" uri="{C3380CC4-5D6E-409C-BE32-E72D297353CC}">
+              <c16:uniqueId val="{00000000-F594-4A60-8C3C-8637FD126191}"/>
+            </c:ext>
+          </c:extLst>
+        </c:ser>
+        <c:dLbls>
+          <c:showLegendKey val="0"/>
+          <c:showVal val="0"/>
+          <c:showCatName val="0"/>
+          <c:showSerName val="0"/>
+          <c:showPercent val="0"/>
+          <c:showBubbleSize val="0"/>
+        </c:dLbls>
+        <c:gapWidth val="150"/>
+        <c:axId val="1670366656"/>
+        <c:axId val="1670374144"/>
+      </c:barChart>
+      <c:lineChart>
+        <c:grouping val="standard"/>
+        <c:varyColors val="0"/>
+        <c:ser>
+          <c:idx val="1"/>
+          <c:order val="1"/>
+          <c:tx>
+            <c:strRef>
+              <c:f>'results-1'!$C$1</c:f>
+              <c:strCache>
+                <c:ptCount val="1"/>
+                <c:pt idx="0">
+                  <c:v>Retal Average</c:v>
+                </c:pt>
+              </c:strCache>
+            </c:strRef>
+          </c:tx>
+          <c:spPr>
+            <a:ln w="22225" cap="rnd">
+              <a:solidFill>
+                <a:schemeClr val="accent2"/>
+              </a:solidFill>
+              <a:round/>
+            </a:ln>
+            <a:effectLst/>
+          </c:spPr>
+          <c:marker>
+            <c:symbol val="none"/>
+          </c:marker>
+          <c:cat>
+            <c:strRef>
+              <c:f>'results-1'!$A$2:$A$17</c:f>
+              <c:strCache>
+                <c:ptCount val="16"/>
+                <c:pt idx="0">
+                  <c:v>Action</c:v>
+                </c:pt>
+                <c:pt idx="1">
+                  <c:v>Animation</c:v>
+                </c:pt>
+                <c:pt idx="2">
+                  <c:v>Children</c:v>
+                </c:pt>
+                <c:pt idx="3">
+                  <c:v>Classics</c:v>
+                </c:pt>
+                <c:pt idx="4">
+                  <c:v>Comedy</c:v>
+                </c:pt>
+                <c:pt idx="5">
+                  <c:v>Documentary</c:v>
+                </c:pt>
+                <c:pt idx="6">
+                  <c:v>Drama</c:v>
+                </c:pt>
+                <c:pt idx="7">
+                  <c:v>Family</c:v>
+                </c:pt>
+                <c:pt idx="8">
+                  <c:v>Foreign</c:v>
+                </c:pt>
+                <c:pt idx="9">
+                  <c:v>Games</c:v>
+                </c:pt>
+                <c:pt idx="10">
+                  <c:v>Horror</c:v>
+                </c:pt>
+                <c:pt idx="11">
+                  <c:v>Music</c:v>
+                </c:pt>
+                <c:pt idx="12">
+                  <c:v>New</c:v>
+                </c:pt>
+                <c:pt idx="13">
+                  <c:v>Sci-Fi</c:v>
+                </c:pt>
+                <c:pt idx="14">
+                  <c:v>Sports</c:v>
+                </c:pt>
+                <c:pt idx="15">
+                  <c:v>Travel</c:v>
+                </c:pt>
+              </c:strCache>
+            </c:strRef>
+          </c:cat>
+          <c:val>
+            <c:numRef>
+              <c:f>'results-1'!$C$2:$C$17</c:f>
+              <c:numCache>
+                <c:formatCode>General</c:formatCode>
+                <c:ptCount val="16"/>
+                <c:pt idx="0">
+                  <c:v>3.89107981220657</c:v>
+                </c:pt>
+                <c:pt idx="1">
+                  <c:v>3.8041329739442902</c:v>
+                </c:pt>
+                <c:pt idx="2">
+                  <c:v>3.8555304740406302</c:v>
+                </c:pt>
+                <c:pt idx="3">
+                  <c:v>3.7968574635241299</c:v>
+                </c:pt>
+                <c:pt idx="4">
+                  <c:v>3.8616422947131599</c:v>
+                </c:pt>
+                <c:pt idx="5">
+                  <c:v>3.9319319319319299</c:v>
+                </c:pt>
+                <c:pt idx="6">
+                  <c:v>3.87326732673267</c:v>
+                </c:pt>
+                <c:pt idx="7">
+                  <c:v>3.8769230769230698</c:v>
+                </c:pt>
+                <c:pt idx="8">
+                  <c:v>3.7798165137614599</c:v>
+                </c:pt>
+                <c:pt idx="9">
+                  <c:v>3.8633938100320102</c:v>
+                </c:pt>
+                <c:pt idx="10">
+                  <c:v>3.7278401997503101</c:v>
+                </c:pt>
+                <c:pt idx="11">
+                  <c:v>3.9102402022756002</c:v>
+                </c:pt>
+                <c:pt idx="12">
+                  <c:v>3.76</c:v>
+                </c:pt>
+                <c:pt idx="13">
+                  <c:v>3.8662846227316101</c:v>
+                </c:pt>
+                <c:pt idx="14">
+                  <c:v>3.7557522123893801</c:v>
+                </c:pt>
+                <c:pt idx="15">
+                  <c:v>3.8826466916354501</c:v>
+                </c:pt>
+              </c:numCache>
+            </c:numRef>
+          </c:val>
+          <c:smooth val="0"/>
+          <c:extLst>
+            <c:ext xmlns:c16="http://schemas.microsoft.com/office/drawing/2014/chart" uri="{C3380CC4-5D6E-409C-BE32-E72D297353CC}">
+              <c16:uniqueId val="{00000001-F594-4A60-8C3C-8637FD126191}"/>
+            </c:ext>
+          </c:extLst>
+        </c:ser>
+        <c:dLbls>
+          <c:showLegendKey val="0"/>
+          <c:showVal val="0"/>
+          <c:showCatName val="0"/>
+          <c:showSerName val="0"/>
+          <c:showPercent val="0"/>
+          <c:showBubbleSize val="0"/>
+        </c:dLbls>
+        <c:marker val="1"/>
+        <c:smooth val="0"/>
+        <c:axId val="1670381632"/>
+        <c:axId val="1670377056"/>
+      </c:lineChart>
+      <c:catAx>
+        <c:axId val="1670366656"/>
+        <c:scaling>
+          <c:orientation val="minMax"/>
+        </c:scaling>
+        <c:delete val="0"/>
+        <c:axPos val="b"/>
+        <c:majorGridlines>
+          <c:spPr>
+            <a:ln w="9525" cap="flat" cmpd="sng" algn="ctr">
+              <a:solidFill>
+                <a:schemeClr val="dk1">
+                  <a:lumMod val="15000"/>
+                  <a:lumOff val="85000"/>
+                </a:schemeClr>
+              </a:solidFill>
+              <a:round/>
+            </a:ln>
+            <a:effectLst/>
+          </c:spPr>
+        </c:majorGridlines>
+        <c:numFmt formatCode="General" sourceLinked="1"/>
+        <c:majorTickMark val="none"/>
+        <c:minorTickMark val="none"/>
+        <c:tickLblPos val="nextTo"/>
+        <c:spPr>
+          <a:noFill/>
+          <a:ln w="9525" cap="flat" cmpd="sng" algn="ctr">
+            <a:solidFill>
+              <a:schemeClr val="dk1">
+                <a:lumMod val="15000"/>
+                <a:lumOff val="85000"/>
+              </a:schemeClr>
+            </a:solidFill>
+            <a:round/>
+          </a:ln>
+          <a:effectLst/>
+        </c:spPr>
+        <c:txPr>
+          <a:bodyPr rot="-60000000" spcFirstLastPara="1" vertOverflow="ellipsis" vert="horz" wrap="square" anchor="ctr" anchorCtr="1"/>
+          <a:lstStyle/>
+          <a:p>
+            <a:pPr>
+              <a:defRPr sz="900" b="0" i="0" u="none" strike="noStrike" kern="1200" cap="none" spc="0" normalizeH="0" baseline="0">
+                <a:solidFill>
+                  <a:schemeClr val="dk1">
+                    <a:lumMod val="65000"/>
+                    <a:lumOff val="35000"/>
+                  </a:schemeClr>
+                </a:solidFill>
+                <a:latin typeface="+mn-lt"/>
+                <a:ea typeface="+mn-ea"/>
+                <a:cs typeface="+mn-cs"/>
+              </a:defRPr>
+            </a:pPr>
+            <a:endParaRPr lang="pt-PT"/>
+          </a:p>
+        </c:txPr>
+        <c:crossAx val="1670374144"/>
+        <c:crosses val="autoZero"/>
+        <c:auto val="1"/>
+        <c:lblAlgn val="ctr"/>
+        <c:lblOffset val="100"/>
+        <c:noMultiLvlLbl val="0"/>
+      </c:catAx>
+      <c:valAx>
+        <c:axId val="1670374144"/>
+        <c:scaling>
+          <c:orientation val="minMax"/>
+        </c:scaling>
+        <c:delete val="0"/>
+        <c:axPos val="l"/>
+        <c:majorGridlines>
+          <c:spPr>
+            <a:ln w="9525" cap="flat" cmpd="sng" algn="ctr">
+              <a:solidFill>
+                <a:schemeClr val="dk1">
+                  <a:lumMod val="15000"/>
+                  <a:lumOff val="85000"/>
+                </a:schemeClr>
+              </a:solidFill>
+              <a:round/>
+            </a:ln>
+            <a:effectLst/>
+          </c:spPr>
+        </c:majorGridlines>
+        <c:numFmt formatCode="General" sourceLinked="1"/>
+        <c:majorTickMark val="none"/>
+        <c:minorTickMark val="none"/>
+        <c:tickLblPos val="nextTo"/>
+        <c:spPr>
+          <a:noFill/>
+          <a:ln w="9525" cap="flat" cmpd="sng" algn="ctr">
+            <a:solidFill>
+              <a:schemeClr val="dk1">
+                <a:lumMod val="15000"/>
+                <a:lumOff val="85000"/>
+              </a:schemeClr>
+            </a:solidFill>
+            <a:round/>
+          </a:ln>
+          <a:effectLst/>
+        </c:spPr>
+        <c:txPr>
+          <a:bodyPr rot="-60000000" spcFirstLastPara="1" vertOverflow="ellipsis" vert="horz" wrap="square" anchor="ctr" anchorCtr="1"/>
+          <a:lstStyle/>
+          <a:p>
+            <a:pPr>
+              <a:defRPr sz="900" b="0" i="0" u="none" strike="noStrike" kern="1200" baseline="0">
+                <a:solidFill>
+                  <a:schemeClr val="dk1">
+                    <a:lumMod val="65000"/>
+                    <a:lumOff val="35000"/>
+                  </a:schemeClr>
+                </a:solidFill>
+                <a:latin typeface="+mn-lt"/>
+                <a:ea typeface="+mn-ea"/>
+                <a:cs typeface="+mn-cs"/>
+              </a:defRPr>
+            </a:pPr>
+            <a:endParaRPr lang="pt-PT"/>
+          </a:p>
+        </c:txPr>
+        <c:crossAx val="1670366656"/>
+        <c:crosses val="autoZero"/>
+        <c:crossBetween val="between"/>
+      </c:valAx>
+      <c:valAx>
+        <c:axId val="1670377056"/>
+        <c:scaling>
+          <c:orientation val="minMax"/>
+        </c:scaling>
+        <c:delete val="0"/>
+        <c:axPos val="r"/>
+        <c:numFmt formatCode="General" sourceLinked="1"/>
+        <c:majorTickMark val="out"/>
+        <c:minorTickMark val="none"/>
+        <c:tickLblPos val="nextTo"/>
+        <c:spPr>
+          <a:noFill/>
+          <a:ln w="9525" cap="flat" cmpd="sng" algn="ctr">
+            <a:solidFill>
+              <a:schemeClr val="dk1">
+                <a:lumMod val="15000"/>
+                <a:lumOff val="85000"/>
+              </a:schemeClr>
+            </a:solidFill>
+            <a:round/>
+          </a:ln>
+          <a:effectLst/>
+        </c:spPr>
+        <c:txPr>
+          <a:bodyPr rot="-60000000" spcFirstLastPara="1" vertOverflow="ellipsis" vert="horz" wrap="square" anchor="ctr" anchorCtr="1"/>
+          <a:lstStyle/>
+          <a:p>
+            <a:pPr>
+              <a:defRPr sz="900" b="0" i="0" u="none" strike="noStrike" kern="1200" baseline="0">
+                <a:solidFill>
+                  <a:schemeClr val="dk1">
+                    <a:lumMod val="65000"/>
+                    <a:lumOff val="35000"/>
+                  </a:schemeClr>
+                </a:solidFill>
+                <a:latin typeface="+mn-lt"/>
+                <a:ea typeface="+mn-ea"/>
+                <a:cs typeface="+mn-cs"/>
+              </a:defRPr>
+            </a:pPr>
+            <a:endParaRPr lang="pt-PT"/>
+          </a:p>
+        </c:txPr>
+        <c:crossAx val="1670381632"/>
+        <c:crosses val="max"/>
+        <c:crossBetween val="between"/>
+      </c:valAx>
+      <c:catAx>
+        <c:axId val="1670381632"/>
+        <c:scaling>
+          <c:orientation val="minMax"/>
+        </c:scaling>
+        <c:delete val="1"/>
+        <c:axPos val="b"/>
+        <c:numFmt formatCode="General" sourceLinked="1"/>
+        <c:majorTickMark val="out"/>
+        <c:minorTickMark val="none"/>
+        <c:tickLblPos val="nextTo"/>
+        <c:crossAx val="1670377056"/>
+        <c:crosses val="autoZero"/>
+        <c:auto val="1"/>
+        <c:lblAlgn val="ctr"/>
+        <c:lblOffset val="100"/>
+        <c:noMultiLvlLbl val="0"/>
+      </c:catAx>
+      <c:spPr>
+        <a:pattFill prst="ltDnDiag">
+          <a:fgClr>
+            <a:schemeClr val="dk1">
+              <a:lumMod val="15000"/>
+              <a:lumOff val="85000"/>
+            </a:schemeClr>
+          </a:fgClr>
+          <a:bgClr>
+            <a:schemeClr val="lt1"/>
+          </a:bgClr>
+        </a:pattFill>
+        <a:ln>
+          <a:noFill/>
+        </a:ln>
+        <a:effectLst/>
+      </c:spPr>
+    </c:plotArea>
+    <c:legend>
+      <c:legendPos val="b"/>
+      <c:layout/>
+      <c:overlay val="0"/>
+      <c:spPr>
+        <a:noFill/>
+        <a:ln>
+          <a:noFill/>
+        </a:ln>
+        <a:effectLst/>
+      </c:spPr>
+      <c:txPr>
+        <a:bodyPr rot="0" spcFirstLastPara="1" vertOverflow="ellipsis" vert="horz" wrap="square" anchor="ctr" anchorCtr="1"/>
+        <a:lstStyle/>
+        <a:p>
+          <a:pPr>
+            <a:defRPr sz="900" b="0" i="0" u="none" strike="noStrike" kern="1200" baseline="0">
+              <a:solidFill>
+                <a:schemeClr val="dk1">
+                  <a:lumMod val="65000"/>
+                  <a:lumOff val="35000"/>
+                </a:schemeClr>
+              </a:solidFill>
+              <a:latin typeface="+mn-lt"/>
+              <a:ea typeface="+mn-ea"/>
+              <a:cs typeface="+mn-cs"/>
+            </a:defRPr>
+          </a:pPr>
+          <a:endParaRPr lang="pt-PT"/>
+        </a:p>
+      </c:txPr>
+    </c:legend>
+    <c:plotVisOnly val="1"/>
+    <c:dispBlanksAs val="gap"/>
+    <c:showDLblsOverMax val="0"/>
+  </c:chart>
+  <c:spPr>
+    <a:solidFill>
+      <a:schemeClr val="lt1"/>
+    </a:solidFill>
+    <a:ln w="9525" cap="flat" cmpd="sng" algn="ctr">
+      <a:solidFill>
+        <a:schemeClr val="dk1">
+          <a:lumMod val="15000"/>
+          <a:lumOff val="85000"/>
+        </a:schemeClr>
+      </a:solidFill>
+      <a:round/>
+    </a:ln>
+    <a:effectLst/>
+  </c:spPr>
+  <c:txPr>
+    <a:bodyPr/>
+    <a:lstStyle/>
+    <a:p>
+      <a:pPr>
+        <a:defRPr/>
+      </a:pPr>
+      <a:endParaRPr lang="pt-PT"/>
+    </a:p>
+  </c:txPr>
+  <c:externalData r:id="rId3">
+    <c:autoUpdate val="0"/>
+  </c:externalData>
+</c:chartSpace>
+</file>
+
+<file path=ppt/charts/chartEx1.xml><?xml version="1.0" encoding="utf-8"?>
+<cx:chartSpace xmlns:a="http://schemas.openxmlformats.org/drawingml/2006/main" xmlns:r="http://schemas.openxmlformats.org/officeDocument/2006/relationships" xmlns:cx="http://schemas.microsoft.com/office/drawing/2014/chartex">
+  <cx:chartData>
+    <cx:externalData r:id="rId1" cx:autoUpdate="0"/>
+    <cx:data id="0">
+      <cx:strDim type="cat">
+        <cx:f>'results-7'!$A$2:$A$25</cx:f>
+        <cx:lvl ptCount="24">
+          <cx:pt idx="0">Animation</cx:pt>
+          <cx:pt idx="1">Animation</cx:pt>
+          <cx:pt idx="2">Animation</cx:pt>
+          <cx:pt idx="3">Animation</cx:pt>
+          <cx:pt idx="4">Children</cx:pt>
+          <cx:pt idx="5">Children</cx:pt>
+          <cx:pt idx="6">Children</cx:pt>
+          <cx:pt idx="7">Children</cx:pt>
+          <cx:pt idx="8">Classics</cx:pt>
+          <cx:pt idx="9">Classics</cx:pt>
+          <cx:pt idx="10">Classics</cx:pt>
+          <cx:pt idx="11">Classics</cx:pt>
+          <cx:pt idx="12">Comedy</cx:pt>
+          <cx:pt idx="13">Comedy</cx:pt>
+          <cx:pt idx="14">Comedy</cx:pt>
+          <cx:pt idx="15">Comedy</cx:pt>
+          <cx:pt idx="16">Family</cx:pt>
+          <cx:pt idx="17">Family</cx:pt>
+          <cx:pt idx="18">Family</cx:pt>
+          <cx:pt idx="19">Family</cx:pt>
+          <cx:pt idx="20">Music</cx:pt>
+          <cx:pt idx="21">Music</cx:pt>
+          <cx:pt idx="22">Music</cx:pt>
+          <cx:pt idx="23">Music</cx:pt>
+        </cx:lvl>
+      </cx:strDim>
+      <cx:numDim type="val">
+        <cx:f>'results-7'!$B$2:$B$25</cx:f>
+        <cx:lvl ptCount="24" formatCode="General">
+          <cx:pt idx="0">1</cx:pt>
+          <cx:pt idx="1">2</cx:pt>
+          <cx:pt idx="2">3</cx:pt>
+          <cx:pt idx="3">4</cx:pt>
+          <cx:pt idx="4">1</cx:pt>
+          <cx:pt idx="5">2</cx:pt>
+          <cx:pt idx="6">3</cx:pt>
+          <cx:pt idx="7">4</cx:pt>
+          <cx:pt idx="8">1</cx:pt>
+          <cx:pt idx="9">2</cx:pt>
+          <cx:pt idx="10">3</cx:pt>
+          <cx:pt idx="11">4</cx:pt>
+          <cx:pt idx="12">1</cx:pt>
+          <cx:pt idx="13">2</cx:pt>
+          <cx:pt idx="14">3</cx:pt>
+          <cx:pt idx="15">4</cx:pt>
+          <cx:pt idx="16">1</cx:pt>
+          <cx:pt idx="17">2</cx:pt>
+          <cx:pt idx="18">3</cx:pt>
+          <cx:pt idx="19">4</cx:pt>
+          <cx:pt idx="20">1</cx:pt>
+          <cx:pt idx="21">2</cx:pt>
+          <cx:pt idx="22">3</cx:pt>
+          <cx:pt idx="23">4</cx:pt>
+        </cx:lvl>
+      </cx:numDim>
+    </cx:data>
+    <cx:data id="1">
+      <cx:strDim type="cat">
+        <cx:f>'results-7'!$A$2:$A$25</cx:f>
+        <cx:lvl ptCount="24">
+          <cx:pt idx="0">Animation</cx:pt>
+          <cx:pt idx="1">Animation</cx:pt>
+          <cx:pt idx="2">Animation</cx:pt>
+          <cx:pt idx="3">Animation</cx:pt>
+          <cx:pt idx="4">Children</cx:pt>
+          <cx:pt idx="5">Children</cx:pt>
+          <cx:pt idx="6">Children</cx:pt>
+          <cx:pt idx="7">Children</cx:pt>
+          <cx:pt idx="8">Classics</cx:pt>
+          <cx:pt idx="9">Classics</cx:pt>
+          <cx:pt idx="10">Classics</cx:pt>
+          <cx:pt idx="11">Classics</cx:pt>
+          <cx:pt idx="12">Comedy</cx:pt>
+          <cx:pt idx="13">Comedy</cx:pt>
+          <cx:pt idx="14">Comedy</cx:pt>
+          <cx:pt idx="15">Comedy</cx:pt>
+          <cx:pt idx="16">Family</cx:pt>
+          <cx:pt idx="17">Family</cx:pt>
+          <cx:pt idx="18">Family</cx:pt>
+          <cx:pt idx="19">Family</cx:pt>
+          <cx:pt idx="20">Music</cx:pt>
+          <cx:pt idx="21">Music</cx:pt>
+          <cx:pt idx="22">Music</cx:pt>
+          <cx:pt idx="23">Music</cx:pt>
+        </cx:lvl>
+      </cx:strDim>
+      <cx:numDim type="val">
+        <cx:f>'results-7'!$C$2:$C$25</cx:f>
+        <cx:lvl ptCount="24" formatCode="General">
+          <cx:pt idx="0">22</cx:pt>
+          <cx:pt idx="1">12</cx:pt>
+          <cx:pt idx="2">15</cx:pt>
+          <cx:pt idx="3">17</cx:pt>
+          <cx:pt idx="4">14</cx:pt>
+          <cx:pt idx="5">18</cx:pt>
+          <cx:pt idx="6">14</cx:pt>
+          <cx:pt idx="7">14</cx:pt>
+          <cx:pt idx="8">14</cx:pt>
+          <cx:pt idx="9">15</cx:pt>
+          <cx:pt idx="10">12</cx:pt>
+          <cx:pt idx="11">16</cx:pt>
+          <cx:pt idx="12">17</cx:pt>
+          <cx:pt idx="13">15</cx:pt>
+          <cx:pt idx="14">13</cx:pt>
+          <cx:pt idx="15">13</cx:pt>
+          <cx:pt idx="16">15</cx:pt>
+          <cx:pt idx="17">17</cx:pt>
+          <cx:pt idx="18">20</cx:pt>
+          <cx:pt idx="19">17</cx:pt>
+          <cx:pt idx="20">9</cx:pt>
+          <cx:pt idx="21">13</cx:pt>
+          <cx:pt idx="22">16</cx:pt>
+          <cx:pt idx="23">13</cx:pt>
+        </cx:lvl>
+      </cx:numDim>
+    </cx:data>
+  </cx:chartData>
+  <cx:chart>
+    <cx:plotArea>
+      <cx:plotAreaRegion>
+        <cx:series layoutId="boxWhisker" uniqueId="{02467C11-49CC-4A1E-8ABF-CA1B237D5837}">
+          <cx:tx>
+            <cx:txData>
+              <cx:f>'results-7'!$B$1</cx:f>
+              <cx:v>Rental Lengh Category</cx:v>
+            </cx:txData>
+          </cx:tx>
+          <cx:dataId val="0"/>
+          <cx:layoutPr>
+            <cx:visibility meanLine="0" meanMarker="1" nonoutliers="0" outliers="1"/>
+            <cx:statistics quartileMethod="exclusive"/>
+          </cx:layoutPr>
+        </cx:series>
+        <cx:series layoutId="boxWhisker" uniqueId="{5D9ED9E6-2CB3-4D26-B906-EE2B0A466BE5}">
+          <cx:tx>
+            <cx:txData>
+              <cx:f>'results-7'!$C$1</cx:f>
+              <cx:v>Movie Count</cx:v>
+            </cx:txData>
+          </cx:tx>
+          <cx:dataId val="1"/>
+          <cx:layoutPr>
+            <cx:visibility meanLine="0" meanMarker="1" nonoutliers="0" outliers="1"/>
+            <cx:statistics quartileMethod="exclusive"/>
+          </cx:layoutPr>
+        </cx:series>
+      </cx:plotAreaRegion>
+      <cx:axis id="0">
+        <cx:catScaling gapWidth="1"/>
+        <cx:tickLabels/>
+      </cx:axis>
+      <cx:axis id="1">
+        <cx:valScaling/>
+        <cx:majorGridlines/>
+        <cx:tickLabels/>
+      </cx:axis>
+    </cx:plotArea>
+    <cx:legend pos="t" align="ctr" overlay="0"/>
+  </cx:chart>
+  <cx:clrMapOvr bg1="lt1" tx1="dk1" bg2="lt2" tx2="dk2" accent1="accent1" accent2="accent2" accent3="accent3" accent4="accent4" accent5="accent5" accent6="accent6" hlink="hlink" folHlink="folHlink"/>
+</cx:chartSpace>
+</file>
+
+<file path=ppt/charts/colors1.xml><?xml version="1.0" encoding="utf-8"?>
+<cs:colorStyle xmlns:cs="http://schemas.microsoft.com/office/drawing/2012/chartStyle" xmlns:a="http://schemas.openxmlformats.org/drawingml/2006/main" meth="cycle" id="10">
+  <a:schemeClr val="accent1"/>
+  <a:schemeClr val="accent2"/>
+  <a:schemeClr val="accent3"/>
+  <a:schemeClr val="accent4"/>
+  <a:schemeClr val="accent5"/>
+  <a:schemeClr val="accent6"/>
+  <cs:variation/>
+  <cs:variation>
+    <a:lumMod val="60000"/>
+  </cs:variation>
+  <cs:variation>
+    <a:lumMod val="80000"/>
+    <a:lumOff val="20000"/>
+  </cs:variation>
+  <cs:variation>
+    <a:lumMod val="80000"/>
+  </cs:variation>
+  <cs:variation>
+    <a:lumMod val="60000"/>
+    <a:lumOff val="40000"/>
+  </cs:variation>
+  <cs:variation>
+    <a:lumMod val="50000"/>
+  </cs:variation>
+  <cs:variation>
+    <a:lumMod val="70000"/>
+    <a:lumOff val="30000"/>
+  </cs:variation>
+  <cs:variation>
+    <a:lumMod val="70000"/>
+  </cs:variation>
+  <cs:variation>
+    <a:lumMod val="50000"/>
+    <a:lumOff val="50000"/>
+  </cs:variation>
+</cs:colorStyle>
+</file>
+
+<file path=ppt/charts/colors2.xml><?xml version="1.0" encoding="utf-8"?>
+<cs:colorStyle xmlns:cs="http://schemas.microsoft.com/office/drawing/2012/chartStyle" xmlns:a="http://schemas.openxmlformats.org/drawingml/2006/main" meth="cycle" id="10">
+  <a:schemeClr val="accent1"/>
+  <a:schemeClr val="accent2"/>
+  <a:schemeClr val="accent3"/>
+  <a:schemeClr val="accent4"/>
+  <a:schemeClr val="accent5"/>
+  <a:schemeClr val="accent6"/>
+  <cs:variation/>
+  <cs:variation>
+    <a:lumMod val="60000"/>
+  </cs:variation>
+  <cs:variation>
+    <a:lumMod val="80000"/>
+    <a:lumOff val="20000"/>
+  </cs:variation>
+  <cs:variation>
+    <a:lumMod val="80000"/>
+  </cs:variation>
+  <cs:variation>
+    <a:lumMod val="60000"/>
+    <a:lumOff val="40000"/>
+  </cs:variation>
+  <cs:variation>
+    <a:lumMod val="50000"/>
+  </cs:variation>
+  <cs:variation>
+    <a:lumMod val="70000"/>
+    <a:lumOff val="30000"/>
+  </cs:variation>
+  <cs:variation>
+    <a:lumMod val="70000"/>
+  </cs:variation>
+  <cs:variation>
+    <a:lumMod val="50000"/>
+    <a:lumOff val="50000"/>
+  </cs:variation>
+</cs:colorStyle>
+</file>
+
+<file path=ppt/charts/style1.xml><?xml version="1.0" encoding="utf-8"?>
+<cs:chartStyle xmlns:cs="http://schemas.microsoft.com/office/drawing/2012/chartStyle" xmlns:a="http://schemas.openxmlformats.org/drawingml/2006/main" id="303">
+  <cs:axisTitle>
+    <cs:lnRef idx="0"/>
+    <cs:fillRef idx="0"/>
+    <cs:effectRef idx="0"/>
+    <cs:fontRef idx="minor">
+      <a:schemeClr val="dk1">
+        <a:lumMod val="65000"/>
+        <a:lumOff val="35000"/>
+      </a:schemeClr>
+    </cs:fontRef>
+    <cs:defRPr sz="900" b="1" kern="1200"/>
+  </cs:axisTitle>
+  <cs:categoryAxis>
+    <cs:lnRef idx="0"/>
+    <cs:fillRef idx="0"/>
+    <cs:effectRef idx="0"/>
+    <cs:fontRef idx="minor">
+      <a:schemeClr val="dk1">
+        <a:lumMod val="65000"/>
+        <a:lumOff val="35000"/>
+      </a:schemeClr>
+    </cs:fontRef>
+    <cs:spPr>
+      <a:ln w="9525" cap="flat" cmpd="sng" algn="ctr">
+        <a:solidFill>
+          <a:schemeClr val="dk1">
+            <a:lumMod val="15000"/>
+            <a:lumOff val="85000"/>
+          </a:schemeClr>
+        </a:solidFill>
+        <a:round/>
+      </a:ln>
+    </cs:spPr>
+    <cs:defRPr sz="900" kern="1200" cap="none" spc="0" normalizeH="0" baseline="0"/>
+  </cs:categoryAxis>
+  <cs:chartArea>
+    <cs:lnRef idx="0"/>
+    <cs:fillRef idx="0"/>
+    <cs:effectRef idx="0"/>
+    <cs:fontRef idx="minor">
+      <a:schemeClr val="dk1"/>
+    </cs:fontRef>
+    <cs:spPr>
+      <a:solidFill>
+        <a:schemeClr val="lt1"/>
+      </a:solidFill>
+      <a:ln w="9525" cap="flat" cmpd="sng" algn="ctr">
+        <a:solidFill>
+          <a:schemeClr val="dk1">
+            <a:lumMod val="15000"/>
+            <a:lumOff val="85000"/>
+          </a:schemeClr>
+        </a:solidFill>
+        <a:round/>
+      </a:ln>
+    </cs:spPr>
+    <cs:defRPr sz="900" kern="1200"/>
+  </cs:chartArea>
+  <cs:dataLabel>
+    <cs:lnRef idx="0"/>
+    <cs:fillRef idx="0"/>
+    <cs:effectRef idx="0"/>
+    <cs:fontRef idx="minor">
+      <a:schemeClr val="dk1">
+        <a:lumMod val="75000"/>
+        <a:lumOff val="25000"/>
+      </a:schemeClr>
+    </cs:fontRef>
+    <cs:defRPr sz="900" kern="1200"/>
+  </cs:dataLabel>
+  <cs:dataLabelCallout>
+    <cs:lnRef idx="0"/>
+    <cs:fillRef idx="0"/>
+    <cs:effectRef idx="0"/>
+    <cs:fontRef idx="minor">
+      <a:schemeClr val="dk1">
+        <a:lumMod val="65000"/>
+        <a:lumOff val="35000"/>
+      </a:schemeClr>
+    </cs:fontRef>
+    <cs:spPr>
+      <a:solidFill>
+        <a:schemeClr val="lt1"/>
+      </a:solidFill>
+      <a:ln>
+        <a:solidFill>
+          <a:schemeClr val="dk1">
+            <a:lumMod val="25000"/>
+            <a:lumOff val="75000"/>
+          </a:schemeClr>
+        </a:solidFill>
+      </a:ln>
+    </cs:spPr>
+    <cs:defRPr sz="900" kern="1200"/>
+    <cs:bodyPr rot="0" spcFirstLastPara="1" vertOverflow="clip" horzOverflow="clip" vert="horz" wrap="square" lIns="36576" tIns="18288" rIns="36576" bIns="18288" anchor="ctr" anchorCtr="1">
+      <a:spAutoFit/>
+    </cs:bodyPr>
+  </cs:dataLabelCallout>
+  <cs:dataPoint>
+    <cs:lnRef idx="0"/>
+    <cs:fillRef idx="0">
+      <cs:styleClr val="auto"/>
+    </cs:fillRef>
+    <cs:effectRef idx="0"/>
+    <cs:fontRef idx="minor">
+      <a:schemeClr val="dk1"/>
+    </cs:fontRef>
+    <cs:spPr>
+      <a:solidFill>
+        <a:schemeClr val="phClr"/>
+      </a:solidFill>
+    </cs:spPr>
+  </cs:dataPoint>
+  <cs:dataPoint3D>
+    <cs:lnRef idx="0"/>
+    <cs:fillRef idx="0">
+      <cs:styleClr val="auto"/>
+    </cs:fillRef>
+    <cs:effectRef idx="0"/>
+    <cs:fontRef idx="minor">
+      <a:schemeClr val="dk1"/>
+    </cs:fontRef>
+    <cs:spPr>
+      <a:solidFill>
+        <a:schemeClr val="phClr"/>
+      </a:solidFill>
+    </cs:spPr>
+  </cs:dataPoint3D>
+  <cs:dataPointLine>
+    <cs:lnRef idx="0">
+      <cs:styleClr val="auto"/>
+    </cs:lnRef>
+    <cs:fillRef idx="0"/>
+    <cs:effectRef idx="0"/>
+    <cs:fontRef idx="minor">
+      <a:schemeClr val="dk1"/>
+    </cs:fontRef>
+    <cs:spPr>
+      <a:ln w="22225" cap="rnd">
+        <a:solidFill>
+          <a:schemeClr val="phClr"/>
+        </a:solidFill>
+        <a:round/>
+      </a:ln>
+    </cs:spPr>
+  </cs:dataPointLine>
+  <cs:dataPointMarker>
+    <cs:lnRef idx="0">
+      <cs:styleClr val="auto"/>
+    </cs:lnRef>
+    <cs:fillRef idx="0">
+      <cs:styleClr val="auto"/>
+    </cs:fillRef>
+    <cs:effectRef idx="0"/>
+    <cs:fontRef idx="minor">
+      <a:schemeClr val="dk1"/>
+    </cs:fontRef>
+    <cs:spPr>
+      <a:solidFill>
+        <a:schemeClr val="lt1"/>
+      </a:solidFill>
+      <a:ln w="15875">
+        <a:solidFill>
+          <a:schemeClr val="phClr"/>
+        </a:solidFill>
+        <a:round/>
+      </a:ln>
+    </cs:spPr>
+  </cs:dataPointMarker>
+  <cs:dataPointMarkerLayout symbol="circle" size="6"/>
+  <cs:dataPointWireframe>
+    <cs:lnRef idx="0">
+      <cs:styleClr val="auto"/>
+    </cs:lnRef>
+    <cs:fillRef idx="0"/>
+    <cs:effectRef idx="0"/>
+    <cs:fontRef idx="minor">
+      <a:schemeClr val="dk1"/>
+    </cs:fontRef>
+    <cs:spPr>
+      <a:ln w="9525" cap="rnd">
+        <a:solidFill>
+          <a:schemeClr val="phClr"/>
+        </a:solidFill>
+        <a:round/>
+      </a:ln>
+    </cs:spPr>
+  </cs:dataPointWireframe>
+  <cs:dataTable>
+    <cs:lnRef idx="0"/>
+    <cs:fillRef idx="0"/>
+    <cs:effectRef idx="0"/>
+    <cs:fontRef idx="minor">
+      <a:schemeClr val="dk1">
+        <a:lumMod val="65000"/>
+        <a:lumOff val="35000"/>
+      </a:schemeClr>
+    </cs:fontRef>
+    <cs:spPr>
+      <a:ln w="9525" cap="flat" cmpd="sng" algn="ctr">
+        <a:solidFill>
+          <a:schemeClr val="dk1">
+            <a:lumMod val="15000"/>
+            <a:lumOff val="85000"/>
+          </a:schemeClr>
+        </a:solidFill>
+        <a:round/>
+      </a:ln>
+    </cs:spPr>
+    <cs:defRPr sz="800" kern="1200"/>
+  </cs:dataTable>
+  <cs:downBar>
+    <cs:lnRef idx="0"/>
+    <cs:fillRef idx="0"/>
+    <cs:effectRef idx="0"/>
+    <cs:fontRef idx="minor">
+      <a:schemeClr val="dk1"/>
+    </cs:fontRef>
+    <cs:spPr>
+      <a:solidFill>
+        <a:schemeClr val="dk1">
+          <a:lumMod val="75000"/>
+          <a:lumOff val="25000"/>
+        </a:schemeClr>
+      </a:solidFill>
+      <a:ln w="9525" cap="flat" cmpd="sng" algn="ctr">
+        <a:solidFill>
+          <a:schemeClr val="dk1">
+            <a:lumMod val="50000"/>
+            <a:lumOff val="50000"/>
+          </a:schemeClr>
+        </a:solidFill>
+        <a:round/>
+      </a:ln>
+    </cs:spPr>
+  </cs:downBar>
+  <cs:dropLine>
+    <cs:lnRef idx="0"/>
+    <cs:fillRef idx="0"/>
+    <cs:effectRef idx="0"/>
+    <cs:fontRef idx="minor">
+      <a:schemeClr val="dk1"/>
+    </cs:fontRef>
+    <cs:spPr>
+      <a:ln w="9525" cap="flat" cmpd="sng" algn="ctr">
+        <a:solidFill>
+          <a:schemeClr val="dk1">
+            <a:lumMod val="35000"/>
+            <a:lumOff val="65000"/>
+          </a:schemeClr>
+        </a:solidFill>
+        <a:round/>
+      </a:ln>
+    </cs:spPr>
+  </cs:dropLine>
+  <cs:errorBar>
+    <cs:lnRef idx="0"/>
+    <cs:fillRef idx="0"/>
+    <cs:effectRef idx="0"/>
+    <cs:fontRef idx="minor">
+      <a:schemeClr val="dk1"/>
+    </cs:fontRef>
+    <cs:spPr>
+      <a:ln w="9525" cap="flat" cmpd="sng" algn="ctr">
+        <a:solidFill>
+          <a:schemeClr val="dk1">
+            <a:lumMod val="50000"/>
+            <a:lumOff val="50000"/>
+          </a:schemeClr>
+        </a:solidFill>
+        <a:round/>
+      </a:ln>
+    </cs:spPr>
+  </cs:errorBar>
+  <cs:floor>
+    <cs:lnRef idx="0"/>
+    <cs:fillRef idx="0"/>
+    <cs:effectRef idx="0"/>
+    <cs:fontRef idx="minor">
+      <a:schemeClr val="dk1"/>
+    </cs:fontRef>
+    <cs:spPr>
+      <a:pattFill prst="ltDnDiag">
+        <a:fgClr>
+          <a:schemeClr val="dk1">
+            <a:lumMod val="15000"/>
+            <a:lumOff val="85000"/>
+          </a:schemeClr>
+        </a:fgClr>
+        <a:bgClr>
+          <a:schemeClr val="lt1"/>
+        </a:bgClr>
+      </a:pattFill>
+    </cs:spPr>
+  </cs:floor>
+  <cs:gridlineMajor>
+    <cs:lnRef idx="0"/>
+    <cs:fillRef idx="0"/>
+    <cs:effectRef idx="0"/>
+    <cs:fontRef idx="minor">
+      <a:schemeClr val="dk1"/>
+    </cs:fontRef>
+    <cs:spPr>
+      <a:ln w="9525" cap="flat" cmpd="sng" algn="ctr">
+        <a:solidFill>
+          <a:schemeClr val="dk1">
+            <a:lumMod val="15000"/>
+            <a:lumOff val="85000"/>
+          </a:schemeClr>
+        </a:solidFill>
+        <a:round/>
+      </a:ln>
+    </cs:spPr>
+  </cs:gridlineMajor>
+  <cs:gridlineMinor>
+    <cs:lnRef idx="0"/>
+    <cs:fillRef idx="0"/>
+    <cs:effectRef idx="0"/>
+    <cs:fontRef idx="minor">
+      <a:schemeClr val="dk1"/>
+    </cs:fontRef>
+    <cs:spPr>
+      <a:ln w="9525" cap="flat" cmpd="sng" algn="ctr">
+        <a:solidFill>
+          <a:schemeClr val="dk1">
+            <a:lumMod val="5000"/>
+            <a:lumOff val="95000"/>
+          </a:schemeClr>
+        </a:solidFill>
+        <a:round/>
+      </a:ln>
+    </cs:spPr>
+  </cs:gridlineMinor>
+  <cs:hiLoLine>
+    <cs:lnRef idx="0"/>
+    <cs:fillRef idx="0"/>
+    <cs:effectRef idx="0"/>
+    <cs:fontRef idx="minor">
+      <a:schemeClr val="dk1"/>
+    </cs:fontRef>
+    <cs:spPr>
+      <a:ln w="9525" cap="flat" cmpd="sng" algn="ctr">
+        <a:solidFill>
+          <a:schemeClr val="dk1">
+            <a:lumMod val="35000"/>
+            <a:lumOff val="65000"/>
+          </a:schemeClr>
+        </a:solidFill>
+        <a:round/>
+      </a:ln>
+    </cs:spPr>
+  </cs:hiLoLine>
+  <cs:leaderLine>
+    <cs:lnRef idx="0"/>
+    <cs:fillRef idx="0"/>
+    <cs:effectRef idx="0"/>
+    <cs:fontRef idx="minor">
+      <a:schemeClr val="dk1"/>
+    </cs:fontRef>
+    <cs:spPr>
+      <a:ln w="9525" cap="flat" cmpd="sng" algn="ctr">
+        <a:solidFill>
+          <a:schemeClr val="dk1">
+            <a:lumMod val="35000"/>
+            <a:lumOff val="65000"/>
+          </a:schemeClr>
+        </a:solidFill>
+        <a:round/>
+      </a:ln>
+    </cs:spPr>
+  </cs:leaderLine>
+  <cs:legend>
+    <cs:lnRef idx="0"/>
+    <cs:fillRef idx="0"/>
+    <cs:effectRef idx="0"/>
+    <cs:fontRef idx="minor">
+      <a:schemeClr val="dk1">
+        <a:lumMod val="65000"/>
+        <a:lumOff val="35000"/>
+      </a:schemeClr>
+    </cs:fontRef>
+    <cs:defRPr sz="900" kern="1200"/>
+  </cs:legend>
+  <cs:plotArea>
+    <cs:lnRef idx="0"/>
+    <cs:fillRef idx="0"/>
+    <cs:effectRef idx="0"/>
+    <cs:fontRef idx="minor">
+      <a:schemeClr val="dk1"/>
+    </cs:fontRef>
+    <cs:spPr>
+      <a:pattFill prst="ltDnDiag">
+        <a:fgClr>
+          <a:schemeClr val="dk1">
+            <a:lumMod val="15000"/>
+            <a:lumOff val="85000"/>
+          </a:schemeClr>
+        </a:fgClr>
+        <a:bgClr>
+          <a:schemeClr val="lt1"/>
+        </a:bgClr>
+      </a:pattFill>
+    </cs:spPr>
+  </cs:plotArea>
+  <cs:plotArea3D>
+    <cs:lnRef idx="0"/>
+    <cs:fillRef idx="0"/>
+    <cs:effectRef idx="0"/>
+    <cs:fontRef idx="minor">
+      <a:schemeClr val="dk1"/>
+    </cs:fontRef>
+    <cs:spPr>
+      <a:solidFill>
+        <a:schemeClr val="lt1"/>
+      </a:solidFill>
+    </cs:spPr>
+  </cs:plotArea3D>
+  <cs:seriesAxis>
+    <cs:lnRef idx="0"/>
+    <cs:fillRef idx="0"/>
+    <cs:effectRef idx="0"/>
+    <cs:fontRef idx="minor">
+      <a:schemeClr val="dk1">
+        <a:lumMod val="65000"/>
+        <a:lumOff val="35000"/>
+      </a:schemeClr>
+    </cs:fontRef>
+    <cs:spPr>
+      <a:ln w="9525" cap="flat" cmpd="sng" algn="ctr">
+        <a:solidFill>
+          <a:schemeClr val="dk1">
+            <a:lumMod val="15000"/>
+            <a:lumOff val="85000"/>
+          </a:schemeClr>
+        </a:solidFill>
+        <a:round/>
+      </a:ln>
+    </cs:spPr>
+    <cs:defRPr sz="900" kern="1200"/>
+  </cs:seriesAxis>
+  <cs:seriesLine>
+    <cs:lnRef idx="0"/>
+    <cs:fillRef idx="0"/>
+    <cs:effectRef idx="0"/>
+    <cs:fontRef idx="minor">
+      <a:schemeClr val="dk1"/>
+    </cs:fontRef>
+    <cs:spPr>
+      <a:ln w="9525" cap="flat" cmpd="sng" algn="ctr">
+        <a:solidFill>
+          <a:schemeClr val="dk1">
+            <a:lumMod val="35000"/>
+            <a:lumOff val="65000"/>
+          </a:schemeClr>
+        </a:solidFill>
+        <a:round/>
+      </a:ln>
+    </cs:spPr>
+  </cs:seriesLine>
+  <cs:title>
+    <cs:lnRef idx="0"/>
+    <cs:fillRef idx="0"/>
+    <cs:effectRef idx="0"/>
+    <cs:fontRef idx="major">
+      <a:schemeClr val="dk1">
+        <a:lumMod val="50000"/>
+        <a:lumOff val="50000"/>
+      </a:schemeClr>
+    </cs:fontRef>
+    <cs:defRPr sz="1600" b="1" kern="1200" cap="none" spc="0" normalizeH="0" baseline="0"/>
+  </cs:title>
+  <cs:trendline>
+    <cs:lnRef idx="0">
+      <cs:styleClr val="auto"/>
+    </cs:lnRef>
+    <cs:fillRef idx="0"/>
+    <cs:effectRef idx="0"/>
+    <cs:fontRef idx="minor">
+      <a:schemeClr val="dk1"/>
+    </cs:fontRef>
+    <cs:spPr>
+      <a:ln w="19050" cap="rnd">
+        <a:solidFill>
+          <a:schemeClr val="phClr"/>
+        </a:solidFill>
+      </a:ln>
+    </cs:spPr>
+  </cs:trendline>
+  <cs:trendlineLabel>
+    <cs:lnRef idx="0"/>
+    <cs:fillRef idx="0"/>
+    <cs:effectRef idx="0"/>
+    <cs:fontRef idx="minor">
+      <a:schemeClr val="dk1">
+        <a:lumMod val="65000"/>
+        <a:lumOff val="35000"/>
+      </a:schemeClr>
+    </cs:fontRef>
+    <cs:defRPr sz="900" kern="1200"/>
+  </cs:trendlineLabel>
+  <cs:upBar>
+    <cs:lnRef idx="0"/>
+    <cs:fillRef idx="0"/>
+    <cs:effectRef idx="0"/>
+    <cs:fontRef idx="minor">
+      <a:schemeClr val="dk1"/>
+    </cs:fontRef>
+    <cs:spPr>
+      <a:solidFill>
+        <a:schemeClr val="lt1"/>
+      </a:solidFill>
+      <a:ln w="9525" cap="flat" cmpd="sng" algn="ctr">
+        <a:solidFill>
+          <a:schemeClr val="dk1">
+            <a:lumMod val="50000"/>
+            <a:lumOff val="50000"/>
+          </a:schemeClr>
+        </a:solidFill>
+        <a:round/>
+      </a:ln>
+    </cs:spPr>
+  </cs:upBar>
+  <cs:valueAxis>
+    <cs:lnRef idx="0"/>
+    <cs:fillRef idx="0"/>
+    <cs:effectRef idx="0"/>
+    <cs:fontRef idx="minor">
+      <a:schemeClr val="dk1">
+        <a:lumMod val="65000"/>
+        <a:lumOff val="35000"/>
+      </a:schemeClr>
+    </cs:fontRef>
+    <cs:spPr>
+      <a:ln w="9525" cap="flat" cmpd="sng" algn="ctr">
+        <a:solidFill>
+          <a:schemeClr val="dk1">
+            <a:lumMod val="15000"/>
+            <a:lumOff val="85000"/>
+          </a:schemeClr>
+        </a:solidFill>
+        <a:round/>
+      </a:ln>
+    </cs:spPr>
+    <cs:defRPr sz="900" kern="1200"/>
+  </cs:valueAxis>
+  <cs:wall>
+    <cs:lnRef idx="0"/>
+    <cs:fillRef idx="0"/>
+    <cs:effectRef idx="0"/>
+    <cs:fontRef idx="minor">
+      <a:schemeClr val="dk1"/>
+    </cs:fontRef>
+    <cs:spPr>
+      <a:pattFill prst="ltDnDiag">
+        <a:fgClr>
+          <a:schemeClr val="dk1">
+            <a:lumMod val="15000"/>
+            <a:lumOff val="85000"/>
+          </a:schemeClr>
+        </a:fgClr>
+        <a:bgClr>
+          <a:schemeClr val="lt1"/>
+        </a:bgClr>
+      </a:pattFill>
+    </cs:spPr>
+  </cs:wall>
+</cs:chartStyle>
+</file>
+
+<file path=ppt/charts/style2.xml><?xml version="1.0" encoding="utf-8"?>
+<cs:chartStyle xmlns:cs="http://schemas.microsoft.com/office/drawing/2012/chartStyle" xmlns:a="http://schemas.openxmlformats.org/drawingml/2006/main" id="406">
+  <cs:axisTitle>
+    <cs:lnRef idx="0"/>
+    <cs:fillRef idx="0"/>
+    <cs:effectRef idx="0"/>
+    <cs:fontRef idx="minor">
+      <a:schemeClr val="tx1">
+        <a:lumMod val="65000"/>
+        <a:lumOff val="35000"/>
+      </a:schemeClr>
+    </cs:fontRef>
+    <cs:defRPr sz="900"/>
+  </cs:axisTitle>
+  <cs:categoryAxis>
+    <cs:lnRef idx="0"/>
+    <cs:fillRef idx="0"/>
+    <cs:effectRef idx="0"/>
+    <cs:fontRef idx="minor">
+      <a:schemeClr val="tx1">
+        <a:lumMod val="65000"/>
+        <a:lumOff val="35000"/>
+      </a:schemeClr>
+    </cs:fontRef>
+    <cs:spPr>
+      <a:ln w="9525" cap="flat" cmpd="sng" algn="ctr">
+        <a:solidFill>
+          <a:schemeClr val="tx1">
+            <a:lumMod val="15000"/>
+            <a:lumOff val="85000"/>
+          </a:schemeClr>
+        </a:solidFill>
+        <a:round/>
+      </a:ln>
+    </cs:spPr>
+    <cs:defRPr sz="900" kern="1200"/>
+    <cs:bodyPr rot="-60000000" vert="horz"/>
+  </cs:categoryAxis>
+  <cs:chartArea mods="allowNoFillOverride allowNoLineOverride">
+    <cs:lnRef idx="0"/>
+    <cs:fillRef idx="0"/>
+    <cs:effectRef idx="0"/>
+    <cs:fontRef idx="minor">
+      <a:schemeClr val="tx1"/>
+    </cs:fontRef>
+    <cs:spPr>
+      <a:solidFill>
+        <a:schemeClr val="bg1"/>
+      </a:solidFill>
+      <a:ln w="9525" cap="flat" cmpd="sng" algn="ctr">
+        <a:solidFill>
+          <a:schemeClr val="tx1">
+            <a:lumMod val="15000"/>
+            <a:lumOff val="85000"/>
+          </a:schemeClr>
+        </a:solidFill>
+        <a:round/>
+      </a:ln>
+    </cs:spPr>
+    <cs:defRPr sz="1000" kern="1200"/>
+  </cs:chartArea>
+  <cs:dataLabel>
+    <cs:lnRef idx="0"/>
+    <cs:fillRef idx="0"/>
+    <cs:effectRef idx="0"/>
+    <cs:fontRef idx="minor">
+      <a:schemeClr val="tx1">
+        <a:lumMod val="65000"/>
+        <a:lumOff val="35000"/>
+      </a:schemeClr>
+    </cs:fontRef>
+    <cs:defRPr sz="900"/>
+  </cs:dataLabel>
+  <cs:dataLabelCallout>
+    <cs:lnRef idx="0"/>
+    <cs:fillRef idx="0"/>
+    <cs:effectRef idx="0"/>
+    <cs:fontRef idx="minor">
+      <a:schemeClr val="tx1">
+        <a:lumMod val="65000"/>
+        <a:lumOff val="35000"/>
+      </a:schemeClr>
+    </cs:fontRef>
+    <cs:spPr>
+      <a:solidFill>
+        <a:schemeClr val="lt1"/>
+      </a:solidFill>
+      <a:ln>
+        <a:solidFill>
+          <a:schemeClr val="dk1">
+            <a:lumMod val="25000"/>
+            <a:lumOff val="75000"/>
+          </a:schemeClr>
+        </a:solidFill>
+      </a:ln>
+    </cs:spPr>
+    <cs:defRPr sz="900"/>
+    <cs:bodyPr rot="0" spcFirstLastPara="1" vertOverflow="clip" horzOverflow="clip" vert="horz" wrap="square" lIns="36576" tIns="18288" rIns="36576" bIns="18288" anchor="ctr" anchorCtr="1">
+      <a:spAutoFit/>
+    </cs:bodyPr>
+  </cs:dataLabelCallout>
+  <cs:dataPoint>
+    <cs:lnRef idx="0">
+      <cs:styleClr val="auto"/>
+    </cs:lnRef>
+    <cs:fillRef idx="0">
+      <cs:styleClr val="auto"/>
+    </cs:fillRef>
+    <cs:effectRef idx="0"/>
+    <cs:fontRef idx="minor">
+      <a:schemeClr val="tx1"/>
+    </cs:fontRef>
+    <cs:spPr>
+      <a:solidFill>
+        <a:schemeClr val="phClr"/>
+      </a:solidFill>
+      <a:ln>
+        <a:solidFill>
+          <a:schemeClr val="phClr"/>
+        </a:solidFill>
+      </a:ln>
+    </cs:spPr>
+  </cs:dataPoint>
+  <cs:dataPoint3D>
+    <cs:lnRef idx="0"/>
+    <cs:fillRef idx="0">
+      <cs:styleClr val="auto"/>
+    </cs:fillRef>
+    <cs:effectRef idx="0"/>
+    <cs:fontRef idx="minor">
+      <a:schemeClr val="tx1"/>
+    </cs:fontRef>
+    <cs:spPr>
+      <a:solidFill>
+        <a:schemeClr val="phClr"/>
+      </a:solidFill>
+    </cs:spPr>
+  </cs:dataPoint3D>
+  <cs:dataPointLine>
+    <cs:lnRef idx="0">
+      <cs:styleClr val="auto"/>
+    </cs:lnRef>
+    <cs:fillRef idx="0"/>
+    <cs:effectRef idx="0"/>
+    <cs:fontRef idx="minor">
+      <a:schemeClr val="tx1"/>
+    </cs:fontRef>
+    <cs:spPr>
+      <a:ln w="28575" cap="rnd">
+        <a:solidFill>
+          <a:schemeClr val="phClr"/>
+        </a:solidFill>
+        <a:round/>
+      </a:ln>
+    </cs:spPr>
+  </cs:dataPointLine>
+  <cs:dataPointMarker>
+    <cs:lnRef idx="0"/>
+    <cs:fillRef idx="0">
+      <cs:styleClr val="auto"/>
+    </cs:fillRef>
+    <cs:effectRef idx="0"/>
+    <cs:fontRef idx="minor">
+      <a:schemeClr val="tx1"/>
+    </cs:fontRef>
+    <cs:spPr>
+      <a:solidFill>
+        <a:schemeClr val="phClr"/>
+      </a:solidFill>
+      <a:ln w="9525">
+        <a:solidFill>
+          <a:schemeClr val="lt1"/>
+        </a:solidFill>
+      </a:ln>
+    </cs:spPr>
+  </cs:dataPointMarker>
+  <cs:dataPointMarkerLayout symbol="circle" size="5"/>
+  <cs:dataPointWireframe>
+    <cs:lnRef idx="0">
+      <cs:styleClr val="auto"/>
+    </cs:lnRef>
+    <cs:fillRef idx="0"/>
+    <cs:effectRef idx="0"/>
+    <cs:fontRef idx="minor">
+      <a:schemeClr val="tx1"/>
+    </cs:fontRef>
+    <cs:spPr>
+      <a:ln w="28575" cap="rnd">
+        <a:solidFill>
+          <a:schemeClr val="phClr"/>
+        </a:solidFill>
+        <a:round/>
+      </a:ln>
+    </cs:spPr>
+  </cs:dataPointWireframe>
+  <cs:dataTable>
+    <cs:lnRef idx="0"/>
+    <cs:fillRef idx="0"/>
+    <cs:effectRef idx="0"/>
+    <cs:fontRef idx="minor">
+      <a:schemeClr val="tx1">
+        <a:lumMod val="65000"/>
+        <a:lumOff val="35000"/>
+      </a:schemeClr>
+    </cs:fontRef>
+    <cs:spPr>
+      <a:ln w="9525">
+        <a:solidFill>
+          <a:schemeClr val="tx1">
+            <a:lumMod val="15000"/>
+            <a:lumOff val="85000"/>
+          </a:schemeClr>
+        </a:solidFill>
+      </a:ln>
+    </cs:spPr>
+    <cs:defRPr sz="900"/>
+  </cs:dataTable>
+  <cs:downBar>
+    <cs:lnRef idx="0"/>
+    <cs:fillRef idx="0"/>
+    <cs:effectRef idx="0"/>
+    <cs:fontRef idx="minor">
+      <a:schemeClr val="tx1"/>
+    </cs:fontRef>
+    <cs:spPr>
+      <a:solidFill>
+        <a:schemeClr val="dk1">
+          <a:lumMod val="75000"/>
+          <a:lumOff val="25000"/>
+        </a:schemeClr>
+      </a:solidFill>
+      <a:ln w="9525" cap="flat" cmpd="sng" algn="ctr">
+        <a:solidFill>
+          <a:schemeClr val="tx1">
+            <a:lumMod val="65000"/>
+            <a:lumOff val="35000"/>
+          </a:schemeClr>
+        </a:solidFill>
+        <a:round/>
+      </a:ln>
+    </cs:spPr>
+  </cs:downBar>
+  <cs:dropLine>
+    <cs:lnRef idx="0"/>
+    <cs:fillRef idx="0"/>
+    <cs:effectRef idx="0"/>
+    <cs:fontRef idx="minor">
+      <a:schemeClr val="tx1"/>
+    </cs:fontRef>
+  </cs:dropLine>
+  <cs:errorBar>
+    <cs:lnRef idx="0"/>
+    <cs:fillRef idx="0"/>
+    <cs:effectRef idx="0"/>
+    <cs:fontRef idx="minor">
+      <a:schemeClr val="tx1"/>
+    </cs:fontRef>
+  </cs:errorBar>
+  <cs:floor>
+    <cs:lnRef idx="0"/>
+    <cs:fillRef idx="0"/>
+    <cs:effectRef idx="0"/>
+    <cs:fontRef idx="minor">
+      <a:schemeClr val="tx1"/>
+    </cs:fontRef>
+  </cs:floor>
+  <cs:gridlineMajor>
+    <cs:lnRef idx="0"/>
+    <cs:fillRef idx="0"/>
+    <cs:effectRef idx="0"/>
+    <cs:fontRef idx="minor">
+      <a:schemeClr val="tx1"/>
+    </cs:fontRef>
+    <cs:spPr>
+      <a:ln w="9525" cap="flat" cmpd="sng" algn="ctr">
+        <a:solidFill>
+          <a:schemeClr val="tx1">
+            <a:lumMod val="15000"/>
+            <a:lumOff val="85000"/>
+          </a:schemeClr>
+        </a:solidFill>
+        <a:round/>
+      </a:ln>
+    </cs:spPr>
+  </cs:gridlineMajor>
+  <cs:gridlineMinor>
+    <cs:lnRef idx="0"/>
+    <cs:fillRef idx="0"/>
+    <cs:effectRef idx="0"/>
+    <cs:fontRef idx="minor">
+      <a:schemeClr val="tx1"/>
+    </cs:fontRef>
+    <cs:spPr>
+      <a:ln>
+        <a:solidFill>
+          <a:schemeClr val="tx1">
+            <a:lumMod val="15000"/>
+            <a:lumOff val="85000"/>
+            <a:lumOff val="10000"/>
+          </a:schemeClr>
+        </a:solidFill>
+      </a:ln>
+    </cs:spPr>
+  </cs:gridlineMinor>
+  <cs:hiLoLine>
+    <cs:lnRef idx="0"/>
+    <cs:fillRef idx="0"/>
+    <cs:effectRef idx="0"/>
+    <cs:fontRef idx="minor">
+      <a:schemeClr val="tx1"/>
+    </cs:fontRef>
+    <cs:spPr>
+      <a:ln w="9525" cap="flat" cmpd="sng" algn="ctr">
+        <a:solidFill>
+          <a:schemeClr val="tx1">
+            <a:lumMod val="75000"/>
+            <a:lumOff val="25000"/>
+          </a:schemeClr>
+        </a:solidFill>
+        <a:round/>
+      </a:ln>
+    </cs:spPr>
+  </cs:hiLoLine>
+  <cs:leaderLine>
+    <cs:lnRef idx="0"/>
+    <cs:fillRef idx="0"/>
+    <cs:effectRef idx="0"/>
+    <cs:fontRef idx="minor">
+      <a:schemeClr val="tx1"/>
+    </cs:fontRef>
+  </cs:leaderLine>
+  <cs:legend>
+    <cs:lnRef idx="0"/>
+    <cs:fillRef idx="0"/>
+    <cs:effectRef idx="0"/>
+    <cs:fontRef idx="minor">
+      <a:schemeClr val="tx1">
+        <a:lumMod val="65000"/>
+        <a:lumOff val="35000"/>
+      </a:schemeClr>
+    </cs:fontRef>
+    <cs:defRPr sz="900"/>
+  </cs:legend>
+  <cs:plotArea mods="allowNoFillOverride allowNoLineOverride">
+    <cs:lnRef idx="0"/>
+    <cs:fillRef idx="0"/>
+    <cs:effectRef idx="0"/>
+    <cs:fontRef idx="minor">
+      <a:schemeClr val="tx1"/>
+    </cs:fontRef>
+  </cs:plotArea>
+  <cs:plotArea3D mods="allowNoFillOverride allowNoLineOverride">
+    <cs:lnRef idx="0"/>
+    <cs:fillRef idx="0"/>
+    <cs:effectRef idx="0"/>
+    <cs:fontRef idx="minor">
+      <a:schemeClr val="tx1"/>
+    </cs:fontRef>
+  </cs:plotArea3D>
+  <cs:seriesAxis>
+    <cs:lnRef idx="0"/>
+    <cs:fillRef idx="0"/>
+    <cs:effectRef idx="0"/>
+    <cs:fontRef idx="minor">
+      <a:schemeClr val="tx1">
+        <a:lumMod val="65000"/>
+        <a:lumOff val="35000"/>
+      </a:schemeClr>
+    </cs:fontRef>
+    <cs:spPr>
+      <a:ln w="9525" cap="flat" cmpd="sng" algn="ctr">
+        <a:solidFill>
+          <a:schemeClr val="tx1">
+            <a:lumMod val="15000"/>
+            <a:lumOff val="85000"/>
+          </a:schemeClr>
+        </a:solidFill>
+        <a:round/>
+      </a:ln>
+    </cs:spPr>
+    <cs:defRPr sz="900"/>
+    <cs:bodyPr rot="-60000000" vert="horz"/>
+  </cs:seriesAxis>
+  <cs:seriesLine>
+    <cs:lnRef idx="0"/>
+    <cs:fillRef idx="0"/>
+    <cs:effectRef idx="0"/>
+    <cs:fontRef idx="minor">
+      <a:schemeClr val="tx1"/>
+    </cs:fontRef>
+    <cs:spPr>
+      <a:ln w="9525" cap="flat">
+        <a:solidFill>
+          <a:srgbClr val="D9D9D9"/>
+        </a:solidFill>
+        <a:round/>
+      </a:ln>
+    </cs:spPr>
+  </cs:seriesLine>
+  <cs:title>
+    <cs:lnRef idx="0"/>
+    <cs:fillRef idx="0"/>
+    <cs:effectRef idx="0"/>
+    <cs:fontRef idx="minor">
+      <a:schemeClr val="tx1">
+        <a:lumMod val="65000"/>
+        <a:lumOff val="35000"/>
+      </a:schemeClr>
+    </cs:fontRef>
+    <cs:defRPr sz="1400" b="0" kern="1200" spc="0" baseline="0"/>
+    <cs:bodyPr rot="0" vert="horz"/>
+  </cs:title>
+  <cs:trendline>
+    <cs:lnRef idx="0"/>
+    <cs:fillRef idx="0"/>
+    <cs:effectRef idx="0"/>
+    <cs:fontRef idx="minor">
+      <a:schemeClr val="tx1"/>
+    </cs:fontRef>
+    <cs:spPr>
+      <a:ln w="19050" cap="rnd">
+        <a:solidFill>
+          <a:schemeClr val="phClr"/>
+        </a:solidFill>
+        <a:prstDash val="sysDash"/>
+      </a:ln>
+    </cs:spPr>
+  </cs:trendline>
+  <cs:trendlineLabel>
+    <cs:lnRef idx="0"/>
+    <cs:fillRef idx="0"/>
+    <cs:effectRef idx="0"/>
+    <cs:fontRef idx="minor">
+      <a:schemeClr val="tx1">
+        <a:lumMod val="65000"/>
+        <a:lumOff val="35000"/>
+      </a:schemeClr>
+    </cs:fontRef>
+    <cs:defRPr sz="900"/>
+  </cs:trendlineLabel>
+  <cs:upBar>
+    <cs:lnRef idx="0"/>
+    <cs:fillRef idx="0"/>
+    <cs:effectRef idx="0"/>
+    <cs:fontRef idx="minor">
+      <a:schemeClr val="tx1"/>
+    </cs:fontRef>
+    <cs:spPr>
+      <a:solidFill>
+        <a:schemeClr val="lt1"/>
+      </a:solidFill>
+      <a:ln w="9525" cap="flat" cmpd="sng" algn="ctr">
+        <a:solidFill>
+          <a:schemeClr val="tx1">
+            <a:lumMod val="65000"/>
+            <a:lumOff val="35000"/>
+          </a:schemeClr>
+        </a:solidFill>
+        <a:round/>
+      </a:ln>
+    </cs:spPr>
+  </cs:upBar>
+  <cs:valueAxis>
+    <cs:lnRef idx="0"/>
+    <cs:fillRef idx="0"/>
+    <cs:effectRef idx="0"/>
+    <cs:fontRef idx="minor">
+      <a:schemeClr val="tx1">
+        <a:lumMod val="65000"/>
+        <a:lumOff val="35000"/>
+      </a:schemeClr>
+    </cs:fontRef>
+    <cs:defRPr sz="900" kern="1200"/>
+    <cs:bodyPr rot="-60000000" vert="horz"/>
+  </cs:valueAxis>
+  <cs:wall>
+    <cs:lnRef idx="0"/>
+    <cs:fillRef idx="0"/>
+    <cs:effectRef idx="0"/>
+    <cs:fontRef idx="minor">
+      <a:schemeClr val="tx1"/>
+    </cs:fontRef>
+  </cs:wall>
+</cs:chartStyle>
+</file>
+
 <file path=ppt/notesMasters/notesMaster1.xml><?xml version="1.0" encoding="utf-8"?>
-<p:notesMaster xmlns:a="http://schemas.openxmlformats.org/drawingml/2006/main" xmlns:r="http://schemas.openxmlformats.org/officeDocument/2006/relationships" xmlns:mc="http://schemas.openxmlformats.org/markup-compatibility/2006" xmlns:mv="urn:schemas-microsoft-com:mac:vml" xmlns:p="http://schemas.openxmlformats.org/presentationml/2006/main" xmlns:c="http://schemas.openxmlformats.org/drawingml/2006/chart" xmlns:dgm="http://schemas.openxmlformats.org/drawingml/2006/diagram" xmlns:o="urn:schemas-microsoft-com:office:office" xmlns:v="urn:schemas-microsoft-com:vml" xmlns:pvml="urn:schemas-microsoft-com:office:powerpoint" xmlns:com="http://schemas.openxmlformats.org/drawingml/2006/compatibility" xmlns:p14="http://schemas.microsoft.com/office/powerpoint/2010/main" xmlns:p15="http://schemas.microsoft.com/office/powerpoint/2012/main">
+<p:notesMaster xmlns:a="http://schemas.openxmlformats.org/drawingml/2006/main" xmlns:r="http://schemas.openxmlformats.org/officeDocument/2006/relationships" xmlns:p="http://schemas.openxmlformats.org/presentationml/2006/main">
   <p:cSld>
+    <p:bg>
+      <p:bgRef idx="1001">
+        <a:schemeClr val="bg1"/>
+      </p:bgRef>
+    </p:bg>
     <p:spTree>
       <p:nvGrpSpPr>
-        <p:cNvPr id="2" name="Shape 2"/>
+        <p:cNvPr id="1" name="Shape 2"/>
         <p:cNvGrpSpPr/>
         <p:nvPr/>
       </p:nvGrpSpPr>
@@ -276,9 +2236,11 @@
       <p:sp>
         <p:nvSpPr>
           <p:cNvPr id="3" name="Shape 3"/>
-          <p:cNvSpPr/>
+          <p:cNvSpPr>
+            <a:spLocks noGrp="1" noRot="1" noChangeAspect="1"/>
+          </p:cNvSpPr>
           <p:nvPr>
-            <p:ph idx="2" type="sldImg"/>
+            <p:ph type="sldImg" idx="2"/>
           </p:nvPr>
         </p:nvSpPr>
         <p:spPr>
@@ -287,8 +2249,13 @@
             <a:ext cx="6096075" cy="3429000"/>
           </a:xfrm>
           <a:custGeom>
+            <a:avLst/>
+            <a:gdLst/>
+            <a:ahLst/>
+            <a:cxnLst/>
+            <a:rect l="0" t="0" r="0" b="0"/>
             <a:pathLst>
-              <a:path extrusionOk="0" h="120000" w="120000">
+              <a:path w="120000" h="120000" extrusionOk="0">
                 <a:moveTo>
                   <a:pt x="0" y="0"/>
                 </a:moveTo>
@@ -306,23 +2273,25 @@
             </a:pathLst>
           </a:custGeom>
           <a:noFill/>
-          <a:ln cap="flat" cmpd="sng" w="9525">
+          <a:ln w="9525" cap="flat" cmpd="sng">
             <a:solidFill>
               <a:srgbClr val="000000"/>
             </a:solidFill>
             <a:prstDash val="solid"/>
             <a:round/>
-            <a:headEnd len="sm" w="sm" type="none"/>
-            <a:tailEnd len="sm" w="sm" type="none"/>
+            <a:headEnd type="none" w="sm" len="sm"/>
+            <a:tailEnd type="none" w="sm" len="sm"/>
           </a:ln>
         </p:spPr>
       </p:sp>
       <p:sp>
         <p:nvSpPr>
           <p:cNvPr id="4" name="Shape 4"/>
-          <p:cNvSpPr txBox="1"/>
+          <p:cNvSpPr txBox="1">
+            <a:spLocks noGrp="1"/>
+          </p:cNvSpPr>
           <p:nvPr>
-            <p:ph idx="1" type="body"/>
+            <p:ph type="body" idx="1"/>
           </p:nvPr>
         </p:nvSpPr>
         <p:spPr>
@@ -339,9 +2308,9 @@
           </a:ln>
         </p:spPr>
         <p:txBody>
-          <a:bodyPr anchorCtr="0" anchor="t" bIns="91425" lIns="91425" spcFirstLastPara="1" rIns="91425" wrap="square" tIns="91425"/>
+          <a:bodyPr spcFirstLastPara="1" wrap="square" lIns="91425" tIns="91425" rIns="91425" bIns="91425" anchor="t" anchorCtr="0"/>
           <a:lstStyle>
-            <a:lvl1pPr indent="-317500" lvl="0" marL="457200">
+            <a:lvl1pPr marL="457200" lvl="0" indent="-317500">
               <a:spcBef>
                 <a:spcPts val="0"/>
               </a:spcBef>
@@ -352,7 +2321,7 @@
               <a:buChar char="●"/>
               <a:defRPr sz="1100"/>
             </a:lvl1pPr>
-            <a:lvl2pPr indent="-317500" lvl="1" marL="914400">
+            <a:lvl2pPr marL="914400" lvl="1" indent="-317500">
               <a:spcBef>
                 <a:spcPts val="0"/>
               </a:spcBef>
@@ -363,7 +2332,7 @@
               <a:buChar char="○"/>
               <a:defRPr sz="1100"/>
             </a:lvl2pPr>
-            <a:lvl3pPr indent="-317500" lvl="2" marL="1371600">
+            <a:lvl3pPr marL="1371600" lvl="2" indent="-317500">
               <a:spcBef>
                 <a:spcPts val="0"/>
               </a:spcBef>
@@ -374,7 +2343,7 @@
               <a:buChar char="■"/>
               <a:defRPr sz="1100"/>
             </a:lvl3pPr>
-            <a:lvl4pPr indent="-317500" lvl="3" marL="1828800">
+            <a:lvl4pPr marL="1828800" lvl="3" indent="-317500">
               <a:spcBef>
                 <a:spcPts val="0"/>
               </a:spcBef>
@@ -385,7 +2354,7 @@
               <a:buChar char="●"/>
               <a:defRPr sz="1100"/>
             </a:lvl4pPr>
-            <a:lvl5pPr indent="-317500" lvl="4" marL="2286000">
+            <a:lvl5pPr marL="2286000" lvl="4" indent="-317500">
               <a:spcBef>
                 <a:spcPts val="0"/>
               </a:spcBef>
@@ -396,7 +2365,7 @@
               <a:buChar char="○"/>
               <a:defRPr sz="1100"/>
             </a:lvl5pPr>
-            <a:lvl6pPr indent="-317500" lvl="5" marL="2743200">
+            <a:lvl6pPr marL="2743200" lvl="5" indent="-317500">
               <a:spcBef>
                 <a:spcPts val="0"/>
               </a:spcBef>
@@ -407,7 +2376,7 @@
               <a:buChar char="■"/>
               <a:defRPr sz="1100"/>
             </a:lvl6pPr>
-            <a:lvl7pPr indent="-317500" lvl="6" marL="3200400">
+            <a:lvl7pPr marL="3200400" lvl="6" indent="-317500">
               <a:spcBef>
                 <a:spcPts val="0"/>
               </a:spcBef>
@@ -418,7 +2387,7 @@
               <a:buChar char="●"/>
               <a:defRPr sz="1100"/>
             </a:lvl7pPr>
-            <a:lvl8pPr indent="-317500" lvl="7" marL="3657600">
+            <a:lvl8pPr marL="3657600" lvl="7" indent="-317500">
               <a:spcBef>
                 <a:spcPts val="0"/>
               </a:spcBef>
@@ -429,7 +2398,7 @@
               <a:buChar char="○"/>
               <a:defRPr sz="1100"/>
             </a:lvl8pPr>
-            <a:lvl9pPr indent="-317500" lvl="8" marL="4114800">
+            <a:lvl9pPr marL="4114800" lvl="8" indent="-317500">
               <a:spcBef>
                 <a:spcPts val="0"/>
               </a:spcBef>
@@ -441,14 +2410,16 @@
               <a:defRPr sz="1100"/>
             </a:lvl9pPr>
           </a:lstStyle>
-          <a:p/>
+          <a:p>
+            <a:endParaRPr/>
+          </a:p>
         </p:txBody>
       </p:sp>
     </p:spTree>
   </p:cSld>
-  <p:clrMap accent1="accent1" accent2="accent2" accent3="accent3" accent4="accent4" accent5="accent5" accent6="accent6" bg1="lt1" bg2="dk2" tx1="dk1" tx2="lt2" folHlink="folHlink" hlink="hlink"/>
+  <p:clrMap bg1="lt1" tx1="dk1" bg2="dk2" tx2="lt2" accent1="accent1" accent2="accent2" accent3="accent3" accent4="accent4" accent5="accent5" accent6="accent6" hlink="hlink" folHlink="folHlink"/>
   <p:notesStyle>
-    <a:defPPr lvl="0" marR="0" rtl="0" algn="l">
+    <a:defPPr marR="0" lvl="0" algn="l" rtl="0">
       <a:lnSpc>
         <a:spcPct val="100000"/>
       </a:lnSpc>
@@ -459,7 +2430,7 @@
         <a:spcPts val="0"/>
       </a:spcAft>
     </a:defPPr>
-    <a:lvl1pPr lvl="0" marR="0" rtl="0" algn="l">
+    <a:lvl1pPr marR="0" lvl="0" algn="l" rtl="0">
       <a:lnSpc>
         <a:spcPct val="100000"/>
       </a:lnSpc>
@@ -473,7 +2444,7 @@
         <a:srgbClr val="000000"/>
       </a:buClr>
       <a:buFont typeface="Arial"/>
-      <a:defRPr b="0" i="0" sz="1400" u="none" cap="none" strike="noStrike">
+      <a:defRPr sz="1400" b="0" i="0" u="none" strike="noStrike" cap="none">
         <a:solidFill>
           <a:srgbClr val="000000"/>
         </a:solidFill>
@@ -483,7 +2454,7 @@
         <a:sym typeface="Arial"/>
       </a:defRPr>
     </a:lvl1pPr>
-    <a:lvl2pPr lvl="1" marR="0" rtl="0" algn="l">
+    <a:lvl2pPr marR="0" lvl="1" algn="l" rtl="0">
       <a:lnSpc>
         <a:spcPct val="100000"/>
       </a:lnSpc>
@@ -497,7 +2468,7 @@
         <a:srgbClr val="000000"/>
       </a:buClr>
       <a:buFont typeface="Arial"/>
-      <a:defRPr b="0" i="0" sz="1400" u="none" cap="none" strike="noStrike">
+      <a:defRPr sz="1400" b="0" i="0" u="none" strike="noStrike" cap="none">
         <a:solidFill>
           <a:srgbClr val="000000"/>
         </a:solidFill>
@@ -507,7 +2478,7 @@
         <a:sym typeface="Arial"/>
       </a:defRPr>
     </a:lvl2pPr>
-    <a:lvl3pPr lvl="2" marR="0" rtl="0" algn="l">
+    <a:lvl3pPr marR="0" lvl="2" algn="l" rtl="0">
       <a:lnSpc>
         <a:spcPct val="100000"/>
       </a:lnSpc>
@@ -521,7 +2492,7 @@
         <a:srgbClr val="000000"/>
       </a:buClr>
       <a:buFont typeface="Arial"/>
-      <a:defRPr b="0" i="0" sz="1400" u="none" cap="none" strike="noStrike">
+      <a:defRPr sz="1400" b="0" i="0" u="none" strike="noStrike" cap="none">
         <a:solidFill>
           <a:srgbClr val="000000"/>
         </a:solidFill>
@@ -531,7 +2502,7 @@
         <a:sym typeface="Arial"/>
       </a:defRPr>
     </a:lvl3pPr>
-    <a:lvl4pPr lvl="3" marR="0" rtl="0" algn="l">
+    <a:lvl4pPr marR="0" lvl="3" algn="l" rtl="0">
       <a:lnSpc>
         <a:spcPct val="100000"/>
       </a:lnSpc>
@@ -545,7 +2516,7 @@
         <a:srgbClr val="000000"/>
       </a:buClr>
       <a:buFont typeface="Arial"/>
-      <a:defRPr b="0" i="0" sz="1400" u="none" cap="none" strike="noStrike">
+      <a:defRPr sz="1400" b="0" i="0" u="none" strike="noStrike" cap="none">
         <a:solidFill>
           <a:srgbClr val="000000"/>
         </a:solidFill>
@@ -555,7 +2526,7 @@
         <a:sym typeface="Arial"/>
       </a:defRPr>
     </a:lvl4pPr>
-    <a:lvl5pPr lvl="4" marR="0" rtl="0" algn="l">
+    <a:lvl5pPr marR="0" lvl="4" algn="l" rtl="0">
       <a:lnSpc>
         <a:spcPct val="100000"/>
       </a:lnSpc>
@@ -569,7 +2540,7 @@
         <a:srgbClr val="000000"/>
       </a:buClr>
       <a:buFont typeface="Arial"/>
-      <a:defRPr b="0" i="0" sz="1400" u="none" cap="none" strike="noStrike">
+      <a:defRPr sz="1400" b="0" i="0" u="none" strike="noStrike" cap="none">
         <a:solidFill>
           <a:srgbClr val="000000"/>
         </a:solidFill>
@@ -579,7 +2550,7 @@
         <a:sym typeface="Arial"/>
       </a:defRPr>
     </a:lvl5pPr>
-    <a:lvl6pPr lvl="5" marR="0" rtl="0" algn="l">
+    <a:lvl6pPr marR="0" lvl="5" algn="l" rtl="0">
       <a:lnSpc>
         <a:spcPct val="100000"/>
       </a:lnSpc>
@@ -593,7 +2564,7 @@
         <a:srgbClr val="000000"/>
       </a:buClr>
       <a:buFont typeface="Arial"/>
-      <a:defRPr b="0" i="0" sz="1400" u="none" cap="none" strike="noStrike">
+      <a:defRPr sz="1400" b="0" i="0" u="none" strike="noStrike" cap="none">
         <a:solidFill>
           <a:srgbClr val="000000"/>
         </a:solidFill>
@@ -603,7 +2574,7 @@
         <a:sym typeface="Arial"/>
       </a:defRPr>
     </a:lvl6pPr>
-    <a:lvl7pPr lvl="6" marR="0" rtl="0" algn="l">
+    <a:lvl7pPr marR="0" lvl="6" algn="l" rtl="0">
       <a:lnSpc>
         <a:spcPct val="100000"/>
       </a:lnSpc>
@@ -617,7 +2588,7 @@
         <a:srgbClr val="000000"/>
       </a:buClr>
       <a:buFont typeface="Arial"/>
-      <a:defRPr b="0" i="0" sz="1400" u="none" cap="none" strike="noStrike">
+      <a:defRPr sz="1400" b="0" i="0" u="none" strike="noStrike" cap="none">
         <a:solidFill>
           <a:srgbClr val="000000"/>
         </a:solidFill>
@@ -627,7 +2598,7 @@
         <a:sym typeface="Arial"/>
       </a:defRPr>
     </a:lvl7pPr>
-    <a:lvl8pPr lvl="7" marR="0" rtl="0" algn="l">
+    <a:lvl8pPr marR="0" lvl="7" algn="l" rtl="0">
       <a:lnSpc>
         <a:spcPct val="100000"/>
       </a:lnSpc>
@@ -641,7 +2612,7 @@
         <a:srgbClr val="000000"/>
       </a:buClr>
       <a:buFont typeface="Arial"/>
-      <a:defRPr b="0" i="0" sz="1400" u="none" cap="none" strike="noStrike">
+      <a:defRPr sz="1400" b="0" i="0" u="none" strike="noStrike" cap="none">
         <a:solidFill>
           <a:srgbClr val="000000"/>
         </a:solidFill>
@@ -651,7 +2622,7 @@
         <a:sym typeface="Arial"/>
       </a:defRPr>
     </a:lvl8pPr>
-    <a:lvl9pPr lvl="8" marR="0" rtl="0" algn="l">
+    <a:lvl9pPr marR="0" lvl="8" algn="l" rtl="0">
       <a:lnSpc>
         <a:spcPct val="100000"/>
       </a:lnSpc>
@@ -665,7 +2636,7 @@
         <a:srgbClr val="000000"/>
       </a:buClr>
       <a:buFont typeface="Arial"/>
-      <a:defRPr b="0" i="0" sz="1400" u="none" cap="none" strike="noStrike">
+      <a:defRPr sz="1400" b="0" i="0" u="none" strike="noStrike" cap="none">
         <a:solidFill>
           <a:srgbClr val="000000"/>
         </a:solidFill>
@@ -680,11 +2651,11 @@
 </file>
 
 <file path=ppt/notesSlides/notesSlide1.xml><?xml version="1.0" encoding="utf-8"?>
-<p:notes xmlns:a="http://schemas.openxmlformats.org/drawingml/2006/main" xmlns:r="http://schemas.openxmlformats.org/officeDocument/2006/relationships" xmlns:mc="http://schemas.openxmlformats.org/markup-compatibility/2006" xmlns:mv="urn:schemas-microsoft-com:mac:vml" xmlns:p="http://schemas.openxmlformats.org/presentationml/2006/main" xmlns:c="http://schemas.openxmlformats.org/drawingml/2006/chart" xmlns:dgm="http://schemas.openxmlformats.org/drawingml/2006/diagram" xmlns:o="urn:schemas-microsoft-com:office:office" xmlns:v="urn:schemas-microsoft-com:vml" xmlns:pvml="urn:schemas-microsoft-com:office:powerpoint" xmlns:com="http://schemas.openxmlformats.org/drawingml/2006/compatibility" xmlns:p14="http://schemas.microsoft.com/office/powerpoint/2010/main" xmlns:p15="http://schemas.microsoft.com/office/powerpoint/2012/main" showMasterPhAnim="0" showMasterSp="0">
+<p:notes xmlns:a="http://schemas.openxmlformats.org/drawingml/2006/main" xmlns:r="http://schemas.openxmlformats.org/officeDocument/2006/relationships" xmlns:p="http://schemas.openxmlformats.org/presentationml/2006/main" showMasterSp="0" showMasterPhAnim="0">
   <p:cSld>
     <p:spTree>
       <p:nvGrpSpPr>
-        <p:cNvPr id="50" name="Shape 50"/>
+        <p:cNvPr id="1" name="Shape 50"/>
         <p:cNvGrpSpPr/>
         <p:nvPr/>
       </p:nvGrpSpPr>
@@ -699,19 +2670,26 @@
       <p:sp>
         <p:nvSpPr>
           <p:cNvPr id="51" name="Shape 51"/>
-          <p:cNvSpPr/>
+          <p:cNvSpPr>
+            <a:spLocks noGrp="1" noRot="1" noChangeAspect="1"/>
+          </p:cNvSpPr>
           <p:nvPr>
-            <p:ph idx="2" type="sldImg"/>
+            <p:ph type="sldImg" idx="2"/>
           </p:nvPr>
         </p:nvSpPr>
         <p:spPr>
           <a:xfrm>
-            <a:off x="381300" y="685800"/>
+            <a:off x="381000" y="685800"/>
             <a:ext cx="6096000" cy="3429000"/>
           </a:xfrm>
           <a:custGeom>
+            <a:avLst/>
+            <a:gdLst/>
+            <a:ahLst/>
+            <a:cxnLst/>
+            <a:rect l="0" t="0" r="0" b="0"/>
             <a:pathLst>
-              <a:path extrusionOk="0" h="120000" w="120000">
+              <a:path w="120000" h="120000" extrusionOk="0">
                 <a:moveTo>
                   <a:pt x="0" y="0"/>
                 </a:moveTo>
@@ -733,9 +2711,11 @@
       <p:sp>
         <p:nvSpPr>
           <p:cNvPr id="52" name="Shape 52"/>
-          <p:cNvSpPr txBox="1"/>
+          <p:cNvSpPr txBox="1">
+            <a:spLocks noGrp="1"/>
+          </p:cNvSpPr>
           <p:nvPr>
-            <p:ph idx="1" type="body"/>
+            <p:ph type="body" idx="1"/>
           </p:nvPr>
         </p:nvSpPr>
         <p:spPr>
@@ -748,12 +2728,12 @@
           </a:prstGeom>
         </p:spPr>
         <p:txBody>
-          <a:bodyPr anchorCtr="0" anchor="t" bIns="91425" lIns="91425" spcFirstLastPara="1" rIns="91425" wrap="square" tIns="91425">
+          <a:bodyPr spcFirstLastPara="1" wrap="square" lIns="91425" tIns="91425" rIns="91425" bIns="91425" anchor="t" anchorCtr="0">
             <a:noAutofit/>
           </a:bodyPr>
           <a:lstStyle/>
           <a:p>
-            <a:pPr indent="0" lvl="0" marL="0" rtl="0">
+            <a:pPr marL="0" lvl="0" indent="0" rtl="0">
               <a:spcBef>
                 <a:spcPts val="0"/>
               </a:spcBef>
@@ -762,9 +2742,6 @@
               </a:spcAft>
               <a:buNone/>
             </a:pPr>
-            <a:r>
-              <a:t/>
-            </a:r>
             <a:endParaRPr/>
           </a:p>
         </p:txBody>
@@ -778,11 +2755,120 @@
 </file>
 
 <file path=ppt/notesSlides/notesSlide2.xml><?xml version="1.0" encoding="utf-8"?>
-<p:notes xmlns:a="http://schemas.openxmlformats.org/drawingml/2006/main" xmlns:r="http://schemas.openxmlformats.org/officeDocument/2006/relationships" xmlns:mc="http://schemas.openxmlformats.org/markup-compatibility/2006" xmlns:mv="urn:schemas-microsoft-com:mac:vml" xmlns:p="http://schemas.openxmlformats.org/presentationml/2006/main" xmlns:c="http://schemas.openxmlformats.org/drawingml/2006/chart" xmlns:dgm="http://schemas.openxmlformats.org/drawingml/2006/diagram" xmlns:o="urn:schemas-microsoft-com:office:office" xmlns:v="urn:schemas-microsoft-com:vml" xmlns:pvml="urn:schemas-microsoft-com:office:powerpoint" xmlns:com="http://schemas.openxmlformats.org/drawingml/2006/compatibility" xmlns:p14="http://schemas.microsoft.com/office/powerpoint/2010/main" xmlns:p15="http://schemas.microsoft.com/office/powerpoint/2012/main" showMasterPhAnim="0" showMasterSp="0">
+<p:notes xmlns:a="http://schemas.openxmlformats.org/drawingml/2006/main" xmlns:r="http://schemas.openxmlformats.org/officeDocument/2006/relationships" xmlns:p="http://schemas.openxmlformats.org/presentationml/2006/main" showMasterSp="0" showMasterPhAnim="0">
   <p:cSld>
     <p:spTree>
       <p:nvGrpSpPr>
-        <p:cNvPr id="57" name="Shape 57"/>
+        <p:cNvPr id="1" name="Shape 50"/>
+        <p:cNvGrpSpPr/>
+        <p:nvPr/>
+      </p:nvGrpSpPr>
+      <p:grpSpPr>
+        <a:xfrm>
+          <a:off x="0" y="0"/>
+          <a:ext cx="0" cy="0"/>
+          <a:chOff x="0" y="0"/>
+          <a:chExt cx="0" cy="0"/>
+        </a:xfrm>
+      </p:grpSpPr>
+      <p:sp>
+        <p:nvSpPr>
+          <p:cNvPr id="51" name="Shape 51"/>
+          <p:cNvSpPr>
+            <a:spLocks noGrp="1" noRot="1" noChangeAspect="1"/>
+          </p:cNvSpPr>
+          <p:nvPr>
+            <p:ph type="sldImg" idx="2"/>
+          </p:nvPr>
+        </p:nvSpPr>
+        <p:spPr>
+          <a:xfrm>
+            <a:off x="381000" y="685800"/>
+            <a:ext cx="6096000" cy="3429000"/>
+          </a:xfrm>
+          <a:custGeom>
+            <a:avLst/>
+            <a:gdLst/>
+            <a:ahLst/>
+            <a:cxnLst/>
+            <a:rect l="0" t="0" r="0" b="0"/>
+            <a:pathLst>
+              <a:path w="120000" h="120000" extrusionOk="0">
+                <a:moveTo>
+                  <a:pt x="0" y="0"/>
+                </a:moveTo>
+                <a:lnTo>
+                  <a:pt x="120000" y="0"/>
+                </a:lnTo>
+                <a:lnTo>
+                  <a:pt x="120000" y="120000"/>
+                </a:lnTo>
+                <a:lnTo>
+                  <a:pt x="0" y="120000"/>
+                </a:lnTo>
+                <a:close/>
+              </a:path>
+            </a:pathLst>
+          </a:custGeom>
+        </p:spPr>
+      </p:sp>
+      <p:sp>
+        <p:nvSpPr>
+          <p:cNvPr id="52" name="Shape 52"/>
+          <p:cNvSpPr txBox="1">
+            <a:spLocks noGrp="1"/>
+          </p:cNvSpPr>
+          <p:nvPr>
+            <p:ph type="body" idx="1"/>
+          </p:nvPr>
+        </p:nvSpPr>
+        <p:spPr>
+          <a:xfrm>
+            <a:off x="685800" y="4343400"/>
+            <a:ext cx="5486400" cy="4114800"/>
+          </a:xfrm>
+          <a:prstGeom prst="rect">
+            <a:avLst/>
+          </a:prstGeom>
+        </p:spPr>
+        <p:txBody>
+          <a:bodyPr spcFirstLastPara="1" wrap="square" lIns="91425" tIns="91425" rIns="91425" bIns="91425" anchor="t" anchorCtr="0">
+            <a:noAutofit/>
+          </a:bodyPr>
+          <a:lstStyle/>
+          <a:p>
+            <a:pPr marL="0" lvl="0" indent="0" rtl="0">
+              <a:spcBef>
+                <a:spcPts val="0"/>
+              </a:spcBef>
+              <a:spcAft>
+                <a:spcPts val="0"/>
+              </a:spcAft>
+              <a:buNone/>
+            </a:pPr>
+            <a:endParaRPr/>
+          </a:p>
+        </p:txBody>
+      </p:sp>
+    </p:spTree>
+    <p:extLst>
+      <p:ext uri="{BB962C8B-B14F-4D97-AF65-F5344CB8AC3E}">
+        <p14:creationId xmlns:p14="http://schemas.microsoft.com/office/powerpoint/2010/main" val="4062962908"/>
+      </p:ext>
+    </p:extLst>
+  </p:cSld>
+  <p:clrMapOvr>
+    <a:masterClrMapping/>
+  </p:clrMapOvr>
+</p:notes>
+</file>
+
+<file path=ppt/notesSlides/notesSlide3.xml><?xml version="1.0" encoding="utf-8"?>
+<p:notes xmlns:a="http://schemas.openxmlformats.org/drawingml/2006/main" xmlns:r="http://schemas.openxmlformats.org/officeDocument/2006/relationships" xmlns:p="http://schemas.openxmlformats.org/presentationml/2006/main" showMasterSp="0" showMasterPhAnim="0">
+  <p:cSld>
+    <p:spTree>
+      <p:nvGrpSpPr>
+        <p:cNvPr id="1" name="Shape 57"/>
         <p:cNvGrpSpPr/>
         <p:nvPr/>
       </p:nvGrpSpPr>
@@ -797,19 +2883,26 @@
       <p:sp>
         <p:nvSpPr>
           <p:cNvPr id="58" name="Shape 58"/>
-          <p:cNvSpPr/>
+          <p:cNvSpPr>
+            <a:spLocks noGrp="1" noRot="1" noChangeAspect="1"/>
+          </p:cNvSpPr>
           <p:nvPr>
-            <p:ph idx="2" type="sldImg"/>
+            <p:ph type="sldImg" idx="2"/>
           </p:nvPr>
         </p:nvSpPr>
         <p:spPr>
           <a:xfrm>
-            <a:off x="381300" y="685800"/>
+            <a:off x="381000" y="685800"/>
             <a:ext cx="6096000" cy="3429000"/>
           </a:xfrm>
           <a:custGeom>
+            <a:avLst/>
+            <a:gdLst/>
+            <a:ahLst/>
+            <a:cxnLst/>
+            <a:rect l="0" t="0" r="0" b="0"/>
             <a:pathLst>
-              <a:path extrusionOk="0" h="120000" w="120000">
+              <a:path w="120000" h="120000" extrusionOk="0">
                 <a:moveTo>
                   <a:pt x="0" y="0"/>
                 </a:moveTo>
@@ -831,9 +2924,11 @@
       <p:sp>
         <p:nvSpPr>
           <p:cNvPr id="59" name="Shape 59"/>
-          <p:cNvSpPr txBox="1"/>
+          <p:cNvSpPr txBox="1">
+            <a:spLocks noGrp="1"/>
+          </p:cNvSpPr>
           <p:nvPr>
-            <p:ph idx="1" type="body"/>
+            <p:ph type="body" idx="1"/>
           </p:nvPr>
         </p:nvSpPr>
         <p:spPr>
@@ -846,12 +2941,12 @@
           </a:prstGeom>
         </p:spPr>
         <p:txBody>
-          <a:bodyPr anchorCtr="0" anchor="t" bIns="91425" lIns="91425" spcFirstLastPara="1" rIns="91425" wrap="square" tIns="91425">
+          <a:bodyPr spcFirstLastPara="1" wrap="square" lIns="91425" tIns="91425" rIns="91425" bIns="91425" anchor="t" anchorCtr="0">
             <a:noAutofit/>
           </a:bodyPr>
           <a:lstStyle/>
           <a:p>
-            <a:pPr indent="0" lvl="0" marL="0" rtl="0">
+            <a:pPr marL="0" lvl="0" indent="0" rtl="0">
               <a:spcBef>
                 <a:spcPts val="0"/>
               </a:spcBef>
@@ -860,9 +2955,6 @@
               </a:spcAft>
               <a:buNone/>
             </a:pPr>
-            <a:r>
-              <a:t/>
-            </a:r>
             <a:endParaRPr/>
           </a:p>
         </p:txBody>
@@ -875,12 +2967,12 @@
 </p:notes>
 </file>
 
-<file path=ppt/notesSlides/notesSlide3.xml><?xml version="1.0" encoding="utf-8"?>
-<p:notes xmlns:a="http://schemas.openxmlformats.org/drawingml/2006/main" xmlns:r="http://schemas.openxmlformats.org/officeDocument/2006/relationships" xmlns:mc="http://schemas.openxmlformats.org/markup-compatibility/2006" xmlns:mv="urn:schemas-microsoft-com:mac:vml" xmlns:p="http://schemas.openxmlformats.org/presentationml/2006/main" xmlns:c="http://schemas.openxmlformats.org/drawingml/2006/chart" xmlns:dgm="http://schemas.openxmlformats.org/drawingml/2006/diagram" xmlns:o="urn:schemas-microsoft-com:office:office" xmlns:v="urn:schemas-microsoft-com:vml" xmlns:pvml="urn:schemas-microsoft-com:office:powerpoint" xmlns:com="http://schemas.openxmlformats.org/drawingml/2006/compatibility" xmlns:p14="http://schemas.microsoft.com/office/powerpoint/2010/main" xmlns:p15="http://schemas.microsoft.com/office/powerpoint/2012/main" showMasterPhAnim="0" showMasterSp="0">
+<file path=ppt/notesSlides/notesSlide4.xml><?xml version="1.0" encoding="utf-8"?>
+<p:notes xmlns:a="http://schemas.openxmlformats.org/drawingml/2006/main" xmlns:r="http://schemas.openxmlformats.org/officeDocument/2006/relationships" xmlns:p="http://schemas.openxmlformats.org/presentationml/2006/main" showMasterSp="0" showMasterPhAnim="0">
   <p:cSld>
     <p:spTree>
       <p:nvGrpSpPr>
-        <p:cNvPr id="64" name="Shape 64"/>
+        <p:cNvPr id="1" name="Shape 57"/>
         <p:cNvGrpSpPr/>
         <p:nvPr/>
       </p:nvGrpSpPr>
@@ -894,20 +2986,27 @@
       </p:grpSpPr>
       <p:sp>
         <p:nvSpPr>
-          <p:cNvPr id="65" name="Shape 65"/>
-          <p:cNvSpPr/>
+          <p:cNvPr id="58" name="Shape 58"/>
+          <p:cNvSpPr>
+            <a:spLocks noGrp="1" noRot="1" noChangeAspect="1"/>
+          </p:cNvSpPr>
           <p:nvPr>
-            <p:ph idx="2" type="sldImg"/>
+            <p:ph type="sldImg" idx="2"/>
           </p:nvPr>
         </p:nvSpPr>
         <p:spPr>
           <a:xfrm>
-            <a:off x="381300" y="685800"/>
+            <a:off x="381000" y="685800"/>
             <a:ext cx="6096000" cy="3429000"/>
           </a:xfrm>
           <a:custGeom>
+            <a:avLst/>
+            <a:gdLst/>
+            <a:ahLst/>
+            <a:cxnLst/>
+            <a:rect l="0" t="0" r="0" b="0"/>
             <a:pathLst>
-              <a:path extrusionOk="0" h="120000" w="120000">
+              <a:path w="120000" h="120000" extrusionOk="0">
                 <a:moveTo>
                   <a:pt x="0" y="0"/>
                 </a:moveTo>
@@ -928,10 +3027,12 @@
       </p:sp>
       <p:sp>
         <p:nvSpPr>
-          <p:cNvPr id="66" name="Shape 66"/>
-          <p:cNvSpPr txBox="1"/>
+          <p:cNvPr id="59" name="Shape 59"/>
+          <p:cNvSpPr txBox="1">
+            <a:spLocks noGrp="1"/>
+          </p:cNvSpPr>
           <p:nvPr>
-            <p:ph idx="1" type="body"/>
+            <p:ph type="body" idx="1"/>
           </p:nvPr>
         </p:nvSpPr>
         <p:spPr>
@@ -944,12 +3045,12 @@
           </a:prstGeom>
         </p:spPr>
         <p:txBody>
-          <a:bodyPr anchorCtr="0" anchor="t" bIns="91425" lIns="91425" spcFirstLastPara="1" rIns="91425" wrap="square" tIns="91425">
+          <a:bodyPr spcFirstLastPara="1" wrap="square" lIns="91425" tIns="91425" rIns="91425" bIns="91425" anchor="t" anchorCtr="0">
             <a:noAutofit/>
           </a:bodyPr>
           <a:lstStyle/>
           <a:p>
-            <a:pPr indent="0" lvl="0" marL="0" rtl="0">
+            <a:pPr marL="0" lvl="0" indent="0" rtl="0">
               <a:spcBef>
                 <a:spcPts val="0"/>
               </a:spcBef>
@@ -958,112 +3059,16 @@
               </a:spcAft>
               <a:buNone/>
             </a:pPr>
-            <a:r>
-              <a:t/>
-            </a:r>
             <a:endParaRPr/>
           </a:p>
         </p:txBody>
       </p:sp>
     </p:spTree>
-  </p:cSld>
-  <p:clrMapOvr>
-    <a:masterClrMapping/>
-  </p:clrMapOvr>
-</p:notes>
-</file>
-
-<file path=ppt/notesSlides/notesSlide4.xml><?xml version="1.0" encoding="utf-8"?>
-<p:notes xmlns:a="http://schemas.openxmlformats.org/drawingml/2006/main" xmlns:r="http://schemas.openxmlformats.org/officeDocument/2006/relationships" xmlns:mc="http://schemas.openxmlformats.org/markup-compatibility/2006" xmlns:mv="urn:schemas-microsoft-com:mac:vml" xmlns:p="http://schemas.openxmlformats.org/presentationml/2006/main" xmlns:c="http://schemas.openxmlformats.org/drawingml/2006/chart" xmlns:dgm="http://schemas.openxmlformats.org/drawingml/2006/diagram" xmlns:o="urn:schemas-microsoft-com:office:office" xmlns:v="urn:schemas-microsoft-com:vml" xmlns:pvml="urn:schemas-microsoft-com:office:powerpoint" xmlns:com="http://schemas.openxmlformats.org/drawingml/2006/compatibility" xmlns:p14="http://schemas.microsoft.com/office/powerpoint/2010/main" xmlns:p15="http://schemas.microsoft.com/office/powerpoint/2012/main" showMasterPhAnim="0" showMasterSp="0">
-  <p:cSld>
-    <p:spTree>
-      <p:nvGrpSpPr>
-        <p:cNvPr id="71" name="Shape 71"/>
-        <p:cNvGrpSpPr/>
-        <p:nvPr/>
-      </p:nvGrpSpPr>
-      <p:grpSpPr>
-        <a:xfrm>
-          <a:off x="0" y="0"/>
-          <a:ext cx="0" cy="0"/>
-          <a:chOff x="0" y="0"/>
-          <a:chExt cx="0" cy="0"/>
-        </a:xfrm>
-      </p:grpSpPr>
-      <p:sp>
-        <p:nvSpPr>
-          <p:cNvPr id="72" name="Shape 72"/>
-          <p:cNvSpPr/>
-          <p:nvPr>
-            <p:ph idx="2" type="sldImg"/>
-          </p:nvPr>
-        </p:nvSpPr>
-        <p:spPr>
-          <a:xfrm>
-            <a:off x="381300" y="685800"/>
-            <a:ext cx="6096000" cy="3429000"/>
-          </a:xfrm>
-          <a:custGeom>
-            <a:pathLst>
-              <a:path extrusionOk="0" h="120000" w="120000">
-                <a:moveTo>
-                  <a:pt x="0" y="0"/>
-                </a:moveTo>
-                <a:lnTo>
-                  <a:pt x="120000" y="0"/>
-                </a:lnTo>
-                <a:lnTo>
-                  <a:pt x="120000" y="120000"/>
-                </a:lnTo>
-                <a:lnTo>
-                  <a:pt x="0" y="120000"/>
-                </a:lnTo>
-                <a:close/>
-              </a:path>
-            </a:pathLst>
-          </a:custGeom>
-        </p:spPr>
-      </p:sp>
-      <p:sp>
-        <p:nvSpPr>
-          <p:cNvPr id="73" name="Shape 73"/>
-          <p:cNvSpPr txBox="1"/>
-          <p:nvPr>
-            <p:ph idx="1" type="body"/>
-          </p:nvPr>
-        </p:nvSpPr>
-        <p:spPr>
-          <a:xfrm>
-            <a:off x="685800" y="4343400"/>
-            <a:ext cx="5486400" cy="4114800"/>
-          </a:xfrm>
-          <a:prstGeom prst="rect">
-            <a:avLst/>
-          </a:prstGeom>
-        </p:spPr>
-        <p:txBody>
-          <a:bodyPr anchorCtr="0" anchor="t" bIns="91425" lIns="91425" spcFirstLastPara="1" rIns="91425" wrap="square" tIns="91425">
-            <a:noAutofit/>
-          </a:bodyPr>
-          <a:lstStyle/>
-          <a:p>
-            <a:pPr indent="0" lvl="0" marL="0" rtl="0">
-              <a:spcBef>
-                <a:spcPts val="0"/>
-              </a:spcBef>
-              <a:spcAft>
-                <a:spcPts val="0"/>
-              </a:spcAft>
-              <a:buNone/>
-            </a:pPr>
-            <a:r>
-              <a:t/>
-            </a:r>
-            <a:endParaRPr/>
-          </a:p>
-        </p:txBody>
-      </p:sp>
-    </p:spTree>
+    <p:extLst>
+      <p:ext uri="{BB962C8B-B14F-4D97-AF65-F5344CB8AC3E}">
+        <p14:creationId xmlns:p14="http://schemas.microsoft.com/office/powerpoint/2010/main" val="1215081543"/>
+      </p:ext>
+    </p:extLst>
   </p:cSld>
   <p:clrMapOvr>
     <a:masterClrMapping/>
@@ -1072,11 +3077,11 @@
 </file>
 
 <file path=ppt/slideLayouts/slideLayout1.xml><?xml version="1.0" encoding="utf-8"?>
-<p:sldLayout xmlns:a="http://schemas.openxmlformats.org/drawingml/2006/main" xmlns:r="http://schemas.openxmlformats.org/officeDocument/2006/relationships" xmlns:mc="http://schemas.openxmlformats.org/markup-compatibility/2006" xmlns:mv="urn:schemas-microsoft-com:mac:vml" xmlns:p="http://schemas.openxmlformats.org/presentationml/2006/main" xmlns:c="http://schemas.openxmlformats.org/drawingml/2006/chart" xmlns:dgm="http://schemas.openxmlformats.org/drawingml/2006/diagram" xmlns:o="urn:schemas-microsoft-com:office:office" xmlns:v="urn:schemas-microsoft-com:vml" xmlns:pvml="urn:schemas-microsoft-com:office:powerpoint" xmlns:com="http://schemas.openxmlformats.org/drawingml/2006/compatibility" xmlns:p14="http://schemas.microsoft.com/office/powerpoint/2010/main" xmlns:p15="http://schemas.microsoft.com/office/powerpoint/2012/main" matchingName="Title slide" type="title">
+<p:sldLayout xmlns:a="http://schemas.openxmlformats.org/drawingml/2006/main" xmlns:r="http://schemas.openxmlformats.org/officeDocument/2006/relationships" xmlns:p="http://schemas.openxmlformats.org/presentationml/2006/main" matchingName="Title slide" type="title">
   <p:cSld name="TITLE">
     <p:spTree>
       <p:nvGrpSpPr>
-        <p:cNvPr id="9" name="Shape 9"/>
+        <p:cNvPr id="1" name="Shape 9"/>
         <p:cNvGrpSpPr/>
         <p:nvPr/>
       </p:nvGrpSpPr>
@@ -1091,7 +3096,9 @@
       <p:sp>
         <p:nvSpPr>
           <p:cNvPr id="10" name="Shape 10"/>
-          <p:cNvSpPr txBox="1"/>
+          <p:cNvSpPr txBox="1">
+            <a:spLocks noGrp="1"/>
+          </p:cNvSpPr>
           <p:nvPr>
             <p:ph type="ctrTitle"/>
           </p:nvPr>
@@ -1106,7 +3113,7 @@
           </a:prstGeom>
         </p:spPr>
         <p:txBody>
-          <a:bodyPr anchorCtr="0" anchor="b" bIns="91425" lIns="91425" spcFirstLastPara="1" rIns="91425" wrap="square" tIns="91425"/>
+          <a:bodyPr spcFirstLastPara="1" wrap="square" lIns="91425" tIns="91425" rIns="91425" bIns="91425" anchor="b" anchorCtr="0"/>
           <a:lstStyle>
             <a:lvl1pPr lvl="0" algn="ctr">
               <a:spcBef>
@@ -1208,15 +3215,19 @@
               <a:defRPr sz="5200"/>
             </a:lvl9pPr>
           </a:lstStyle>
-          <a:p/>
+          <a:p>
+            <a:endParaRPr/>
+          </a:p>
         </p:txBody>
       </p:sp>
       <p:sp>
         <p:nvSpPr>
           <p:cNvPr id="11" name="Shape 11"/>
-          <p:cNvSpPr txBox="1"/>
+          <p:cNvSpPr txBox="1">
+            <a:spLocks noGrp="1"/>
+          </p:cNvSpPr>
           <p:nvPr>
-            <p:ph idx="1" type="subTitle"/>
+            <p:ph type="subTitle" idx="1"/>
           </p:nvPr>
         </p:nvSpPr>
         <p:spPr>
@@ -1229,7 +3240,7 @@
           </a:prstGeom>
         </p:spPr>
         <p:txBody>
-          <a:bodyPr anchorCtr="0" anchor="t" bIns="91425" lIns="91425" spcFirstLastPara="1" rIns="91425" wrap="square" tIns="91425"/>
+          <a:bodyPr spcFirstLastPara="1" wrap="square" lIns="91425" tIns="91425" rIns="91425" bIns="91425" anchor="t" anchorCtr="0"/>
           <a:lstStyle>
             <a:lvl1pPr lvl="0" algn="ctr">
               <a:lnSpc>
@@ -1358,15 +3369,19 @@
               <a:defRPr sz="2800"/>
             </a:lvl9pPr>
           </a:lstStyle>
-          <a:p/>
+          <a:p>
+            <a:endParaRPr/>
+          </a:p>
         </p:txBody>
       </p:sp>
       <p:sp>
         <p:nvSpPr>
           <p:cNvPr id="12" name="Shape 12"/>
-          <p:cNvSpPr txBox="1"/>
+          <p:cNvSpPr txBox="1">
+            <a:spLocks noGrp="1"/>
+          </p:cNvSpPr>
           <p:nvPr>
-            <p:ph idx="12" type="sldNum"/>
+            <p:ph type="sldNum" idx="12"/>
           </p:nvPr>
         </p:nvSpPr>
         <p:spPr>
@@ -1379,7 +3394,7 @@
           </a:prstGeom>
         </p:spPr>
         <p:txBody>
-          <a:bodyPr anchorCtr="0" anchor="ctr" bIns="91425" lIns="91425" spcFirstLastPara="1" rIns="91425" wrap="square" tIns="91425">
+          <a:bodyPr spcFirstLastPara="1" wrap="square" lIns="91425" tIns="91425" rIns="91425" bIns="91425" anchor="ctr" anchorCtr="0">
             <a:noAutofit/>
           </a:bodyPr>
           <a:lstStyle>
@@ -1421,7 +3436,7 @@
             </a:lvl9pPr>
           </a:lstStyle>
           <a:p>
-            <a:pPr indent="0" lvl="0" marL="0">
+            <a:pPr marL="0" lvl="0" indent="0">
               <a:spcBef>
                 <a:spcPts val="0"/>
               </a:spcBef>
@@ -1432,7 +3447,7 @@
             </a:pPr>
             <a:fld id="{00000000-1234-1234-1234-123412341234}" type="slidenum">
               <a:rPr lang="en"/>
-              <a:t>‹#›</a:t>
+              <a:t>‹nº›</a:t>
             </a:fld>
             <a:endParaRPr/>
           </a:p>
@@ -1447,11 +3462,11 @@
 </file>
 
 <file path=ppt/slideLayouts/slideLayout10.xml><?xml version="1.0" encoding="utf-8"?>
-<p:sldLayout xmlns:a="http://schemas.openxmlformats.org/drawingml/2006/main" xmlns:r="http://schemas.openxmlformats.org/officeDocument/2006/relationships" xmlns:mc="http://schemas.openxmlformats.org/markup-compatibility/2006" xmlns:mv="urn:schemas-microsoft-com:mac:vml" xmlns:p="http://schemas.openxmlformats.org/presentationml/2006/main" xmlns:c="http://schemas.openxmlformats.org/drawingml/2006/chart" xmlns:dgm="http://schemas.openxmlformats.org/drawingml/2006/diagram" xmlns:o="urn:schemas-microsoft-com:office:office" xmlns:v="urn:schemas-microsoft-com:vml" xmlns:pvml="urn:schemas-microsoft-com:office:powerpoint" xmlns:com="http://schemas.openxmlformats.org/drawingml/2006/compatibility" xmlns:p14="http://schemas.microsoft.com/office/powerpoint/2010/main" xmlns:p15="http://schemas.microsoft.com/office/powerpoint/2012/main" matchingName="Big number">
+<p:sldLayout xmlns:a="http://schemas.openxmlformats.org/drawingml/2006/main" xmlns:r="http://schemas.openxmlformats.org/officeDocument/2006/relationships" xmlns:p="http://schemas.openxmlformats.org/presentationml/2006/main" matchingName="Big number">
   <p:cSld name="BIG_NUMBER">
     <p:spTree>
       <p:nvGrpSpPr>
-        <p:cNvPr id="44" name="Shape 44"/>
+        <p:cNvPr id="1" name="Shape 44"/>
         <p:cNvGrpSpPr/>
         <p:nvPr/>
       </p:nvGrpSpPr>
@@ -1466,9 +3481,11 @@
       <p:sp>
         <p:nvSpPr>
           <p:cNvPr id="45" name="Shape 45"/>
-          <p:cNvSpPr txBox="1"/>
+          <p:cNvSpPr txBox="1">
+            <a:spLocks noGrp="1"/>
+          </p:cNvSpPr>
           <p:nvPr>
-            <p:ph hasCustomPrompt="1" type="title"/>
+            <p:ph type="title" hasCustomPrompt="1"/>
           </p:nvPr>
         </p:nvSpPr>
         <p:spPr>
@@ -1481,7 +3498,7 @@
           </a:prstGeom>
         </p:spPr>
         <p:txBody>
-          <a:bodyPr anchorCtr="0" anchor="b" bIns="91425" lIns="91425" spcFirstLastPara="1" rIns="91425" wrap="square" tIns="91425"/>
+          <a:bodyPr spcFirstLastPara="1" wrap="square" lIns="91425" tIns="91425" rIns="91425" bIns="91425" anchor="b" anchorCtr="0"/>
           <a:lstStyle>
             <a:lvl1pPr lvl="0" algn="ctr">
               <a:spcBef>
@@ -1593,9 +3610,11 @@
       <p:sp>
         <p:nvSpPr>
           <p:cNvPr id="46" name="Shape 46"/>
-          <p:cNvSpPr txBox="1"/>
+          <p:cNvSpPr txBox="1">
+            <a:spLocks noGrp="1"/>
+          </p:cNvSpPr>
           <p:nvPr>
-            <p:ph idx="1" type="body"/>
+            <p:ph type="body" idx="1"/>
           </p:nvPr>
         </p:nvSpPr>
         <p:spPr>
@@ -1608,9 +3627,9 @@
           </a:prstGeom>
         </p:spPr>
         <p:txBody>
-          <a:bodyPr anchorCtr="0" anchor="t" bIns="91425" lIns="91425" spcFirstLastPara="1" rIns="91425" wrap="square" tIns="91425"/>
+          <a:bodyPr spcFirstLastPara="1" wrap="square" lIns="91425" tIns="91425" rIns="91425" bIns="91425" anchor="t" anchorCtr="0"/>
           <a:lstStyle>
-            <a:lvl1pPr indent="-342900" lvl="0" marL="457200" algn="ctr">
+            <a:lvl1pPr marL="457200" lvl="0" indent="-342900" algn="ctr">
               <a:spcBef>
                 <a:spcPts val="0"/>
               </a:spcBef>
@@ -1621,7 +3640,7 @@
               <a:buChar char="●"/>
               <a:defRPr/>
             </a:lvl1pPr>
-            <a:lvl2pPr indent="-317500" lvl="1" marL="914400" algn="ctr">
+            <a:lvl2pPr marL="914400" lvl="1" indent="-317500" algn="ctr">
               <a:spcBef>
                 <a:spcPts val="1600"/>
               </a:spcBef>
@@ -1632,7 +3651,7 @@
               <a:buChar char="○"/>
               <a:defRPr/>
             </a:lvl2pPr>
-            <a:lvl3pPr indent="-317500" lvl="2" marL="1371600" algn="ctr">
+            <a:lvl3pPr marL="1371600" lvl="2" indent="-317500" algn="ctr">
               <a:spcBef>
                 <a:spcPts val="1600"/>
               </a:spcBef>
@@ -1643,7 +3662,7 @@
               <a:buChar char="■"/>
               <a:defRPr/>
             </a:lvl3pPr>
-            <a:lvl4pPr indent="-317500" lvl="3" marL="1828800" algn="ctr">
+            <a:lvl4pPr marL="1828800" lvl="3" indent="-317500" algn="ctr">
               <a:spcBef>
                 <a:spcPts val="1600"/>
               </a:spcBef>
@@ -1654,7 +3673,7 @@
               <a:buChar char="●"/>
               <a:defRPr/>
             </a:lvl4pPr>
-            <a:lvl5pPr indent="-317500" lvl="4" marL="2286000" algn="ctr">
+            <a:lvl5pPr marL="2286000" lvl="4" indent="-317500" algn="ctr">
               <a:spcBef>
                 <a:spcPts val="1600"/>
               </a:spcBef>
@@ -1665,7 +3684,7 @@
               <a:buChar char="○"/>
               <a:defRPr/>
             </a:lvl5pPr>
-            <a:lvl6pPr indent="-317500" lvl="5" marL="2743200" algn="ctr">
+            <a:lvl6pPr marL="2743200" lvl="5" indent="-317500" algn="ctr">
               <a:spcBef>
                 <a:spcPts val="1600"/>
               </a:spcBef>
@@ -1676,7 +3695,7 @@
               <a:buChar char="■"/>
               <a:defRPr/>
             </a:lvl6pPr>
-            <a:lvl7pPr indent="-317500" lvl="6" marL="3200400" algn="ctr">
+            <a:lvl7pPr marL="3200400" lvl="6" indent="-317500" algn="ctr">
               <a:spcBef>
                 <a:spcPts val="1600"/>
               </a:spcBef>
@@ -1687,7 +3706,7 @@
               <a:buChar char="●"/>
               <a:defRPr/>
             </a:lvl7pPr>
-            <a:lvl8pPr indent="-317500" lvl="7" marL="3657600" algn="ctr">
+            <a:lvl8pPr marL="3657600" lvl="7" indent="-317500" algn="ctr">
               <a:spcBef>
                 <a:spcPts val="1600"/>
               </a:spcBef>
@@ -1698,7 +3717,7 @@
               <a:buChar char="○"/>
               <a:defRPr/>
             </a:lvl8pPr>
-            <a:lvl9pPr indent="-317500" lvl="8" marL="4114800" algn="ctr">
+            <a:lvl9pPr marL="4114800" lvl="8" indent="-317500" algn="ctr">
               <a:spcBef>
                 <a:spcPts val="1600"/>
               </a:spcBef>
@@ -1710,15 +3729,19 @@
               <a:defRPr/>
             </a:lvl9pPr>
           </a:lstStyle>
-          <a:p/>
+          <a:p>
+            <a:endParaRPr/>
+          </a:p>
         </p:txBody>
       </p:sp>
       <p:sp>
         <p:nvSpPr>
           <p:cNvPr id="47" name="Shape 47"/>
-          <p:cNvSpPr txBox="1"/>
+          <p:cNvSpPr txBox="1">
+            <a:spLocks noGrp="1"/>
+          </p:cNvSpPr>
           <p:nvPr>
-            <p:ph idx="12" type="sldNum"/>
+            <p:ph type="sldNum" idx="12"/>
           </p:nvPr>
         </p:nvSpPr>
         <p:spPr>
@@ -1731,7 +3754,7 @@
           </a:prstGeom>
         </p:spPr>
         <p:txBody>
-          <a:bodyPr anchorCtr="0" anchor="ctr" bIns="91425" lIns="91425" spcFirstLastPara="1" rIns="91425" wrap="square" tIns="91425">
+          <a:bodyPr spcFirstLastPara="1" wrap="square" lIns="91425" tIns="91425" rIns="91425" bIns="91425" anchor="ctr" anchorCtr="0">
             <a:noAutofit/>
           </a:bodyPr>
           <a:lstStyle>
@@ -1773,7 +3796,7 @@
             </a:lvl9pPr>
           </a:lstStyle>
           <a:p>
-            <a:pPr indent="0" lvl="0" marL="0">
+            <a:pPr marL="0" lvl="0" indent="0">
               <a:spcBef>
                 <a:spcPts val="0"/>
               </a:spcBef>
@@ -1784,7 +3807,7 @@
             </a:pPr>
             <a:fld id="{00000000-1234-1234-1234-123412341234}" type="slidenum">
               <a:rPr lang="en"/>
-              <a:t>‹#›</a:t>
+              <a:t>‹nº›</a:t>
             </a:fld>
             <a:endParaRPr/>
           </a:p>
@@ -1799,11 +3822,11 @@
 </file>
 
 <file path=ppt/slideLayouts/slideLayout11.xml><?xml version="1.0" encoding="utf-8"?>
-<p:sldLayout xmlns:a="http://schemas.openxmlformats.org/drawingml/2006/main" xmlns:r="http://schemas.openxmlformats.org/officeDocument/2006/relationships" xmlns:mc="http://schemas.openxmlformats.org/markup-compatibility/2006" xmlns:mv="urn:schemas-microsoft-com:mac:vml" xmlns:p="http://schemas.openxmlformats.org/presentationml/2006/main" xmlns:c="http://schemas.openxmlformats.org/drawingml/2006/chart" xmlns:dgm="http://schemas.openxmlformats.org/drawingml/2006/diagram" xmlns:o="urn:schemas-microsoft-com:office:office" xmlns:v="urn:schemas-microsoft-com:vml" xmlns:pvml="urn:schemas-microsoft-com:office:powerpoint" xmlns:com="http://schemas.openxmlformats.org/drawingml/2006/compatibility" xmlns:p14="http://schemas.microsoft.com/office/powerpoint/2010/main" xmlns:p15="http://schemas.microsoft.com/office/powerpoint/2012/main" matchingName="Blank" type="blank">
+<p:sldLayout xmlns:a="http://schemas.openxmlformats.org/drawingml/2006/main" xmlns:r="http://schemas.openxmlformats.org/officeDocument/2006/relationships" xmlns:p="http://schemas.openxmlformats.org/presentationml/2006/main" matchingName="Blank" type="blank">
   <p:cSld name="BLANK">
     <p:spTree>
       <p:nvGrpSpPr>
-        <p:cNvPr id="48" name="Shape 48"/>
+        <p:cNvPr id="1" name="Shape 48"/>
         <p:cNvGrpSpPr/>
         <p:nvPr/>
       </p:nvGrpSpPr>
@@ -1818,9 +3841,11 @@
       <p:sp>
         <p:nvSpPr>
           <p:cNvPr id="49" name="Shape 49"/>
-          <p:cNvSpPr txBox="1"/>
+          <p:cNvSpPr txBox="1">
+            <a:spLocks noGrp="1"/>
+          </p:cNvSpPr>
           <p:nvPr>
-            <p:ph idx="12" type="sldNum"/>
+            <p:ph type="sldNum" idx="12"/>
           </p:nvPr>
         </p:nvSpPr>
         <p:spPr>
@@ -1833,7 +3858,7 @@
           </a:prstGeom>
         </p:spPr>
         <p:txBody>
-          <a:bodyPr anchorCtr="0" anchor="ctr" bIns="91425" lIns="91425" spcFirstLastPara="1" rIns="91425" wrap="square" tIns="91425">
+          <a:bodyPr spcFirstLastPara="1" wrap="square" lIns="91425" tIns="91425" rIns="91425" bIns="91425" anchor="ctr" anchorCtr="0">
             <a:noAutofit/>
           </a:bodyPr>
           <a:lstStyle>
@@ -1875,7 +3900,7 @@
             </a:lvl9pPr>
           </a:lstStyle>
           <a:p>
-            <a:pPr indent="0" lvl="0" marL="0">
+            <a:pPr marL="0" lvl="0" indent="0">
               <a:spcBef>
                 <a:spcPts val="0"/>
               </a:spcBef>
@@ -1886,7 +3911,7 @@
             </a:pPr>
             <a:fld id="{00000000-1234-1234-1234-123412341234}" type="slidenum">
               <a:rPr lang="en"/>
-              <a:t>‹#›</a:t>
+              <a:t>‹nº›</a:t>
             </a:fld>
             <a:endParaRPr/>
           </a:p>
@@ -1901,11 +3926,11 @@
 </file>
 
 <file path=ppt/slideLayouts/slideLayout2.xml><?xml version="1.0" encoding="utf-8"?>
-<p:sldLayout xmlns:a="http://schemas.openxmlformats.org/drawingml/2006/main" xmlns:r="http://schemas.openxmlformats.org/officeDocument/2006/relationships" xmlns:mc="http://schemas.openxmlformats.org/markup-compatibility/2006" xmlns:mv="urn:schemas-microsoft-com:mac:vml" xmlns:p="http://schemas.openxmlformats.org/presentationml/2006/main" xmlns:c="http://schemas.openxmlformats.org/drawingml/2006/chart" xmlns:dgm="http://schemas.openxmlformats.org/drawingml/2006/diagram" xmlns:o="urn:schemas-microsoft-com:office:office" xmlns:v="urn:schemas-microsoft-com:vml" xmlns:pvml="urn:schemas-microsoft-com:office:powerpoint" xmlns:com="http://schemas.openxmlformats.org/drawingml/2006/compatibility" xmlns:p14="http://schemas.microsoft.com/office/powerpoint/2010/main" xmlns:p15="http://schemas.microsoft.com/office/powerpoint/2012/main" matchingName="Section header" type="secHead">
+<p:sldLayout xmlns:a="http://schemas.openxmlformats.org/drawingml/2006/main" xmlns:r="http://schemas.openxmlformats.org/officeDocument/2006/relationships" xmlns:p="http://schemas.openxmlformats.org/presentationml/2006/main" matchingName="Section header" type="secHead">
   <p:cSld name="SECTION_HEADER">
     <p:spTree>
       <p:nvGrpSpPr>
-        <p:cNvPr id="13" name="Shape 13"/>
+        <p:cNvPr id="1" name="Shape 13"/>
         <p:cNvGrpSpPr/>
         <p:nvPr/>
       </p:nvGrpSpPr>
@@ -1920,7 +3945,9 @@
       <p:sp>
         <p:nvSpPr>
           <p:cNvPr id="14" name="Shape 14"/>
-          <p:cNvSpPr txBox="1"/>
+          <p:cNvSpPr txBox="1">
+            <a:spLocks noGrp="1"/>
+          </p:cNvSpPr>
           <p:nvPr>
             <p:ph type="title"/>
           </p:nvPr>
@@ -1935,7 +3962,7 @@
           </a:prstGeom>
         </p:spPr>
         <p:txBody>
-          <a:bodyPr anchorCtr="0" anchor="ctr" bIns="91425" lIns="91425" spcFirstLastPara="1" rIns="91425" wrap="square" tIns="91425"/>
+          <a:bodyPr spcFirstLastPara="1" wrap="square" lIns="91425" tIns="91425" rIns="91425" bIns="91425" anchor="ctr" anchorCtr="0"/>
           <a:lstStyle>
             <a:lvl1pPr lvl="0" algn="ctr">
               <a:spcBef>
@@ -2037,15 +4064,19 @@
               <a:defRPr sz="3600"/>
             </a:lvl9pPr>
           </a:lstStyle>
-          <a:p/>
+          <a:p>
+            <a:endParaRPr/>
+          </a:p>
         </p:txBody>
       </p:sp>
       <p:sp>
         <p:nvSpPr>
           <p:cNvPr id="15" name="Shape 15"/>
-          <p:cNvSpPr txBox="1"/>
+          <p:cNvSpPr txBox="1">
+            <a:spLocks noGrp="1"/>
+          </p:cNvSpPr>
           <p:nvPr>
-            <p:ph idx="12" type="sldNum"/>
+            <p:ph type="sldNum" idx="12"/>
           </p:nvPr>
         </p:nvSpPr>
         <p:spPr>
@@ -2058,7 +4089,7 @@
           </a:prstGeom>
         </p:spPr>
         <p:txBody>
-          <a:bodyPr anchorCtr="0" anchor="ctr" bIns="91425" lIns="91425" spcFirstLastPara="1" rIns="91425" wrap="square" tIns="91425">
+          <a:bodyPr spcFirstLastPara="1" wrap="square" lIns="91425" tIns="91425" rIns="91425" bIns="91425" anchor="ctr" anchorCtr="0">
             <a:noAutofit/>
           </a:bodyPr>
           <a:lstStyle>
@@ -2100,7 +4131,7 @@
             </a:lvl9pPr>
           </a:lstStyle>
           <a:p>
-            <a:pPr indent="0" lvl="0" marL="0">
+            <a:pPr marL="0" lvl="0" indent="0">
               <a:spcBef>
                 <a:spcPts val="0"/>
               </a:spcBef>
@@ -2111,7 +4142,7 @@
             </a:pPr>
             <a:fld id="{00000000-1234-1234-1234-123412341234}" type="slidenum">
               <a:rPr lang="en"/>
-              <a:t>‹#›</a:t>
+              <a:t>‹nº›</a:t>
             </a:fld>
             <a:endParaRPr/>
           </a:p>
@@ -2126,11 +4157,11 @@
 </file>
 
 <file path=ppt/slideLayouts/slideLayout3.xml><?xml version="1.0" encoding="utf-8"?>
-<p:sldLayout xmlns:a="http://schemas.openxmlformats.org/drawingml/2006/main" xmlns:r="http://schemas.openxmlformats.org/officeDocument/2006/relationships" xmlns:mc="http://schemas.openxmlformats.org/markup-compatibility/2006" xmlns:mv="urn:schemas-microsoft-com:mac:vml" xmlns:p="http://schemas.openxmlformats.org/presentationml/2006/main" xmlns:c="http://schemas.openxmlformats.org/drawingml/2006/chart" xmlns:dgm="http://schemas.openxmlformats.org/drawingml/2006/diagram" xmlns:o="urn:schemas-microsoft-com:office:office" xmlns:v="urn:schemas-microsoft-com:vml" xmlns:pvml="urn:schemas-microsoft-com:office:powerpoint" xmlns:com="http://schemas.openxmlformats.org/drawingml/2006/compatibility" xmlns:p14="http://schemas.microsoft.com/office/powerpoint/2010/main" xmlns:p15="http://schemas.microsoft.com/office/powerpoint/2012/main" matchingName="Title and body" type="tx">
+<p:sldLayout xmlns:a="http://schemas.openxmlformats.org/drawingml/2006/main" xmlns:r="http://schemas.openxmlformats.org/officeDocument/2006/relationships" xmlns:p="http://schemas.openxmlformats.org/presentationml/2006/main" matchingName="Title and body" type="tx">
   <p:cSld name="TITLE_AND_BODY">
     <p:spTree>
       <p:nvGrpSpPr>
-        <p:cNvPr id="16" name="Shape 16"/>
+        <p:cNvPr id="1" name="Shape 16"/>
         <p:cNvGrpSpPr/>
         <p:nvPr/>
       </p:nvGrpSpPr>
@@ -2145,7 +4176,9 @@
       <p:sp>
         <p:nvSpPr>
           <p:cNvPr id="17" name="Shape 17"/>
-          <p:cNvSpPr txBox="1"/>
+          <p:cNvSpPr txBox="1">
+            <a:spLocks noGrp="1"/>
+          </p:cNvSpPr>
           <p:nvPr>
             <p:ph type="title"/>
           </p:nvPr>
@@ -2160,7 +4193,7 @@
           </a:prstGeom>
         </p:spPr>
         <p:txBody>
-          <a:bodyPr anchorCtr="0" anchor="t" bIns="91425" lIns="91425" spcFirstLastPara="1" rIns="91425" wrap="square" tIns="91425"/>
+          <a:bodyPr spcFirstLastPara="1" wrap="square" lIns="91425" tIns="91425" rIns="91425" bIns="91425" anchor="t" anchorCtr="0"/>
           <a:lstStyle>
             <a:lvl1pPr lvl="0">
               <a:spcBef>
@@ -2262,15 +4295,19 @@
               <a:defRPr/>
             </a:lvl9pPr>
           </a:lstStyle>
-          <a:p/>
+          <a:p>
+            <a:endParaRPr/>
+          </a:p>
         </p:txBody>
       </p:sp>
       <p:sp>
         <p:nvSpPr>
           <p:cNvPr id="18" name="Shape 18"/>
-          <p:cNvSpPr txBox="1"/>
+          <p:cNvSpPr txBox="1">
+            <a:spLocks noGrp="1"/>
+          </p:cNvSpPr>
           <p:nvPr>
-            <p:ph idx="1" type="body"/>
+            <p:ph type="body" idx="1"/>
           </p:nvPr>
         </p:nvSpPr>
         <p:spPr>
@@ -2283,9 +4320,9 @@
           </a:prstGeom>
         </p:spPr>
         <p:txBody>
-          <a:bodyPr anchorCtr="0" anchor="t" bIns="91425" lIns="91425" spcFirstLastPara="1" rIns="91425" wrap="square" tIns="91425"/>
+          <a:bodyPr spcFirstLastPara="1" wrap="square" lIns="91425" tIns="91425" rIns="91425" bIns="91425" anchor="t" anchorCtr="0"/>
           <a:lstStyle>
-            <a:lvl1pPr indent="-342900" lvl="0" marL="457200">
+            <a:lvl1pPr marL="457200" lvl="0" indent="-342900">
               <a:spcBef>
                 <a:spcPts val="0"/>
               </a:spcBef>
@@ -2296,7 +4333,7 @@
               <a:buChar char="●"/>
               <a:defRPr/>
             </a:lvl1pPr>
-            <a:lvl2pPr indent="-317500" lvl="1" marL="914400">
+            <a:lvl2pPr marL="914400" lvl="1" indent="-317500">
               <a:spcBef>
                 <a:spcPts val="1600"/>
               </a:spcBef>
@@ -2307,7 +4344,7 @@
               <a:buChar char="○"/>
               <a:defRPr/>
             </a:lvl2pPr>
-            <a:lvl3pPr indent="-317500" lvl="2" marL="1371600">
+            <a:lvl3pPr marL="1371600" lvl="2" indent="-317500">
               <a:spcBef>
                 <a:spcPts val="1600"/>
               </a:spcBef>
@@ -2318,7 +4355,7 @@
               <a:buChar char="■"/>
               <a:defRPr/>
             </a:lvl3pPr>
-            <a:lvl4pPr indent="-317500" lvl="3" marL="1828800">
+            <a:lvl4pPr marL="1828800" lvl="3" indent="-317500">
               <a:spcBef>
                 <a:spcPts val="1600"/>
               </a:spcBef>
@@ -2329,7 +4366,7 @@
               <a:buChar char="●"/>
               <a:defRPr/>
             </a:lvl4pPr>
-            <a:lvl5pPr indent="-317500" lvl="4" marL="2286000">
+            <a:lvl5pPr marL="2286000" lvl="4" indent="-317500">
               <a:spcBef>
                 <a:spcPts val="1600"/>
               </a:spcBef>
@@ -2340,7 +4377,7 @@
               <a:buChar char="○"/>
               <a:defRPr/>
             </a:lvl5pPr>
-            <a:lvl6pPr indent="-317500" lvl="5" marL="2743200">
+            <a:lvl6pPr marL="2743200" lvl="5" indent="-317500">
               <a:spcBef>
                 <a:spcPts val="1600"/>
               </a:spcBef>
@@ -2351,7 +4388,7 @@
               <a:buChar char="■"/>
               <a:defRPr/>
             </a:lvl6pPr>
-            <a:lvl7pPr indent="-317500" lvl="6" marL="3200400">
+            <a:lvl7pPr marL="3200400" lvl="6" indent="-317500">
               <a:spcBef>
                 <a:spcPts val="1600"/>
               </a:spcBef>
@@ -2362,7 +4399,7 @@
               <a:buChar char="●"/>
               <a:defRPr/>
             </a:lvl7pPr>
-            <a:lvl8pPr indent="-317500" lvl="7" marL="3657600">
+            <a:lvl8pPr marL="3657600" lvl="7" indent="-317500">
               <a:spcBef>
                 <a:spcPts val="1600"/>
               </a:spcBef>
@@ -2373,7 +4410,7 @@
               <a:buChar char="○"/>
               <a:defRPr/>
             </a:lvl8pPr>
-            <a:lvl9pPr indent="-317500" lvl="8" marL="4114800">
+            <a:lvl9pPr marL="4114800" lvl="8" indent="-317500">
               <a:spcBef>
                 <a:spcPts val="1600"/>
               </a:spcBef>
@@ -2385,15 +4422,19 @@
               <a:defRPr/>
             </a:lvl9pPr>
           </a:lstStyle>
-          <a:p/>
+          <a:p>
+            <a:endParaRPr/>
+          </a:p>
         </p:txBody>
       </p:sp>
       <p:sp>
         <p:nvSpPr>
           <p:cNvPr id="19" name="Shape 19"/>
-          <p:cNvSpPr txBox="1"/>
+          <p:cNvSpPr txBox="1">
+            <a:spLocks noGrp="1"/>
+          </p:cNvSpPr>
           <p:nvPr>
-            <p:ph idx="12" type="sldNum"/>
+            <p:ph type="sldNum" idx="12"/>
           </p:nvPr>
         </p:nvSpPr>
         <p:spPr>
@@ -2406,7 +4447,7 @@
           </a:prstGeom>
         </p:spPr>
         <p:txBody>
-          <a:bodyPr anchorCtr="0" anchor="ctr" bIns="91425" lIns="91425" spcFirstLastPara="1" rIns="91425" wrap="square" tIns="91425">
+          <a:bodyPr spcFirstLastPara="1" wrap="square" lIns="91425" tIns="91425" rIns="91425" bIns="91425" anchor="ctr" anchorCtr="0">
             <a:noAutofit/>
           </a:bodyPr>
           <a:lstStyle>
@@ -2448,7 +4489,7 @@
             </a:lvl9pPr>
           </a:lstStyle>
           <a:p>
-            <a:pPr indent="0" lvl="0" marL="0">
+            <a:pPr marL="0" lvl="0" indent="0">
               <a:spcBef>
                 <a:spcPts val="0"/>
               </a:spcBef>
@@ -2459,7 +4500,7 @@
             </a:pPr>
             <a:fld id="{00000000-1234-1234-1234-123412341234}" type="slidenum">
               <a:rPr lang="en"/>
-              <a:t>‹#›</a:t>
+              <a:t>‹nº›</a:t>
             </a:fld>
             <a:endParaRPr/>
           </a:p>
@@ -2474,11 +4515,11 @@
 </file>
 
 <file path=ppt/slideLayouts/slideLayout4.xml><?xml version="1.0" encoding="utf-8"?>
-<p:sldLayout xmlns:a="http://schemas.openxmlformats.org/drawingml/2006/main" xmlns:r="http://schemas.openxmlformats.org/officeDocument/2006/relationships" xmlns:mc="http://schemas.openxmlformats.org/markup-compatibility/2006" xmlns:mv="urn:schemas-microsoft-com:mac:vml" xmlns:p="http://schemas.openxmlformats.org/presentationml/2006/main" xmlns:c="http://schemas.openxmlformats.org/drawingml/2006/chart" xmlns:dgm="http://schemas.openxmlformats.org/drawingml/2006/diagram" xmlns:o="urn:schemas-microsoft-com:office:office" xmlns:v="urn:schemas-microsoft-com:vml" xmlns:pvml="urn:schemas-microsoft-com:office:powerpoint" xmlns:com="http://schemas.openxmlformats.org/drawingml/2006/compatibility" xmlns:p14="http://schemas.microsoft.com/office/powerpoint/2010/main" xmlns:p15="http://schemas.microsoft.com/office/powerpoint/2012/main" matchingName="Title and two columns" type="twoColTx">
+<p:sldLayout xmlns:a="http://schemas.openxmlformats.org/drawingml/2006/main" xmlns:r="http://schemas.openxmlformats.org/officeDocument/2006/relationships" xmlns:p="http://schemas.openxmlformats.org/presentationml/2006/main" matchingName="Title and two columns" type="twoColTx">
   <p:cSld name="TITLE_AND_TWO_COLUMNS">
     <p:spTree>
       <p:nvGrpSpPr>
-        <p:cNvPr id="20" name="Shape 20"/>
+        <p:cNvPr id="1" name="Shape 20"/>
         <p:cNvGrpSpPr/>
         <p:nvPr/>
       </p:nvGrpSpPr>
@@ -2493,7 +4534,9 @@
       <p:sp>
         <p:nvSpPr>
           <p:cNvPr id="21" name="Shape 21"/>
-          <p:cNvSpPr txBox="1"/>
+          <p:cNvSpPr txBox="1">
+            <a:spLocks noGrp="1"/>
+          </p:cNvSpPr>
           <p:nvPr>
             <p:ph type="title"/>
           </p:nvPr>
@@ -2508,7 +4551,7 @@
           </a:prstGeom>
         </p:spPr>
         <p:txBody>
-          <a:bodyPr anchorCtr="0" anchor="t" bIns="91425" lIns="91425" spcFirstLastPara="1" rIns="91425" wrap="square" tIns="91425"/>
+          <a:bodyPr spcFirstLastPara="1" wrap="square" lIns="91425" tIns="91425" rIns="91425" bIns="91425" anchor="t" anchorCtr="0"/>
           <a:lstStyle>
             <a:lvl1pPr lvl="0">
               <a:spcBef>
@@ -2610,15 +4653,19 @@
               <a:defRPr/>
             </a:lvl9pPr>
           </a:lstStyle>
-          <a:p/>
+          <a:p>
+            <a:endParaRPr/>
+          </a:p>
         </p:txBody>
       </p:sp>
       <p:sp>
         <p:nvSpPr>
           <p:cNvPr id="22" name="Shape 22"/>
-          <p:cNvSpPr txBox="1"/>
+          <p:cNvSpPr txBox="1">
+            <a:spLocks noGrp="1"/>
+          </p:cNvSpPr>
           <p:nvPr>
-            <p:ph idx="1" type="body"/>
+            <p:ph type="body" idx="1"/>
           </p:nvPr>
         </p:nvSpPr>
         <p:spPr>
@@ -2631,9 +4678,9 @@
           </a:prstGeom>
         </p:spPr>
         <p:txBody>
-          <a:bodyPr anchorCtr="0" anchor="t" bIns="91425" lIns="91425" spcFirstLastPara="1" rIns="91425" wrap="square" tIns="91425"/>
+          <a:bodyPr spcFirstLastPara="1" wrap="square" lIns="91425" tIns="91425" rIns="91425" bIns="91425" anchor="t" anchorCtr="0"/>
           <a:lstStyle>
-            <a:lvl1pPr indent="-317500" lvl="0" marL="457200">
+            <a:lvl1pPr marL="457200" lvl="0" indent="-317500">
               <a:spcBef>
                 <a:spcPts val="0"/>
               </a:spcBef>
@@ -2644,7 +4691,7 @@
               <a:buChar char="●"/>
               <a:defRPr sz="1400"/>
             </a:lvl1pPr>
-            <a:lvl2pPr indent="-304800" lvl="1" marL="914400">
+            <a:lvl2pPr marL="914400" lvl="1" indent="-304800">
               <a:spcBef>
                 <a:spcPts val="1600"/>
               </a:spcBef>
@@ -2655,7 +4702,7 @@
               <a:buChar char="○"/>
               <a:defRPr sz="1200"/>
             </a:lvl2pPr>
-            <a:lvl3pPr indent="-304800" lvl="2" marL="1371600">
+            <a:lvl3pPr marL="1371600" lvl="2" indent="-304800">
               <a:spcBef>
                 <a:spcPts val="1600"/>
               </a:spcBef>
@@ -2666,7 +4713,7 @@
               <a:buChar char="■"/>
               <a:defRPr sz="1200"/>
             </a:lvl3pPr>
-            <a:lvl4pPr indent="-304800" lvl="3" marL="1828800">
+            <a:lvl4pPr marL="1828800" lvl="3" indent="-304800">
               <a:spcBef>
                 <a:spcPts val="1600"/>
               </a:spcBef>
@@ -2677,7 +4724,7 @@
               <a:buChar char="●"/>
               <a:defRPr sz="1200"/>
             </a:lvl4pPr>
-            <a:lvl5pPr indent="-304800" lvl="4" marL="2286000">
+            <a:lvl5pPr marL="2286000" lvl="4" indent="-304800">
               <a:spcBef>
                 <a:spcPts val="1600"/>
               </a:spcBef>
@@ -2688,7 +4735,7 @@
               <a:buChar char="○"/>
               <a:defRPr sz="1200"/>
             </a:lvl5pPr>
-            <a:lvl6pPr indent="-304800" lvl="5" marL="2743200">
+            <a:lvl6pPr marL="2743200" lvl="5" indent="-304800">
               <a:spcBef>
                 <a:spcPts val="1600"/>
               </a:spcBef>
@@ -2699,7 +4746,7 @@
               <a:buChar char="■"/>
               <a:defRPr sz="1200"/>
             </a:lvl6pPr>
-            <a:lvl7pPr indent="-304800" lvl="6" marL="3200400">
+            <a:lvl7pPr marL="3200400" lvl="6" indent="-304800">
               <a:spcBef>
                 <a:spcPts val="1600"/>
               </a:spcBef>
@@ -2710,7 +4757,7 @@
               <a:buChar char="●"/>
               <a:defRPr sz="1200"/>
             </a:lvl7pPr>
-            <a:lvl8pPr indent="-304800" lvl="7" marL="3657600">
+            <a:lvl8pPr marL="3657600" lvl="7" indent="-304800">
               <a:spcBef>
                 <a:spcPts val="1600"/>
               </a:spcBef>
@@ -2721,7 +4768,7 @@
               <a:buChar char="○"/>
               <a:defRPr sz="1200"/>
             </a:lvl8pPr>
-            <a:lvl9pPr indent="-304800" lvl="8" marL="4114800">
+            <a:lvl9pPr marL="4114800" lvl="8" indent="-304800">
               <a:spcBef>
                 <a:spcPts val="1600"/>
               </a:spcBef>
@@ -2733,15 +4780,19 @@
               <a:defRPr sz="1200"/>
             </a:lvl9pPr>
           </a:lstStyle>
-          <a:p/>
+          <a:p>
+            <a:endParaRPr/>
+          </a:p>
         </p:txBody>
       </p:sp>
       <p:sp>
         <p:nvSpPr>
           <p:cNvPr id="23" name="Shape 23"/>
-          <p:cNvSpPr txBox="1"/>
+          <p:cNvSpPr txBox="1">
+            <a:spLocks noGrp="1"/>
+          </p:cNvSpPr>
           <p:nvPr>
-            <p:ph idx="2" type="body"/>
+            <p:ph type="body" idx="2"/>
           </p:nvPr>
         </p:nvSpPr>
         <p:spPr>
@@ -2754,9 +4805,9 @@
           </a:prstGeom>
         </p:spPr>
         <p:txBody>
-          <a:bodyPr anchorCtr="0" anchor="t" bIns="91425" lIns="91425" spcFirstLastPara="1" rIns="91425" wrap="square" tIns="91425"/>
+          <a:bodyPr spcFirstLastPara="1" wrap="square" lIns="91425" tIns="91425" rIns="91425" bIns="91425" anchor="t" anchorCtr="0"/>
           <a:lstStyle>
-            <a:lvl1pPr indent="-317500" lvl="0" marL="457200">
+            <a:lvl1pPr marL="457200" lvl="0" indent="-317500">
               <a:spcBef>
                 <a:spcPts val="0"/>
               </a:spcBef>
@@ -2767,7 +4818,7 @@
               <a:buChar char="●"/>
               <a:defRPr sz="1400"/>
             </a:lvl1pPr>
-            <a:lvl2pPr indent="-304800" lvl="1" marL="914400">
+            <a:lvl2pPr marL="914400" lvl="1" indent="-304800">
               <a:spcBef>
                 <a:spcPts val="1600"/>
               </a:spcBef>
@@ -2778,7 +4829,7 @@
               <a:buChar char="○"/>
               <a:defRPr sz="1200"/>
             </a:lvl2pPr>
-            <a:lvl3pPr indent="-304800" lvl="2" marL="1371600">
+            <a:lvl3pPr marL="1371600" lvl="2" indent="-304800">
               <a:spcBef>
                 <a:spcPts val="1600"/>
               </a:spcBef>
@@ -2789,7 +4840,7 @@
               <a:buChar char="■"/>
               <a:defRPr sz="1200"/>
             </a:lvl3pPr>
-            <a:lvl4pPr indent="-304800" lvl="3" marL="1828800">
+            <a:lvl4pPr marL="1828800" lvl="3" indent="-304800">
               <a:spcBef>
                 <a:spcPts val="1600"/>
               </a:spcBef>
@@ -2800,7 +4851,7 @@
               <a:buChar char="●"/>
               <a:defRPr sz="1200"/>
             </a:lvl4pPr>
-            <a:lvl5pPr indent="-304800" lvl="4" marL="2286000">
+            <a:lvl5pPr marL="2286000" lvl="4" indent="-304800">
               <a:spcBef>
                 <a:spcPts val="1600"/>
               </a:spcBef>
@@ -2811,7 +4862,7 @@
               <a:buChar char="○"/>
               <a:defRPr sz="1200"/>
             </a:lvl5pPr>
-            <a:lvl6pPr indent="-304800" lvl="5" marL="2743200">
+            <a:lvl6pPr marL="2743200" lvl="5" indent="-304800">
               <a:spcBef>
                 <a:spcPts val="1600"/>
               </a:spcBef>
@@ -2822,7 +4873,7 @@
               <a:buChar char="■"/>
               <a:defRPr sz="1200"/>
             </a:lvl6pPr>
-            <a:lvl7pPr indent="-304800" lvl="6" marL="3200400">
+            <a:lvl7pPr marL="3200400" lvl="6" indent="-304800">
               <a:spcBef>
                 <a:spcPts val="1600"/>
               </a:spcBef>
@@ -2833,7 +4884,7 @@
               <a:buChar char="●"/>
               <a:defRPr sz="1200"/>
             </a:lvl7pPr>
-            <a:lvl8pPr indent="-304800" lvl="7" marL="3657600">
+            <a:lvl8pPr marL="3657600" lvl="7" indent="-304800">
               <a:spcBef>
                 <a:spcPts val="1600"/>
               </a:spcBef>
@@ -2844,7 +4895,7 @@
               <a:buChar char="○"/>
               <a:defRPr sz="1200"/>
             </a:lvl8pPr>
-            <a:lvl9pPr indent="-304800" lvl="8" marL="4114800">
+            <a:lvl9pPr marL="4114800" lvl="8" indent="-304800">
               <a:spcBef>
                 <a:spcPts val="1600"/>
               </a:spcBef>
@@ -2856,15 +4907,19 @@
               <a:defRPr sz="1200"/>
             </a:lvl9pPr>
           </a:lstStyle>
-          <a:p/>
+          <a:p>
+            <a:endParaRPr/>
+          </a:p>
         </p:txBody>
       </p:sp>
       <p:sp>
         <p:nvSpPr>
           <p:cNvPr id="24" name="Shape 24"/>
-          <p:cNvSpPr txBox="1"/>
+          <p:cNvSpPr txBox="1">
+            <a:spLocks noGrp="1"/>
+          </p:cNvSpPr>
           <p:nvPr>
-            <p:ph idx="12" type="sldNum"/>
+            <p:ph type="sldNum" idx="12"/>
           </p:nvPr>
         </p:nvSpPr>
         <p:spPr>
@@ -2877,7 +4932,7 @@
           </a:prstGeom>
         </p:spPr>
         <p:txBody>
-          <a:bodyPr anchorCtr="0" anchor="ctr" bIns="91425" lIns="91425" spcFirstLastPara="1" rIns="91425" wrap="square" tIns="91425">
+          <a:bodyPr spcFirstLastPara="1" wrap="square" lIns="91425" tIns="91425" rIns="91425" bIns="91425" anchor="ctr" anchorCtr="0">
             <a:noAutofit/>
           </a:bodyPr>
           <a:lstStyle>
@@ -2919,7 +4974,7 @@
             </a:lvl9pPr>
           </a:lstStyle>
           <a:p>
-            <a:pPr indent="0" lvl="0" marL="0">
+            <a:pPr marL="0" lvl="0" indent="0">
               <a:spcBef>
                 <a:spcPts val="0"/>
               </a:spcBef>
@@ -2930,7 +4985,7 @@
             </a:pPr>
             <a:fld id="{00000000-1234-1234-1234-123412341234}" type="slidenum">
               <a:rPr lang="en"/>
-              <a:t>‹#›</a:t>
+              <a:t>‹nº›</a:t>
             </a:fld>
             <a:endParaRPr/>
           </a:p>
@@ -2945,11 +5000,11 @@
 </file>
 
 <file path=ppt/slideLayouts/slideLayout5.xml><?xml version="1.0" encoding="utf-8"?>
-<p:sldLayout xmlns:a="http://schemas.openxmlformats.org/drawingml/2006/main" xmlns:r="http://schemas.openxmlformats.org/officeDocument/2006/relationships" xmlns:mc="http://schemas.openxmlformats.org/markup-compatibility/2006" xmlns:mv="urn:schemas-microsoft-com:mac:vml" xmlns:p="http://schemas.openxmlformats.org/presentationml/2006/main" xmlns:c="http://schemas.openxmlformats.org/drawingml/2006/chart" xmlns:dgm="http://schemas.openxmlformats.org/drawingml/2006/diagram" xmlns:o="urn:schemas-microsoft-com:office:office" xmlns:v="urn:schemas-microsoft-com:vml" xmlns:pvml="urn:schemas-microsoft-com:office:powerpoint" xmlns:com="http://schemas.openxmlformats.org/drawingml/2006/compatibility" xmlns:p14="http://schemas.microsoft.com/office/powerpoint/2010/main" xmlns:p15="http://schemas.microsoft.com/office/powerpoint/2012/main" matchingName="Title only" type="titleOnly">
+<p:sldLayout xmlns:a="http://schemas.openxmlformats.org/drawingml/2006/main" xmlns:r="http://schemas.openxmlformats.org/officeDocument/2006/relationships" xmlns:p="http://schemas.openxmlformats.org/presentationml/2006/main" matchingName="Title only" type="titleOnly">
   <p:cSld name="TITLE_ONLY">
     <p:spTree>
       <p:nvGrpSpPr>
-        <p:cNvPr id="25" name="Shape 25"/>
+        <p:cNvPr id="1" name="Shape 25"/>
         <p:cNvGrpSpPr/>
         <p:nvPr/>
       </p:nvGrpSpPr>
@@ -2964,7 +5019,9 @@
       <p:sp>
         <p:nvSpPr>
           <p:cNvPr id="26" name="Shape 26"/>
-          <p:cNvSpPr txBox="1"/>
+          <p:cNvSpPr txBox="1">
+            <a:spLocks noGrp="1"/>
+          </p:cNvSpPr>
           <p:nvPr>
             <p:ph type="title"/>
           </p:nvPr>
@@ -2979,7 +5036,7 @@
           </a:prstGeom>
         </p:spPr>
         <p:txBody>
-          <a:bodyPr anchorCtr="0" anchor="t" bIns="91425" lIns="91425" spcFirstLastPara="1" rIns="91425" wrap="square" tIns="91425"/>
+          <a:bodyPr spcFirstLastPara="1" wrap="square" lIns="91425" tIns="91425" rIns="91425" bIns="91425" anchor="t" anchorCtr="0"/>
           <a:lstStyle>
             <a:lvl1pPr lvl="0">
               <a:spcBef>
@@ -3081,15 +5138,19 @@
               <a:defRPr/>
             </a:lvl9pPr>
           </a:lstStyle>
-          <a:p/>
+          <a:p>
+            <a:endParaRPr/>
+          </a:p>
         </p:txBody>
       </p:sp>
       <p:sp>
         <p:nvSpPr>
           <p:cNvPr id="27" name="Shape 27"/>
-          <p:cNvSpPr txBox="1"/>
+          <p:cNvSpPr txBox="1">
+            <a:spLocks noGrp="1"/>
+          </p:cNvSpPr>
           <p:nvPr>
-            <p:ph idx="12" type="sldNum"/>
+            <p:ph type="sldNum" idx="12"/>
           </p:nvPr>
         </p:nvSpPr>
         <p:spPr>
@@ -3102,7 +5163,7 @@
           </a:prstGeom>
         </p:spPr>
         <p:txBody>
-          <a:bodyPr anchorCtr="0" anchor="ctr" bIns="91425" lIns="91425" spcFirstLastPara="1" rIns="91425" wrap="square" tIns="91425">
+          <a:bodyPr spcFirstLastPara="1" wrap="square" lIns="91425" tIns="91425" rIns="91425" bIns="91425" anchor="ctr" anchorCtr="0">
             <a:noAutofit/>
           </a:bodyPr>
           <a:lstStyle>
@@ -3144,7 +5205,7 @@
             </a:lvl9pPr>
           </a:lstStyle>
           <a:p>
-            <a:pPr indent="0" lvl="0" marL="0">
+            <a:pPr marL="0" lvl="0" indent="0">
               <a:spcBef>
                 <a:spcPts val="0"/>
               </a:spcBef>
@@ -3155,7 +5216,7 @@
             </a:pPr>
             <a:fld id="{00000000-1234-1234-1234-123412341234}" type="slidenum">
               <a:rPr lang="en"/>
-              <a:t>‹#›</a:t>
+              <a:t>‹nº›</a:t>
             </a:fld>
             <a:endParaRPr/>
           </a:p>
@@ -3170,11 +5231,11 @@
 </file>
 
 <file path=ppt/slideLayouts/slideLayout6.xml><?xml version="1.0" encoding="utf-8"?>
-<p:sldLayout xmlns:a="http://schemas.openxmlformats.org/drawingml/2006/main" xmlns:r="http://schemas.openxmlformats.org/officeDocument/2006/relationships" xmlns:mc="http://schemas.openxmlformats.org/markup-compatibility/2006" xmlns:mv="urn:schemas-microsoft-com:mac:vml" xmlns:p="http://schemas.openxmlformats.org/presentationml/2006/main" xmlns:c="http://schemas.openxmlformats.org/drawingml/2006/chart" xmlns:dgm="http://schemas.openxmlformats.org/drawingml/2006/diagram" xmlns:o="urn:schemas-microsoft-com:office:office" xmlns:v="urn:schemas-microsoft-com:vml" xmlns:pvml="urn:schemas-microsoft-com:office:powerpoint" xmlns:com="http://schemas.openxmlformats.org/drawingml/2006/compatibility" xmlns:p14="http://schemas.microsoft.com/office/powerpoint/2010/main" xmlns:p15="http://schemas.microsoft.com/office/powerpoint/2012/main" matchingName="One column text">
+<p:sldLayout xmlns:a="http://schemas.openxmlformats.org/drawingml/2006/main" xmlns:r="http://schemas.openxmlformats.org/officeDocument/2006/relationships" xmlns:p="http://schemas.openxmlformats.org/presentationml/2006/main" matchingName="One column text">
   <p:cSld name="ONE_COLUMN_TEXT">
     <p:spTree>
       <p:nvGrpSpPr>
-        <p:cNvPr id="28" name="Shape 28"/>
+        <p:cNvPr id="1" name="Shape 28"/>
         <p:cNvGrpSpPr/>
         <p:nvPr/>
       </p:nvGrpSpPr>
@@ -3189,7 +5250,9 @@
       <p:sp>
         <p:nvSpPr>
           <p:cNvPr id="29" name="Shape 29"/>
-          <p:cNvSpPr txBox="1"/>
+          <p:cNvSpPr txBox="1">
+            <a:spLocks noGrp="1"/>
+          </p:cNvSpPr>
           <p:nvPr>
             <p:ph type="title"/>
           </p:nvPr>
@@ -3204,7 +5267,7 @@
           </a:prstGeom>
         </p:spPr>
         <p:txBody>
-          <a:bodyPr anchorCtr="0" anchor="b" bIns="91425" lIns="91425" spcFirstLastPara="1" rIns="91425" wrap="square" tIns="91425"/>
+          <a:bodyPr spcFirstLastPara="1" wrap="square" lIns="91425" tIns="91425" rIns="91425" bIns="91425" anchor="b" anchorCtr="0"/>
           <a:lstStyle>
             <a:lvl1pPr lvl="0">
               <a:spcBef>
@@ -3306,15 +5369,19 @@
               <a:defRPr sz="2400"/>
             </a:lvl9pPr>
           </a:lstStyle>
-          <a:p/>
+          <a:p>
+            <a:endParaRPr/>
+          </a:p>
         </p:txBody>
       </p:sp>
       <p:sp>
         <p:nvSpPr>
           <p:cNvPr id="30" name="Shape 30"/>
-          <p:cNvSpPr txBox="1"/>
+          <p:cNvSpPr txBox="1">
+            <a:spLocks noGrp="1"/>
+          </p:cNvSpPr>
           <p:nvPr>
-            <p:ph idx="1" type="body"/>
+            <p:ph type="body" idx="1"/>
           </p:nvPr>
         </p:nvSpPr>
         <p:spPr>
@@ -3327,9 +5394,9 @@
           </a:prstGeom>
         </p:spPr>
         <p:txBody>
-          <a:bodyPr anchorCtr="0" anchor="t" bIns="91425" lIns="91425" spcFirstLastPara="1" rIns="91425" wrap="square" tIns="91425"/>
+          <a:bodyPr spcFirstLastPara="1" wrap="square" lIns="91425" tIns="91425" rIns="91425" bIns="91425" anchor="t" anchorCtr="0"/>
           <a:lstStyle>
-            <a:lvl1pPr indent="-304800" lvl="0" marL="457200">
+            <a:lvl1pPr marL="457200" lvl="0" indent="-304800">
               <a:spcBef>
                 <a:spcPts val="0"/>
               </a:spcBef>
@@ -3340,7 +5407,7 @@
               <a:buChar char="●"/>
               <a:defRPr sz="1200"/>
             </a:lvl1pPr>
-            <a:lvl2pPr indent="-304800" lvl="1" marL="914400">
+            <a:lvl2pPr marL="914400" lvl="1" indent="-304800">
               <a:spcBef>
                 <a:spcPts val="1600"/>
               </a:spcBef>
@@ -3351,7 +5418,7 @@
               <a:buChar char="○"/>
               <a:defRPr sz="1200"/>
             </a:lvl2pPr>
-            <a:lvl3pPr indent="-304800" lvl="2" marL="1371600">
+            <a:lvl3pPr marL="1371600" lvl="2" indent="-304800">
               <a:spcBef>
                 <a:spcPts val="1600"/>
               </a:spcBef>
@@ -3362,7 +5429,7 @@
               <a:buChar char="■"/>
               <a:defRPr sz="1200"/>
             </a:lvl3pPr>
-            <a:lvl4pPr indent="-304800" lvl="3" marL="1828800">
+            <a:lvl4pPr marL="1828800" lvl="3" indent="-304800">
               <a:spcBef>
                 <a:spcPts val="1600"/>
               </a:spcBef>
@@ -3373,7 +5440,7 @@
               <a:buChar char="●"/>
               <a:defRPr sz="1200"/>
             </a:lvl4pPr>
-            <a:lvl5pPr indent="-304800" lvl="4" marL="2286000">
+            <a:lvl5pPr marL="2286000" lvl="4" indent="-304800">
               <a:spcBef>
                 <a:spcPts val="1600"/>
               </a:spcBef>
@@ -3384,7 +5451,7 @@
               <a:buChar char="○"/>
               <a:defRPr sz="1200"/>
             </a:lvl5pPr>
-            <a:lvl6pPr indent="-304800" lvl="5" marL="2743200">
+            <a:lvl6pPr marL="2743200" lvl="5" indent="-304800">
               <a:spcBef>
                 <a:spcPts val="1600"/>
               </a:spcBef>
@@ -3395,7 +5462,7 @@
               <a:buChar char="■"/>
               <a:defRPr sz="1200"/>
             </a:lvl6pPr>
-            <a:lvl7pPr indent="-304800" lvl="6" marL="3200400">
+            <a:lvl7pPr marL="3200400" lvl="6" indent="-304800">
               <a:spcBef>
                 <a:spcPts val="1600"/>
               </a:spcBef>
@@ -3406,7 +5473,7 @@
               <a:buChar char="●"/>
               <a:defRPr sz="1200"/>
             </a:lvl7pPr>
-            <a:lvl8pPr indent="-304800" lvl="7" marL="3657600">
+            <a:lvl8pPr marL="3657600" lvl="7" indent="-304800">
               <a:spcBef>
                 <a:spcPts val="1600"/>
               </a:spcBef>
@@ -3417,7 +5484,7 @@
               <a:buChar char="○"/>
               <a:defRPr sz="1200"/>
             </a:lvl8pPr>
-            <a:lvl9pPr indent="-304800" lvl="8" marL="4114800">
+            <a:lvl9pPr marL="4114800" lvl="8" indent="-304800">
               <a:spcBef>
                 <a:spcPts val="1600"/>
               </a:spcBef>
@@ -3429,15 +5496,19 @@
               <a:defRPr sz="1200"/>
             </a:lvl9pPr>
           </a:lstStyle>
-          <a:p/>
+          <a:p>
+            <a:endParaRPr/>
+          </a:p>
         </p:txBody>
       </p:sp>
       <p:sp>
         <p:nvSpPr>
           <p:cNvPr id="31" name="Shape 31"/>
-          <p:cNvSpPr txBox="1"/>
+          <p:cNvSpPr txBox="1">
+            <a:spLocks noGrp="1"/>
+          </p:cNvSpPr>
           <p:nvPr>
-            <p:ph idx="12" type="sldNum"/>
+            <p:ph type="sldNum" idx="12"/>
           </p:nvPr>
         </p:nvSpPr>
         <p:spPr>
@@ -3450,7 +5521,7 @@
           </a:prstGeom>
         </p:spPr>
         <p:txBody>
-          <a:bodyPr anchorCtr="0" anchor="ctr" bIns="91425" lIns="91425" spcFirstLastPara="1" rIns="91425" wrap="square" tIns="91425">
+          <a:bodyPr spcFirstLastPara="1" wrap="square" lIns="91425" tIns="91425" rIns="91425" bIns="91425" anchor="ctr" anchorCtr="0">
             <a:noAutofit/>
           </a:bodyPr>
           <a:lstStyle>
@@ -3492,7 +5563,7 @@
             </a:lvl9pPr>
           </a:lstStyle>
           <a:p>
-            <a:pPr indent="0" lvl="0" marL="0">
+            <a:pPr marL="0" lvl="0" indent="0">
               <a:spcBef>
                 <a:spcPts val="0"/>
               </a:spcBef>
@@ -3503,7 +5574,7 @@
             </a:pPr>
             <a:fld id="{00000000-1234-1234-1234-123412341234}" type="slidenum">
               <a:rPr lang="en"/>
-              <a:t>‹#›</a:t>
+              <a:t>‹nº›</a:t>
             </a:fld>
             <a:endParaRPr/>
           </a:p>
@@ -3518,11 +5589,11 @@
 </file>
 
 <file path=ppt/slideLayouts/slideLayout7.xml><?xml version="1.0" encoding="utf-8"?>
-<p:sldLayout xmlns:a="http://schemas.openxmlformats.org/drawingml/2006/main" xmlns:r="http://schemas.openxmlformats.org/officeDocument/2006/relationships" xmlns:mc="http://schemas.openxmlformats.org/markup-compatibility/2006" xmlns:mv="urn:schemas-microsoft-com:mac:vml" xmlns:p="http://schemas.openxmlformats.org/presentationml/2006/main" xmlns:c="http://schemas.openxmlformats.org/drawingml/2006/chart" xmlns:dgm="http://schemas.openxmlformats.org/drawingml/2006/diagram" xmlns:o="urn:schemas-microsoft-com:office:office" xmlns:v="urn:schemas-microsoft-com:vml" xmlns:pvml="urn:schemas-microsoft-com:office:powerpoint" xmlns:com="http://schemas.openxmlformats.org/drawingml/2006/compatibility" xmlns:p14="http://schemas.microsoft.com/office/powerpoint/2010/main" xmlns:p15="http://schemas.microsoft.com/office/powerpoint/2012/main" matchingName="Main point">
+<p:sldLayout xmlns:a="http://schemas.openxmlformats.org/drawingml/2006/main" xmlns:r="http://schemas.openxmlformats.org/officeDocument/2006/relationships" xmlns:p="http://schemas.openxmlformats.org/presentationml/2006/main" matchingName="Main point">
   <p:cSld name="MAIN_POINT">
     <p:spTree>
       <p:nvGrpSpPr>
-        <p:cNvPr id="32" name="Shape 32"/>
+        <p:cNvPr id="1" name="Shape 32"/>
         <p:cNvGrpSpPr/>
         <p:nvPr/>
       </p:nvGrpSpPr>
@@ -3537,7 +5608,9 @@
       <p:sp>
         <p:nvSpPr>
           <p:cNvPr id="33" name="Shape 33"/>
-          <p:cNvSpPr txBox="1"/>
+          <p:cNvSpPr txBox="1">
+            <a:spLocks noGrp="1"/>
+          </p:cNvSpPr>
           <p:nvPr>
             <p:ph type="title"/>
           </p:nvPr>
@@ -3552,7 +5625,7 @@
           </a:prstGeom>
         </p:spPr>
         <p:txBody>
-          <a:bodyPr anchorCtr="0" anchor="ctr" bIns="91425" lIns="91425" spcFirstLastPara="1" rIns="91425" wrap="square" tIns="91425"/>
+          <a:bodyPr spcFirstLastPara="1" wrap="square" lIns="91425" tIns="91425" rIns="91425" bIns="91425" anchor="ctr" anchorCtr="0"/>
           <a:lstStyle>
             <a:lvl1pPr lvl="0">
               <a:spcBef>
@@ -3654,15 +5727,19 @@
               <a:defRPr sz="4800"/>
             </a:lvl9pPr>
           </a:lstStyle>
-          <a:p/>
+          <a:p>
+            <a:endParaRPr/>
+          </a:p>
         </p:txBody>
       </p:sp>
       <p:sp>
         <p:nvSpPr>
           <p:cNvPr id="34" name="Shape 34"/>
-          <p:cNvSpPr txBox="1"/>
+          <p:cNvSpPr txBox="1">
+            <a:spLocks noGrp="1"/>
+          </p:cNvSpPr>
           <p:nvPr>
-            <p:ph idx="12" type="sldNum"/>
+            <p:ph type="sldNum" idx="12"/>
           </p:nvPr>
         </p:nvSpPr>
         <p:spPr>
@@ -3675,7 +5752,7 @@
           </a:prstGeom>
         </p:spPr>
         <p:txBody>
-          <a:bodyPr anchorCtr="0" anchor="ctr" bIns="91425" lIns="91425" spcFirstLastPara="1" rIns="91425" wrap="square" tIns="91425">
+          <a:bodyPr spcFirstLastPara="1" wrap="square" lIns="91425" tIns="91425" rIns="91425" bIns="91425" anchor="ctr" anchorCtr="0">
             <a:noAutofit/>
           </a:bodyPr>
           <a:lstStyle>
@@ -3717,7 +5794,7 @@
             </a:lvl9pPr>
           </a:lstStyle>
           <a:p>
-            <a:pPr indent="0" lvl="0" marL="0">
+            <a:pPr marL="0" lvl="0" indent="0">
               <a:spcBef>
                 <a:spcPts val="0"/>
               </a:spcBef>
@@ -3728,7 +5805,7 @@
             </a:pPr>
             <a:fld id="{00000000-1234-1234-1234-123412341234}" type="slidenum">
               <a:rPr lang="en"/>
-              <a:t>‹#›</a:t>
+              <a:t>‹nº›</a:t>
             </a:fld>
             <a:endParaRPr/>
           </a:p>
@@ -3743,11 +5820,11 @@
 </file>
 
 <file path=ppt/slideLayouts/slideLayout8.xml><?xml version="1.0" encoding="utf-8"?>
-<p:sldLayout xmlns:a="http://schemas.openxmlformats.org/drawingml/2006/main" xmlns:r="http://schemas.openxmlformats.org/officeDocument/2006/relationships" xmlns:mc="http://schemas.openxmlformats.org/markup-compatibility/2006" xmlns:mv="urn:schemas-microsoft-com:mac:vml" xmlns:p="http://schemas.openxmlformats.org/presentationml/2006/main" xmlns:c="http://schemas.openxmlformats.org/drawingml/2006/chart" xmlns:dgm="http://schemas.openxmlformats.org/drawingml/2006/diagram" xmlns:o="urn:schemas-microsoft-com:office:office" xmlns:v="urn:schemas-microsoft-com:vml" xmlns:pvml="urn:schemas-microsoft-com:office:powerpoint" xmlns:com="http://schemas.openxmlformats.org/drawingml/2006/compatibility" xmlns:p14="http://schemas.microsoft.com/office/powerpoint/2010/main" xmlns:p15="http://schemas.microsoft.com/office/powerpoint/2012/main" matchingName="Section title and description">
+<p:sldLayout xmlns:a="http://schemas.openxmlformats.org/drawingml/2006/main" xmlns:r="http://schemas.openxmlformats.org/officeDocument/2006/relationships" xmlns:p="http://schemas.openxmlformats.org/presentationml/2006/main" matchingName="Section title and description">
   <p:cSld name="SECTION_TITLE_AND_DESCRIPTION">
     <p:spTree>
       <p:nvGrpSpPr>
-        <p:cNvPr id="35" name="Shape 35"/>
+        <p:cNvPr id="1" name="Shape 35"/>
         <p:cNvGrpSpPr/>
         <p:nvPr/>
       </p:nvGrpSpPr>
@@ -3781,12 +5858,12 @@
           </a:ln>
         </p:spPr>
         <p:txBody>
-          <a:bodyPr anchorCtr="0" anchor="ctr" bIns="91425" lIns="91425" spcFirstLastPara="1" rIns="91425" wrap="square" tIns="91425">
+          <a:bodyPr spcFirstLastPara="1" wrap="square" lIns="91425" tIns="91425" rIns="91425" bIns="91425" anchor="ctr" anchorCtr="0">
             <a:noAutofit/>
           </a:bodyPr>
           <a:lstStyle/>
           <a:p>
-            <a:pPr indent="0" lvl="0" marL="0">
+            <a:pPr marL="0" lvl="0" indent="0">
               <a:spcBef>
                 <a:spcPts val="0"/>
               </a:spcBef>
@@ -3795,9 +5872,6 @@
               </a:spcAft>
               <a:buNone/>
             </a:pPr>
-            <a:r>
-              <a:t/>
-            </a:r>
             <a:endParaRPr/>
           </a:p>
         </p:txBody>
@@ -3805,7 +5879,9 @@
       <p:sp>
         <p:nvSpPr>
           <p:cNvPr id="37" name="Shape 37"/>
-          <p:cNvSpPr txBox="1"/>
+          <p:cNvSpPr txBox="1">
+            <a:spLocks noGrp="1"/>
+          </p:cNvSpPr>
           <p:nvPr>
             <p:ph type="title"/>
           </p:nvPr>
@@ -3820,7 +5896,7 @@
           </a:prstGeom>
         </p:spPr>
         <p:txBody>
-          <a:bodyPr anchorCtr="0" anchor="b" bIns="91425" lIns="91425" spcFirstLastPara="1" rIns="91425" wrap="square" tIns="91425"/>
+          <a:bodyPr spcFirstLastPara="1" wrap="square" lIns="91425" tIns="91425" rIns="91425" bIns="91425" anchor="b" anchorCtr="0"/>
           <a:lstStyle>
             <a:lvl1pPr lvl="0" algn="ctr">
               <a:spcBef>
@@ -3922,15 +5998,19 @@
               <a:defRPr sz="4200"/>
             </a:lvl9pPr>
           </a:lstStyle>
-          <a:p/>
+          <a:p>
+            <a:endParaRPr/>
+          </a:p>
         </p:txBody>
       </p:sp>
       <p:sp>
         <p:nvSpPr>
           <p:cNvPr id="38" name="Shape 38"/>
-          <p:cNvSpPr txBox="1"/>
+          <p:cNvSpPr txBox="1">
+            <a:spLocks noGrp="1"/>
+          </p:cNvSpPr>
           <p:nvPr>
-            <p:ph idx="1" type="subTitle"/>
+            <p:ph type="subTitle" idx="1"/>
           </p:nvPr>
         </p:nvSpPr>
         <p:spPr>
@@ -3943,7 +6023,7 @@
           </a:prstGeom>
         </p:spPr>
         <p:txBody>
-          <a:bodyPr anchorCtr="0" anchor="t" bIns="91425" lIns="91425" spcFirstLastPara="1" rIns="91425" wrap="square" tIns="91425"/>
+          <a:bodyPr spcFirstLastPara="1" wrap="square" lIns="91425" tIns="91425" rIns="91425" bIns="91425" anchor="t" anchorCtr="0"/>
           <a:lstStyle>
             <a:lvl1pPr lvl="0" algn="ctr">
               <a:lnSpc>
@@ -4072,15 +6152,19 @@
               <a:defRPr sz="2100"/>
             </a:lvl9pPr>
           </a:lstStyle>
-          <a:p/>
+          <a:p>
+            <a:endParaRPr/>
+          </a:p>
         </p:txBody>
       </p:sp>
       <p:sp>
         <p:nvSpPr>
           <p:cNvPr id="39" name="Shape 39"/>
-          <p:cNvSpPr txBox="1"/>
+          <p:cNvSpPr txBox="1">
+            <a:spLocks noGrp="1"/>
+          </p:cNvSpPr>
           <p:nvPr>
-            <p:ph idx="2" type="body"/>
+            <p:ph type="body" idx="2"/>
           </p:nvPr>
         </p:nvSpPr>
         <p:spPr>
@@ -4093,9 +6177,9 @@
           </a:prstGeom>
         </p:spPr>
         <p:txBody>
-          <a:bodyPr anchorCtr="0" anchor="ctr" bIns="91425" lIns="91425" spcFirstLastPara="1" rIns="91425" wrap="square" tIns="91425"/>
+          <a:bodyPr spcFirstLastPara="1" wrap="square" lIns="91425" tIns="91425" rIns="91425" bIns="91425" anchor="ctr" anchorCtr="0"/>
           <a:lstStyle>
-            <a:lvl1pPr indent="-342900" lvl="0" marL="457200">
+            <a:lvl1pPr marL="457200" lvl="0" indent="-342900">
               <a:spcBef>
                 <a:spcPts val="0"/>
               </a:spcBef>
@@ -4106,7 +6190,7 @@
               <a:buChar char="●"/>
               <a:defRPr/>
             </a:lvl1pPr>
-            <a:lvl2pPr indent="-317500" lvl="1" marL="914400">
+            <a:lvl2pPr marL="914400" lvl="1" indent="-317500">
               <a:spcBef>
                 <a:spcPts val="1600"/>
               </a:spcBef>
@@ -4117,7 +6201,7 @@
               <a:buChar char="○"/>
               <a:defRPr/>
             </a:lvl2pPr>
-            <a:lvl3pPr indent="-317500" lvl="2" marL="1371600">
+            <a:lvl3pPr marL="1371600" lvl="2" indent="-317500">
               <a:spcBef>
                 <a:spcPts val="1600"/>
               </a:spcBef>
@@ -4128,7 +6212,7 @@
               <a:buChar char="■"/>
               <a:defRPr/>
             </a:lvl3pPr>
-            <a:lvl4pPr indent="-317500" lvl="3" marL="1828800">
+            <a:lvl4pPr marL="1828800" lvl="3" indent="-317500">
               <a:spcBef>
                 <a:spcPts val="1600"/>
               </a:spcBef>
@@ -4139,7 +6223,7 @@
               <a:buChar char="●"/>
               <a:defRPr/>
             </a:lvl4pPr>
-            <a:lvl5pPr indent="-317500" lvl="4" marL="2286000">
+            <a:lvl5pPr marL="2286000" lvl="4" indent="-317500">
               <a:spcBef>
                 <a:spcPts val="1600"/>
               </a:spcBef>
@@ -4150,7 +6234,7 @@
               <a:buChar char="○"/>
               <a:defRPr/>
             </a:lvl5pPr>
-            <a:lvl6pPr indent="-317500" lvl="5" marL="2743200">
+            <a:lvl6pPr marL="2743200" lvl="5" indent="-317500">
               <a:spcBef>
                 <a:spcPts val="1600"/>
               </a:spcBef>
@@ -4161,7 +6245,7 @@
               <a:buChar char="■"/>
               <a:defRPr/>
             </a:lvl6pPr>
-            <a:lvl7pPr indent="-317500" lvl="6" marL="3200400">
+            <a:lvl7pPr marL="3200400" lvl="6" indent="-317500">
               <a:spcBef>
                 <a:spcPts val="1600"/>
               </a:spcBef>
@@ -4172,7 +6256,7 @@
               <a:buChar char="●"/>
               <a:defRPr/>
             </a:lvl7pPr>
-            <a:lvl8pPr indent="-317500" lvl="7" marL="3657600">
+            <a:lvl8pPr marL="3657600" lvl="7" indent="-317500">
               <a:spcBef>
                 <a:spcPts val="1600"/>
               </a:spcBef>
@@ -4183,7 +6267,7 @@
               <a:buChar char="○"/>
               <a:defRPr/>
             </a:lvl8pPr>
-            <a:lvl9pPr indent="-317500" lvl="8" marL="4114800">
+            <a:lvl9pPr marL="4114800" lvl="8" indent="-317500">
               <a:spcBef>
                 <a:spcPts val="1600"/>
               </a:spcBef>
@@ -4195,15 +6279,19 @@
               <a:defRPr/>
             </a:lvl9pPr>
           </a:lstStyle>
-          <a:p/>
+          <a:p>
+            <a:endParaRPr/>
+          </a:p>
         </p:txBody>
       </p:sp>
       <p:sp>
         <p:nvSpPr>
           <p:cNvPr id="40" name="Shape 40"/>
-          <p:cNvSpPr txBox="1"/>
+          <p:cNvSpPr txBox="1">
+            <a:spLocks noGrp="1"/>
+          </p:cNvSpPr>
           <p:nvPr>
-            <p:ph idx="12" type="sldNum"/>
+            <p:ph type="sldNum" idx="12"/>
           </p:nvPr>
         </p:nvSpPr>
         <p:spPr>
@@ -4216,7 +6304,7 @@
           </a:prstGeom>
         </p:spPr>
         <p:txBody>
-          <a:bodyPr anchorCtr="0" anchor="ctr" bIns="91425" lIns="91425" spcFirstLastPara="1" rIns="91425" wrap="square" tIns="91425">
+          <a:bodyPr spcFirstLastPara="1" wrap="square" lIns="91425" tIns="91425" rIns="91425" bIns="91425" anchor="ctr" anchorCtr="0">
             <a:noAutofit/>
           </a:bodyPr>
           <a:lstStyle>
@@ -4258,7 +6346,7 @@
             </a:lvl9pPr>
           </a:lstStyle>
           <a:p>
-            <a:pPr indent="0" lvl="0" marL="0">
+            <a:pPr marL="0" lvl="0" indent="0">
               <a:spcBef>
                 <a:spcPts val="0"/>
               </a:spcBef>
@@ -4269,7 +6357,7 @@
             </a:pPr>
             <a:fld id="{00000000-1234-1234-1234-123412341234}" type="slidenum">
               <a:rPr lang="en"/>
-              <a:t>‹#›</a:t>
+              <a:t>‹nº›</a:t>
             </a:fld>
             <a:endParaRPr/>
           </a:p>
@@ -4284,11 +6372,11 @@
 </file>
 
 <file path=ppt/slideLayouts/slideLayout9.xml><?xml version="1.0" encoding="utf-8"?>
-<p:sldLayout xmlns:a="http://schemas.openxmlformats.org/drawingml/2006/main" xmlns:r="http://schemas.openxmlformats.org/officeDocument/2006/relationships" xmlns:mc="http://schemas.openxmlformats.org/markup-compatibility/2006" xmlns:mv="urn:schemas-microsoft-com:mac:vml" xmlns:p="http://schemas.openxmlformats.org/presentationml/2006/main" xmlns:c="http://schemas.openxmlformats.org/drawingml/2006/chart" xmlns:dgm="http://schemas.openxmlformats.org/drawingml/2006/diagram" xmlns:o="urn:schemas-microsoft-com:office:office" xmlns:v="urn:schemas-microsoft-com:vml" xmlns:pvml="urn:schemas-microsoft-com:office:powerpoint" xmlns:com="http://schemas.openxmlformats.org/drawingml/2006/compatibility" xmlns:p14="http://schemas.microsoft.com/office/powerpoint/2010/main" xmlns:p15="http://schemas.microsoft.com/office/powerpoint/2012/main" matchingName="Caption">
+<p:sldLayout xmlns:a="http://schemas.openxmlformats.org/drawingml/2006/main" xmlns:r="http://schemas.openxmlformats.org/officeDocument/2006/relationships" xmlns:p="http://schemas.openxmlformats.org/presentationml/2006/main" matchingName="Caption">
   <p:cSld name="CAPTION_ONLY">
     <p:spTree>
       <p:nvGrpSpPr>
-        <p:cNvPr id="41" name="Shape 41"/>
+        <p:cNvPr id="1" name="Shape 41"/>
         <p:cNvGrpSpPr/>
         <p:nvPr/>
       </p:nvGrpSpPr>
@@ -4303,9 +6391,11 @@
       <p:sp>
         <p:nvSpPr>
           <p:cNvPr id="42" name="Shape 42"/>
-          <p:cNvSpPr txBox="1"/>
+          <p:cNvSpPr txBox="1">
+            <a:spLocks noGrp="1"/>
+          </p:cNvSpPr>
           <p:nvPr>
-            <p:ph idx="1" type="body"/>
+            <p:ph type="body" idx="1"/>
           </p:nvPr>
         </p:nvSpPr>
         <p:spPr>
@@ -4318,9 +6408,9 @@
           </a:prstGeom>
         </p:spPr>
         <p:txBody>
-          <a:bodyPr anchorCtr="0" anchor="ctr" bIns="91425" lIns="91425" spcFirstLastPara="1" rIns="91425" wrap="square" tIns="91425"/>
+          <a:bodyPr spcFirstLastPara="1" wrap="square" lIns="91425" tIns="91425" rIns="91425" bIns="91425" anchor="ctr" anchorCtr="0"/>
           <a:lstStyle>
-            <a:lvl1pPr indent="-228600" lvl="0" marL="457200">
+            <a:lvl1pPr marL="457200" lvl="0" indent="-228600">
               <a:lnSpc>
                 <a:spcPct val="100000"/>
               </a:lnSpc>
@@ -4335,15 +6425,19 @@
               <a:defRPr/>
             </a:lvl1pPr>
           </a:lstStyle>
-          <a:p/>
+          <a:p>
+            <a:endParaRPr/>
+          </a:p>
         </p:txBody>
       </p:sp>
       <p:sp>
         <p:nvSpPr>
           <p:cNvPr id="43" name="Shape 43"/>
-          <p:cNvSpPr txBox="1"/>
+          <p:cNvSpPr txBox="1">
+            <a:spLocks noGrp="1"/>
+          </p:cNvSpPr>
           <p:nvPr>
-            <p:ph idx="12" type="sldNum"/>
+            <p:ph type="sldNum" idx="12"/>
           </p:nvPr>
         </p:nvSpPr>
         <p:spPr>
@@ -4356,7 +6450,7 @@
           </a:prstGeom>
         </p:spPr>
         <p:txBody>
-          <a:bodyPr anchorCtr="0" anchor="ctr" bIns="91425" lIns="91425" spcFirstLastPara="1" rIns="91425" wrap="square" tIns="91425">
+          <a:bodyPr spcFirstLastPara="1" wrap="square" lIns="91425" tIns="91425" rIns="91425" bIns="91425" anchor="ctr" anchorCtr="0">
             <a:noAutofit/>
           </a:bodyPr>
           <a:lstStyle>
@@ -4398,7 +6492,7 @@
             </a:lvl9pPr>
           </a:lstStyle>
           <a:p>
-            <a:pPr indent="0" lvl="0" marL="0">
+            <a:pPr marL="0" lvl="0" indent="0">
               <a:spcBef>
                 <a:spcPts val="0"/>
               </a:spcBef>
@@ -4409,7 +6503,7 @@
             </a:pPr>
             <a:fld id="{00000000-1234-1234-1234-123412341234}" type="slidenum">
               <a:rPr lang="en"/>
-              <a:t>‹#›</a:t>
+              <a:t>‹nº›</a:t>
             </a:fld>
             <a:endParaRPr/>
           </a:p>
@@ -4424,18 +6518,19 @@
 </file>
 
 <file path=ppt/slideMasters/slideMaster1.xml><?xml version="1.0" encoding="utf-8"?>
-<p:sldMaster xmlns:a="http://schemas.openxmlformats.org/drawingml/2006/main" xmlns:r="http://schemas.openxmlformats.org/officeDocument/2006/relationships" xmlns:mc="http://schemas.openxmlformats.org/markup-compatibility/2006" xmlns:mv="urn:schemas-microsoft-com:mac:vml" xmlns:p="http://schemas.openxmlformats.org/presentationml/2006/main" xmlns:c="http://schemas.openxmlformats.org/drawingml/2006/chart" xmlns:dgm="http://schemas.openxmlformats.org/drawingml/2006/diagram" xmlns:o="urn:schemas-microsoft-com:office:office" xmlns:v="urn:schemas-microsoft-com:vml" xmlns:pvml="urn:schemas-microsoft-com:office:powerpoint" xmlns:com="http://schemas.openxmlformats.org/drawingml/2006/compatibility" xmlns:p14="http://schemas.microsoft.com/office/powerpoint/2010/main" xmlns:p15="http://schemas.microsoft.com/office/powerpoint/2012/main">
+<p:sldMaster xmlns:a="http://schemas.openxmlformats.org/drawingml/2006/main" xmlns:r="http://schemas.openxmlformats.org/officeDocument/2006/relationships" xmlns:p="http://schemas.openxmlformats.org/presentationml/2006/main">
   <p:cSld name="simple-light-2">
     <p:bg>
       <p:bgPr>
         <a:solidFill>
           <a:schemeClr val="lt1"/>
         </a:solidFill>
+        <a:effectLst/>
       </p:bgPr>
     </p:bg>
     <p:spTree>
       <p:nvGrpSpPr>
-        <p:cNvPr id="5" name="Shape 5"/>
+        <p:cNvPr id="1" name="Shape 5"/>
         <p:cNvGrpSpPr/>
         <p:nvPr/>
       </p:nvGrpSpPr>
@@ -4450,7 +6545,9 @@
       <p:sp>
         <p:nvSpPr>
           <p:cNvPr id="6" name="Shape 6"/>
-          <p:cNvSpPr txBox="1"/>
+          <p:cNvSpPr txBox="1">
+            <a:spLocks noGrp="1"/>
+          </p:cNvSpPr>
           <p:nvPr>
             <p:ph type="title"/>
           </p:nvPr>
@@ -4469,7 +6566,7 @@
           </a:ln>
         </p:spPr>
         <p:txBody>
-          <a:bodyPr anchorCtr="0" anchor="t" bIns="91425" lIns="91425" spcFirstLastPara="1" rIns="91425" wrap="square" tIns="91425"/>
+          <a:bodyPr spcFirstLastPara="1" wrap="square" lIns="91425" tIns="91425" rIns="91425" bIns="91425" anchor="t" anchorCtr="0"/>
           <a:lstStyle>
             <a:lvl1pPr lvl="0">
               <a:spcBef>
@@ -4634,15 +6731,19 @@
               </a:defRPr>
             </a:lvl9pPr>
           </a:lstStyle>
-          <a:p/>
+          <a:p>
+            <a:endParaRPr/>
+          </a:p>
         </p:txBody>
       </p:sp>
       <p:sp>
         <p:nvSpPr>
           <p:cNvPr id="7" name="Shape 7"/>
-          <p:cNvSpPr txBox="1"/>
+          <p:cNvSpPr txBox="1">
+            <a:spLocks noGrp="1"/>
+          </p:cNvSpPr>
           <p:nvPr>
-            <p:ph idx="1" type="body"/>
+            <p:ph type="body" idx="1"/>
           </p:nvPr>
         </p:nvSpPr>
         <p:spPr>
@@ -4659,9 +6760,9 @@
           </a:ln>
         </p:spPr>
         <p:txBody>
-          <a:bodyPr anchorCtr="0" anchor="t" bIns="91425" lIns="91425" spcFirstLastPara="1" rIns="91425" wrap="square" tIns="91425"/>
+          <a:bodyPr spcFirstLastPara="1" wrap="square" lIns="91425" tIns="91425" rIns="91425" bIns="91425" anchor="t" anchorCtr="0"/>
           <a:lstStyle>
-            <a:lvl1pPr indent="-342900" lvl="0" marL="457200">
+            <a:lvl1pPr marL="457200" lvl="0" indent="-342900">
               <a:lnSpc>
                 <a:spcPct val="115000"/>
               </a:lnSpc>
@@ -4682,7 +6783,7 @@
                 </a:solidFill>
               </a:defRPr>
             </a:lvl1pPr>
-            <a:lvl2pPr indent="-317500" lvl="1" marL="914400">
+            <a:lvl2pPr marL="914400" lvl="1" indent="-317500">
               <a:lnSpc>
                 <a:spcPct val="115000"/>
               </a:lnSpc>
@@ -4703,7 +6804,7 @@
                 </a:solidFill>
               </a:defRPr>
             </a:lvl2pPr>
-            <a:lvl3pPr indent="-317500" lvl="2" marL="1371600">
+            <a:lvl3pPr marL="1371600" lvl="2" indent="-317500">
               <a:lnSpc>
                 <a:spcPct val="115000"/>
               </a:lnSpc>
@@ -4724,7 +6825,7 @@
                 </a:solidFill>
               </a:defRPr>
             </a:lvl3pPr>
-            <a:lvl4pPr indent="-317500" lvl="3" marL="1828800">
+            <a:lvl4pPr marL="1828800" lvl="3" indent="-317500">
               <a:lnSpc>
                 <a:spcPct val="115000"/>
               </a:lnSpc>
@@ -4745,7 +6846,7 @@
                 </a:solidFill>
               </a:defRPr>
             </a:lvl4pPr>
-            <a:lvl5pPr indent="-317500" lvl="4" marL="2286000">
+            <a:lvl5pPr marL="2286000" lvl="4" indent="-317500">
               <a:lnSpc>
                 <a:spcPct val="115000"/>
               </a:lnSpc>
@@ -4766,7 +6867,7 @@
                 </a:solidFill>
               </a:defRPr>
             </a:lvl5pPr>
-            <a:lvl6pPr indent="-317500" lvl="5" marL="2743200">
+            <a:lvl6pPr marL="2743200" lvl="5" indent="-317500">
               <a:lnSpc>
                 <a:spcPct val="115000"/>
               </a:lnSpc>
@@ -4787,7 +6888,7 @@
                 </a:solidFill>
               </a:defRPr>
             </a:lvl6pPr>
-            <a:lvl7pPr indent="-317500" lvl="6" marL="3200400">
+            <a:lvl7pPr marL="3200400" lvl="6" indent="-317500">
               <a:lnSpc>
                 <a:spcPct val="115000"/>
               </a:lnSpc>
@@ -4808,7 +6909,7 @@
                 </a:solidFill>
               </a:defRPr>
             </a:lvl7pPr>
-            <a:lvl8pPr indent="-317500" lvl="7" marL="3657600">
+            <a:lvl8pPr marL="3657600" lvl="7" indent="-317500">
               <a:lnSpc>
                 <a:spcPct val="115000"/>
               </a:lnSpc>
@@ -4829,7 +6930,7 @@
                 </a:solidFill>
               </a:defRPr>
             </a:lvl8pPr>
-            <a:lvl9pPr indent="-317500" lvl="8" marL="4114800">
+            <a:lvl9pPr marL="4114800" lvl="8" indent="-317500">
               <a:lnSpc>
                 <a:spcPct val="115000"/>
               </a:lnSpc>
@@ -4851,15 +6952,19 @@
               </a:defRPr>
             </a:lvl9pPr>
           </a:lstStyle>
-          <a:p/>
+          <a:p>
+            <a:endParaRPr/>
+          </a:p>
         </p:txBody>
       </p:sp>
       <p:sp>
         <p:nvSpPr>
           <p:cNvPr id="8" name="Shape 8"/>
-          <p:cNvSpPr txBox="1"/>
+          <p:cNvSpPr txBox="1">
+            <a:spLocks noGrp="1"/>
+          </p:cNvSpPr>
           <p:nvPr>
-            <p:ph idx="12" type="sldNum"/>
+            <p:ph type="sldNum" idx="12"/>
           </p:nvPr>
         </p:nvSpPr>
         <p:spPr>
@@ -4876,7 +6981,7 @@
           </a:ln>
         </p:spPr>
         <p:txBody>
-          <a:bodyPr anchorCtr="0" anchor="ctr" bIns="91425" lIns="91425" spcFirstLastPara="1" rIns="91425" wrap="square" tIns="91425">
+          <a:bodyPr spcFirstLastPara="1" wrap="square" lIns="91425" tIns="91425" rIns="91425" bIns="91425" anchor="ctr" anchorCtr="0">
             <a:noAutofit/>
           </a:bodyPr>
           <a:lstStyle>
@@ -4954,7 +7059,7 @@
             </a:lvl9pPr>
           </a:lstStyle>
           <a:p>
-            <a:pPr indent="0" lvl="0" marL="0">
+            <a:pPr marL="0" lvl="0" indent="0">
               <a:spcBef>
                 <a:spcPts val="0"/>
               </a:spcBef>
@@ -4965,7 +7070,7 @@
             </a:pPr>
             <a:fld id="{00000000-1234-1234-1234-123412341234}" type="slidenum">
               <a:rPr lang="en"/>
-              <a:t>‹#›</a:t>
+              <a:t>‹nº›</a:t>
             </a:fld>
             <a:endParaRPr/>
           </a:p>
@@ -4973,7 +7078,7 @@
       </p:sp>
     </p:spTree>
   </p:cSld>
-  <p:clrMap accent1="accent1" accent2="accent2" accent3="accent3" accent4="accent4" accent5="accent5" accent6="accent6" bg1="lt1" bg2="dk2" tx1="dk1" tx2="lt2" folHlink="folHlink" hlink="hlink"/>
+  <p:clrMap bg1="lt1" tx1="dk1" bg2="dk2" tx2="lt2" accent1="accent1" accent2="accent2" accent3="accent3" accent4="accent4" accent5="accent5" accent6="accent6" hlink="hlink" folHlink="folHlink"/>
   <p:sldLayoutIdLst>
     <p:sldLayoutId id="2147483648" r:id="rId1"/>
     <p:sldLayoutId id="2147483649" r:id="rId2"/>
@@ -4987,10 +7092,10 @@
     <p:sldLayoutId id="2147483657" r:id="rId10"/>
     <p:sldLayoutId id="2147483658" r:id="rId11"/>
   </p:sldLayoutIdLst>
-  <p:hf dt="0" ftr="0" hdr="0" sldNum="0"/>
+  <p:hf sldNum="0" hdr="0" ftr="0" dt="0"/>
   <p:txStyles>
     <p:titleStyle>
-      <a:defPPr lvl="0" marR="0" rtl="0" algn="l">
+      <a:defPPr marR="0" lvl="0" algn="l" rtl="0">
         <a:lnSpc>
           <a:spcPct val="100000"/>
         </a:lnSpc>
@@ -5001,7 +7106,7 @@
           <a:spcPts val="0"/>
         </a:spcAft>
       </a:defPPr>
-      <a:lvl1pPr lvl="0" marR="0" rtl="0" algn="l">
+      <a:lvl1pPr marR="0" lvl="0" algn="l" rtl="0">
         <a:lnSpc>
           <a:spcPct val="100000"/>
         </a:lnSpc>
@@ -5015,7 +7120,7 @@
           <a:srgbClr val="000000"/>
         </a:buClr>
         <a:buFont typeface="Arial"/>
-        <a:defRPr b="0" i="0" sz="1400" u="none" cap="none" strike="noStrike">
+        <a:defRPr sz="1400" b="0" i="0" u="none" strike="noStrike" cap="none">
           <a:solidFill>
             <a:srgbClr val="000000"/>
           </a:solidFill>
@@ -5025,7 +7130,7 @@
           <a:sym typeface="Arial"/>
         </a:defRPr>
       </a:lvl1pPr>
-      <a:lvl2pPr lvl="1" marR="0" rtl="0" algn="l">
+      <a:lvl2pPr marR="0" lvl="1" algn="l" rtl="0">
         <a:lnSpc>
           <a:spcPct val="100000"/>
         </a:lnSpc>
@@ -5039,7 +7144,7 @@
           <a:srgbClr val="000000"/>
         </a:buClr>
         <a:buFont typeface="Arial"/>
-        <a:defRPr b="0" i="0" sz="1400" u="none" cap="none" strike="noStrike">
+        <a:defRPr sz="1400" b="0" i="0" u="none" strike="noStrike" cap="none">
           <a:solidFill>
             <a:srgbClr val="000000"/>
           </a:solidFill>
@@ -5049,7 +7154,7 @@
           <a:sym typeface="Arial"/>
         </a:defRPr>
       </a:lvl2pPr>
-      <a:lvl3pPr lvl="2" marR="0" rtl="0" algn="l">
+      <a:lvl3pPr marR="0" lvl="2" algn="l" rtl="0">
         <a:lnSpc>
           <a:spcPct val="100000"/>
         </a:lnSpc>
@@ -5063,7 +7168,7 @@
           <a:srgbClr val="000000"/>
         </a:buClr>
         <a:buFont typeface="Arial"/>
-        <a:defRPr b="0" i="0" sz="1400" u="none" cap="none" strike="noStrike">
+        <a:defRPr sz="1400" b="0" i="0" u="none" strike="noStrike" cap="none">
           <a:solidFill>
             <a:srgbClr val="000000"/>
           </a:solidFill>
@@ -5073,7 +7178,7 @@
           <a:sym typeface="Arial"/>
         </a:defRPr>
       </a:lvl3pPr>
-      <a:lvl4pPr lvl="3" marR="0" rtl="0" algn="l">
+      <a:lvl4pPr marR="0" lvl="3" algn="l" rtl="0">
         <a:lnSpc>
           <a:spcPct val="100000"/>
         </a:lnSpc>
@@ -5087,7 +7192,7 @@
           <a:srgbClr val="000000"/>
         </a:buClr>
         <a:buFont typeface="Arial"/>
-        <a:defRPr b="0" i="0" sz="1400" u="none" cap="none" strike="noStrike">
+        <a:defRPr sz="1400" b="0" i="0" u="none" strike="noStrike" cap="none">
           <a:solidFill>
             <a:srgbClr val="000000"/>
           </a:solidFill>
@@ -5097,7 +7202,7 @@
           <a:sym typeface="Arial"/>
         </a:defRPr>
       </a:lvl4pPr>
-      <a:lvl5pPr lvl="4" marR="0" rtl="0" algn="l">
+      <a:lvl5pPr marR="0" lvl="4" algn="l" rtl="0">
         <a:lnSpc>
           <a:spcPct val="100000"/>
         </a:lnSpc>
@@ -5111,7 +7216,7 @@
           <a:srgbClr val="000000"/>
         </a:buClr>
         <a:buFont typeface="Arial"/>
-        <a:defRPr b="0" i="0" sz="1400" u="none" cap="none" strike="noStrike">
+        <a:defRPr sz="1400" b="0" i="0" u="none" strike="noStrike" cap="none">
           <a:solidFill>
             <a:srgbClr val="000000"/>
           </a:solidFill>
@@ -5121,7 +7226,7 @@
           <a:sym typeface="Arial"/>
         </a:defRPr>
       </a:lvl5pPr>
-      <a:lvl6pPr lvl="5" marR="0" rtl="0" algn="l">
+      <a:lvl6pPr marR="0" lvl="5" algn="l" rtl="0">
         <a:lnSpc>
           <a:spcPct val="100000"/>
         </a:lnSpc>
@@ -5135,7 +7240,7 @@
           <a:srgbClr val="000000"/>
         </a:buClr>
         <a:buFont typeface="Arial"/>
-        <a:defRPr b="0" i="0" sz="1400" u="none" cap="none" strike="noStrike">
+        <a:defRPr sz="1400" b="0" i="0" u="none" strike="noStrike" cap="none">
           <a:solidFill>
             <a:srgbClr val="000000"/>
           </a:solidFill>
@@ -5145,7 +7250,7 @@
           <a:sym typeface="Arial"/>
         </a:defRPr>
       </a:lvl6pPr>
-      <a:lvl7pPr lvl="6" marR="0" rtl="0" algn="l">
+      <a:lvl7pPr marR="0" lvl="6" algn="l" rtl="0">
         <a:lnSpc>
           <a:spcPct val="100000"/>
         </a:lnSpc>
@@ -5159,7 +7264,7 @@
           <a:srgbClr val="000000"/>
         </a:buClr>
         <a:buFont typeface="Arial"/>
-        <a:defRPr b="0" i="0" sz="1400" u="none" cap="none" strike="noStrike">
+        <a:defRPr sz="1400" b="0" i="0" u="none" strike="noStrike" cap="none">
           <a:solidFill>
             <a:srgbClr val="000000"/>
           </a:solidFill>
@@ -5169,7 +7274,7 @@
           <a:sym typeface="Arial"/>
         </a:defRPr>
       </a:lvl7pPr>
-      <a:lvl8pPr lvl="7" marR="0" rtl="0" algn="l">
+      <a:lvl8pPr marR="0" lvl="7" algn="l" rtl="0">
         <a:lnSpc>
           <a:spcPct val="100000"/>
         </a:lnSpc>
@@ -5183,7 +7288,7 @@
           <a:srgbClr val="000000"/>
         </a:buClr>
         <a:buFont typeface="Arial"/>
-        <a:defRPr b="0" i="0" sz="1400" u="none" cap="none" strike="noStrike">
+        <a:defRPr sz="1400" b="0" i="0" u="none" strike="noStrike" cap="none">
           <a:solidFill>
             <a:srgbClr val="000000"/>
           </a:solidFill>
@@ -5193,7 +7298,7 @@
           <a:sym typeface="Arial"/>
         </a:defRPr>
       </a:lvl8pPr>
-      <a:lvl9pPr lvl="8" marR="0" rtl="0" algn="l">
+      <a:lvl9pPr marR="0" lvl="8" algn="l" rtl="0">
         <a:lnSpc>
           <a:spcPct val="100000"/>
         </a:lnSpc>
@@ -5207,7 +7312,7 @@
           <a:srgbClr val="000000"/>
         </a:buClr>
         <a:buFont typeface="Arial"/>
-        <a:defRPr b="0" i="0" sz="1400" u="none" cap="none" strike="noStrike">
+        <a:defRPr sz="1400" b="0" i="0" u="none" strike="noStrike" cap="none">
           <a:solidFill>
             <a:srgbClr val="000000"/>
           </a:solidFill>
@@ -5219,7 +7324,7 @@
       </a:lvl9pPr>
     </p:titleStyle>
     <p:bodyStyle>
-      <a:defPPr lvl="0" marR="0" rtl="0" algn="l">
+      <a:defPPr marR="0" lvl="0" algn="l" rtl="0">
         <a:lnSpc>
           <a:spcPct val="100000"/>
         </a:lnSpc>
@@ -5230,7 +7335,7 @@
           <a:spcPts val="0"/>
         </a:spcAft>
       </a:defPPr>
-      <a:lvl1pPr lvl="0" marR="0" rtl="0" algn="l">
+      <a:lvl1pPr marR="0" lvl="0" algn="l" rtl="0">
         <a:lnSpc>
           <a:spcPct val="100000"/>
         </a:lnSpc>
@@ -5244,7 +7349,7 @@
           <a:srgbClr val="000000"/>
         </a:buClr>
         <a:buFont typeface="Arial"/>
-        <a:defRPr b="0" i="0" sz="1400" u="none" cap="none" strike="noStrike">
+        <a:defRPr sz="1400" b="0" i="0" u="none" strike="noStrike" cap="none">
           <a:solidFill>
             <a:srgbClr val="000000"/>
           </a:solidFill>
@@ -5254,7 +7359,7 @@
           <a:sym typeface="Arial"/>
         </a:defRPr>
       </a:lvl1pPr>
-      <a:lvl2pPr lvl="1" marR="0" rtl="0" algn="l">
+      <a:lvl2pPr marR="0" lvl="1" algn="l" rtl="0">
         <a:lnSpc>
           <a:spcPct val="100000"/>
         </a:lnSpc>
@@ -5268,7 +7373,7 @@
           <a:srgbClr val="000000"/>
         </a:buClr>
         <a:buFont typeface="Arial"/>
-        <a:defRPr b="0" i="0" sz="1400" u="none" cap="none" strike="noStrike">
+        <a:defRPr sz="1400" b="0" i="0" u="none" strike="noStrike" cap="none">
           <a:solidFill>
             <a:srgbClr val="000000"/>
           </a:solidFill>
@@ -5278,7 +7383,7 @@
           <a:sym typeface="Arial"/>
         </a:defRPr>
       </a:lvl2pPr>
-      <a:lvl3pPr lvl="2" marR="0" rtl="0" algn="l">
+      <a:lvl3pPr marR="0" lvl="2" algn="l" rtl="0">
         <a:lnSpc>
           <a:spcPct val="100000"/>
         </a:lnSpc>
@@ -5292,7 +7397,7 @@
           <a:srgbClr val="000000"/>
         </a:buClr>
         <a:buFont typeface="Arial"/>
-        <a:defRPr b="0" i="0" sz="1400" u="none" cap="none" strike="noStrike">
+        <a:defRPr sz="1400" b="0" i="0" u="none" strike="noStrike" cap="none">
           <a:solidFill>
             <a:srgbClr val="000000"/>
           </a:solidFill>
@@ -5302,7 +7407,7 @@
           <a:sym typeface="Arial"/>
         </a:defRPr>
       </a:lvl3pPr>
-      <a:lvl4pPr lvl="3" marR="0" rtl="0" algn="l">
+      <a:lvl4pPr marR="0" lvl="3" algn="l" rtl="0">
         <a:lnSpc>
           <a:spcPct val="100000"/>
         </a:lnSpc>
@@ -5316,7 +7421,7 @@
           <a:srgbClr val="000000"/>
         </a:buClr>
         <a:buFont typeface="Arial"/>
-        <a:defRPr b="0" i="0" sz="1400" u="none" cap="none" strike="noStrike">
+        <a:defRPr sz="1400" b="0" i="0" u="none" strike="noStrike" cap="none">
           <a:solidFill>
             <a:srgbClr val="000000"/>
           </a:solidFill>
@@ -5326,7 +7431,7 @@
           <a:sym typeface="Arial"/>
         </a:defRPr>
       </a:lvl4pPr>
-      <a:lvl5pPr lvl="4" marR="0" rtl="0" algn="l">
+      <a:lvl5pPr marR="0" lvl="4" algn="l" rtl="0">
         <a:lnSpc>
           <a:spcPct val="100000"/>
         </a:lnSpc>
@@ -5340,7 +7445,7 @@
           <a:srgbClr val="000000"/>
         </a:buClr>
         <a:buFont typeface="Arial"/>
-        <a:defRPr b="0" i="0" sz="1400" u="none" cap="none" strike="noStrike">
+        <a:defRPr sz="1400" b="0" i="0" u="none" strike="noStrike" cap="none">
           <a:solidFill>
             <a:srgbClr val="000000"/>
           </a:solidFill>
@@ -5350,7 +7455,7 @@
           <a:sym typeface="Arial"/>
         </a:defRPr>
       </a:lvl5pPr>
-      <a:lvl6pPr lvl="5" marR="0" rtl="0" algn="l">
+      <a:lvl6pPr marR="0" lvl="5" algn="l" rtl="0">
         <a:lnSpc>
           <a:spcPct val="100000"/>
         </a:lnSpc>
@@ -5364,7 +7469,7 @@
           <a:srgbClr val="000000"/>
         </a:buClr>
         <a:buFont typeface="Arial"/>
-        <a:defRPr b="0" i="0" sz="1400" u="none" cap="none" strike="noStrike">
+        <a:defRPr sz="1400" b="0" i="0" u="none" strike="noStrike" cap="none">
           <a:solidFill>
             <a:srgbClr val="000000"/>
           </a:solidFill>
@@ -5374,7 +7479,7 @@
           <a:sym typeface="Arial"/>
         </a:defRPr>
       </a:lvl6pPr>
-      <a:lvl7pPr lvl="6" marR="0" rtl="0" algn="l">
+      <a:lvl7pPr marR="0" lvl="6" algn="l" rtl="0">
         <a:lnSpc>
           <a:spcPct val="100000"/>
         </a:lnSpc>
@@ -5388,7 +7493,7 @@
           <a:srgbClr val="000000"/>
         </a:buClr>
         <a:buFont typeface="Arial"/>
-        <a:defRPr b="0" i="0" sz="1400" u="none" cap="none" strike="noStrike">
+        <a:defRPr sz="1400" b="0" i="0" u="none" strike="noStrike" cap="none">
           <a:solidFill>
             <a:srgbClr val="000000"/>
           </a:solidFill>
@@ -5398,7 +7503,7 @@
           <a:sym typeface="Arial"/>
         </a:defRPr>
       </a:lvl7pPr>
-      <a:lvl8pPr lvl="7" marR="0" rtl="0" algn="l">
+      <a:lvl8pPr marR="0" lvl="7" algn="l" rtl="0">
         <a:lnSpc>
           <a:spcPct val="100000"/>
         </a:lnSpc>
@@ -5412,7 +7517,7 @@
           <a:srgbClr val="000000"/>
         </a:buClr>
         <a:buFont typeface="Arial"/>
-        <a:defRPr b="0" i="0" sz="1400" u="none" cap="none" strike="noStrike">
+        <a:defRPr sz="1400" b="0" i="0" u="none" strike="noStrike" cap="none">
           <a:solidFill>
             <a:srgbClr val="000000"/>
           </a:solidFill>
@@ -5422,7 +7527,7 @@
           <a:sym typeface="Arial"/>
         </a:defRPr>
       </a:lvl8pPr>
-      <a:lvl9pPr lvl="8" marR="0" rtl="0" algn="l">
+      <a:lvl9pPr marR="0" lvl="8" algn="l" rtl="0">
         <a:lnSpc>
           <a:spcPct val="100000"/>
         </a:lnSpc>
@@ -5436,7 +7541,7 @@
           <a:srgbClr val="000000"/>
         </a:buClr>
         <a:buFont typeface="Arial"/>
-        <a:defRPr b="0" i="0" sz="1400" u="none" cap="none" strike="noStrike">
+        <a:defRPr sz="1400" b="0" i="0" u="none" strike="noStrike" cap="none">
           <a:solidFill>
             <a:srgbClr val="000000"/>
           </a:solidFill>
@@ -5448,7 +7553,7 @@
       </a:lvl9pPr>
     </p:bodyStyle>
     <p:otherStyle>
-      <a:defPPr lvl="0" marR="0" rtl="0" algn="l">
+      <a:defPPr marR="0" lvl="0" algn="l" rtl="0">
         <a:lnSpc>
           <a:spcPct val="100000"/>
         </a:lnSpc>
@@ -5459,7 +7564,7 @@
           <a:spcPts val="0"/>
         </a:spcAft>
       </a:defPPr>
-      <a:lvl1pPr lvl="0" marR="0" rtl="0" algn="l">
+      <a:lvl1pPr marR="0" lvl="0" algn="l" rtl="0">
         <a:lnSpc>
           <a:spcPct val="100000"/>
         </a:lnSpc>
@@ -5473,7 +7578,7 @@
           <a:srgbClr val="000000"/>
         </a:buClr>
         <a:buFont typeface="Arial"/>
-        <a:defRPr b="0" i="0" sz="1400" u="none" cap="none" strike="noStrike">
+        <a:defRPr sz="1400" b="0" i="0" u="none" strike="noStrike" cap="none">
           <a:solidFill>
             <a:srgbClr val="000000"/>
           </a:solidFill>
@@ -5483,7 +7588,7 @@
           <a:sym typeface="Arial"/>
         </a:defRPr>
       </a:lvl1pPr>
-      <a:lvl2pPr lvl="1" marR="0" rtl="0" algn="l">
+      <a:lvl2pPr marR="0" lvl="1" algn="l" rtl="0">
         <a:lnSpc>
           <a:spcPct val="100000"/>
         </a:lnSpc>
@@ -5497,7 +7602,7 @@
           <a:srgbClr val="000000"/>
         </a:buClr>
         <a:buFont typeface="Arial"/>
-        <a:defRPr b="0" i="0" sz="1400" u="none" cap="none" strike="noStrike">
+        <a:defRPr sz="1400" b="0" i="0" u="none" strike="noStrike" cap="none">
           <a:solidFill>
             <a:srgbClr val="000000"/>
           </a:solidFill>
@@ -5507,7 +7612,7 @@
           <a:sym typeface="Arial"/>
         </a:defRPr>
       </a:lvl2pPr>
-      <a:lvl3pPr lvl="2" marR="0" rtl="0" algn="l">
+      <a:lvl3pPr marR="0" lvl="2" algn="l" rtl="0">
         <a:lnSpc>
           <a:spcPct val="100000"/>
         </a:lnSpc>
@@ -5521,7 +7626,7 @@
           <a:srgbClr val="000000"/>
         </a:buClr>
         <a:buFont typeface="Arial"/>
-        <a:defRPr b="0" i="0" sz="1400" u="none" cap="none" strike="noStrike">
+        <a:defRPr sz="1400" b="0" i="0" u="none" strike="noStrike" cap="none">
           <a:solidFill>
             <a:srgbClr val="000000"/>
           </a:solidFill>
@@ -5531,7 +7636,7 @@
           <a:sym typeface="Arial"/>
         </a:defRPr>
       </a:lvl3pPr>
-      <a:lvl4pPr lvl="3" marR="0" rtl="0" algn="l">
+      <a:lvl4pPr marR="0" lvl="3" algn="l" rtl="0">
         <a:lnSpc>
           <a:spcPct val="100000"/>
         </a:lnSpc>
@@ -5545,7 +7650,7 @@
           <a:srgbClr val="000000"/>
         </a:buClr>
         <a:buFont typeface="Arial"/>
-        <a:defRPr b="0" i="0" sz="1400" u="none" cap="none" strike="noStrike">
+        <a:defRPr sz="1400" b="0" i="0" u="none" strike="noStrike" cap="none">
           <a:solidFill>
             <a:srgbClr val="000000"/>
           </a:solidFill>
@@ -5555,7 +7660,7 @@
           <a:sym typeface="Arial"/>
         </a:defRPr>
       </a:lvl4pPr>
-      <a:lvl5pPr lvl="4" marR="0" rtl="0" algn="l">
+      <a:lvl5pPr marR="0" lvl="4" algn="l" rtl="0">
         <a:lnSpc>
           <a:spcPct val="100000"/>
         </a:lnSpc>
@@ -5569,7 +7674,7 @@
           <a:srgbClr val="000000"/>
         </a:buClr>
         <a:buFont typeface="Arial"/>
-        <a:defRPr b="0" i="0" sz="1400" u="none" cap="none" strike="noStrike">
+        <a:defRPr sz="1400" b="0" i="0" u="none" strike="noStrike" cap="none">
           <a:solidFill>
             <a:srgbClr val="000000"/>
           </a:solidFill>
@@ -5579,7 +7684,7 @@
           <a:sym typeface="Arial"/>
         </a:defRPr>
       </a:lvl5pPr>
-      <a:lvl6pPr lvl="5" marR="0" rtl="0" algn="l">
+      <a:lvl6pPr marR="0" lvl="5" algn="l" rtl="0">
         <a:lnSpc>
           <a:spcPct val="100000"/>
         </a:lnSpc>
@@ -5593,7 +7698,7 @@
           <a:srgbClr val="000000"/>
         </a:buClr>
         <a:buFont typeface="Arial"/>
-        <a:defRPr b="0" i="0" sz="1400" u="none" cap="none" strike="noStrike">
+        <a:defRPr sz="1400" b="0" i="0" u="none" strike="noStrike" cap="none">
           <a:solidFill>
             <a:srgbClr val="000000"/>
           </a:solidFill>
@@ -5603,7 +7708,7 @@
           <a:sym typeface="Arial"/>
         </a:defRPr>
       </a:lvl6pPr>
-      <a:lvl7pPr lvl="6" marR="0" rtl="0" algn="l">
+      <a:lvl7pPr marR="0" lvl="6" algn="l" rtl="0">
         <a:lnSpc>
           <a:spcPct val="100000"/>
         </a:lnSpc>
@@ -5617,7 +7722,7 @@
           <a:srgbClr val="000000"/>
         </a:buClr>
         <a:buFont typeface="Arial"/>
-        <a:defRPr b="0" i="0" sz="1400" u="none" cap="none" strike="noStrike">
+        <a:defRPr sz="1400" b="0" i="0" u="none" strike="noStrike" cap="none">
           <a:solidFill>
             <a:srgbClr val="000000"/>
           </a:solidFill>
@@ -5627,7 +7732,7 @@
           <a:sym typeface="Arial"/>
         </a:defRPr>
       </a:lvl7pPr>
-      <a:lvl8pPr lvl="7" marR="0" rtl="0" algn="l">
+      <a:lvl8pPr marR="0" lvl="7" algn="l" rtl="0">
         <a:lnSpc>
           <a:spcPct val="100000"/>
         </a:lnSpc>
@@ -5641,7 +7746,7 @@
           <a:srgbClr val="000000"/>
         </a:buClr>
         <a:buFont typeface="Arial"/>
-        <a:defRPr b="0" i="0" sz="1400" u="none" cap="none" strike="noStrike">
+        <a:defRPr sz="1400" b="0" i="0" u="none" strike="noStrike" cap="none">
           <a:solidFill>
             <a:srgbClr val="000000"/>
           </a:solidFill>
@@ -5651,7 +7756,7 @@
           <a:sym typeface="Arial"/>
         </a:defRPr>
       </a:lvl8pPr>
-      <a:lvl9pPr lvl="8" marR="0" rtl="0" algn="l">
+      <a:lvl9pPr marR="0" lvl="8" algn="l" rtl="0">
         <a:lnSpc>
           <a:spcPct val="100000"/>
         </a:lnSpc>
@@ -5665,7 +7770,7 @@
           <a:srgbClr val="000000"/>
         </a:buClr>
         <a:buFont typeface="Arial"/>
-        <a:defRPr b="0" i="0" sz="1400" u="none" cap="none" strike="noStrike">
+        <a:defRPr sz="1400" b="0" i="0" u="none" strike="noStrike" cap="none">
           <a:solidFill>
             <a:srgbClr val="000000"/>
           </a:solidFill>
@@ -5681,11 +7786,11 @@
 </file>
 
 <file path=ppt/slides/slide1.xml><?xml version="1.0" encoding="utf-8"?>
-<p:sld xmlns:a="http://schemas.openxmlformats.org/drawingml/2006/main" xmlns:r="http://schemas.openxmlformats.org/officeDocument/2006/relationships" xmlns:mc="http://schemas.openxmlformats.org/markup-compatibility/2006" xmlns:mv="urn:schemas-microsoft-com:mac:vml" xmlns:p="http://schemas.openxmlformats.org/presentationml/2006/main" xmlns:c="http://schemas.openxmlformats.org/drawingml/2006/chart" xmlns:dgm="http://schemas.openxmlformats.org/drawingml/2006/diagram" xmlns:o="urn:schemas-microsoft-com:office:office" xmlns:v="urn:schemas-microsoft-com:vml" xmlns:pvml="urn:schemas-microsoft-com:office:powerpoint" xmlns:com="http://schemas.openxmlformats.org/drawingml/2006/compatibility" xmlns:p14="http://schemas.microsoft.com/office/powerpoint/2010/main" xmlns:p15="http://schemas.microsoft.com/office/powerpoint/2012/main">
+<p:sld xmlns:a="http://schemas.openxmlformats.org/drawingml/2006/main" xmlns:r="http://schemas.openxmlformats.org/officeDocument/2006/relationships" xmlns:p="http://schemas.openxmlformats.org/presentationml/2006/main">
   <p:cSld>
     <p:spTree>
       <p:nvGrpSpPr>
-        <p:cNvPr id="53" name="Shape 53"/>
+        <p:cNvPr id="1" name="Shape 53"/>
         <p:cNvGrpSpPr/>
         <p:nvPr/>
       </p:nvGrpSpPr>
@@ -5700,15 +7805,17 @@
       <p:sp>
         <p:nvSpPr>
           <p:cNvPr id="54" name="Shape 54"/>
-          <p:cNvSpPr txBox="1"/>
+          <p:cNvSpPr txBox="1">
+            <a:spLocks noGrp="1"/>
+          </p:cNvSpPr>
           <p:nvPr>
-            <p:ph idx="1" type="body"/>
+            <p:ph type="body" idx="1"/>
           </p:nvPr>
         </p:nvSpPr>
         <p:spPr>
           <a:xfrm>
-            <a:off x="5158200" y="1418450"/>
-            <a:ext cx="3591300" cy="3072600"/>
+            <a:off x="475083" y="4338243"/>
+            <a:ext cx="8289089" cy="697991"/>
           </a:xfrm>
           <a:prstGeom prst="rect">
             <a:avLst/>
@@ -5716,23 +7823,23 @@
           <a:solidFill>
             <a:srgbClr val="EFEFEF"/>
           </a:solidFill>
-          <a:ln cap="flat" cmpd="sng" w="9525">
+          <a:ln w="9525" cap="flat" cmpd="sng">
             <a:solidFill>
               <a:srgbClr val="999999"/>
             </a:solidFill>
             <a:prstDash val="solid"/>
             <a:round/>
-            <a:headEnd len="sm" w="sm" type="none"/>
-            <a:tailEnd len="sm" w="sm" type="none"/>
+            <a:headEnd type="none" w="sm" len="sm"/>
+            <a:tailEnd type="none" w="sm" len="sm"/>
           </a:ln>
         </p:spPr>
         <p:txBody>
-          <a:bodyPr anchorCtr="0" anchor="t" bIns="91425" lIns="91425" spcFirstLastPara="1" rIns="91425" wrap="square" tIns="91425">
+          <a:bodyPr spcFirstLastPara="1" wrap="square" lIns="91425" tIns="91425" rIns="91425" bIns="91425" anchor="t" anchorCtr="0">
             <a:noAutofit/>
           </a:bodyPr>
           <a:lstStyle/>
           <a:p>
-            <a:pPr indent="0" lvl="0" marL="0" rtl="0">
+            <a:pPr marL="0" lvl="0" indent="0" rtl="0">
               <a:spcBef>
                 <a:spcPts val="0"/>
               </a:spcBef>
@@ -5742,15 +7849,321 @@
               <a:buNone/>
             </a:pPr>
             <a:r>
-              <a:rPr lang="en">
+              <a:rPr lang="pt-BR" dirty="0" smtClean="0">
                 <a:latin typeface="Open Sans"/>
                 <a:ea typeface="Open Sans"/>
                 <a:cs typeface="Open Sans"/>
                 <a:sym typeface="Open Sans"/>
               </a:rPr>
-              <a:t>&lt;description&gt;</a:t>
+              <a:t>In </a:t>
             </a:r>
-            <a:endParaRPr>
+            <a:r>
+              <a:rPr lang="pt-BR" dirty="0" err="1" smtClean="0">
+                <a:latin typeface="Open Sans"/>
+                <a:ea typeface="Open Sans"/>
+                <a:cs typeface="Open Sans"/>
+                <a:sym typeface="Open Sans"/>
+              </a:rPr>
+              <a:t>this</a:t>
+            </a:r>
+            <a:r>
+              <a:rPr lang="pt-BR" dirty="0" smtClean="0">
+                <a:latin typeface="Open Sans"/>
+                <a:ea typeface="Open Sans"/>
+                <a:cs typeface="Open Sans"/>
+                <a:sym typeface="Open Sans"/>
+              </a:rPr>
+              <a:t> </a:t>
+            </a:r>
+            <a:r>
+              <a:rPr lang="pt-BR" dirty="0" err="1" smtClean="0">
+                <a:latin typeface="Open Sans"/>
+                <a:ea typeface="Open Sans"/>
+                <a:cs typeface="Open Sans"/>
+                <a:sym typeface="Open Sans"/>
+              </a:rPr>
+              <a:t>graph</a:t>
+            </a:r>
+            <a:r>
+              <a:rPr lang="pt-BR" dirty="0" smtClean="0">
+                <a:latin typeface="Open Sans"/>
+                <a:ea typeface="Open Sans"/>
+                <a:cs typeface="Open Sans"/>
+                <a:sym typeface="Open Sans"/>
+              </a:rPr>
+              <a:t>, </a:t>
+            </a:r>
+            <a:r>
+              <a:rPr lang="pt-BR" dirty="0" err="1" smtClean="0">
+                <a:latin typeface="Open Sans"/>
+                <a:ea typeface="Open Sans"/>
+                <a:cs typeface="Open Sans"/>
+                <a:sym typeface="Open Sans"/>
+              </a:rPr>
+              <a:t>we</a:t>
+            </a:r>
+            <a:r>
+              <a:rPr lang="pt-BR" dirty="0" smtClean="0">
+                <a:latin typeface="Open Sans"/>
+                <a:ea typeface="Open Sans"/>
+                <a:cs typeface="Open Sans"/>
+                <a:sym typeface="Open Sans"/>
+              </a:rPr>
+              <a:t> </a:t>
+            </a:r>
+            <a:r>
+              <a:rPr lang="pt-BR" dirty="0" err="1" smtClean="0">
+                <a:latin typeface="Open Sans"/>
+                <a:ea typeface="Open Sans"/>
+                <a:cs typeface="Open Sans"/>
+                <a:sym typeface="Open Sans"/>
+              </a:rPr>
+              <a:t>can</a:t>
+            </a:r>
+            <a:r>
+              <a:rPr lang="pt-BR" dirty="0" smtClean="0">
+                <a:latin typeface="Open Sans"/>
+                <a:ea typeface="Open Sans"/>
+                <a:cs typeface="Open Sans"/>
+                <a:sym typeface="Open Sans"/>
+              </a:rPr>
+              <a:t> </a:t>
+            </a:r>
+            <a:r>
+              <a:rPr lang="pt-BR" dirty="0" err="1" smtClean="0">
+                <a:latin typeface="Open Sans"/>
+                <a:ea typeface="Open Sans"/>
+                <a:cs typeface="Open Sans"/>
+                <a:sym typeface="Open Sans"/>
+              </a:rPr>
+              <a:t>see</a:t>
+            </a:r>
+            <a:r>
+              <a:rPr lang="pt-BR" dirty="0" smtClean="0">
+                <a:latin typeface="Open Sans"/>
+                <a:ea typeface="Open Sans"/>
+                <a:cs typeface="Open Sans"/>
+                <a:sym typeface="Open Sans"/>
+              </a:rPr>
+              <a:t> </a:t>
+            </a:r>
+            <a:r>
+              <a:rPr lang="pt-BR" dirty="0" err="1" smtClean="0">
+                <a:latin typeface="Open Sans"/>
+                <a:ea typeface="Open Sans"/>
+                <a:cs typeface="Open Sans"/>
+                <a:sym typeface="Open Sans"/>
+              </a:rPr>
+              <a:t>the</a:t>
+            </a:r>
+            <a:r>
+              <a:rPr lang="pt-BR" dirty="0" smtClean="0">
+                <a:latin typeface="Open Sans"/>
+                <a:ea typeface="Open Sans"/>
+                <a:cs typeface="Open Sans"/>
+                <a:sym typeface="Open Sans"/>
+              </a:rPr>
+              <a:t> top 10 </a:t>
+            </a:r>
+            <a:r>
+              <a:rPr lang="pt-BR" dirty="0" err="1" smtClean="0">
+                <a:latin typeface="Open Sans"/>
+                <a:ea typeface="Open Sans"/>
+                <a:cs typeface="Open Sans"/>
+                <a:sym typeface="Open Sans"/>
+              </a:rPr>
+              <a:t>customers</a:t>
+            </a:r>
+            <a:r>
+              <a:rPr lang="pt-BR" dirty="0" smtClean="0">
+                <a:latin typeface="Open Sans"/>
+                <a:ea typeface="Open Sans"/>
+                <a:cs typeface="Open Sans"/>
+                <a:sym typeface="Open Sans"/>
+              </a:rPr>
+              <a:t>, </a:t>
+            </a:r>
+            <a:r>
+              <a:rPr lang="pt-BR" dirty="0" err="1" smtClean="0">
+                <a:latin typeface="Open Sans"/>
+                <a:ea typeface="Open Sans"/>
+                <a:cs typeface="Open Sans"/>
+                <a:sym typeface="Open Sans"/>
+              </a:rPr>
+              <a:t>their</a:t>
+            </a:r>
+            <a:r>
+              <a:rPr lang="pt-BR" dirty="0" smtClean="0">
+                <a:latin typeface="Open Sans"/>
+                <a:ea typeface="Open Sans"/>
+                <a:cs typeface="Open Sans"/>
+                <a:sym typeface="Open Sans"/>
+              </a:rPr>
+              <a:t> </a:t>
+            </a:r>
+            <a:r>
+              <a:rPr lang="pt-BR" dirty="0" err="1" smtClean="0">
+                <a:latin typeface="Open Sans"/>
+                <a:ea typeface="Open Sans"/>
+                <a:cs typeface="Open Sans"/>
+                <a:sym typeface="Open Sans"/>
+              </a:rPr>
+              <a:t>monthly</a:t>
+            </a:r>
+            <a:r>
+              <a:rPr lang="pt-BR" dirty="0" smtClean="0">
+                <a:latin typeface="Open Sans"/>
+                <a:ea typeface="Open Sans"/>
+                <a:cs typeface="Open Sans"/>
+                <a:sym typeface="Open Sans"/>
+              </a:rPr>
+              <a:t> </a:t>
+            </a:r>
+            <a:r>
+              <a:rPr lang="pt-BR" dirty="0" err="1" smtClean="0">
+                <a:latin typeface="Open Sans"/>
+                <a:ea typeface="Open Sans"/>
+                <a:cs typeface="Open Sans"/>
+                <a:sym typeface="Open Sans"/>
+              </a:rPr>
+              <a:t>expenses</a:t>
+            </a:r>
+            <a:r>
+              <a:rPr lang="pt-BR" dirty="0" smtClean="0">
+                <a:latin typeface="Open Sans"/>
+                <a:ea typeface="Open Sans"/>
+                <a:cs typeface="Open Sans"/>
+                <a:sym typeface="Open Sans"/>
+              </a:rPr>
+              <a:t> </a:t>
+            </a:r>
+            <a:r>
+              <a:rPr lang="pt-BR" dirty="0" err="1" smtClean="0">
+                <a:latin typeface="Open Sans"/>
+                <a:ea typeface="Open Sans"/>
+                <a:cs typeface="Open Sans"/>
+                <a:sym typeface="Open Sans"/>
+              </a:rPr>
+              <a:t>and</a:t>
+            </a:r>
+            <a:r>
+              <a:rPr lang="pt-BR" dirty="0" smtClean="0">
+                <a:latin typeface="Open Sans"/>
+                <a:ea typeface="Open Sans"/>
+                <a:cs typeface="Open Sans"/>
+                <a:sym typeface="Open Sans"/>
+              </a:rPr>
+              <a:t> </a:t>
+            </a:r>
+            <a:r>
+              <a:rPr lang="pt-BR" dirty="0" err="1" smtClean="0">
+                <a:latin typeface="Open Sans"/>
+                <a:ea typeface="Open Sans"/>
+                <a:cs typeface="Open Sans"/>
+                <a:sym typeface="Open Sans"/>
+              </a:rPr>
+              <a:t>the</a:t>
+            </a:r>
+            <a:r>
+              <a:rPr lang="pt-BR" dirty="0" smtClean="0">
+                <a:latin typeface="Open Sans"/>
+                <a:ea typeface="Open Sans"/>
+                <a:cs typeface="Open Sans"/>
+                <a:sym typeface="Open Sans"/>
+              </a:rPr>
+              <a:t> </a:t>
+            </a:r>
+            <a:r>
+              <a:rPr lang="pt-BR" dirty="0" err="1" smtClean="0">
+                <a:latin typeface="Open Sans"/>
+                <a:ea typeface="Open Sans"/>
+                <a:cs typeface="Open Sans"/>
+                <a:sym typeface="Open Sans"/>
+              </a:rPr>
+              <a:t>number</a:t>
+            </a:r>
+            <a:r>
+              <a:rPr lang="pt-BR" dirty="0" smtClean="0">
+                <a:latin typeface="Open Sans"/>
+                <a:ea typeface="Open Sans"/>
+                <a:cs typeface="Open Sans"/>
+                <a:sym typeface="Open Sans"/>
+              </a:rPr>
+              <a:t> </a:t>
+            </a:r>
+            <a:r>
+              <a:rPr lang="pt-BR" dirty="0" err="1" smtClean="0">
+                <a:latin typeface="Open Sans"/>
+                <a:ea typeface="Open Sans"/>
+                <a:cs typeface="Open Sans"/>
+                <a:sym typeface="Open Sans"/>
+              </a:rPr>
+              <a:t>of</a:t>
+            </a:r>
+            <a:r>
+              <a:rPr lang="pt-BR" dirty="0" smtClean="0">
+                <a:latin typeface="Open Sans"/>
+                <a:ea typeface="Open Sans"/>
+                <a:cs typeface="Open Sans"/>
+                <a:sym typeface="Open Sans"/>
+              </a:rPr>
+              <a:t> </a:t>
+            </a:r>
+            <a:r>
+              <a:rPr lang="pt-BR" dirty="0" err="1" smtClean="0">
+                <a:latin typeface="Open Sans"/>
+                <a:ea typeface="Open Sans"/>
+                <a:cs typeface="Open Sans"/>
+                <a:sym typeface="Open Sans"/>
+              </a:rPr>
+              <a:t>payments</a:t>
+            </a:r>
+            <a:r>
+              <a:rPr lang="pt-BR" dirty="0" smtClean="0">
+                <a:latin typeface="Open Sans"/>
+                <a:ea typeface="Open Sans"/>
+                <a:cs typeface="Open Sans"/>
+                <a:sym typeface="Open Sans"/>
+              </a:rPr>
+              <a:t> </a:t>
+            </a:r>
+            <a:r>
+              <a:rPr lang="pt-BR" dirty="0" err="1" smtClean="0">
+                <a:latin typeface="Open Sans"/>
+                <a:ea typeface="Open Sans"/>
+                <a:cs typeface="Open Sans"/>
+                <a:sym typeface="Open Sans"/>
+              </a:rPr>
+              <a:t>made</a:t>
+            </a:r>
+            <a:r>
+              <a:rPr lang="pt-BR" dirty="0" smtClean="0">
+                <a:latin typeface="Open Sans"/>
+                <a:ea typeface="Open Sans"/>
+                <a:cs typeface="Open Sans"/>
+                <a:sym typeface="Open Sans"/>
+              </a:rPr>
+              <a:t> </a:t>
+            </a:r>
+            <a:r>
+              <a:rPr lang="pt-BR" dirty="0" err="1" smtClean="0">
+                <a:latin typeface="Open Sans"/>
+                <a:ea typeface="Open Sans"/>
+                <a:cs typeface="Open Sans"/>
+                <a:sym typeface="Open Sans"/>
+              </a:rPr>
+              <a:t>during</a:t>
+            </a:r>
+            <a:r>
+              <a:rPr lang="pt-BR" dirty="0" smtClean="0">
+                <a:latin typeface="Open Sans"/>
+                <a:ea typeface="Open Sans"/>
+                <a:cs typeface="Open Sans"/>
+                <a:sym typeface="Open Sans"/>
+              </a:rPr>
+              <a:t> 2007.</a:t>
+            </a:r>
+            <a:endParaRPr dirty="0">
               <a:latin typeface="Open Sans"/>
               <a:ea typeface="Open Sans"/>
               <a:cs typeface="Open Sans"/>
@@ -5767,8 +8180,8 @@
         </p:nvSpPr>
         <p:spPr>
           <a:xfrm>
-            <a:off x="354300" y="1418450"/>
-            <a:ext cx="4550700" cy="3072600"/>
+            <a:off x="475083" y="1512276"/>
+            <a:ext cx="8229238" cy="2537209"/>
           </a:xfrm>
           <a:prstGeom prst="rect">
             <a:avLst/>
@@ -5776,23 +8189,23 @@
           <a:solidFill>
             <a:schemeClr val="lt2"/>
           </a:solidFill>
-          <a:ln cap="flat" cmpd="sng" w="9525">
+          <a:ln w="9525" cap="flat" cmpd="sng">
             <a:solidFill>
               <a:schemeClr val="dk2"/>
             </a:solidFill>
             <a:prstDash val="solid"/>
             <a:round/>
-            <a:headEnd len="sm" w="sm" type="none"/>
-            <a:tailEnd len="sm" w="sm" type="none"/>
+            <a:headEnd type="none" w="sm" len="sm"/>
+            <a:tailEnd type="none" w="sm" len="sm"/>
           </a:ln>
         </p:spPr>
         <p:txBody>
-          <a:bodyPr anchorCtr="0" anchor="ctr" bIns="91425" lIns="91425" spcFirstLastPara="1" rIns="91425" wrap="square" tIns="91425">
+          <a:bodyPr spcFirstLastPara="1" wrap="square" lIns="91425" tIns="91425" rIns="91425" bIns="91425" anchor="ctr" anchorCtr="0">
             <a:noAutofit/>
           </a:bodyPr>
           <a:lstStyle/>
           <a:p>
-            <a:pPr indent="0" lvl="0" marL="0" rtl="0" algn="ctr">
+            <a:pPr marL="0" lvl="0" indent="0" algn="ctr" rtl="0">
               <a:spcBef>
                 <a:spcPts val="0"/>
               </a:spcBef>
@@ -5802,17 +8215,19 @@
               <a:buNone/>
             </a:pPr>
             <a:r>
-              <a:rPr lang="en"/>
+              <a:rPr lang="en" dirty="0"/>
               <a:t>&lt;visualization&gt;</a:t>
             </a:r>
-            <a:endParaRPr/>
+            <a:endParaRPr dirty="0"/>
           </a:p>
         </p:txBody>
       </p:sp>
       <p:sp>
         <p:nvSpPr>
           <p:cNvPr id="56" name="Shape 56"/>
-          <p:cNvSpPr txBox="1"/>
+          <p:cNvSpPr txBox="1">
+            <a:spLocks noGrp="1"/>
+          </p:cNvSpPr>
           <p:nvPr>
             <p:ph type="title"/>
           </p:nvPr>
@@ -5830,22 +8245,14 @@
           </a:solidFill>
         </p:spPr>
         <p:txBody>
-          <a:bodyPr anchorCtr="0" anchor="ctr" bIns="91425" lIns="91425" spcFirstLastPara="1" rIns="91425" wrap="square" tIns="91425">
+          <a:bodyPr spcFirstLastPara="1" wrap="square" lIns="91425" tIns="91425" rIns="91425" bIns="91425" anchor="ctr" anchorCtr="0">
             <a:noAutofit/>
           </a:bodyPr>
           <a:lstStyle/>
           <a:p>
-            <a:pPr indent="0" lvl="0" marL="0" rtl="0">
-              <a:spcBef>
-                <a:spcPts val="0"/>
-              </a:spcBef>
-              <a:spcAft>
-                <a:spcPts val="0"/>
-              </a:spcAft>
-              <a:buNone/>
-            </a:pPr>
+            <a:pPr lvl="0"/>
             <a:r>
-              <a:rPr lang="en">
+              <a:rPr lang="en" dirty="0">
                 <a:solidFill>
                   <a:srgbClr val="FFFFFF"/>
                 </a:solidFill>
@@ -5854,16 +8261,225 @@
                 <a:cs typeface="Open Sans"/>
                 <a:sym typeface="Open Sans"/>
               </a:rPr>
-              <a:t>  &lt;title&gt;</a:t>
+              <a:t> </a:t>
             </a:r>
-            <a:endParaRPr>
+            <a:r>
+              <a:rPr lang="en" dirty="0" smtClean="0">
+                <a:solidFill>
+                  <a:schemeClr val="bg1"/>
+                </a:solidFill>
+                <a:latin typeface="Open Sans"/>
+                <a:ea typeface="Open Sans"/>
+                <a:cs typeface="Open Sans"/>
+                <a:sym typeface="Open Sans"/>
+              </a:rPr>
+              <a:t>T</a:t>
+            </a:r>
+            <a:r>
+              <a:rPr lang="pt-PT" dirty="0" err="1" smtClean="0">
+                <a:solidFill>
+                  <a:schemeClr val="bg1"/>
+                </a:solidFill>
+              </a:rPr>
+              <a:t>op</a:t>
+            </a:r>
+            <a:r>
+              <a:rPr lang="pt-PT" dirty="0" smtClean="0">
+                <a:solidFill>
+                  <a:schemeClr val="bg1"/>
+                </a:solidFill>
+              </a:rPr>
+              <a:t> </a:t>
+            </a:r>
+            <a:r>
+              <a:rPr lang="pt-PT" dirty="0">
+                <a:solidFill>
+                  <a:schemeClr val="bg1"/>
+                </a:solidFill>
+              </a:rPr>
+              <a:t>10 </a:t>
+            </a:r>
+            <a:r>
+              <a:rPr lang="pt-PT" dirty="0" err="1" smtClean="0">
+                <a:solidFill>
+                  <a:schemeClr val="bg1"/>
+                </a:solidFill>
+              </a:rPr>
+              <a:t>paying</a:t>
+            </a:r>
+            <a:r>
+              <a:rPr lang="pt-PT" dirty="0" smtClean="0">
+                <a:solidFill>
+                  <a:schemeClr val="bg1"/>
+                </a:solidFill>
+              </a:rPr>
+              <a:t> </a:t>
+            </a:r>
+            <a:r>
+              <a:rPr lang="pt-PT" dirty="0" err="1" smtClean="0">
+                <a:solidFill>
+                  <a:schemeClr val="bg1"/>
+                </a:solidFill>
+              </a:rPr>
+              <a:t>customers</a:t>
+            </a:r>
+            <a:r>
+              <a:rPr lang="pt-PT" dirty="0" smtClean="0">
+                <a:solidFill>
+                  <a:schemeClr val="bg1"/>
+                </a:solidFill>
+              </a:rPr>
+              <a:t> </a:t>
+            </a:r>
+            <a:r>
+              <a:rPr lang="pt-PT" dirty="0" err="1" smtClean="0">
+                <a:solidFill>
+                  <a:schemeClr val="bg1"/>
+                </a:solidFill>
+              </a:rPr>
+              <a:t>and</a:t>
+            </a:r>
+            <a:r>
+              <a:rPr lang="pt-PT" dirty="0" smtClean="0">
+                <a:solidFill>
+                  <a:schemeClr val="bg1"/>
+                </a:solidFill>
+              </a:rPr>
+              <a:t> </a:t>
+            </a:r>
+            <a:r>
+              <a:rPr lang="pt-PT" dirty="0" err="1" smtClean="0">
+                <a:solidFill>
+                  <a:schemeClr val="bg1"/>
+                </a:solidFill>
+              </a:rPr>
+              <a:t>their</a:t>
+            </a:r>
+            <a:r>
+              <a:rPr lang="pt-PT" dirty="0" smtClean="0">
+                <a:solidFill>
+                  <a:schemeClr val="bg1"/>
+                </a:solidFill>
+              </a:rPr>
+              <a:t> </a:t>
+            </a:r>
+            <a:r>
+              <a:rPr lang="pt-PT" dirty="0" err="1" smtClean="0">
+                <a:solidFill>
+                  <a:schemeClr val="bg1"/>
+                </a:solidFill>
+              </a:rPr>
+              <a:t>monthly</a:t>
+            </a:r>
+            <a:r>
+              <a:rPr lang="pt-PT" dirty="0" smtClean="0">
+                <a:solidFill>
+                  <a:schemeClr val="bg1"/>
+                </a:solidFill>
+              </a:rPr>
+              <a:t> </a:t>
+            </a:r>
+            <a:r>
+              <a:rPr lang="pt-PT" dirty="0" err="1" smtClean="0">
+                <a:solidFill>
+                  <a:schemeClr val="bg1"/>
+                </a:solidFill>
+              </a:rPr>
+              <a:t>payments</a:t>
+            </a:r>
+            <a:r>
+              <a:rPr lang="pt-PT" dirty="0" smtClean="0">
+                <a:solidFill>
+                  <a:schemeClr val="bg1"/>
+                </a:solidFill>
+              </a:rPr>
+              <a:t>.</a:t>
+            </a:r>
+            <a:endParaRPr dirty="0">
               <a:solidFill>
-                <a:srgbClr val="FFFFFF"/>
+                <a:schemeClr val="bg1"/>
               </a:solidFill>
               <a:latin typeface="Open Sans"/>
               <a:ea typeface="Open Sans"/>
               <a:cs typeface="Open Sans"/>
               <a:sym typeface="Open Sans"/>
+            </a:endParaRPr>
+          </a:p>
+        </p:txBody>
+      </p:sp>
+      <p:pic>
+        <p:nvPicPr>
+          <p:cNvPr id="2" name="Imagem 1"/>
+          <p:cNvPicPr>
+            <a:picLocks noChangeAspect="1"/>
+          </p:cNvPicPr>
+          <p:nvPr/>
+        </p:nvPicPr>
+        <p:blipFill>
+          <a:blip r:embed="rId3"/>
+          <a:stretch>
+            <a:fillRect/>
+          </a:stretch>
+        </p:blipFill>
+        <p:spPr>
+          <a:xfrm>
+            <a:off x="475083" y="1512277"/>
+            <a:ext cx="8229237" cy="2537209"/>
+          </a:xfrm>
+          <a:prstGeom prst="rect">
+            <a:avLst/>
+          </a:prstGeom>
+        </p:spPr>
+      </p:pic>
+      <p:sp>
+        <p:nvSpPr>
+          <p:cNvPr id="6" name="Retângulo 5"/>
+          <p:cNvSpPr/>
+          <p:nvPr/>
+        </p:nvSpPr>
+        <p:spPr>
+          <a:xfrm>
+            <a:off x="2200535" y="1000049"/>
+            <a:ext cx="4838184" cy="307777"/>
+          </a:xfrm>
+          <a:prstGeom prst="rect">
+            <a:avLst/>
+          </a:prstGeom>
+        </p:spPr>
+        <p:txBody>
+          <a:bodyPr wrap="none">
+            <a:spAutoFit/>
+          </a:bodyPr>
+          <a:lstStyle/>
+          <a:p>
+            <a:r>
+              <a:rPr lang="en-US" dirty="0">
+                <a:solidFill>
+                  <a:schemeClr val="bg1">
+                    <a:lumMod val="50000"/>
+                  </a:schemeClr>
+                </a:solidFill>
+                <a:latin typeface="Arial" panose="020B0604020202020204" pitchFamily="34" charset="0"/>
+              </a:rPr>
+              <a:t>Query </a:t>
+            </a:r>
+            <a:r>
+              <a:rPr lang="en-US" dirty="0" smtClean="0">
+                <a:solidFill>
+                  <a:schemeClr val="bg1">
+                    <a:lumMod val="50000"/>
+                  </a:schemeClr>
+                </a:solidFill>
+                <a:latin typeface="Arial" panose="020B0604020202020204" pitchFamily="34" charset="0"/>
+              </a:rPr>
+              <a:t>#2 – Top 10 Customers and their monthly payments</a:t>
+            </a:r>
+            <a:endParaRPr lang="pt-PT" dirty="0">
+              <a:solidFill>
+                <a:schemeClr val="bg1">
+                  <a:lumMod val="50000"/>
+                </a:schemeClr>
+              </a:solidFill>
             </a:endParaRPr>
           </a:p>
         </p:txBody>
@@ -5877,11 +8493,11 @@
 </file>
 
 <file path=ppt/slides/slide2.xml><?xml version="1.0" encoding="utf-8"?>
-<p:sld xmlns:a="http://schemas.openxmlformats.org/drawingml/2006/main" xmlns:r="http://schemas.openxmlformats.org/officeDocument/2006/relationships" xmlns:mc="http://schemas.openxmlformats.org/markup-compatibility/2006" xmlns:mv="urn:schemas-microsoft-com:mac:vml" xmlns:p="http://schemas.openxmlformats.org/presentationml/2006/main" xmlns:c="http://schemas.openxmlformats.org/drawingml/2006/chart" xmlns:dgm="http://schemas.openxmlformats.org/drawingml/2006/diagram" xmlns:o="urn:schemas-microsoft-com:office:office" xmlns:v="urn:schemas-microsoft-com:vml" xmlns:pvml="urn:schemas-microsoft-com:office:powerpoint" xmlns:com="http://schemas.openxmlformats.org/drawingml/2006/compatibility" xmlns:p14="http://schemas.microsoft.com/office/powerpoint/2010/main" xmlns:p15="http://schemas.microsoft.com/office/powerpoint/2012/main">
+<p:sld xmlns:a="http://schemas.openxmlformats.org/drawingml/2006/main" xmlns:r="http://schemas.openxmlformats.org/officeDocument/2006/relationships" xmlns:p="http://schemas.openxmlformats.org/presentationml/2006/main">
   <p:cSld>
     <p:spTree>
       <p:nvGrpSpPr>
-        <p:cNvPr id="60" name="Shape 60"/>
+        <p:cNvPr id="1" name="Shape 53"/>
         <p:cNvGrpSpPr/>
         <p:nvPr/>
       </p:nvGrpSpPr>
@@ -5895,16 +8511,18 @@
       </p:grpSpPr>
       <p:sp>
         <p:nvSpPr>
-          <p:cNvPr id="61" name="Shape 61"/>
-          <p:cNvSpPr txBox="1"/>
+          <p:cNvPr id="54" name="Shape 54"/>
+          <p:cNvSpPr txBox="1">
+            <a:spLocks noGrp="1"/>
+          </p:cNvSpPr>
           <p:nvPr>
-            <p:ph idx="1" type="body"/>
+            <p:ph type="body" idx="1"/>
           </p:nvPr>
         </p:nvSpPr>
         <p:spPr>
           <a:xfrm>
-            <a:off x="5158200" y="1418450"/>
-            <a:ext cx="3591300" cy="3072600"/>
+            <a:off x="475083" y="4338243"/>
+            <a:ext cx="8289089" cy="697991"/>
           </a:xfrm>
           <a:prstGeom prst="rect">
             <a:avLst/>
@@ -5912,41 +8530,47 @@
           <a:solidFill>
             <a:srgbClr val="EFEFEF"/>
           </a:solidFill>
-          <a:ln cap="flat" cmpd="sng" w="9525">
+          <a:ln w="9525" cap="flat" cmpd="sng">
             <a:solidFill>
               <a:srgbClr val="999999"/>
             </a:solidFill>
             <a:prstDash val="solid"/>
             <a:round/>
-            <a:headEnd len="sm" w="sm" type="none"/>
-            <a:tailEnd len="sm" w="sm" type="none"/>
+            <a:headEnd type="none" w="sm" len="sm"/>
+            <a:tailEnd type="none" w="sm" len="sm"/>
           </a:ln>
         </p:spPr>
         <p:txBody>
-          <a:bodyPr anchorCtr="0" anchor="t" bIns="91425" lIns="91425" spcFirstLastPara="1" rIns="91425" wrap="square" tIns="91425">
+          <a:bodyPr spcFirstLastPara="1" wrap="square" lIns="91425" tIns="91425" rIns="91425" bIns="91425" anchor="t" anchorCtr="0">
             <a:noAutofit/>
           </a:bodyPr>
           <a:lstStyle/>
           <a:p>
-            <a:pPr indent="0" lvl="0" marL="0" rtl="0">
-              <a:spcBef>
-                <a:spcPts val="0"/>
-              </a:spcBef>
+            <a:pPr marL="0" lvl="0" indent="0">
               <a:spcAft>
                 <a:spcPts val="1600"/>
               </a:spcAft>
               <a:buNone/>
             </a:pPr>
             <a:r>
-              <a:rPr lang="en">
+              <a:rPr lang="en-US" dirty="0">
                 <a:latin typeface="Open Sans"/>
                 <a:ea typeface="Open Sans"/>
                 <a:cs typeface="Open Sans"/>
                 <a:sym typeface="Open Sans"/>
               </a:rPr>
-              <a:t>&lt;description&gt;</a:t>
+              <a:t>This bar shows the total number of rentals made by the movie genre and compares the rental average among genres</a:t>
             </a:r>
-            <a:endParaRPr>
+            <a:r>
+              <a:rPr lang="en-US" dirty="0" smtClean="0">
+                <a:latin typeface="Open Sans"/>
+                <a:ea typeface="Open Sans"/>
+                <a:cs typeface="Open Sans"/>
+                <a:sym typeface="Open Sans"/>
+              </a:rPr>
+              <a:t>.</a:t>
+            </a:r>
+            <a:endParaRPr lang="en-US" dirty="0">
               <a:latin typeface="Open Sans"/>
               <a:ea typeface="Open Sans"/>
               <a:cs typeface="Open Sans"/>
@@ -5957,14 +8581,14 @@
       </p:sp>
       <p:sp>
         <p:nvSpPr>
-          <p:cNvPr id="62" name="Shape 62"/>
+          <p:cNvPr id="55" name="Shape 55"/>
           <p:cNvSpPr/>
           <p:nvPr/>
         </p:nvSpPr>
         <p:spPr>
           <a:xfrm>
-            <a:off x="354300" y="1418450"/>
-            <a:ext cx="4550700" cy="3072600"/>
+            <a:off x="475083" y="1512276"/>
+            <a:ext cx="8229238" cy="2537209"/>
           </a:xfrm>
           <a:prstGeom prst="rect">
             <a:avLst/>
@@ -5972,23 +8596,23 @@
           <a:solidFill>
             <a:schemeClr val="lt2"/>
           </a:solidFill>
-          <a:ln cap="flat" cmpd="sng" w="9525">
+          <a:ln w="9525" cap="flat" cmpd="sng">
             <a:solidFill>
               <a:schemeClr val="dk2"/>
             </a:solidFill>
             <a:prstDash val="solid"/>
             <a:round/>
-            <a:headEnd len="sm" w="sm" type="none"/>
-            <a:tailEnd len="sm" w="sm" type="none"/>
+            <a:headEnd type="none" w="sm" len="sm"/>
+            <a:tailEnd type="none" w="sm" len="sm"/>
           </a:ln>
         </p:spPr>
         <p:txBody>
-          <a:bodyPr anchorCtr="0" anchor="ctr" bIns="91425" lIns="91425" spcFirstLastPara="1" rIns="91425" wrap="square" tIns="91425">
+          <a:bodyPr spcFirstLastPara="1" wrap="square" lIns="91425" tIns="91425" rIns="91425" bIns="91425" anchor="ctr" anchorCtr="0">
             <a:noAutofit/>
           </a:bodyPr>
           <a:lstStyle/>
           <a:p>
-            <a:pPr indent="0" lvl="0" marL="0" rtl="0" algn="ctr">
+            <a:pPr marL="0" lvl="0" indent="0" algn="ctr" rtl="0">
               <a:spcBef>
                 <a:spcPts val="0"/>
               </a:spcBef>
@@ -5998,17 +8622,19 @@
               <a:buNone/>
             </a:pPr>
             <a:r>
-              <a:rPr lang="en"/>
+              <a:rPr lang="en" dirty="0"/>
               <a:t>&lt;visualization&gt;</a:t>
             </a:r>
-            <a:endParaRPr/>
+            <a:endParaRPr dirty="0"/>
           </a:p>
         </p:txBody>
       </p:sp>
       <p:sp>
         <p:nvSpPr>
-          <p:cNvPr id="63" name="Shape 63"/>
-          <p:cNvSpPr txBox="1"/>
+          <p:cNvPr id="56" name="Shape 56"/>
+          <p:cNvSpPr txBox="1">
+            <a:spLocks noGrp="1"/>
+          </p:cNvSpPr>
           <p:nvPr>
             <p:ph type="title"/>
           </p:nvPr>
@@ -6026,22 +8652,14 @@
           </a:solidFill>
         </p:spPr>
         <p:txBody>
-          <a:bodyPr anchorCtr="0" anchor="ctr" bIns="91425" lIns="91425" spcFirstLastPara="1" rIns="91425" wrap="square" tIns="91425">
+          <a:bodyPr spcFirstLastPara="1" wrap="square" lIns="91425" tIns="91425" rIns="91425" bIns="91425" anchor="ctr" anchorCtr="0">
             <a:noAutofit/>
           </a:bodyPr>
           <a:lstStyle/>
           <a:p>
-            <a:pPr indent="0" lvl="0" marL="0" rtl="0">
-              <a:spcBef>
-                <a:spcPts val="0"/>
-              </a:spcBef>
-              <a:spcAft>
-                <a:spcPts val="0"/>
-              </a:spcAft>
-              <a:buNone/>
-            </a:pPr>
+            <a:pPr lvl="0"/>
             <a:r>
-              <a:rPr lang="en">
+              <a:rPr lang="en-US" dirty="0" smtClean="0">
                 <a:solidFill>
                   <a:srgbClr val="FFFFFF"/>
                 </a:solidFill>
@@ -6050,11 +8668,35 @@
                 <a:cs typeface="Open Sans"/>
                 <a:sym typeface="Open Sans"/>
               </a:rPr>
-              <a:t>  &lt;title&gt;</a:t>
+              <a:t>The </a:t>
             </a:r>
-            <a:endParaRPr>
+            <a:r>
+              <a:rPr lang="en-US" dirty="0">
+                <a:solidFill>
+                  <a:srgbClr val="FFFFFF"/>
+                </a:solidFill>
+                <a:latin typeface="Open Sans"/>
+                <a:ea typeface="Open Sans"/>
+                <a:cs typeface="Open Sans"/>
+                <a:sym typeface="Open Sans"/>
+              </a:rPr>
+              <a:t>number of movie rentals by genre and </a:t>
+            </a:r>
+            <a:r>
+              <a:rPr lang="en-US" dirty="0" smtClean="0">
+                <a:solidFill>
+                  <a:srgbClr val="FFFFFF"/>
+                </a:solidFill>
+                <a:latin typeface="Open Sans"/>
+                <a:ea typeface="Open Sans"/>
+                <a:cs typeface="Open Sans"/>
+                <a:sym typeface="Open Sans"/>
+              </a:rPr>
+              <a:t>their average.</a:t>
+            </a:r>
+            <a:endParaRPr dirty="0">
               <a:solidFill>
-                <a:srgbClr val="FFFFFF"/>
+                <a:schemeClr val="bg1"/>
               </a:solidFill>
               <a:latin typeface="Open Sans"/>
               <a:ea typeface="Open Sans"/>
@@ -6064,7 +8706,89 @@
           </a:p>
         </p:txBody>
       </p:sp>
+      <p:graphicFrame>
+        <p:nvGraphicFramePr>
+          <p:cNvPr id="6" name="Gráfico 5"/>
+          <p:cNvGraphicFramePr>
+            <a:graphicFrameLocks/>
+          </p:cNvGraphicFramePr>
+          <p:nvPr>
+            <p:extLst>
+              <p:ext uri="{D42A27DB-BD31-4B8C-83A1-F6EECF244321}">
+                <p14:modId xmlns:p14="http://schemas.microsoft.com/office/powerpoint/2010/main" val="711014217"/>
+              </p:ext>
+            </p:extLst>
+          </p:nvPr>
+        </p:nvGraphicFramePr>
+        <p:xfrm>
+          <a:off x="475083" y="1512277"/>
+          <a:ext cx="8229238" cy="2537208"/>
+        </p:xfrm>
+        <a:graphic>
+          <a:graphicData uri="http://schemas.openxmlformats.org/drawingml/2006/chart">
+            <c:chart xmlns:c="http://schemas.openxmlformats.org/drawingml/2006/chart" xmlns:r="http://schemas.openxmlformats.org/officeDocument/2006/relationships" r:id="rId3"/>
+          </a:graphicData>
+        </a:graphic>
+      </p:graphicFrame>
+      <p:sp>
+        <p:nvSpPr>
+          <p:cNvPr id="7" name="Retângulo 6"/>
+          <p:cNvSpPr/>
+          <p:nvPr/>
+        </p:nvSpPr>
+        <p:spPr>
+          <a:xfrm>
+            <a:off x="3099819" y="1000049"/>
+            <a:ext cx="3039615" cy="307777"/>
+          </a:xfrm>
+          <a:prstGeom prst="rect">
+            <a:avLst/>
+          </a:prstGeom>
+        </p:spPr>
+        <p:txBody>
+          <a:bodyPr wrap="none">
+            <a:spAutoFit/>
+          </a:bodyPr>
+          <a:lstStyle/>
+          <a:p>
+            <a:r>
+              <a:rPr lang="en-US" dirty="0">
+                <a:solidFill>
+                  <a:schemeClr val="bg1">
+                    <a:lumMod val="50000"/>
+                  </a:schemeClr>
+                </a:solidFill>
+                <a:latin typeface="Arial" panose="020B0604020202020204" pitchFamily="34" charset="0"/>
+              </a:rPr>
+              <a:t>Query </a:t>
+            </a:r>
+            <a:r>
+              <a:rPr lang="en-US" dirty="0" smtClean="0">
+                <a:solidFill>
+                  <a:schemeClr val="bg1">
+                    <a:lumMod val="50000"/>
+                  </a:schemeClr>
+                </a:solidFill>
+                <a:latin typeface="Arial" panose="020B0604020202020204" pitchFamily="34" charset="0"/>
+              </a:rPr>
+              <a:t>#2 – Movie Rentals by Genre</a:t>
+            </a:r>
+            <a:endParaRPr lang="pt-PT" dirty="0">
+              <a:solidFill>
+                <a:schemeClr val="bg1">
+                  <a:lumMod val="50000"/>
+                </a:schemeClr>
+              </a:solidFill>
+            </a:endParaRPr>
+          </a:p>
+        </p:txBody>
+      </p:sp>
     </p:spTree>
+    <p:extLst>
+      <p:ext uri="{BB962C8B-B14F-4D97-AF65-F5344CB8AC3E}">
+        <p14:creationId xmlns:p14="http://schemas.microsoft.com/office/powerpoint/2010/main" val="3003325902"/>
+      </p:ext>
+    </p:extLst>
   </p:cSld>
   <p:clrMapOvr>
     <a:masterClrMapping/>
@@ -6073,11 +8797,11 @@
 </file>
 
 <file path=ppt/slides/slide3.xml><?xml version="1.0" encoding="utf-8"?>
-<p:sld xmlns:a="http://schemas.openxmlformats.org/drawingml/2006/main" xmlns:r="http://schemas.openxmlformats.org/officeDocument/2006/relationships" xmlns:mc="http://schemas.openxmlformats.org/markup-compatibility/2006" xmlns:mv="urn:schemas-microsoft-com:mac:vml" xmlns:p="http://schemas.openxmlformats.org/presentationml/2006/main" xmlns:c="http://schemas.openxmlformats.org/drawingml/2006/chart" xmlns:dgm="http://schemas.openxmlformats.org/drawingml/2006/diagram" xmlns:o="urn:schemas-microsoft-com:office:office" xmlns:v="urn:schemas-microsoft-com:vml" xmlns:pvml="urn:schemas-microsoft-com:office:powerpoint" xmlns:com="http://schemas.openxmlformats.org/drawingml/2006/compatibility" xmlns:p14="http://schemas.microsoft.com/office/powerpoint/2010/main" xmlns:p15="http://schemas.microsoft.com/office/powerpoint/2012/main">
+<p:sld xmlns:a="http://schemas.openxmlformats.org/drawingml/2006/main" xmlns:r="http://schemas.openxmlformats.org/officeDocument/2006/relationships" xmlns:p="http://schemas.openxmlformats.org/presentationml/2006/main">
   <p:cSld>
     <p:spTree>
       <p:nvGrpSpPr>
-        <p:cNvPr id="67" name="Shape 67"/>
+        <p:cNvPr id="1" name="Shape 60"/>
         <p:cNvGrpSpPr/>
         <p:nvPr/>
       </p:nvGrpSpPr>
@@ -6091,16 +8815,18 @@
       </p:grpSpPr>
       <p:sp>
         <p:nvSpPr>
-          <p:cNvPr id="68" name="Shape 68"/>
-          <p:cNvSpPr txBox="1"/>
+          <p:cNvPr id="61" name="Shape 61"/>
+          <p:cNvSpPr txBox="1">
+            <a:spLocks noGrp="1"/>
+          </p:cNvSpPr>
           <p:nvPr>
-            <p:ph idx="1" type="body"/>
+            <p:ph type="body" idx="1"/>
           </p:nvPr>
         </p:nvSpPr>
         <p:spPr>
           <a:xfrm>
-            <a:off x="5158200" y="1418450"/>
-            <a:ext cx="3591300" cy="3072600"/>
+            <a:off x="5430128" y="1418450"/>
+            <a:ext cx="3319371" cy="3072600"/>
           </a:xfrm>
           <a:prstGeom prst="rect">
             <a:avLst/>
@@ -6108,41 +8834,56 @@
           <a:solidFill>
             <a:srgbClr val="EFEFEF"/>
           </a:solidFill>
-          <a:ln cap="flat" cmpd="sng" w="9525">
+          <a:ln w="9525" cap="flat" cmpd="sng">
             <a:solidFill>
               <a:srgbClr val="999999"/>
             </a:solidFill>
             <a:prstDash val="solid"/>
             <a:round/>
-            <a:headEnd len="sm" w="sm" type="none"/>
-            <a:tailEnd len="sm" w="sm" type="none"/>
+            <a:headEnd type="none" w="sm" len="sm"/>
+            <a:tailEnd type="none" w="sm" len="sm"/>
           </a:ln>
         </p:spPr>
         <p:txBody>
-          <a:bodyPr anchorCtr="0" anchor="t" bIns="91425" lIns="91425" spcFirstLastPara="1" rIns="91425" wrap="square" tIns="91425">
+          <a:bodyPr spcFirstLastPara="1" wrap="square" lIns="91425" tIns="91425" rIns="91425" bIns="91425" anchor="t" anchorCtr="0">
             <a:noAutofit/>
           </a:bodyPr>
           <a:lstStyle/>
           <a:p>
-            <a:pPr indent="0" lvl="0" marL="0" rtl="0">
-              <a:spcBef>
-                <a:spcPts val="0"/>
-              </a:spcBef>
+            <a:pPr marL="0" lvl="0" indent="0">
               <a:spcAft>
                 <a:spcPts val="1600"/>
               </a:spcAft>
               <a:buNone/>
             </a:pPr>
             <a:r>
-              <a:rPr lang="en">
+              <a:rPr lang="en-US" dirty="0">
                 <a:latin typeface="Open Sans"/>
                 <a:ea typeface="Open Sans"/>
                 <a:cs typeface="Open Sans"/>
                 <a:sym typeface="Open Sans"/>
               </a:rPr>
-              <a:t>&lt;description&gt;</a:t>
+              <a:t>In this chart, we can see </a:t>
             </a:r>
-            <a:endParaRPr>
+            <a:r>
+              <a:rPr lang="en-US" dirty="0" err="1">
+                <a:latin typeface="Open Sans"/>
+                <a:ea typeface="Open Sans"/>
+                <a:cs typeface="Open Sans"/>
+                <a:sym typeface="Open Sans"/>
+              </a:rPr>
+              <a:t>Sakila’s</a:t>
+            </a:r>
+            <a:r>
+              <a:rPr lang="en-US" dirty="0">
+                <a:latin typeface="Open Sans"/>
+                <a:ea typeface="Open Sans"/>
+                <a:cs typeface="Open Sans"/>
+                <a:sym typeface="Open Sans"/>
+              </a:rPr>
+              <a:t> business performance according to the total payment amount as well as the total rentals made (during 2005 – 2006).</a:t>
+            </a:r>
+            <a:endParaRPr dirty="0">
               <a:latin typeface="Open Sans"/>
               <a:ea typeface="Open Sans"/>
               <a:cs typeface="Open Sans"/>
@@ -6153,14 +8894,14 @@
       </p:sp>
       <p:sp>
         <p:nvSpPr>
-          <p:cNvPr id="69" name="Shape 69"/>
+          <p:cNvPr id="62" name="Shape 62"/>
           <p:cNvSpPr/>
           <p:nvPr/>
         </p:nvSpPr>
         <p:spPr>
           <a:xfrm>
-            <a:off x="354300" y="1418450"/>
-            <a:ext cx="4550700" cy="3072600"/>
+            <a:off x="354299" y="1418450"/>
+            <a:ext cx="4731171" cy="3072600"/>
           </a:xfrm>
           <a:prstGeom prst="rect">
             <a:avLst/>
@@ -6168,23 +8909,23 @@
           <a:solidFill>
             <a:schemeClr val="lt2"/>
           </a:solidFill>
-          <a:ln cap="flat" cmpd="sng" w="9525">
+          <a:ln w="9525" cap="flat" cmpd="sng">
             <a:solidFill>
               <a:schemeClr val="dk2"/>
             </a:solidFill>
             <a:prstDash val="solid"/>
             <a:round/>
-            <a:headEnd len="sm" w="sm" type="none"/>
-            <a:tailEnd len="sm" w="sm" type="none"/>
+            <a:headEnd type="none" w="sm" len="sm"/>
+            <a:tailEnd type="none" w="sm" len="sm"/>
           </a:ln>
         </p:spPr>
         <p:txBody>
-          <a:bodyPr anchorCtr="0" anchor="ctr" bIns="91425" lIns="91425" spcFirstLastPara="1" rIns="91425" wrap="square" tIns="91425">
+          <a:bodyPr spcFirstLastPara="1" wrap="square" lIns="91425" tIns="91425" rIns="91425" bIns="91425" anchor="ctr" anchorCtr="0">
             <a:noAutofit/>
           </a:bodyPr>
           <a:lstStyle/>
           <a:p>
-            <a:pPr indent="0" lvl="0" marL="0" rtl="0" algn="ctr">
+            <a:pPr marL="0" lvl="0" indent="0" algn="ctr" rtl="0">
               <a:spcBef>
                 <a:spcPts val="0"/>
               </a:spcBef>
@@ -6203,8 +8944,10 @@
       </p:sp>
       <p:sp>
         <p:nvSpPr>
-          <p:cNvPr id="70" name="Shape 70"/>
-          <p:cNvSpPr txBox="1"/>
+          <p:cNvPr id="63" name="Shape 63"/>
+          <p:cNvSpPr txBox="1">
+            <a:spLocks noGrp="1"/>
+          </p:cNvSpPr>
           <p:nvPr>
             <p:ph type="title"/>
           </p:nvPr>
@@ -6222,22 +8965,14 @@
           </a:solidFill>
         </p:spPr>
         <p:txBody>
-          <a:bodyPr anchorCtr="0" anchor="ctr" bIns="91425" lIns="91425" spcFirstLastPara="1" rIns="91425" wrap="square" tIns="91425">
+          <a:bodyPr spcFirstLastPara="1" wrap="square" lIns="91425" tIns="91425" rIns="91425" bIns="91425" anchor="ctr" anchorCtr="0">
             <a:noAutofit/>
           </a:bodyPr>
           <a:lstStyle/>
           <a:p>
-            <a:pPr indent="0" lvl="0" marL="0" rtl="0">
-              <a:spcBef>
-                <a:spcPts val="0"/>
-              </a:spcBef>
-              <a:spcAft>
-                <a:spcPts val="0"/>
-              </a:spcAft>
-              <a:buNone/>
-            </a:pPr>
+            <a:pPr lvl="0"/>
             <a:r>
-              <a:rPr lang="en">
+              <a:rPr lang="en-US" dirty="0" smtClean="0">
                 <a:solidFill>
                   <a:srgbClr val="FFFFFF"/>
                 </a:solidFill>
@@ -6246,9 +8981,45 @@
                 <a:cs typeface="Open Sans"/>
                 <a:sym typeface="Open Sans"/>
               </a:rPr>
-              <a:t>  &lt;title&gt;</a:t>
+              <a:t>The </a:t>
             </a:r>
-            <a:endParaRPr>
+            <a:r>
+              <a:rPr lang="en-US" dirty="0">
+                <a:solidFill>
+                  <a:srgbClr val="FFFFFF"/>
+                </a:solidFill>
+                <a:latin typeface="Open Sans"/>
+                <a:ea typeface="Open Sans"/>
+                <a:cs typeface="Open Sans"/>
+                <a:sym typeface="Open Sans"/>
+              </a:rPr>
+              <a:t>performance (payment amount and number of rentals) of </a:t>
+            </a:r>
+            <a:r>
+              <a:rPr lang="en-US" dirty="0" err="1">
+                <a:solidFill>
+                  <a:srgbClr val="FFFFFF"/>
+                </a:solidFill>
+                <a:latin typeface="Open Sans"/>
+                <a:ea typeface="Open Sans"/>
+                <a:cs typeface="Open Sans"/>
+                <a:sym typeface="Open Sans"/>
+              </a:rPr>
+              <a:t>Sakila</a:t>
+            </a:r>
+            <a:r>
+              <a:rPr lang="en-US" dirty="0">
+                <a:solidFill>
+                  <a:srgbClr val="FFFFFF"/>
+                </a:solidFill>
+                <a:latin typeface="Open Sans"/>
+                <a:ea typeface="Open Sans"/>
+                <a:cs typeface="Open Sans"/>
+                <a:sym typeface="Open Sans"/>
+              </a:rPr>
+              <a:t> DVD Rental database</a:t>
+            </a:r>
+            <a:endParaRPr dirty="0">
               <a:solidFill>
                 <a:srgbClr val="FFFFFF"/>
               </a:solidFill>
@@ -6256,6 +9027,105 @@
               <a:ea typeface="Open Sans"/>
               <a:cs typeface="Open Sans"/>
               <a:sym typeface="Open Sans"/>
+            </a:endParaRPr>
+          </a:p>
+        </p:txBody>
+      </p:sp>
+      <p:pic>
+        <p:nvPicPr>
+          <p:cNvPr id="3" name="Imagem 2"/>
+          <p:cNvPicPr>
+            <a:picLocks noChangeAspect="1"/>
+          </p:cNvPicPr>
+          <p:nvPr/>
+        </p:nvPicPr>
+        <p:blipFill>
+          <a:blip r:embed="rId3"/>
+          <a:stretch>
+            <a:fillRect/>
+          </a:stretch>
+        </p:blipFill>
+        <p:spPr>
+          <a:xfrm>
+            <a:off x="354300" y="1418451"/>
+            <a:ext cx="4731169" cy="3072600"/>
+          </a:xfrm>
+          <a:prstGeom prst="rect">
+            <a:avLst/>
+          </a:prstGeom>
+        </p:spPr>
+      </p:pic>
+      <p:sp>
+        <p:nvSpPr>
+          <p:cNvPr id="10" name="Retângulo 9"/>
+          <p:cNvSpPr/>
+          <p:nvPr/>
+        </p:nvSpPr>
+        <p:spPr>
+          <a:xfrm>
+            <a:off x="3230927" y="953136"/>
+            <a:ext cx="2682145" cy="307777"/>
+          </a:xfrm>
+          <a:prstGeom prst="rect">
+            <a:avLst/>
+          </a:prstGeom>
+        </p:spPr>
+        <p:txBody>
+          <a:bodyPr wrap="none">
+            <a:spAutoFit/>
+          </a:bodyPr>
+          <a:lstStyle/>
+          <a:p>
+            <a:r>
+              <a:rPr lang="en-US" dirty="0">
+                <a:solidFill>
+                  <a:schemeClr val="bg1">
+                    <a:lumMod val="50000"/>
+                  </a:schemeClr>
+                </a:solidFill>
+                <a:latin typeface="Arial" panose="020B0604020202020204" pitchFamily="34" charset="0"/>
+              </a:rPr>
+              <a:t>Query </a:t>
+            </a:r>
+            <a:r>
+              <a:rPr lang="en-US" dirty="0" smtClean="0">
+                <a:solidFill>
+                  <a:schemeClr val="bg1">
+                    <a:lumMod val="50000"/>
+                  </a:schemeClr>
+                </a:solidFill>
+                <a:latin typeface="Arial" panose="020B0604020202020204" pitchFamily="34" charset="0"/>
+              </a:rPr>
+              <a:t>#3 – </a:t>
+            </a:r>
+            <a:r>
+              <a:rPr lang="en-US" dirty="0" err="1" smtClean="0">
+                <a:solidFill>
+                  <a:schemeClr val="bg1">
+                    <a:lumMod val="50000"/>
+                  </a:schemeClr>
+                </a:solidFill>
+                <a:latin typeface="Arial" panose="020B0604020202020204" pitchFamily="34" charset="0"/>
+              </a:rPr>
+              <a:t>Sakila</a:t>
+            </a:r>
+            <a:r>
+              <a:rPr lang="en-US" dirty="0" smtClean="0">
+                <a:solidFill>
+                  <a:schemeClr val="bg1">
+                    <a:lumMod val="50000"/>
+                  </a:schemeClr>
+                </a:solidFill>
+                <a:latin typeface="Arial" panose="020B0604020202020204" pitchFamily="34" charset="0"/>
+              </a:rPr>
+              <a:t> Performance</a:t>
+            </a:r>
+            <a:endParaRPr lang="pt-PT" dirty="0">
+              <a:solidFill>
+                <a:schemeClr val="bg1">
+                  <a:lumMod val="50000"/>
+                </a:schemeClr>
+              </a:solidFill>
             </a:endParaRPr>
           </a:p>
         </p:txBody>
@@ -6269,11 +9139,11 @@
 </file>
 
 <file path=ppt/slides/slide4.xml><?xml version="1.0" encoding="utf-8"?>
-<p:sld xmlns:a="http://schemas.openxmlformats.org/drawingml/2006/main" xmlns:r="http://schemas.openxmlformats.org/officeDocument/2006/relationships" xmlns:mc="http://schemas.openxmlformats.org/markup-compatibility/2006" xmlns:mv="urn:schemas-microsoft-com:mac:vml" xmlns:p="http://schemas.openxmlformats.org/presentationml/2006/main" xmlns:c="http://schemas.openxmlformats.org/drawingml/2006/chart" xmlns:dgm="http://schemas.openxmlformats.org/drawingml/2006/diagram" xmlns:o="urn:schemas-microsoft-com:office:office" xmlns:v="urn:schemas-microsoft-com:vml" xmlns:pvml="urn:schemas-microsoft-com:office:powerpoint" xmlns:com="http://schemas.openxmlformats.org/drawingml/2006/compatibility" xmlns:p14="http://schemas.microsoft.com/office/powerpoint/2010/main" xmlns:p15="http://schemas.microsoft.com/office/powerpoint/2012/main">
+<p:sld xmlns:a="http://schemas.openxmlformats.org/drawingml/2006/main" xmlns:r="http://schemas.openxmlformats.org/officeDocument/2006/relationships" xmlns:p="http://schemas.openxmlformats.org/presentationml/2006/main">
   <p:cSld>
     <p:spTree>
       <p:nvGrpSpPr>
-        <p:cNvPr id="74" name="Shape 74"/>
+        <p:cNvPr id="1" name="Shape 60"/>
         <p:cNvGrpSpPr/>
         <p:nvPr/>
       </p:nvGrpSpPr>
@@ -6287,16 +9157,18 @@
       </p:grpSpPr>
       <p:sp>
         <p:nvSpPr>
-          <p:cNvPr id="75" name="Shape 75"/>
-          <p:cNvSpPr txBox="1"/>
+          <p:cNvPr id="61" name="Shape 61"/>
+          <p:cNvSpPr txBox="1">
+            <a:spLocks noGrp="1"/>
+          </p:cNvSpPr>
           <p:nvPr>
-            <p:ph idx="1" type="body"/>
+            <p:ph type="body" idx="1"/>
           </p:nvPr>
         </p:nvSpPr>
         <p:spPr>
           <a:xfrm>
-            <a:off x="5158200" y="1418450"/>
-            <a:ext cx="3591300" cy="3072600"/>
+            <a:off x="5430128" y="1418450"/>
+            <a:ext cx="3319371" cy="3072600"/>
           </a:xfrm>
           <a:prstGeom prst="rect">
             <a:avLst/>
@@ -6304,41 +9176,38 @@
           <a:solidFill>
             <a:srgbClr val="EFEFEF"/>
           </a:solidFill>
-          <a:ln cap="flat" cmpd="sng" w="9525">
+          <a:ln w="9525" cap="flat" cmpd="sng">
             <a:solidFill>
               <a:srgbClr val="999999"/>
             </a:solidFill>
             <a:prstDash val="solid"/>
             <a:round/>
-            <a:headEnd len="sm" w="sm" type="none"/>
-            <a:tailEnd len="sm" w="sm" type="none"/>
+            <a:headEnd type="none" w="sm" len="sm"/>
+            <a:tailEnd type="none" w="sm" len="sm"/>
           </a:ln>
         </p:spPr>
         <p:txBody>
-          <a:bodyPr anchorCtr="0" anchor="t" bIns="91425" lIns="91425" spcFirstLastPara="1" rIns="91425" wrap="square" tIns="91425">
+          <a:bodyPr spcFirstLastPara="1" wrap="square" lIns="91425" tIns="91425" rIns="91425" bIns="91425" anchor="t" anchorCtr="0">
             <a:noAutofit/>
           </a:bodyPr>
           <a:lstStyle/>
           <a:p>
-            <a:pPr indent="0" lvl="0" marL="0" rtl="0">
-              <a:spcBef>
-                <a:spcPts val="0"/>
-              </a:spcBef>
+            <a:pPr marL="0" lvl="0" indent="0">
               <a:spcAft>
                 <a:spcPts val="1600"/>
               </a:spcAft>
               <a:buNone/>
             </a:pPr>
             <a:r>
-              <a:rPr lang="en">
+              <a:rPr lang="en-US" dirty="0" smtClean="0">
                 <a:latin typeface="Open Sans"/>
                 <a:ea typeface="Open Sans"/>
                 <a:cs typeface="Open Sans"/>
                 <a:sym typeface="Open Sans"/>
               </a:rPr>
-              <a:t>&lt;description&gt;</a:t>
+              <a:t>This box and whisker chart shows how the number of family-friendly movies is distributed according to rental length duration and movie category.</a:t>
             </a:r>
-            <a:endParaRPr>
+            <a:endParaRPr dirty="0">
               <a:latin typeface="Open Sans"/>
               <a:ea typeface="Open Sans"/>
               <a:cs typeface="Open Sans"/>
@@ -6349,58 +9218,10 @@
       </p:sp>
       <p:sp>
         <p:nvSpPr>
-          <p:cNvPr id="76" name="Shape 76"/>
-          <p:cNvSpPr/>
-          <p:nvPr/>
-        </p:nvSpPr>
-        <p:spPr>
-          <a:xfrm>
-            <a:off x="354300" y="1418450"/>
-            <a:ext cx="4550700" cy="3072600"/>
-          </a:xfrm>
-          <a:prstGeom prst="rect">
-            <a:avLst/>
-          </a:prstGeom>
-          <a:solidFill>
-            <a:schemeClr val="lt2"/>
-          </a:solidFill>
-          <a:ln cap="flat" cmpd="sng" w="9525">
-            <a:solidFill>
-              <a:schemeClr val="dk2"/>
-            </a:solidFill>
-            <a:prstDash val="solid"/>
-            <a:round/>
-            <a:headEnd len="sm" w="sm" type="none"/>
-            <a:tailEnd len="sm" w="sm" type="none"/>
-          </a:ln>
-        </p:spPr>
-        <p:txBody>
-          <a:bodyPr anchorCtr="0" anchor="ctr" bIns="91425" lIns="91425" spcFirstLastPara="1" rIns="91425" wrap="square" tIns="91425">
-            <a:noAutofit/>
-          </a:bodyPr>
-          <a:lstStyle/>
-          <a:p>
-            <a:pPr indent="0" lvl="0" marL="0" rtl="0" algn="ctr">
-              <a:spcBef>
-                <a:spcPts val="0"/>
-              </a:spcBef>
-              <a:spcAft>
-                <a:spcPts val="0"/>
-              </a:spcAft>
-              <a:buNone/>
-            </a:pPr>
-            <a:r>
-              <a:rPr lang="en"/>
-              <a:t>&lt;visualization&gt;</a:t>
-            </a:r>
-            <a:endParaRPr/>
-          </a:p>
-        </p:txBody>
-      </p:sp>
-      <p:sp>
-        <p:nvSpPr>
-          <p:cNvPr id="77" name="Shape 77"/>
-          <p:cNvSpPr txBox="1"/>
+          <p:cNvPr id="63" name="Shape 63"/>
+          <p:cNvSpPr txBox="1">
+            <a:spLocks noGrp="1"/>
+          </p:cNvSpPr>
           <p:nvPr>
             <p:ph type="title"/>
           </p:nvPr>
@@ -6418,22 +9239,14 @@
           </a:solidFill>
         </p:spPr>
         <p:txBody>
-          <a:bodyPr anchorCtr="0" anchor="ctr" bIns="91425" lIns="91425" spcFirstLastPara="1" rIns="91425" wrap="square" tIns="91425">
+          <a:bodyPr spcFirstLastPara="1" wrap="square" lIns="91425" tIns="91425" rIns="91425" bIns="91425" anchor="ctr" anchorCtr="0">
             <a:noAutofit/>
           </a:bodyPr>
           <a:lstStyle/>
           <a:p>
-            <a:pPr indent="0" lvl="0" marL="0" rtl="0">
-              <a:spcBef>
-                <a:spcPts val="0"/>
-              </a:spcBef>
-              <a:spcAft>
-                <a:spcPts val="0"/>
-              </a:spcAft>
-              <a:buNone/>
-            </a:pPr>
+            <a:pPr lvl="0"/>
             <a:r>
-              <a:rPr lang="en">
+              <a:rPr lang="en-US" sz="2000" dirty="0" smtClean="0">
                 <a:solidFill>
                   <a:srgbClr val="FFFFFF"/>
                 </a:solidFill>
@@ -6442,9 +9255,94 @@
                 <a:cs typeface="Open Sans"/>
                 <a:sym typeface="Open Sans"/>
               </a:rPr>
-              <a:t>  &lt;title&gt;</a:t>
+              <a:t>A </a:t>
             </a:r>
-            <a:endParaRPr>
+            <a:r>
+              <a:rPr lang="en-US" sz="2000" dirty="0">
+                <a:solidFill>
+                  <a:srgbClr val="FFFFFF"/>
+                </a:solidFill>
+                <a:latin typeface="Open Sans"/>
+                <a:ea typeface="Open Sans"/>
+                <a:cs typeface="Open Sans"/>
+                <a:sym typeface="Open Sans"/>
+              </a:rPr>
+              <a:t>list of family-friendly film category, </a:t>
+            </a:r>
+            <a:r>
+              <a:rPr lang="pt-PT" sz="2000" dirty="0" err="1" smtClean="0">
+                <a:solidFill>
+                  <a:schemeClr val="bg1"/>
+                </a:solidFill>
+                <a:ea typeface="Open Sans"/>
+              </a:rPr>
+              <a:t>r</a:t>
+            </a:r>
+            <a:r>
+              <a:rPr lang="pt-PT" sz="2000" dirty="0" err="1" smtClean="0">
+                <a:solidFill>
+                  <a:schemeClr val="bg1"/>
+                </a:solidFill>
+              </a:rPr>
+              <a:t>ental</a:t>
+            </a:r>
+            <a:r>
+              <a:rPr lang="pt-PT" sz="2000" dirty="0" smtClean="0">
+                <a:solidFill>
+                  <a:schemeClr val="bg1"/>
+                </a:solidFill>
+              </a:rPr>
+              <a:t> </a:t>
+            </a:r>
+            <a:r>
+              <a:rPr lang="pt-PT" sz="2000" dirty="0" err="1">
+                <a:solidFill>
+                  <a:schemeClr val="bg1"/>
+                </a:solidFill>
+              </a:rPr>
+              <a:t>length</a:t>
+            </a:r>
+            <a:r>
+              <a:rPr lang="pt-PT" sz="2000" dirty="0">
+                <a:solidFill>
+                  <a:schemeClr val="bg1"/>
+                </a:solidFill>
+              </a:rPr>
+              <a:t> </a:t>
+            </a:r>
+            <a:r>
+              <a:rPr lang="pt-PT" sz="2000" dirty="0" err="1">
+                <a:solidFill>
+                  <a:schemeClr val="bg1"/>
+                </a:solidFill>
+              </a:rPr>
+              <a:t>category</a:t>
+            </a:r>
+            <a:r>
+              <a:rPr lang="en-US" sz="2000" dirty="0" smtClean="0">
+                <a:solidFill>
+                  <a:srgbClr val="FFFFFF"/>
+                </a:solidFill>
+                <a:latin typeface="Open Sans"/>
+                <a:ea typeface="Open Sans"/>
+                <a:cs typeface="Open Sans"/>
+                <a:sym typeface="Open Sans"/>
+              </a:rPr>
+              <a:t>, </a:t>
+            </a:r>
+            <a:r>
+              <a:rPr lang="en-US" sz="2000" dirty="0">
+                <a:solidFill>
+                  <a:srgbClr val="FFFFFF"/>
+                </a:solidFill>
+                <a:latin typeface="Open Sans"/>
+                <a:ea typeface="Open Sans"/>
+                <a:cs typeface="Open Sans"/>
+                <a:sym typeface="Open Sans"/>
+              </a:rPr>
+              <a:t>and the corresponding count of movies within each combination of film category.</a:t>
+            </a:r>
+            <a:endParaRPr sz="2000" dirty="0">
               <a:solidFill>
                 <a:srgbClr val="FFFFFF"/>
               </a:solidFill>
@@ -6456,7 +9354,128 @@
           </a:p>
         </p:txBody>
       </p:sp>
+      <mc:AlternateContent xmlns:mc="http://schemas.openxmlformats.org/markup-compatibility/2006">
+        <mc:Choice xmlns:cx1="http://schemas.microsoft.com/office/drawing/2015/9/8/chartex" Requires="cx1">
+          <p:graphicFrame>
+            <p:nvGraphicFramePr>
+              <p:cNvPr id="9" name="Gráfico 8"/>
+              <p:cNvGraphicFramePr/>
+              <p:nvPr>
+                <p:extLst>
+                  <p:ext uri="{D42A27DB-BD31-4B8C-83A1-F6EECF244321}">
+                    <p14:modId xmlns:p14="http://schemas.microsoft.com/office/powerpoint/2010/main" val="2148100624"/>
+                  </p:ext>
+                </p:extLst>
+              </p:nvPr>
+            </p:nvGraphicFramePr>
+            <p:xfrm>
+              <a:off x="295422" y="1418450"/>
+              <a:ext cx="4572000" cy="2743200"/>
+            </p:xfrm>
+            <a:graphic>
+              <a:graphicData uri="http://schemas.microsoft.com/office/drawing/2014/chartex">
+                <cx:chart xmlns:cx="http://schemas.microsoft.com/office/drawing/2014/chartex" xmlns:r="http://schemas.openxmlformats.org/officeDocument/2006/relationships" r:id="rId3"/>
+              </a:graphicData>
+            </a:graphic>
+          </p:graphicFrame>
+        </mc:Choice>
+        <mc:Fallback>
+          <p:pic>
+            <p:nvPicPr>
+              <p:cNvPr id="9" name="Gráfico 8"/>
+              <p:cNvPicPr>
+                <a:picLocks noGrp="1" noRot="1" noChangeAspect="1" noMove="1" noResize="1" noEditPoints="1" noAdjustHandles="1" noChangeArrowheads="1" noChangeShapeType="1"/>
+              </p:cNvPicPr>
+              <p:nvPr/>
+            </p:nvPicPr>
+            <p:blipFill>
+              <a:blip r:embed="rId4"/>
+              <a:stretch>
+                <a:fillRect/>
+              </a:stretch>
+            </p:blipFill>
+            <p:spPr>
+              <a:xfrm>
+                <a:off x="295422" y="1418450"/>
+                <a:ext cx="4572000" cy="2743200"/>
+              </a:xfrm>
+              <a:prstGeom prst="rect">
+                <a:avLst/>
+              </a:prstGeom>
+            </p:spPr>
+          </p:pic>
+        </mc:Fallback>
+      </mc:AlternateContent>
+      <p:sp>
+        <p:nvSpPr>
+          <p:cNvPr id="5" name="Retângulo 4"/>
+          <p:cNvSpPr/>
+          <p:nvPr/>
+        </p:nvSpPr>
+        <p:spPr>
+          <a:xfrm>
+            <a:off x="2581422" y="953136"/>
+            <a:ext cx="3894015" cy="307777"/>
+          </a:xfrm>
+          <a:prstGeom prst="rect">
+            <a:avLst/>
+          </a:prstGeom>
+        </p:spPr>
+        <p:txBody>
+          <a:bodyPr wrap="none">
+            <a:spAutoFit/>
+          </a:bodyPr>
+          <a:lstStyle/>
+          <a:p>
+            <a:r>
+              <a:rPr lang="en-US" dirty="0">
+                <a:solidFill>
+                  <a:schemeClr val="bg1">
+                    <a:lumMod val="50000"/>
+                  </a:schemeClr>
+                </a:solidFill>
+                <a:latin typeface="Arial" panose="020B0604020202020204" pitchFamily="34" charset="0"/>
+              </a:rPr>
+              <a:t>Query </a:t>
+            </a:r>
+            <a:r>
+              <a:rPr lang="en-US" dirty="0" smtClean="0">
+                <a:solidFill>
+                  <a:schemeClr val="bg1">
+                    <a:lumMod val="50000"/>
+                  </a:schemeClr>
+                </a:solidFill>
+                <a:latin typeface="Arial" panose="020B0604020202020204" pitchFamily="34" charset="0"/>
+              </a:rPr>
+              <a:t>#4 - Film </a:t>
+            </a:r>
+            <a:r>
+              <a:rPr lang="en-US" dirty="0">
+                <a:solidFill>
+                  <a:schemeClr val="bg1">
+                    <a:lumMod val="50000"/>
+                  </a:schemeClr>
+                </a:solidFill>
+                <a:latin typeface="Arial" panose="020B0604020202020204" pitchFamily="34" charset="0"/>
+              </a:rPr>
+              <a:t>rentals distribution by category</a:t>
+            </a:r>
+            <a:endParaRPr lang="pt-PT" dirty="0">
+              <a:solidFill>
+                <a:schemeClr val="bg1">
+                  <a:lumMod val="50000"/>
+                </a:schemeClr>
+              </a:solidFill>
+            </a:endParaRPr>
+          </a:p>
+        </p:txBody>
+      </p:sp>
     </p:spTree>
+    <p:extLst>
+      <p:ext uri="{BB962C8B-B14F-4D97-AF65-F5344CB8AC3E}">
+        <p14:creationId xmlns:p14="http://schemas.microsoft.com/office/powerpoint/2010/main" val="1494167736"/>
+      </p:ext>
+    </p:extLst>
   </p:cSld>
   <p:clrMapOvr>
     <a:masterClrMapping/>
@@ -6465,7 +9484,7 @@
 </file>
 
 <file path=ppt/theme/theme1.xml><?xml version="1.0" encoding="utf-8"?>
-<a:theme xmlns:a="http://schemas.openxmlformats.org/drawingml/2006/main" xmlns:r="http://schemas.openxmlformats.org/officeDocument/2006/relationships" name="Simple Light">
+<a:theme xmlns:a="http://schemas.openxmlformats.org/drawingml/2006/main" name="Simple Light">
   <a:themeElements>
     <a:clrScheme name="Simple Light">
       <a:dk1>
@@ -6740,11 +9759,13 @@
       </a:bgFillStyleLst>
     </a:fmtScheme>
   </a:themeElements>
+  <a:objectDefaults/>
+  <a:extraClrSchemeLst/>
 </a:theme>
 </file>
 
 <file path=ppt/theme/theme2.xml><?xml version="1.0" encoding="utf-8"?>
-<a:theme xmlns:a="http://schemas.openxmlformats.org/drawingml/2006/main" xmlns:r="http://schemas.openxmlformats.org/officeDocument/2006/relationships">
+<a:theme xmlns:a="http://schemas.openxmlformats.org/drawingml/2006/main">
   <a:themeElements>
     <a:clrScheme name="Default">
       <a:dk1>
@@ -7019,5 +10040,259 @@
       </a:bgFillStyleLst>
     </a:fmtScheme>
   </a:themeElements>
+  <a:objectDefaults/>
+  <a:extraClrSchemeLst/>
 </a:theme>
+</file>
+
+<file path=ppt/theme/themeOverride1.xml><?xml version="1.0" encoding="utf-8"?>
+<a:themeOverride xmlns:a="http://schemas.openxmlformats.org/drawingml/2006/main">
+  <a:clrScheme name="Office">
+    <a:dk1>
+      <a:sysClr val="windowText" lastClr="000000"/>
+    </a:dk1>
+    <a:lt1>
+      <a:sysClr val="window" lastClr="FFFFFF"/>
+    </a:lt1>
+    <a:dk2>
+      <a:srgbClr val="44546A"/>
+    </a:dk2>
+    <a:lt2>
+      <a:srgbClr val="E7E6E6"/>
+    </a:lt2>
+    <a:accent1>
+      <a:srgbClr val="5B9BD5"/>
+    </a:accent1>
+    <a:accent2>
+      <a:srgbClr val="ED7D31"/>
+    </a:accent2>
+    <a:accent3>
+      <a:srgbClr val="A5A5A5"/>
+    </a:accent3>
+    <a:accent4>
+      <a:srgbClr val="FFC000"/>
+    </a:accent4>
+    <a:accent5>
+      <a:srgbClr val="4472C4"/>
+    </a:accent5>
+    <a:accent6>
+      <a:srgbClr val="70AD47"/>
+    </a:accent6>
+    <a:hlink>
+      <a:srgbClr val="0563C1"/>
+    </a:hlink>
+    <a:folHlink>
+      <a:srgbClr val="954F72"/>
+    </a:folHlink>
+  </a:clrScheme>
+  <a:fontScheme name="Office">
+    <a:majorFont>
+      <a:latin typeface="Calibri Light" panose="020F0302020204030204"/>
+      <a:ea typeface=""/>
+      <a:cs typeface=""/>
+      <a:font script="Jpan" typeface="游ゴシック Light"/>
+      <a:font script="Hang" typeface="맑은 고딕"/>
+      <a:font script="Hans" typeface="等线 Light"/>
+      <a:font script="Hant" typeface="新細明體"/>
+      <a:font script="Arab" typeface="Times New Roman"/>
+      <a:font script="Hebr" typeface="Times New Roman"/>
+      <a:font script="Thai" typeface="Tahoma"/>
+      <a:font script="Ethi" typeface="Nyala"/>
+      <a:font script="Beng" typeface="Vrinda"/>
+      <a:font script="Gujr" typeface="Shruti"/>
+      <a:font script="Khmr" typeface="MoolBoran"/>
+      <a:font script="Knda" typeface="Tunga"/>
+      <a:font script="Guru" typeface="Raavi"/>
+      <a:font script="Cans" typeface="Euphemia"/>
+      <a:font script="Cher" typeface="Plantagenet Cherokee"/>
+      <a:font script="Yiii" typeface="Microsoft Yi Baiti"/>
+      <a:font script="Tibt" typeface="Microsoft Himalaya"/>
+      <a:font script="Thaa" typeface="MV Boli"/>
+      <a:font script="Deva" typeface="Mangal"/>
+      <a:font script="Telu" typeface="Gautami"/>
+      <a:font script="Taml" typeface="Latha"/>
+      <a:font script="Syrc" typeface="Estrangelo Edessa"/>
+      <a:font script="Orya" typeface="Kalinga"/>
+      <a:font script="Mlym" typeface="Kartika"/>
+      <a:font script="Laoo" typeface="DokChampa"/>
+      <a:font script="Sinh" typeface="Iskoola Pota"/>
+      <a:font script="Mong" typeface="Mongolian Baiti"/>
+      <a:font script="Viet" typeface="Times New Roman"/>
+      <a:font script="Uigh" typeface="Microsoft Uighur"/>
+      <a:font script="Geor" typeface="Sylfaen"/>
+    </a:majorFont>
+    <a:minorFont>
+      <a:latin typeface="Calibri" panose="020F0502020204030204"/>
+      <a:ea typeface=""/>
+      <a:cs typeface=""/>
+      <a:font script="Jpan" typeface="游ゴシック"/>
+      <a:font script="Hang" typeface="맑은 고딕"/>
+      <a:font script="Hans" typeface="等线"/>
+      <a:font script="Hant" typeface="新細明體"/>
+      <a:font script="Arab" typeface="Arial"/>
+      <a:font script="Hebr" typeface="Arial"/>
+      <a:font script="Thai" typeface="Tahoma"/>
+      <a:font script="Ethi" typeface="Nyala"/>
+      <a:font script="Beng" typeface="Vrinda"/>
+      <a:font script="Gujr" typeface="Shruti"/>
+      <a:font script="Khmr" typeface="DaunPenh"/>
+      <a:font script="Knda" typeface="Tunga"/>
+      <a:font script="Guru" typeface="Raavi"/>
+      <a:font script="Cans" typeface="Euphemia"/>
+      <a:font script="Cher" typeface="Plantagenet Cherokee"/>
+      <a:font script="Yiii" typeface="Microsoft Yi Baiti"/>
+      <a:font script="Tibt" typeface="Microsoft Himalaya"/>
+      <a:font script="Thaa" typeface="MV Boli"/>
+      <a:font script="Deva" typeface="Mangal"/>
+      <a:font script="Telu" typeface="Gautami"/>
+      <a:font script="Taml" typeface="Latha"/>
+      <a:font script="Syrc" typeface="Estrangelo Edessa"/>
+      <a:font script="Orya" typeface="Kalinga"/>
+      <a:font script="Mlym" typeface="Kartika"/>
+      <a:font script="Laoo" typeface="DokChampa"/>
+      <a:font script="Sinh" typeface="Iskoola Pota"/>
+      <a:font script="Mong" typeface="Mongolian Baiti"/>
+      <a:font script="Viet" typeface="Arial"/>
+      <a:font script="Uigh" typeface="Microsoft Uighur"/>
+      <a:font script="Geor" typeface="Sylfaen"/>
+    </a:minorFont>
+  </a:fontScheme>
+  <a:fmtScheme name="Office">
+    <a:fillStyleLst>
+      <a:solidFill>
+        <a:schemeClr val="phClr"/>
+      </a:solidFill>
+      <a:gradFill rotWithShape="1">
+        <a:gsLst>
+          <a:gs pos="0">
+            <a:schemeClr val="phClr">
+              <a:lumMod val="110000"/>
+              <a:satMod val="105000"/>
+              <a:tint val="67000"/>
+            </a:schemeClr>
+          </a:gs>
+          <a:gs pos="50000">
+            <a:schemeClr val="phClr">
+              <a:lumMod val="105000"/>
+              <a:satMod val="103000"/>
+              <a:tint val="73000"/>
+            </a:schemeClr>
+          </a:gs>
+          <a:gs pos="100000">
+            <a:schemeClr val="phClr">
+              <a:lumMod val="105000"/>
+              <a:satMod val="109000"/>
+              <a:tint val="81000"/>
+            </a:schemeClr>
+          </a:gs>
+        </a:gsLst>
+        <a:lin ang="5400000" scaled="0"/>
+      </a:gradFill>
+      <a:gradFill rotWithShape="1">
+        <a:gsLst>
+          <a:gs pos="0">
+            <a:schemeClr val="phClr">
+              <a:satMod val="103000"/>
+              <a:lumMod val="102000"/>
+              <a:tint val="94000"/>
+            </a:schemeClr>
+          </a:gs>
+          <a:gs pos="50000">
+            <a:schemeClr val="phClr">
+              <a:satMod val="110000"/>
+              <a:lumMod val="100000"/>
+              <a:shade val="100000"/>
+            </a:schemeClr>
+          </a:gs>
+          <a:gs pos="100000">
+            <a:schemeClr val="phClr">
+              <a:lumMod val="99000"/>
+              <a:satMod val="120000"/>
+              <a:shade val="78000"/>
+            </a:schemeClr>
+          </a:gs>
+        </a:gsLst>
+        <a:lin ang="5400000" scaled="0"/>
+      </a:gradFill>
+    </a:fillStyleLst>
+    <a:lnStyleLst>
+      <a:ln w="6350" cap="flat" cmpd="sng" algn="ctr">
+        <a:solidFill>
+          <a:schemeClr val="phClr"/>
+        </a:solidFill>
+        <a:prstDash val="solid"/>
+        <a:miter lim="800000"/>
+      </a:ln>
+      <a:ln w="12700" cap="flat" cmpd="sng" algn="ctr">
+        <a:solidFill>
+          <a:schemeClr val="phClr"/>
+        </a:solidFill>
+        <a:prstDash val="solid"/>
+        <a:miter lim="800000"/>
+      </a:ln>
+      <a:ln w="19050" cap="flat" cmpd="sng" algn="ctr">
+        <a:solidFill>
+          <a:schemeClr val="phClr"/>
+        </a:solidFill>
+        <a:prstDash val="solid"/>
+        <a:miter lim="800000"/>
+      </a:ln>
+    </a:lnStyleLst>
+    <a:effectStyleLst>
+      <a:effectStyle>
+        <a:effectLst/>
+      </a:effectStyle>
+      <a:effectStyle>
+        <a:effectLst/>
+      </a:effectStyle>
+      <a:effectStyle>
+        <a:effectLst>
+          <a:outerShdw blurRad="57150" dist="19050" dir="5400000" algn="ctr" rotWithShape="0">
+            <a:srgbClr val="000000">
+              <a:alpha val="63000"/>
+            </a:srgbClr>
+          </a:outerShdw>
+        </a:effectLst>
+      </a:effectStyle>
+    </a:effectStyleLst>
+    <a:bgFillStyleLst>
+      <a:solidFill>
+        <a:schemeClr val="phClr"/>
+      </a:solidFill>
+      <a:solidFill>
+        <a:schemeClr val="phClr">
+          <a:tint val="95000"/>
+          <a:satMod val="170000"/>
+        </a:schemeClr>
+      </a:solidFill>
+      <a:gradFill rotWithShape="1">
+        <a:gsLst>
+          <a:gs pos="0">
+            <a:schemeClr val="phClr">
+              <a:tint val="93000"/>
+              <a:satMod val="150000"/>
+              <a:shade val="98000"/>
+              <a:lumMod val="102000"/>
+            </a:schemeClr>
+          </a:gs>
+          <a:gs pos="50000">
+            <a:schemeClr val="phClr">
+              <a:tint val="98000"/>
+              <a:satMod val="130000"/>
+              <a:shade val="90000"/>
+              <a:lumMod val="103000"/>
+            </a:schemeClr>
+          </a:gs>
+          <a:gs pos="100000">
+            <a:schemeClr val="phClr">
+              <a:shade val="63000"/>
+              <a:satMod val="120000"/>
+            </a:schemeClr>
+          </a:gs>
+        </a:gsLst>
+        <a:lin ang="5400000" scaled="0"/>
+      </a:gradFill>
+    </a:bgFillStyleLst>
+  </a:fmtScheme>
+</a:themeOverride>
 </file>
--- a/Projects/Investigate a Relational Database/sql-project-submission-template-1.pptx
+++ b/Projects/Investigate a Relational Database/sql-project-submission-template-1.pptx
@@ -253,6 +253,11 @@
       </a:defRPr>
     </a:lvl9pPr>
   </p:defaultTextStyle>
+  <p:extLst>
+    <p:ext uri="{EFAFB233-063F-42B5-8137-9DF3F51BA10A}">
+      <p15:sldGuideLst xmlns:p15="http://schemas.microsoft.com/office/powerpoint/2012/main"/>
+    </p:ext>
+  </p:extLst>
 </p:presentation>
 </file>
 
@@ -271,6 +276,104 @@
   </mc:AlternateContent>
   <c:chart>
     <c:title>
+      <c:tx>
+        <c:rich>
+          <a:bodyPr rot="0" spcFirstLastPara="1" vertOverflow="ellipsis" vert="horz" wrap="square" anchor="ctr" anchorCtr="1"/>
+          <a:lstStyle/>
+          <a:p>
+            <a:pPr>
+              <a:defRPr sz="1600" b="1" i="0" u="none" strike="noStrike" kern="1200" cap="none" spc="0" normalizeH="0" baseline="0">
+                <a:solidFill>
+                  <a:schemeClr val="dk1">
+                    <a:lumMod val="50000"/>
+                    <a:lumOff val="50000"/>
+                  </a:schemeClr>
+                </a:solidFill>
+                <a:latin typeface="+mj-lt"/>
+                <a:ea typeface="+mj-ea"/>
+                <a:cs typeface="+mj-cs"/>
+              </a:defRPr>
+            </a:pPr>
+            <a:r>
+              <a:rPr lang="pt-PT" dirty="0" smtClean="0"/>
+              <a:t>Total</a:t>
+            </a:r>
+            <a:r>
+              <a:rPr lang="pt-PT" baseline="0" dirty="0" smtClean="0"/>
+              <a:t> </a:t>
+            </a:r>
+            <a:r>
+              <a:rPr lang="pt-PT" baseline="0" dirty="0" err="1" smtClean="0"/>
+              <a:t>of</a:t>
+            </a:r>
+            <a:r>
+              <a:rPr lang="pt-PT" baseline="0" dirty="0" smtClean="0"/>
+              <a:t> </a:t>
+            </a:r>
+            <a:r>
+              <a:rPr lang="pt-PT" baseline="0" dirty="0" err="1" smtClean="0"/>
+              <a:t>Movie</a:t>
+            </a:r>
+            <a:r>
+              <a:rPr lang="pt-PT" baseline="0" dirty="0" smtClean="0"/>
+              <a:t> </a:t>
+            </a:r>
+            <a:r>
+              <a:rPr lang="pt-PT" baseline="0" dirty="0" err="1" smtClean="0"/>
+              <a:t>Rentals</a:t>
+            </a:r>
+            <a:r>
+              <a:rPr lang="pt-PT" baseline="0" dirty="0" smtClean="0"/>
+              <a:t> </a:t>
+            </a:r>
+            <a:r>
+              <a:rPr lang="pt-PT" baseline="0" dirty="0" err="1" smtClean="0"/>
+              <a:t>by</a:t>
+            </a:r>
+            <a:r>
+              <a:rPr lang="pt-PT" baseline="0" dirty="0" smtClean="0"/>
+              <a:t> </a:t>
+            </a:r>
+            <a:r>
+              <a:rPr lang="pt-PT" baseline="0" dirty="0" err="1" smtClean="0"/>
+              <a:t>genre</a:t>
+            </a:r>
+            <a:r>
+              <a:rPr lang="pt-PT" baseline="0" dirty="0" smtClean="0"/>
+              <a:t> </a:t>
+            </a:r>
+            <a:r>
+              <a:rPr lang="pt-PT" baseline="0" dirty="0" err="1" smtClean="0"/>
+              <a:t>and</a:t>
+            </a:r>
+            <a:r>
+              <a:rPr lang="pt-PT" baseline="0" dirty="0" smtClean="0"/>
+              <a:t> </a:t>
+            </a:r>
+            <a:r>
+              <a:rPr lang="pt-PT" baseline="0" dirty="0" err="1" smtClean="0"/>
+              <a:t>their</a:t>
+            </a:r>
+            <a:r>
+              <a:rPr lang="pt-PT" baseline="0" dirty="0" smtClean="0"/>
+              <a:t> </a:t>
+            </a:r>
+            <a:r>
+              <a:rPr lang="pt-PT" baseline="0" dirty="0" err="1" smtClean="0"/>
+              <a:t>rental</a:t>
+            </a:r>
+            <a:r>
+              <a:rPr lang="pt-PT" baseline="0" dirty="0" smtClean="0"/>
+              <a:t> </a:t>
+            </a:r>
+            <a:r>
+              <a:rPr lang="pt-PT" baseline="0" dirty="0" err="1" smtClean="0"/>
+              <a:t>average</a:t>
+            </a:r>
+            <a:endParaRPr lang="pt-PT" dirty="0"/>
+          </a:p>
+        </c:rich>
+      </c:tx>
       <c:layout/>
       <c:overlay val="0"/>
       <c:spPr>
@@ -646,6 +749,71 @@
             <a:effectLst/>
           </c:spPr>
         </c:majorGridlines>
+        <c:title>
+          <c:tx>
+            <c:rich>
+              <a:bodyPr rot="0" spcFirstLastPara="1" vertOverflow="ellipsis" vert="horz" wrap="square" anchor="ctr" anchorCtr="1"/>
+              <a:lstStyle/>
+              <a:p>
+                <a:pPr>
+                  <a:defRPr sz="900" b="1" i="0" u="none" strike="noStrike" kern="1200" baseline="0">
+                    <a:solidFill>
+                      <a:schemeClr val="dk1">
+                        <a:lumMod val="65000"/>
+                        <a:lumOff val="35000"/>
+                      </a:schemeClr>
+                    </a:solidFill>
+                    <a:latin typeface="+mn-lt"/>
+                    <a:ea typeface="+mn-ea"/>
+                    <a:cs typeface="+mn-cs"/>
+                  </a:defRPr>
+                </a:pPr>
+                <a:r>
+                  <a:rPr lang="pt-PT" dirty="0" err="1" smtClean="0"/>
+                  <a:t>Movie</a:t>
+                </a:r>
+                <a:r>
+                  <a:rPr lang="pt-PT" baseline="0" dirty="0" smtClean="0"/>
+                  <a:t> </a:t>
+                </a:r>
+                <a:r>
+                  <a:rPr lang="pt-PT" baseline="0" dirty="0" err="1" smtClean="0"/>
+                  <a:t>Genre</a:t>
+                </a:r>
+                <a:endParaRPr lang="pt-PT" dirty="0"/>
+              </a:p>
+            </c:rich>
+          </c:tx>
+          <c:layout/>
+          <c:overlay val="0"/>
+          <c:spPr>
+            <a:noFill/>
+            <a:ln>
+              <a:noFill/>
+            </a:ln>
+            <a:effectLst/>
+          </c:spPr>
+          <c:txPr>
+            <a:bodyPr rot="0" spcFirstLastPara="1" vertOverflow="ellipsis" vert="horz" wrap="square" anchor="ctr" anchorCtr="1"/>
+            <a:lstStyle/>
+            <a:p>
+              <a:pPr>
+                <a:defRPr sz="900" b="1" i="0" u="none" strike="noStrike" kern="1200" baseline="0">
+                  <a:solidFill>
+                    <a:schemeClr val="dk1">
+                      <a:lumMod val="65000"/>
+                      <a:lumOff val="35000"/>
+                    </a:schemeClr>
+                  </a:solidFill>
+                  <a:latin typeface="+mn-lt"/>
+                  <a:ea typeface="+mn-ea"/>
+                  <a:cs typeface="+mn-cs"/>
+                </a:defRPr>
+              </a:pPr>
+              <a:endParaRPr lang="pt-PT"/>
+            </a:p>
+          </c:txPr>
+        </c:title>
         <c:numFmt formatCode="General" sourceLinked="1"/>
         <c:majorTickMark val="none"/>
         <c:minorTickMark val="none"/>
@@ -711,6 +879,82 @@
             <a:effectLst/>
           </c:spPr>
         </c:majorGridlines>
+        <c:title>
+          <c:tx>
+            <c:rich>
+              <a:bodyPr rot="-5400000" spcFirstLastPara="1" vertOverflow="ellipsis" vert="horz" wrap="square" anchor="ctr" anchorCtr="1"/>
+              <a:lstStyle/>
+              <a:p>
+                <a:pPr>
+                  <a:defRPr sz="900" b="1" i="0" u="none" strike="noStrike" kern="1200" baseline="0">
+                    <a:solidFill>
+                      <a:schemeClr val="dk1">
+                        <a:lumMod val="65000"/>
+                        <a:lumOff val="35000"/>
+                      </a:schemeClr>
+                    </a:solidFill>
+                    <a:latin typeface="+mn-lt"/>
+                    <a:ea typeface="+mn-ea"/>
+                    <a:cs typeface="+mn-cs"/>
+                  </a:defRPr>
+                </a:pPr>
+                <a:r>
+                  <a:rPr lang="pt-PT" dirty="0" smtClean="0"/>
+                  <a:t>Total </a:t>
+                </a:r>
+                <a:r>
+                  <a:rPr lang="pt-PT" dirty="0" err="1" smtClean="0"/>
+                  <a:t>of</a:t>
+                </a:r>
+                <a:r>
+                  <a:rPr lang="pt-PT" dirty="0" smtClean="0"/>
+                  <a:t> </a:t>
+                </a:r>
+                <a:r>
+                  <a:rPr lang="pt-PT" dirty="0" err="1" smtClean="0"/>
+                  <a:t>Rentals</a:t>
+                </a:r>
+                <a:endParaRPr lang="pt-PT" dirty="0"/>
+              </a:p>
+            </c:rich>
+          </c:tx>
+          <c:layout>
+            <c:manualLayout>
+              <c:xMode val="edge"/>
+              <c:yMode val="edge"/>
+              <c:x val="9.2596665693713068E-3"/>
+              <c:y val="0.1872057789507206"/>
+            </c:manualLayout>
+          </c:layout>
+          <c:overlay val="0"/>
+          <c:spPr>
+            <a:noFill/>
+            <a:ln>
+              <a:noFill/>
+            </a:ln>
+            <a:effectLst/>
+          </c:spPr>
+          <c:txPr>
+            <a:bodyPr rot="-5400000" spcFirstLastPara="1" vertOverflow="ellipsis" vert="horz" wrap="square" anchor="ctr" anchorCtr="1"/>
+            <a:lstStyle/>
+            <a:p>
+              <a:pPr>
+                <a:defRPr sz="900" b="1" i="0" u="none" strike="noStrike" kern="1200" baseline="0">
+                  <a:solidFill>
+                    <a:schemeClr val="dk1">
+                      <a:lumMod val="65000"/>
+                      <a:lumOff val="35000"/>
+                    </a:schemeClr>
+                  </a:solidFill>
+                  <a:latin typeface="+mn-lt"/>
+                  <a:ea typeface="+mn-ea"/>
+                  <a:cs typeface="+mn-cs"/>
+                </a:defRPr>
+              </a:pPr>
+              <a:endParaRPr lang="pt-PT"/>
+            </a:p>
+          </c:txPr>
+        </c:title>
         <c:numFmt formatCode="General" sourceLinked="1"/>
         <c:majorTickMark val="none"/>
         <c:minorTickMark val="none"/>
@@ -759,6 +1003,78 @@
         </c:scaling>
         <c:delete val="0"/>
         <c:axPos val="r"/>
+        <c:title>
+          <c:tx>
+            <c:rich>
+              <a:bodyPr rot="-5400000" spcFirstLastPara="1" vertOverflow="ellipsis" vert="horz" wrap="square" anchor="ctr" anchorCtr="1"/>
+              <a:lstStyle/>
+              <a:p>
+                <a:pPr>
+                  <a:defRPr sz="900" b="1" i="0" u="none" strike="noStrike" kern="1200" baseline="0">
+                    <a:solidFill>
+                      <a:schemeClr val="dk1">
+                        <a:lumMod val="65000"/>
+                        <a:lumOff val="35000"/>
+                      </a:schemeClr>
+                    </a:solidFill>
+                    <a:latin typeface="+mn-lt"/>
+                    <a:ea typeface="+mn-ea"/>
+                    <a:cs typeface="+mn-cs"/>
+                  </a:defRPr>
+                </a:pPr>
+                <a:r>
+                  <a:rPr lang="pt-PT" dirty="0" err="1" smtClean="0"/>
+                  <a:t>Average</a:t>
+                </a:r>
+                <a:r>
+                  <a:rPr lang="pt-PT" dirty="0" smtClean="0"/>
+                  <a:t> </a:t>
+                </a:r>
+                <a:r>
+                  <a:rPr lang="pt-PT" dirty="0" err="1" smtClean="0"/>
+                  <a:t>Rentals</a:t>
+                </a:r>
+                <a:endParaRPr lang="pt-PT" dirty="0"/>
+              </a:p>
+            </c:rich>
+          </c:tx>
+          <c:layout>
+            <c:manualLayout>
+              <c:xMode val="edge"/>
+              <c:yMode val="edge"/>
+              <c:x val="0.96860195318205644"/>
+              <c:y val="0.1872057789507206"/>
+            </c:manualLayout>
+          </c:layout>
+          <c:overlay val="0"/>
+          <c:spPr>
+            <a:noFill/>
+            <a:ln>
+              <a:noFill/>
+            </a:ln>
+            <a:effectLst/>
+          </c:spPr>
+          <c:txPr>
+            <a:bodyPr rot="-5400000" spcFirstLastPara="1" vertOverflow="ellipsis" vert="horz" wrap="square" anchor="ctr" anchorCtr="1"/>
+            <a:lstStyle/>
+            <a:p>
+              <a:pPr>
+                <a:defRPr sz="900" b="1" i="0" u="none" strike="noStrike" kern="1200" baseline="0">
+                  <a:solidFill>
+                    <a:schemeClr val="dk1">
+                      <a:lumMod val="65000"/>
+                      <a:lumOff val="35000"/>
+                    </a:schemeClr>
+                  </a:solidFill>
+                  <a:latin typeface="+mn-lt"/>
+                  <a:ea typeface="+mn-ea"/>
+                  <a:cs typeface="+mn-cs"/>
+                </a:defRPr>
+              </a:pPr>
+              <a:endParaRPr lang="pt-PT"/>
+            </a:p>
+          </c:txPr>
+        </c:title>
         <c:numFmt formatCode="General" sourceLinked="1"/>
         <c:majorTickMark val="out"/>
         <c:minorTickMark val="none"/>
@@ -884,6 +1200,901 @@
         </a:schemeClr>
       </a:solidFill>
       <a:round/>
+    </a:ln>
+    <a:effectLst/>
+  </c:spPr>
+  <c:txPr>
+    <a:bodyPr/>
+    <a:lstStyle/>
+    <a:p>
+      <a:pPr>
+        <a:defRPr/>
+      </a:pPr>
+      <a:endParaRPr lang="pt-PT"/>
+    </a:p>
+  </c:txPr>
+  <c:externalData r:id="rId3">
+    <c:autoUpdate val="0"/>
+  </c:externalData>
+</c:chartSpace>
+</file>
+
+<file path=ppt/charts/chart2.xml><?xml version="1.0" encoding="utf-8"?>
+<c:chartSpace xmlns:c="http://schemas.openxmlformats.org/drawingml/2006/chart" xmlns:a="http://schemas.openxmlformats.org/drawingml/2006/main" xmlns:r="http://schemas.openxmlformats.org/officeDocument/2006/relationships" xmlns:c16r2="http://schemas.microsoft.com/office/drawing/2015/06/chart">
+  <c:date1904 val="0"/>
+  <c:lang val="pt-BR"/>
+  <c:roundedCorners val="0"/>
+  <mc:AlternateContent xmlns:mc="http://schemas.openxmlformats.org/markup-compatibility/2006">
+    <mc:Choice xmlns:c14="http://schemas.microsoft.com/office/drawing/2007/8/2/chart" Requires="c14">
+      <c14:style val="102"/>
+    </mc:Choice>
+    <mc:Fallback>
+      <c:style val="2"/>
+    </mc:Fallback>
+  </mc:AlternateContent>
+  <c:chart>
+    <c:title>
+      <c:tx>
+        <c:rich>
+          <a:bodyPr rot="0" spcFirstLastPara="1" vertOverflow="ellipsis" vert="horz" wrap="square" anchor="ctr" anchorCtr="1"/>
+          <a:lstStyle/>
+          <a:p>
+            <a:pPr>
+              <a:defRPr sz="1400" b="0" i="0" u="none" strike="noStrike" kern="1200" spc="0" baseline="0">
+                <a:solidFill>
+                  <a:schemeClr val="tx1">
+                    <a:lumMod val="65000"/>
+                    <a:lumOff val="35000"/>
+                  </a:schemeClr>
+                </a:solidFill>
+                <a:latin typeface="+mn-lt"/>
+                <a:ea typeface="+mn-ea"/>
+                <a:cs typeface="+mn-cs"/>
+              </a:defRPr>
+            </a:pPr>
+            <a:r>
+              <a:rPr lang="pt-PT"/>
+              <a:t>Sakila's Yearly</a:t>
+            </a:r>
+            <a:r>
+              <a:rPr lang="pt-PT" baseline="0"/>
+              <a:t> Sales and Rentals Performance</a:t>
+            </a:r>
+            <a:endParaRPr lang="pt-PT"/>
+          </a:p>
+        </c:rich>
+      </c:tx>
+      <c:layout>
+        <c:manualLayout>
+          <c:xMode val="edge"/>
+          <c:yMode val="edge"/>
+          <c:x val="0.21141666666666667"/>
+          <c:y val="2.7777777777777776E-2"/>
+        </c:manualLayout>
+      </c:layout>
+      <c:overlay val="0"/>
+      <c:spPr>
+        <a:noFill/>
+        <a:ln>
+          <a:noFill/>
+        </a:ln>
+        <a:effectLst/>
+      </c:spPr>
+      <c:txPr>
+        <a:bodyPr rot="0" spcFirstLastPara="1" vertOverflow="ellipsis" vert="horz" wrap="square" anchor="ctr" anchorCtr="1"/>
+        <a:lstStyle/>
+        <a:p>
+          <a:pPr>
+            <a:defRPr sz="1400" b="0" i="0" u="none" strike="noStrike" kern="1200" spc="0" baseline="0">
+              <a:solidFill>
+                <a:schemeClr val="tx1">
+                  <a:lumMod val="65000"/>
+                  <a:lumOff val="35000"/>
+                </a:schemeClr>
+              </a:solidFill>
+              <a:latin typeface="+mn-lt"/>
+              <a:ea typeface="+mn-ea"/>
+              <a:cs typeface="+mn-cs"/>
+            </a:defRPr>
+          </a:pPr>
+          <a:endParaRPr lang="pt-PT"/>
+        </a:p>
+      </c:txPr>
+    </c:title>
+    <c:autoTitleDeleted val="0"/>
+    <c:plotArea>
+      <c:layout/>
+      <c:lineChart>
+        <c:grouping val="standard"/>
+        <c:varyColors val="0"/>
+        <c:ser>
+          <c:idx val="2"/>
+          <c:order val="2"/>
+          <c:tx>
+            <c:strRef>
+              <c:f>'3'!$D$1</c:f>
+              <c:strCache>
+                <c:ptCount val="1"/>
+                <c:pt idx="0">
+                  <c:v>Total Rentals</c:v>
+                </c:pt>
+              </c:strCache>
+            </c:strRef>
+          </c:tx>
+          <c:spPr>
+            <a:ln w="28575" cap="rnd">
+              <a:solidFill>
+                <a:schemeClr val="accent3"/>
+              </a:solidFill>
+              <a:round/>
+            </a:ln>
+            <a:effectLst/>
+          </c:spPr>
+          <c:marker>
+            <c:symbol val="circle"/>
+            <c:size val="5"/>
+            <c:spPr>
+              <a:solidFill>
+                <a:schemeClr val="accent3"/>
+              </a:solidFill>
+              <a:ln w="9525">
+                <a:solidFill>
+                  <a:schemeClr val="accent3"/>
+                </a:solidFill>
+              </a:ln>
+              <a:effectLst/>
+            </c:spPr>
+          </c:marker>
+          <c:cat>
+            <c:strRef>
+              <c:f>'3'!$A$2:$A$9</c:f>
+              <c:strCache>
+                <c:ptCount val="8"/>
+                <c:pt idx="0">
+                  <c:v>June</c:v>
+                </c:pt>
+                <c:pt idx="1">
+                  <c:v>June</c:v>
+                </c:pt>
+                <c:pt idx="2">
+                  <c:v>July</c:v>
+                </c:pt>
+                <c:pt idx="3">
+                  <c:v>July</c:v>
+                </c:pt>
+                <c:pt idx="4">
+                  <c:v>August</c:v>
+                </c:pt>
+                <c:pt idx="5">
+                  <c:v>August</c:v>
+                </c:pt>
+                <c:pt idx="6">
+                  <c:v>January</c:v>
+                </c:pt>
+                <c:pt idx="7">
+                  <c:v>January</c:v>
+                </c:pt>
+              </c:strCache>
+            </c:strRef>
+          </c:cat>
+          <c:val>
+            <c:numRef>
+              <c:f>'3'!$D$2:$D$9</c:f>
+              <c:numCache>
+                <c:formatCode>General</c:formatCode>
+                <c:ptCount val="8"/>
+                <c:pt idx="0">
+                  <c:v>1008</c:v>
+                </c:pt>
+                <c:pt idx="1">
+                  <c:v>1007</c:v>
+                </c:pt>
+                <c:pt idx="2">
+                  <c:v>3346</c:v>
+                </c:pt>
+                <c:pt idx="3">
+                  <c:v>3367</c:v>
+                </c:pt>
+                <c:pt idx="4">
+                  <c:v>2892</c:v>
+                </c:pt>
+                <c:pt idx="5">
+                  <c:v>2794</c:v>
+                </c:pt>
+                <c:pt idx="6">
+                  <c:v>85</c:v>
+                </c:pt>
+                <c:pt idx="7">
+                  <c:v>97</c:v>
+                </c:pt>
+              </c:numCache>
+            </c:numRef>
+          </c:val>
+          <c:smooth val="0"/>
+          <c:extLst>
+            <c:ext xmlns:c16="http://schemas.microsoft.com/office/drawing/2014/chart" uri="{C3380CC4-5D6E-409C-BE32-E72D297353CC}">
+              <c16:uniqueId val="{00000000-1E4B-43DB-AAA7-C6BEFA8489FC}"/>
+            </c:ext>
+          </c:extLst>
+        </c:ser>
+        <c:ser>
+          <c:idx val="3"/>
+          <c:order val="3"/>
+          <c:tx>
+            <c:strRef>
+              <c:f>'3'!$E$1</c:f>
+              <c:strCache>
+                <c:ptCount val="1"/>
+                <c:pt idx="0">
+                  <c:v>Total Amount of Payments</c:v>
+                </c:pt>
+              </c:strCache>
+            </c:strRef>
+          </c:tx>
+          <c:spPr>
+            <a:ln w="28575" cap="rnd">
+              <a:solidFill>
+                <a:schemeClr val="accent4"/>
+              </a:solidFill>
+              <a:round/>
+            </a:ln>
+            <a:effectLst/>
+          </c:spPr>
+          <c:marker>
+            <c:symbol val="circle"/>
+            <c:size val="5"/>
+            <c:spPr>
+              <a:solidFill>
+                <a:schemeClr val="accent4"/>
+              </a:solidFill>
+              <a:ln w="9525">
+                <a:solidFill>
+                  <a:schemeClr val="accent4"/>
+                </a:solidFill>
+              </a:ln>
+              <a:effectLst/>
+            </c:spPr>
+          </c:marker>
+          <c:cat>
+            <c:strRef>
+              <c:f>'3'!$A$2:$A$9</c:f>
+              <c:strCache>
+                <c:ptCount val="8"/>
+                <c:pt idx="0">
+                  <c:v>June</c:v>
+                </c:pt>
+                <c:pt idx="1">
+                  <c:v>June</c:v>
+                </c:pt>
+                <c:pt idx="2">
+                  <c:v>July</c:v>
+                </c:pt>
+                <c:pt idx="3">
+                  <c:v>July</c:v>
+                </c:pt>
+                <c:pt idx="4">
+                  <c:v>August</c:v>
+                </c:pt>
+                <c:pt idx="5">
+                  <c:v>August</c:v>
+                </c:pt>
+                <c:pt idx="6">
+                  <c:v>January</c:v>
+                </c:pt>
+                <c:pt idx="7">
+                  <c:v>January</c:v>
+                </c:pt>
+              </c:strCache>
+            </c:strRef>
+          </c:cat>
+          <c:val>
+            <c:numRef>
+              <c:f>'3'!$E$2:$E$9</c:f>
+              <c:numCache>
+                <c:formatCode>_("$"* #,##0.00_);_("$"* \(#,##0.00\);_("$"* "-"??_);_(@_)</c:formatCode>
+                <c:ptCount val="8"/>
+                <c:pt idx="0">
+                  <c:v>4137.92</c:v>
+                </c:pt>
+                <c:pt idx="1">
+                  <c:v>4211.93</c:v>
+                </c:pt>
+                <c:pt idx="2">
+                  <c:v>14070.54</c:v>
+                </c:pt>
+                <c:pt idx="3">
+                  <c:v>14307.33</c:v>
+                </c:pt>
+                <c:pt idx="4">
+                  <c:v>12072.08</c:v>
+                </c:pt>
+                <c:pt idx="5">
+                  <c:v>11998.06</c:v>
+                </c:pt>
+                <c:pt idx="6">
+                  <c:v>218.17</c:v>
+                </c:pt>
+                <c:pt idx="7">
+                  <c:v>296.01</c:v>
+                </c:pt>
+              </c:numCache>
+            </c:numRef>
+          </c:val>
+          <c:smooth val="0"/>
+          <c:extLst>
+            <c:ext xmlns:c16="http://schemas.microsoft.com/office/drawing/2014/chart" uri="{C3380CC4-5D6E-409C-BE32-E72D297353CC}">
+              <c16:uniqueId val="{00000001-1E4B-43DB-AAA7-C6BEFA8489FC}"/>
+            </c:ext>
+          </c:extLst>
+        </c:ser>
+        <c:dLbls>
+          <c:showLegendKey val="0"/>
+          <c:showVal val="0"/>
+          <c:showCatName val="0"/>
+          <c:showSerName val="0"/>
+          <c:showPercent val="0"/>
+          <c:showBubbleSize val="0"/>
+        </c:dLbls>
+        <c:marker val="1"/>
+        <c:smooth val="0"/>
+        <c:axId val="376626528"/>
+        <c:axId val="376624032"/>
+        <c:extLst>
+          <c:ext xmlns:c15="http://schemas.microsoft.com/office/drawing/2012/chart" uri="{02D57815-91ED-43cb-92C2-25804820EDAC}">
+            <c15:filteredLineSeries>
+              <c15:ser>
+                <c:idx val="0"/>
+                <c:order val="0"/>
+                <c:tx>
+                  <c:strRef>
+                    <c:extLst>
+                      <c:ext uri="{02D57815-91ED-43cb-92C2-25804820EDAC}">
+                        <c15:formulaRef>
+                          <c15:sqref>'3'!$B$1</c15:sqref>
+                        </c15:formulaRef>
+                      </c:ext>
+                    </c:extLst>
+                    <c:strCache>
+                      <c:ptCount val="1"/>
+                      <c:pt idx="0">
+                        <c:v>Year</c:v>
+                      </c:pt>
+                    </c:strCache>
+                  </c:strRef>
+                </c:tx>
+                <c:spPr>
+                  <a:ln w="28575" cap="rnd">
+                    <a:solidFill>
+                      <a:schemeClr val="accent1"/>
+                    </a:solidFill>
+                    <a:round/>
+                  </a:ln>
+                  <a:effectLst/>
+                </c:spPr>
+                <c:marker>
+                  <c:symbol val="circle"/>
+                  <c:size val="5"/>
+                  <c:spPr>
+                    <a:solidFill>
+                      <a:schemeClr val="accent1"/>
+                    </a:solidFill>
+                    <a:ln w="9525">
+                      <a:solidFill>
+                        <a:schemeClr val="accent1"/>
+                      </a:solidFill>
+                    </a:ln>
+                    <a:effectLst/>
+                  </c:spPr>
+                </c:marker>
+                <c:cat>
+                  <c:strRef>
+                    <c:extLst>
+                      <c:ext uri="{02D57815-91ED-43cb-92C2-25804820EDAC}">
+                        <c15:formulaRef>
+                          <c15:sqref>'3'!$A$2:$A$9</c15:sqref>
+                        </c15:formulaRef>
+                      </c:ext>
+                    </c:extLst>
+                    <c:strCache>
+                      <c:ptCount val="8"/>
+                      <c:pt idx="0">
+                        <c:v>June</c:v>
+                      </c:pt>
+                      <c:pt idx="1">
+                        <c:v>June</c:v>
+                      </c:pt>
+                      <c:pt idx="2">
+                        <c:v>July</c:v>
+                      </c:pt>
+                      <c:pt idx="3">
+                        <c:v>July</c:v>
+                      </c:pt>
+                      <c:pt idx="4">
+                        <c:v>August</c:v>
+                      </c:pt>
+                      <c:pt idx="5">
+                        <c:v>August</c:v>
+                      </c:pt>
+                      <c:pt idx="6">
+                        <c:v>January</c:v>
+                      </c:pt>
+                      <c:pt idx="7">
+                        <c:v>January</c:v>
+                      </c:pt>
+                    </c:strCache>
+                  </c:strRef>
+                </c:cat>
+                <c:val>
+                  <c:numRef>
+                    <c:extLst>
+                      <c:ext uri="{02D57815-91ED-43cb-92C2-25804820EDAC}">
+                        <c15:formulaRef>
+                          <c15:sqref>'3'!$B$2:$B$9</c15:sqref>
+                        </c15:formulaRef>
+                      </c:ext>
+                    </c:extLst>
+                    <c:numCache>
+                      <c:formatCode>General</c:formatCode>
+                      <c:ptCount val="8"/>
+                      <c:pt idx="0">
+                        <c:v>2005</c:v>
+                      </c:pt>
+                      <c:pt idx="1">
+                        <c:v>2005</c:v>
+                      </c:pt>
+                      <c:pt idx="2">
+                        <c:v>2005</c:v>
+                      </c:pt>
+                      <c:pt idx="3">
+                        <c:v>2005</c:v>
+                      </c:pt>
+                      <c:pt idx="4">
+                        <c:v>2005</c:v>
+                      </c:pt>
+                      <c:pt idx="5">
+                        <c:v>2005</c:v>
+                      </c:pt>
+                      <c:pt idx="6">
+                        <c:v>2006</c:v>
+                      </c:pt>
+                      <c:pt idx="7">
+                        <c:v>2006</c:v>
+                      </c:pt>
+                    </c:numCache>
+                  </c:numRef>
+                </c:val>
+                <c:smooth val="0"/>
+                <c:extLst>
+                  <c:ext xmlns:c16="http://schemas.microsoft.com/office/drawing/2014/chart" uri="{C3380CC4-5D6E-409C-BE32-E72D297353CC}">
+                    <c16:uniqueId val="{00000002-1E4B-43DB-AAA7-C6BEFA8489FC}"/>
+                  </c:ext>
+                </c:extLst>
+              </c15:ser>
+            </c15:filteredLineSeries>
+            <c15:filteredLineSeries>
+              <c15:ser>
+                <c:idx val="1"/>
+                <c:order val="1"/>
+                <c:tx>
+                  <c:strRef>
+                    <c:extLst xmlns:c15="http://schemas.microsoft.com/office/drawing/2012/chart">
+                      <c:ext xmlns:c15="http://schemas.microsoft.com/office/drawing/2012/chart" uri="{02D57815-91ED-43cb-92C2-25804820EDAC}">
+                        <c15:formulaRef>
+                          <c15:sqref>'3'!$C$1</c15:sqref>
+                        </c15:formulaRef>
+                      </c:ext>
+                    </c:extLst>
+                    <c:strCache>
+                      <c:ptCount val="1"/>
+                      <c:pt idx="0">
+                        <c:v>Store</c:v>
+                      </c:pt>
+                    </c:strCache>
+                  </c:strRef>
+                </c:tx>
+                <c:spPr>
+                  <a:ln w="28575" cap="rnd">
+                    <a:solidFill>
+                      <a:schemeClr val="accent2"/>
+                    </a:solidFill>
+                    <a:round/>
+                  </a:ln>
+                  <a:effectLst/>
+                </c:spPr>
+                <c:marker>
+                  <c:symbol val="circle"/>
+                  <c:size val="5"/>
+                  <c:spPr>
+                    <a:solidFill>
+                      <a:schemeClr val="accent2"/>
+                    </a:solidFill>
+                    <a:ln w="9525">
+                      <a:solidFill>
+                        <a:schemeClr val="accent2"/>
+                      </a:solidFill>
+                    </a:ln>
+                    <a:effectLst/>
+                  </c:spPr>
+                </c:marker>
+                <c:cat>
+                  <c:strRef>
+                    <c:extLst xmlns:c15="http://schemas.microsoft.com/office/drawing/2012/chart">
+                      <c:ext xmlns:c15="http://schemas.microsoft.com/office/drawing/2012/chart" uri="{02D57815-91ED-43cb-92C2-25804820EDAC}">
+                        <c15:formulaRef>
+                          <c15:sqref>'3'!$A$2:$A$9</c15:sqref>
+                        </c15:formulaRef>
+                      </c:ext>
+                    </c:extLst>
+                    <c:strCache>
+                      <c:ptCount val="8"/>
+                      <c:pt idx="0">
+                        <c:v>June</c:v>
+                      </c:pt>
+                      <c:pt idx="1">
+                        <c:v>June</c:v>
+                      </c:pt>
+                      <c:pt idx="2">
+                        <c:v>July</c:v>
+                      </c:pt>
+                      <c:pt idx="3">
+                        <c:v>July</c:v>
+                      </c:pt>
+                      <c:pt idx="4">
+                        <c:v>August</c:v>
+                      </c:pt>
+                      <c:pt idx="5">
+                        <c:v>August</c:v>
+                      </c:pt>
+                      <c:pt idx="6">
+                        <c:v>January</c:v>
+                      </c:pt>
+                      <c:pt idx="7">
+                        <c:v>January</c:v>
+                      </c:pt>
+                    </c:strCache>
+                  </c:strRef>
+                </c:cat>
+                <c:val>
+                  <c:numRef>
+                    <c:extLst xmlns:c15="http://schemas.microsoft.com/office/drawing/2012/chart">
+                      <c:ext xmlns:c15="http://schemas.microsoft.com/office/drawing/2012/chart" uri="{02D57815-91ED-43cb-92C2-25804820EDAC}">
+                        <c15:formulaRef>
+                          <c15:sqref>'3'!$C$2:$C$9</c15:sqref>
+                        </c15:formulaRef>
+                      </c:ext>
+                    </c:extLst>
+                    <c:numCache>
+                      <c:formatCode>General</c:formatCode>
+                      <c:ptCount val="8"/>
+                      <c:pt idx="0">
+                        <c:v>0</c:v>
+                      </c:pt>
+                      <c:pt idx="1">
+                        <c:v>0</c:v>
+                      </c:pt>
+                      <c:pt idx="2">
+                        <c:v>0</c:v>
+                      </c:pt>
+                      <c:pt idx="3">
+                        <c:v>0</c:v>
+                      </c:pt>
+                      <c:pt idx="4">
+                        <c:v>0</c:v>
+                      </c:pt>
+                      <c:pt idx="5">
+                        <c:v>0</c:v>
+                      </c:pt>
+                      <c:pt idx="6">
+                        <c:v>0</c:v>
+                      </c:pt>
+                      <c:pt idx="7">
+                        <c:v>0</c:v>
+                      </c:pt>
+                    </c:numCache>
+                  </c:numRef>
+                </c:val>
+                <c:smooth val="0"/>
+                <c:extLst>
+                  <c:ext xmlns:c16="http://schemas.microsoft.com/office/drawing/2014/chart" uri="{C3380CC4-5D6E-409C-BE32-E72D297353CC}">
+                    <c16:uniqueId val="{00000003-1E4B-43DB-AAA7-C6BEFA8489FC}"/>
+                  </c:ext>
+                </c:extLst>
+              </c15:ser>
+            </c15:filteredLineSeries>
+          </c:ext>
+        </c:extLst>
+      </c:lineChart>
+      <c:catAx>
+        <c:axId val="376626528"/>
+        <c:scaling>
+          <c:orientation val="minMax"/>
+        </c:scaling>
+        <c:delete val="0"/>
+        <c:axPos val="b"/>
+        <c:title>
+          <c:tx>
+            <c:rich>
+              <a:bodyPr rot="0" spcFirstLastPara="1" vertOverflow="ellipsis" vert="horz" wrap="square" anchor="ctr" anchorCtr="1"/>
+              <a:lstStyle/>
+              <a:p>
+                <a:pPr>
+                  <a:defRPr sz="1000" b="1" i="0" u="none" strike="noStrike" kern="1200" baseline="0">
+                    <a:solidFill>
+                      <a:schemeClr val="tx1">
+                        <a:lumMod val="65000"/>
+                        <a:lumOff val="35000"/>
+                      </a:schemeClr>
+                    </a:solidFill>
+                    <a:latin typeface="+mn-lt"/>
+                    <a:ea typeface="+mn-ea"/>
+                    <a:cs typeface="+mn-cs"/>
+                  </a:defRPr>
+                </a:pPr>
+                <a:r>
+                  <a:rPr lang="pt-PT" b="1"/>
+                  <a:t>Period</a:t>
+                </a:r>
+                <a:r>
+                  <a:rPr lang="pt-PT" b="1" baseline="0"/>
+                  <a:t> of Month (from 2005 - 2006)</a:t>
+                </a:r>
+                <a:endParaRPr lang="pt-PT" b="1"/>
+              </a:p>
+            </c:rich>
+          </c:tx>
+          <c:layout>
+            <c:manualLayout>
+              <c:xMode val="edge"/>
+              <c:yMode val="edge"/>
+              <c:x val="0.35620013123359573"/>
+              <c:y val="0.79592519685039353"/>
+            </c:manualLayout>
+          </c:layout>
+          <c:overlay val="0"/>
+          <c:spPr>
+            <a:noFill/>
+            <a:ln>
+              <a:noFill/>
+            </a:ln>
+            <a:effectLst/>
+          </c:spPr>
+          <c:txPr>
+            <a:bodyPr rot="0" spcFirstLastPara="1" vertOverflow="ellipsis" vert="horz" wrap="square" anchor="ctr" anchorCtr="1"/>
+            <a:lstStyle/>
+            <a:p>
+              <a:pPr>
+                <a:defRPr sz="1000" b="1" i="0" u="none" strike="noStrike" kern="1200" baseline="0">
+                  <a:solidFill>
+                    <a:schemeClr val="tx1">
+                      <a:lumMod val="65000"/>
+                      <a:lumOff val="35000"/>
+                    </a:schemeClr>
+                  </a:solidFill>
+                  <a:latin typeface="+mn-lt"/>
+                  <a:ea typeface="+mn-ea"/>
+                  <a:cs typeface="+mn-cs"/>
+                </a:defRPr>
+              </a:pPr>
+              <a:endParaRPr lang="pt-PT"/>
+            </a:p>
+          </c:txPr>
+        </c:title>
+        <c:numFmt formatCode="General" sourceLinked="1"/>
+        <c:majorTickMark val="none"/>
+        <c:minorTickMark val="none"/>
+        <c:tickLblPos val="nextTo"/>
+        <c:spPr>
+          <a:noFill/>
+          <a:ln w="9525" cap="flat" cmpd="sng" algn="ctr">
+            <a:solidFill>
+              <a:schemeClr val="tx1">
+                <a:lumMod val="15000"/>
+                <a:lumOff val="85000"/>
+              </a:schemeClr>
+            </a:solidFill>
+            <a:round/>
+          </a:ln>
+          <a:effectLst/>
+        </c:spPr>
+        <c:txPr>
+          <a:bodyPr rot="-60000000" spcFirstLastPara="1" vertOverflow="ellipsis" vert="horz" wrap="square" anchor="ctr" anchorCtr="1"/>
+          <a:lstStyle/>
+          <a:p>
+            <a:pPr>
+              <a:defRPr sz="900" b="0" i="0" u="none" strike="noStrike" kern="1200" baseline="0">
+                <a:solidFill>
+                  <a:schemeClr val="tx1">
+                    <a:lumMod val="65000"/>
+                    <a:lumOff val="35000"/>
+                  </a:schemeClr>
+                </a:solidFill>
+                <a:latin typeface="+mn-lt"/>
+                <a:ea typeface="+mn-ea"/>
+                <a:cs typeface="+mn-cs"/>
+              </a:defRPr>
+            </a:pPr>
+            <a:endParaRPr lang="pt-PT"/>
+          </a:p>
+        </c:txPr>
+        <c:crossAx val="376624032"/>
+        <c:crosses val="autoZero"/>
+        <c:auto val="1"/>
+        <c:lblAlgn val="ctr"/>
+        <c:lblOffset val="100"/>
+        <c:noMultiLvlLbl val="0"/>
+      </c:catAx>
+      <c:valAx>
+        <c:axId val="376624032"/>
+        <c:scaling>
+          <c:orientation val="minMax"/>
+        </c:scaling>
+        <c:delete val="0"/>
+        <c:axPos val="l"/>
+        <c:majorGridlines>
+          <c:spPr>
+            <a:ln w="9525" cap="flat" cmpd="sng" algn="ctr">
+              <a:solidFill>
+                <a:schemeClr val="tx1">
+                  <a:lumMod val="15000"/>
+                  <a:lumOff val="85000"/>
+                </a:schemeClr>
+              </a:solidFill>
+              <a:round/>
+            </a:ln>
+            <a:effectLst/>
+          </c:spPr>
+        </c:majorGridlines>
+        <c:title>
+          <c:tx>
+            <c:rich>
+              <a:bodyPr rot="-5400000" spcFirstLastPara="1" vertOverflow="ellipsis" vert="horz" wrap="square" anchor="ctr" anchorCtr="1"/>
+              <a:lstStyle/>
+              <a:p>
+                <a:pPr>
+                  <a:defRPr sz="1000" b="0" i="0" u="none" strike="noStrike" kern="1200" baseline="0">
+                    <a:solidFill>
+                      <a:schemeClr val="tx1">
+                        <a:lumMod val="65000"/>
+                        <a:lumOff val="35000"/>
+                      </a:schemeClr>
+                    </a:solidFill>
+                    <a:latin typeface="+mn-lt"/>
+                    <a:ea typeface="+mn-ea"/>
+                    <a:cs typeface="+mn-cs"/>
+                  </a:defRPr>
+                </a:pPr>
+                <a:r>
+                  <a:rPr lang="pt-PT" b="1"/>
+                  <a:t>Total of Rentals and</a:t>
+                </a:r>
+                <a:r>
+                  <a:rPr lang="pt-PT" b="1" baseline="0"/>
+                  <a:t> Payment Amount ($$$)</a:t>
+                </a:r>
+                <a:endParaRPr lang="pt-PT" b="1"/>
+              </a:p>
+            </c:rich>
+          </c:tx>
+          <c:layout>
+            <c:manualLayout>
+              <c:xMode val="edge"/>
+              <c:yMode val="edge"/>
+              <c:x val="1.9444444444444445E-2"/>
+              <c:y val="4.6712962962962963E-2"/>
+            </c:manualLayout>
+          </c:layout>
+          <c:overlay val="0"/>
+          <c:spPr>
+            <a:noFill/>
+            <a:ln>
+              <a:noFill/>
+            </a:ln>
+            <a:effectLst/>
+          </c:spPr>
+          <c:txPr>
+            <a:bodyPr rot="-5400000" spcFirstLastPara="1" vertOverflow="ellipsis" vert="horz" wrap="square" anchor="ctr" anchorCtr="1"/>
+            <a:lstStyle/>
+            <a:p>
+              <a:pPr>
+                <a:defRPr sz="1000" b="0" i="0" u="none" strike="noStrike" kern="1200" baseline="0">
+                  <a:solidFill>
+                    <a:schemeClr val="tx1">
+                      <a:lumMod val="65000"/>
+                      <a:lumOff val="35000"/>
+                    </a:schemeClr>
+                  </a:solidFill>
+                  <a:latin typeface="+mn-lt"/>
+                  <a:ea typeface="+mn-ea"/>
+                  <a:cs typeface="+mn-cs"/>
+                </a:defRPr>
+              </a:pPr>
+              <a:endParaRPr lang="pt-PT"/>
+            </a:p>
+          </c:txPr>
+        </c:title>
+        <c:numFmt formatCode="General" sourceLinked="1"/>
+        <c:majorTickMark val="none"/>
+        <c:minorTickMark val="none"/>
+        <c:tickLblPos val="nextTo"/>
+        <c:spPr>
+          <a:noFill/>
+          <a:ln>
+            <a:noFill/>
+          </a:ln>
+          <a:effectLst/>
+        </c:spPr>
+        <c:txPr>
+          <a:bodyPr rot="-60000000" spcFirstLastPara="1" vertOverflow="ellipsis" vert="horz" wrap="square" anchor="ctr" anchorCtr="1"/>
+          <a:lstStyle/>
+          <a:p>
+            <a:pPr>
+              <a:defRPr sz="900" b="0" i="0" u="none" strike="noStrike" kern="1200" baseline="0">
+                <a:solidFill>
+                  <a:schemeClr val="tx1">
+                    <a:lumMod val="65000"/>
+                    <a:lumOff val="35000"/>
+                  </a:schemeClr>
+                </a:solidFill>
+                <a:latin typeface="+mn-lt"/>
+                <a:ea typeface="+mn-ea"/>
+                <a:cs typeface="+mn-cs"/>
+              </a:defRPr>
+            </a:pPr>
+            <a:endParaRPr lang="pt-PT"/>
+          </a:p>
+        </c:txPr>
+        <c:crossAx val="376626528"/>
+        <c:crosses val="autoZero"/>
+        <c:crossBetween val="between"/>
+      </c:valAx>
+      <c:spPr>
+        <a:noFill/>
+        <a:ln>
+          <a:noFill/>
+        </a:ln>
+        <a:effectLst/>
+      </c:spPr>
+    </c:plotArea>
+    <c:legend>
+      <c:legendPos val="b"/>
+      <c:layout/>
+      <c:overlay val="0"/>
+      <c:spPr>
+        <a:noFill/>
+        <a:ln>
+          <a:noFill/>
+        </a:ln>
+        <a:effectLst/>
+      </c:spPr>
+      <c:txPr>
+        <a:bodyPr rot="0" spcFirstLastPara="1" vertOverflow="ellipsis" vert="horz" wrap="square" anchor="ctr" anchorCtr="1"/>
+        <a:lstStyle/>
+        <a:p>
+          <a:pPr>
+            <a:defRPr sz="900" b="0" i="0" u="none" strike="noStrike" kern="1200" baseline="0">
+              <a:solidFill>
+                <a:schemeClr val="tx1">
+                  <a:lumMod val="65000"/>
+                  <a:lumOff val="35000"/>
+                </a:schemeClr>
+              </a:solidFill>
+              <a:latin typeface="+mn-lt"/>
+              <a:ea typeface="+mn-ea"/>
+              <a:cs typeface="+mn-cs"/>
+            </a:defRPr>
+          </a:pPr>
+          <a:endParaRPr lang="pt-PT"/>
+        </a:p>
+      </c:txPr>
+    </c:legend>
+    <c:plotVisOnly val="1"/>
+    <c:dispBlanksAs val="gap"/>
+    <c:showDLblsOverMax val="0"/>
+  </c:chart>
+  <c:spPr>
+    <a:noFill/>
+    <a:ln>
+      <a:noFill/>
     </a:ln>
     <a:effectLst/>
   </c:spPr>
@@ -1029,6 +2240,104 @@
     </cx:data>
   </cx:chartData>
   <cx:chart>
+    <cx:title pos="t" align="ctr" overlay="0">
+      <cx:tx>
+        <cx:rich>
+          <a:bodyPr rot="0" spcFirstLastPara="1" vertOverflow="ellipsis" vert="horz" wrap="square" lIns="0" tIns="0" rIns="0" bIns="0" anchor="ctr" anchorCtr="1"/>
+          <a:lstStyle/>
+          <a:p>
+            <a:pPr algn="ctr">
+              <a:defRPr/>
+            </a:pPr>
+            <a:r>
+              <a:rPr lang="pt-PT" dirty="0" err="1" smtClean="0"/>
+              <a:t>Number</a:t>
+            </a:r>
+            <a:r>
+              <a:rPr lang="pt-PT" dirty="0" smtClean="0"/>
+              <a:t> </a:t>
+            </a:r>
+            <a:r>
+              <a:rPr lang="pt-PT" dirty="0" err="1" smtClean="0"/>
+              <a:t>of</a:t>
+            </a:r>
+            <a:r>
+              <a:rPr lang="pt-PT" dirty="0" smtClean="0"/>
+              <a:t> </a:t>
+            </a:r>
+            <a:r>
+              <a:rPr lang="pt-PT" dirty="0" err="1" smtClean="0"/>
+              <a:t>Family-friendly</a:t>
+            </a:r>
+            <a:r>
+              <a:rPr lang="pt-PT" dirty="0" smtClean="0"/>
+              <a:t> </a:t>
+            </a:r>
+            <a:r>
+              <a:rPr lang="pt-PT" dirty="0" err="1" smtClean="0"/>
+              <a:t>Films</a:t>
+            </a:r>
+            <a:r>
+              <a:rPr lang="pt-PT" dirty="0" smtClean="0"/>
+              <a:t> </a:t>
+            </a:r>
+            <a:r>
+              <a:rPr lang="pt-PT" dirty="0" err="1" smtClean="0"/>
+              <a:t>Distribuition</a:t>
+            </a:r>
+            <a:r>
+              <a:rPr lang="pt-PT" dirty="0" smtClean="0"/>
+              <a:t> </a:t>
+            </a:r>
+            <a:r>
+              <a:rPr lang="pt-PT" dirty="0" err="1" smtClean="0"/>
+              <a:t>by</a:t>
+            </a:r>
+            <a:r>
+              <a:rPr lang="pt-PT" dirty="0" smtClean="0"/>
+              <a:t> </a:t>
+            </a:r>
+            <a:r>
+              <a:rPr lang="pt-PT" dirty="0" err="1" smtClean="0"/>
+              <a:t>Category</a:t>
+            </a:r>
+            <a:r>
+              <a:rPr lang="pt-PT" dirty="0" smtClean="0"/>
+              <a:t> </a:t>
+            </a:r>
+            <a:r>
+              <a:rPr lang="pt-PT" dirty="0" err="1" smtClean="0"/>
+              <a:t>and</a:t>
+            </a:r>
+            <a:r>
+              <a:rPr lang="pt-PT" dirty="0" smtClean="0"/>
+              <a:t> </a:t>
+            </a:r>
+            <a:r>
+              <a:rPr lang="pt-PT" dirty="0" err="1" smtClean="0"/>
+              <a:t>Rental</a:t>
+            </a:r>
+            <a:r>
+              <a:rPr lang="pt-PT" dirty="0" smtClean="0"/>
+              <a:t> </a:t>
+            </a:r>
+            <a:r>
+              <a:rPr lang="pt-PT" dirty="0" err="1" smtClean="0"/>
+              <a:t>Length</a:t>
+            </a:r>
+            <a:r>
+              <a:rPr lang="pt-PT" dirty="0" smtClean="0"/>
+              <a:t> </a:t>
+            </a:r>
+            <a:r>
+              <a:rPr lang="pt-PT" dirty="0" err="1" smtClean="0"/>
+              <a:t>Duration</a:t>
+            </a:r>
+            <a:endParaRPr lang="pt-PT" dirty="0"/>
+          </a:p>
+        </cx:rich>
+      </cx:tx>
+    </cx:title>
     <cx:plotArea>
       <cx:plotAreaRegion>
         <cx:series layoutId="boxWhisker" uniqueId="{02467C11-49CC-4A1E-8ABF-CA1B237D5837}">
@@ -1060,10 +2369,70 @@
       </cx:plotAreaRegion>
       <cx:axis id="0">
         <cx:catScaling gapWidth="1"/>
+        <cx:title>
+          <cx:tx>
+            <cx:rich>
+              <a:bodyPr spcFirstLastPara="1" vertOverflow="ellipsis" wrap="square" lIns="0" tIns="0" rIns="0" bIns="0" anchor="ctr" anchorCtr="1"/>
+              <a:lstStyle/>
+              <a:p>
+                <a:pPr algn="ctr">
+                  <a:defRPr/>
+                </a:pPr>
+                <a:r>
+                  <a:rPr lang="pt-PT" b="1" dirty="0" err="1" smtClean="0"/>
+                  <a:t>Film</a:t>
+                </a:r>
+                <a:r>
+                  <a:rPr lang="pt-PT" b="1" dirty="0" smtClean="0"/>
+                  <a:t> </a:t>
+                </a:r>
+                <a:r>
+                  <a:rPr lang="pt-PT" b="1" dirty="0" err="1" smtClean="0"/>
+                  <a:t>Genres</a:t>
+                </a:r>
+                <a:endParaRPr lang="pt-PT" b="1" dirty="0"/>
+              </a:p>
+            </cx:rich>
+          </cx:tx>
+        </cx:title>
         <cx:tickLabels/>
       </cx:axis>
       <cx:axis id="1">
         <cx:valScaling/>
+        <cx:title>
+          <cx:tx>
+            <cx:rich>
+              <a:bodyPr spcFirstLastPara="1" vertOverflow="ellipsis" wrap="square" lIns="0" tIns="0" rIns="0" bIns="0" anchor="ctr" anchorCtr="1"/>
+              <a:lstStyle/>
+              <a:p>
+                <a:pPr algn="ctr">
+                  <a:defRPr/>
+                </a:pPr>
+                <a:r>
+                  <a:rPr lang="pt-PT" b="1" dirty="0" err="1" smtClean="0"/>
+                  <a:t>Number</a:t>
+                </a:r>
+                <a:r>
+                  <a:rPr lang="pt-PT" b="1" dirty="0" smtClean="0"/>
+                  <a:t> </a:t>
+                </a:r>
+                <a:r>
+                  <a:rPr lang="pt-PT" b="1" dirty="0" err="1" smtClean="0"/>
+                  <a:t>of</a:t>
+                </a:r>
+                <a:r>
+                  <a:rPr lang="pt-PT" b="1" dirty="0" smtClean="0"/>
+                  <a:t> </a:t>
+                </a:r>
+                <a:r>
+                  <a:rPr lang="pt-PT" b="1" dirty="0" err="1" smtClean="0"/>
+                  <a:t>Films</a:t>
+                </a:r>
+                <a:endParaRPr lang="pt-PT" b="1" dirty="0" smtClean="0"/>
+              </a:p>
+            </cx:rich>
+          </cx:tx>
+        </cx:title>
         <cx:majorGridlines/>
         <cx:tickLabels/>
       </cx:axis>
@@ -1115,6 +2484,46 @@
 </file>
 
 <file path=ppt/charts/colors2.xml><?xml version="1.0" encoding="utf-8"?>
+<cs:colorStyle xmlns:cs="http://schemas.microsoft.com/office/drawing/2012/chartStyle" xmlns:a="http://schemas.openxmlformats.org/drawingml/2006/main" meth="cycle" id="10">
+  <a:schemeClr val="accent1"/>
+  <a:schemeClr val="accent2"/>
+  <a:schemeClr val="accent3"/>
+  <a:schemeClr val="accent4"/>
+  <a:schemeClr val="accent5"/>
+  <a:schemeClr val="accent6"/>
+  <cs:variation/>
+  <cs:variation>
+    <a:lumMod val="60000"/>
+  </cs:variation>
+  <cs:variation>
+    <a:lumMod val="80000"/>
+    <a:lumOff val="20000"/>
+  </cs:variation>
+  <cs:variation>
+    <a:lumMod val="80000"/>
+  </cs:variation>
+  <cs:variation>
+    <a:lumMod val="60000"/>
+    <a:lumOff val="40000"/>
+  </cs:variation>
+  <cs:variation>
+    <a:lumMod val="50000"/>
+  </cs:variation>
+  <cs:variation>
+    <a:lumMod val="70000"/>
+    <a:lumOff val="30000"/>
+  </cs:variation>
+  <cs:variation>
+    <a:lumMod val="70000"/>
+  </cs:variation>
+  <cs:variation>
+    <a:lumMod val="50000"/>
+    <a:lumOff val="50000"/>
+  </cs:variation>
+</cs:colorStyle>
+</file>
+
+<file path=ppt/charts/colors3.xml><?xml version="1.0" encoding="utf-8"?>
 <cs:colorStyle xmlns:cs="http://schemas.microsoft.com/office/drawing/2012/chartStyle" xmlns:a="http://schemas.openxmlformats.org/drawingml/2006/main" meth="cycle" id="10">
   <a:schemeClr val="accent1"/>
   <a:schemeClr val="accent2"/>
@@ -1726,6 +3135,522 @@
 </file>
 
 <file path=ppt/charts/style2.xml><?xml version="1.0" encoding="utf-8"?>
+<cs:chartStyle xmlns:cs="http://schemas.microsoft.com/office/drawing/2012/chartStyle" xmlns:a="http://schemas.openxmlformats.org/drawingml/2006/main" id="227">
+  <cs:axisTitle>
+    <cs:lnRef idx="0"/>
+    <cs:fillRef idx="0"/>
+    <cs:effectRef idx="0"/>
+    <cs:fontRef idx="minor">
+      <a:schemeClr val="tx1">
+        <a:lumMod val="65000"/>
+        <a:lumOff val="35000"/>
+      </a:schemeClr>
+    </cs:fontRef>
+    <cs:defRPr sz="1000" kern="1200"/>
+  </cs:axisTitle>
+  <cs:categoryAxis>
+    <cs:lnRef idx="0"/>
+    <cs:fillRef idx="0"/>
+    <cs:effectRef idx="0"/>
+    <cs:fontRef idx="minor">
+      <a:schemeClr val="tx1">
+        <a:lumMod val="65000"/>
+        <a:lumOff val="35000"/>
+      </a:schemeClr>
+    </cs:fontRef>
+    <cs:spPr>
+      <a:ln w="9525" cap="flat" cmpd="sng" algn="ctr">
+        <a:solidFill>
+          <a:schemeClr val="tx1">
+            <a:lumMod val="15000"/>
+            <a:lumOff val="85000"/>
+          </a:schemeClr>
+        </a:solidFill>
+        <a:round/>
+      </a:ln>
+    </cs:spPr>
+    <cs:defRPr sz="900" kern="1200"/>
+  </cs:categoryAxis>
+  <cs:chartArea mods="allowNoFillOverride allowNoLineOverride">
+    <cs:lnRef idx="0"/>
+    <cs:fillRef idx="0"/>
+    <cs:effectRef idx="0"/>
+    <cs:fontRef idx="minor">
+      <a:schemeClr val="tx1"/>
+    </cs:fontRef>
+    <cs:spPr>
+      <a:solidFill>
+        <a:schemeClr val="bg1"/>
+      </a:solidFill>
+      <a:ln w="9525" cap="flat" cmpd="sng" algn="ctr">
+        <a:solidFill>
+          <a:schemeClr val="tx1">
+            <a:lumMod val="15000"/>
+            <a:lumOff val="85000"/>
+          </a:schemeClr>
+        </a:solidFill>
+        <a:round/>
+      </a:ln>
+    </cs:spPr>
+    <cs:defRPr sz="1000" kern="1200"/>
+  </cs:chartArea>
+  <cs:dataLabel>
+    <cs:lnRef idx="0"/>
+    <cs:fillRef idx="0"/>
+    <cs:effectRef idx="0"/>
+    <cs:fontRef idx="minor">
+      <a:schemeClr val="tx1">
+        <a:lumMod val="75000"/>
+        <a:lumOff val="25000"/>
+      </a:schemeClr>
+    </cs:fontRef>
+    <cs:defRPr sz="900" kern="1200"/>
+  </cs:dataLabel>
+  <cs:dataLabelCallout>
+    <cs:lnRef idx="0"/>
+    <cs:fillRef idx="0"/>
+    <cs:effectRef idx="0"/>
+    <cs:fontRef idx="minor">
+      <a:schemeClr val="dk1">
+        <a:lumMod val="65000"/>
+        <a:lumOff val="35000"/>
+      </a:schemeClr>
+    </cs:fontRef>
+    <cs:spPr>
+      <a:solidFill>
+        <a:schemeClr val="lt1"/>
+      </a:solidFill>
+      <a:ln>
+        <a:solidFill>
+          <a:schemeClr val="dk1">
+            <a:lumMod val="25000"/>
+            <a:lumOff val="75000"/>
+          </a:schemeClr>
+        </a:solidFill>
+      </a:ln>
+    </cs:spPr>
+    <cs:defRPr sz="900" kern="1200"/>
+    <cs:bodyPr rot="0" spcFirstLastPara="1" vertOverflow="clip" horzOverflow="clip" vert="horz" wrap="square" lIns="36576" tIns="18288" rIns="36576" bIns="18288" anchor="ctr" anchorCtr="1">
+      <a:spAutoFit/>
+    </cs:bodyPr>
+  </cs:dataLabelCallout>
+  <cs:dataPoint>
+    <cs:lnRef idx="0"/>
+    <cs:fillRef idx="1">
+      <cs:styleClr val="auto"/>
+    </cs:fillRef>
+    <cs:effectRef idx="0"/>
+    <cs:fontRef idx="minor">
+      <a:schemeClr val="tx1"/>
+    </cs:fontRef>
+    <cs:spPr>
+      <a:solidFill>
+        <a:schemeClr val="phClr"/>
+      </a:solidFill>
+    </cs:spPr>
+  </cs:dataPoint>
+  <cs:dataPoint3D>
+    <cs:lnRef idx="0"/>
+    <cs:fillRef idx="1">
+      <cs:styleClr val="auto"/>
+    </cs:fillRef>
+    <cs:effectRef idx="0"/>
+    <cs:fontRef idx="minor">
+      <a:schemeClr val="tx1"/>
+    </cs:fontRef>
+    <cs:spPr>
+      <a:solidFill>
+        <a:schemeClr val="phClr"/>
+      </a:solidFill>
+    </cs:spPr>
+  </cs:dataPoint3D>
+  <cs:dataPointLine>
+    <cs:lnRef idx="0">
+      <cs:styleClr val="auto"/>
+    </cs:lnRef>
+    <cs:fillRef idx="1"/>
+    <cs:effectRef idx="0"/>
+    <cs:fontRef idx="minor">
+      <a:schemeClr val="tx1"/>
+    </cs:fontRef>
+    <cs:spPr>
+      <a:ln w="28575" cap="rnd">
+        <a:solidFill>
+          <a:schemeClr val="phClr"/>
+        </a:solidFill>
+        <a:round/>
+      </a:ln>
+    </cs:spPr>
+  </cs:dataPointLine>
+  <cs:dataPointMarker>
+    <cs:lnRef idx="0">
+      <cs:styleClr val="auto"/>
+    </cs:lnRef>
+    <cs:fillRef idx="1">
+      <cs:styleClr val="auto"/>
+    </cs:fillRef>
+    <cs:effectRef idx="0"/>
+    <cs:fontRef idx="minor">
+      <a:schemeClr val="tx1"/>
+    </cs:fontRef>
+    <cs:spPr>
+      <a:solidFill>
+        <a:schemeClr val="phClr"/>
+      </a:solidFill>
+      <a:ln w="9525">
+        <a:solidFill>
+          <a:schemeClr val="phClr"/>
+        </a:solidFill>
+      </a:ln>
+    </cs:spPr>
+  </cs:dataPointMarker>
+  <cs:dataPointMarkerLayout symbol="circle" size="5"/>
+  <cs:dataPointWireframe>
+    <cs:lnRef idx="0">
+      <cs:styleClr val="auto"/>
+    </cs:lnRef>
+    <cs:fillRef idx="1"/>
+    <cs:effectRef idx="0"/>
+    <cs:fontRef idx="minor">
+      <a:schemeClr val="tx1"/>
+    </cs:fontRef>
+    <cs:spPr>
+      <a:ln w="9525" cap="rnd">
+        <a:solidFill>
+          <a:schemeClr val="phClr"/>
+        </a:solidFill>
+        <a:round/>
+      </a:ln>
+    </cs:spPr>
+  </cs:dataPointWireframe>
+  <cs:dataTable>
+    <cs:lnRef idx="0"/>
+    <cs:fillRef idx="0"/>
+    <cs:effectRef idx="0"/>
+    <cs:fontRef idx="minor">
+      <a:schemeClr val="tx1">
+        <a:lumMod val="65000"/>
+        <a:lumOff val="35000"/>
+      </a:schemeClr>
+    </cs:fontRef>
+    <cs:spPr>
+      <a:noFill/>
+      <a:ln w="9525" cap="flat" cmpd="sng" algn="ctr">
+        <a:solidFill>
+          <a:schemeClr val="tx1">
+            <a:lumMod val="15000"/>
+            <a:lumOff val="85000"/>
+          </a:schemeClr>
+        </a:solidFill>
+        <a:round/>
+      </a:ln>
+    </cs:spPr>
+    <cs:defRPr sz="900" kern="1200"/>
+  </cs:dataTable>
+  <cs:downBar>
+    <cs:lnRef idx="0"/>
+    <cs:fillRef idx="0"/>
+    <cs:effectRef idx="0"/>
+    <cs:fontRef idx="minor">
+      <a:schemeClr val="dk1"/>
+    </cs:fontRef>
+    <cs:spPr>
+      <a:solidFill>
+        <a:schemeClr val="dk1">
+          <a:lumMod val="65000"/>
+          <a:lumOff val="35000"/>
+        </a:schemeClr>
+      </a:solidFill>
+      <a:ln w="9525">
+        <a:solidFill>
+          <a:schemeClr val="tx1">
+            <a:lumMod val="65000"/>
+            <a:lumOff val="35000"/>
+          </a:schemeClr>
+        </a:solidFill>
+      </a:ln>
+    </cs:spPr>
+  </cs:downBar>
+  <cs:dropLine>
+    <cs:lnRef idx="0"/>
+    <cs:fillRef idx="0"/>
+    <cs:effectRef idx="0"/>
+    <cs:fontRef idx="minor">
+      <a:schemeClr val="tx1"/>
+    </cs:fontRef>
+    <cs:spPr>
+      <a:ln w="9525" cap="flat" cmpd="sng" algn="ctr">
+        <a:solidFill>
+          <a:schemeClr val="tx1">
+            <a:lumMod val="35000"/>
+            <a:lumOff val="65000"/>
+          </a:schemeClr>
+        </a:solidFill>
+        <a:round/>
+      </a:ln>
+    </cs:spPr>
+  </cs:dropLine>
+  <cs:errorBar>
+    <cs:lnRef idx="0"/>
+    <cs:fillRef idx="0"/>
+    <cs:effectRef idx="0"/>
+    <cs:fontRef idx="minor">
+      <a:schemeClr val="tx1"/>
+    </cs:fontRef>
+    <cs:spPr>
+      <a:ln w="9525" cap="flat" cmpd="sng" algn="ctr">
+        <a:solidFill>
+          <a:schemeClr val="tx1">
+            <a:lumMod val="65000"/>
+            <a:lumOff val="35000"/>
+          </a:schemeClr>
+        </a:solidFill>
+        <a:round/>
+      </a:ln>
+    </cs:spPr>
+  </cs:errorBar>
+  <cs:floor>
+    <cs:lnRef idx="0"/>
+    <cs:fillRef idx="0"/>
+    <cs:effectRef idx="0"/>
+    <cs:fontRef idx="minor">
+      <a:schemeClr val="tx1"/>
+    </cs:fontRef>
+    <cs:spPr>
+      <a:noFill/>
+      <a:ln>
+        <a:noFill/>
+      </a:ln>
+    </cs:spPr>
+  </cs:floor>
+  <cs:gridlineMajor>
+    <cs:lnRef idx="0"/>
+    <cs:fillRef idx="0"/>
+    <cs:effectRef idx="0"/>
+    <cs:fontRef idx="minor">
+      <a:schemeClr val="tx1"/>
+    </cs:fontRef>
+    <cs:spPr>
+      <a:ln w="9525" cap="flat" cmpd="sng" algn="ctr">
+        <a:solidFill>
+          <a:schemeClr val="tx1">
+            <a:lumMod val="15000"/>
+            <a:lumOff val="85000"/>
+          </a:schemeClr>
+        </a:solidFill>
+        <a:round/>
+      </a:ln>
+    </cs:spPr>
+  </cs:gridlineMajor>
+  <cs:gridlineMinor>
+    <cs:lnRef idx="0"/>
+    <cs:fillRef idx="0"/>
+    <cs:effectRef idx="0"/>
+    <cs:fontRef idx="minor">
+      <a:schemeClr val="tx1"/>
+    </cs:fontRef>
+    <cs:spPr>
+      <a:ln w="9525" cap="flat" cmpd="sng" algn="ctr">
+        <a:solidFill>
+          <a:schemeClr val="tx1">
+            <a:lumMod val="5000"/>
+            <a:lumOff val="95000"/>
+          </a:schemeClr>
+        </a:solidFill>
+        <a:round/>
+      </a:ln>
+    </cs:spPr>
+  </cs:gridlineMinor>
+  <cs:hiLoLine>
+    <cs:lnRef idx="0"/>
+    <cs:fillRef idx="0"/>
+    <cs:effectRef idx="0"/>
+    <cs:fontRef idx="minor">
+      <a:schemeClr val="tx1"/>
+    </cs:fontRef>
+    <cs:spPr>
+      <a:ln w="9525" cap="flat" cmpd="sng" algn="ctr">
+        <a:solidFill>
+          <a:schemeClr val="tx1">
+            <a:lumMod val="75000"/>
+            <a:lumOff val="25000"/>
+          </a:schemeClr>
+        </a:solidFill>
+        <a:round/>
+      </a:ln>
+    </cs:spPr>
+  </cs:hiLoLine>
+  <cs:leaderLine>
+    <cs:lnRef idx="0"/>
+    <cs:fillRef idx="0"/>
+    <cs:effectRef idx="0"/>
+    <cs:fontRef idx="minor">
+      <a:schemeClr val="tx1"/>
+    </cs:fontRef>
+    <cs:spPr>
+      <a:ln w="9525" cap="flat" cmpd="sng" algn="ctr">
+        <a:solidFill>
+          <a:schemeClr val="tx1">
+            <a:lumMod val="35000"/>
+            <a:lumOff val="65000"/>
+          </a:schemeClr>
+        </a:solidFill>
+        <a:round/>
+      </a:ln>
+    </cs:spPr>
+  </cs:leaderLine>
+  <cs:legend>
+    <cs:lnRef idx="0"/>
+    <cs:fillRef idx="0"/>
+    <cs:effectRef idx="0"/>
+    <cs:fontRef idx="minor">
+      <a:schemeClr val="tx1">
+        <a:lumMod val="65000"/>
+        <a:lumOff val="35000"/>
+      </a:schemeClr>
+    </cs:fontRef>
+    <cs:defRPr sz="900" kern="1200"/>
+  </cs:legend>
+  <cs:plotArea mods="allowNoFillOverride allowNoLineOverride">
+    <cs:lnRef idx="0"/>
+    <cs:fillRef idx="0"/>
+    <cs:effectRef idx="0"/>
+    <cs:fontRef idx="minor">
+      <a:schemeClr val="tx1"/>
+    </cs:fontRef>
+  </cs:plotArea>
+  <cs:plotArea3D mods="allowNoFillOverride allowNoLineOverride">
+    <cs:lnRef idx="0"/>
+    <cs:fillRef idx="0"/>
+    <cs:effectRef idx="0"/>
+    <cs:fontRef idx="minor">
+      <a:schemeClr val="tx1"/>
+    </cs:fontRef>
+  </cs:plotArea3D>
+  <cs:seriesAxis>
+    <cs:lnRef idx="0"/>
+    <cs:fillRef idx="0"/>
+    <cs:effectRef idx="0"/>
+    <cs:fontRef idx="minor">
+      <a:schemeClr val="tx1">
+        <a:lumMod val="65000"/>
+        <a:lumOff val="35000"/>
+      </a:schemeClr>
+    </cs:fontRef>
+    <cs:defRPr sz="900" kern="1200"/>
+  </cs:seriesAxis>
+  <cs:seriesLine>
+    <cs:lnRef idx="0"/>
+    <cs:fillRef idx="0"/>
+    <cs:effectRef idx="0"/>
+    <cs:fontRef idx="minor">
+      <a:schemeClr val="tx1"/>
+    </cs:fontRef>
+    <cs:spPr>
+      <a:ln w="9525" cap="flat" cmpd="sng" algn="ctr">
+        <a:solidFill>
+          <a:schemeClr val="tx1">
+            <a:lumMod val="35000"/>
+            <a:lumOff val="65000"/>
+          </a:schemeClr>
+        </a:solidFill>
+        <a:round/>
+      </a:ln>
+    </cs:spPr>
+  </cs:seriesLine>
+  <cs:title>
+    <cs:lnRef idx="0"/>
+    <cs:fillRef idx="0"/>
+    <cs:effectRef idx="0"/>
+    <cs:fontRef idx="minor">
+      <a:schemeClr val="tx1">
+        <a:lumMod val="65000"/>
+        <a:lumOff val="35000"/>
+      </a:schemeClr>
+    </cs:fontRef>
+    <cs:defRPr sz="1400" b="0" kern="1200" spc="0" baseline="0"/>
+  </cs:title>
+  <cs:trendline>
+    <cs:lnRef idx="0">
+      <cs:styleClr val="auto"/>
+    </cs:lnRef>
+    <cs:fillRef idx="0"/>
+    <cs:effectRef idx="0"/>
+    <cs:fontRef idx="minor">
+      <a:schemeClr val="tx1"/>
+    </cs:fontRef>
+    <cs:spPr>
+      <a:ln w="19050" cap="rnd">
+        <a:solidFill>
+          <a:schemeClr val="phClr"/>
+        </a:solidFill>
+        <a:prstDash val="sysDot"/>
+      </a:ln>
+    </cs:spPr>
+  </cs:trendline>
+  <cs:trendlineLabel>
+    <cs:lnRef idx="0"/>
+    <cs:fillRef idx="0"/>
+    <cs:effectRef idx="0"/>
+    <cs:fontRef idx="minor">
+      <a:schemeClr val="tx1">
+        <a:lumMod val="65000"/>
+        <a:lumOff val="35000"/>
+      </a:schemeClr>
+    </cs:fontRef>
+    <cs:defRPr sz="900" kern="1200"/>
+  </cs:trendlineLabel>
+  <cs:upBar>
+    <cs:lnRef idx="0"/>
+    <cs:fillRef idx="0"/>
+    <cs:effectRef idx="0"/>
+    <cs:fontRef idx="minor">
+      <a:schemeClr val="dk1"/>
+    </cs:fontRef>
+    <cs:spPr>
+      <a:solidFill>
+        <a:schemeClr val="lt1"/>
+      </a:solidFill>
+      <a:ln w="9525">
+        <a:solidFill>
+          <a:schemeClr val="tx1">
+            <a:lumMod val="15000"/>
+            <a:lumOff val="85000"/>
+          </a:schemeClr>
+        </a:solidFill>
+      </a:ln>
+    </cs:spPr>
+  </cs:upBar>
+  <cs:valueAxis>
+    <cs:lnRef idx="0"/>
+    <cs:fillRef idx="0"/>
+    <cs:effectRef idx="0"/>
+    <cs:fontRef idx="minor">
+      <a:schemeClr val="tx1">
+        <a:lumMod val="65000"/>
+        <a:lumOff val="35000"/>
+      </a:schemeClr>
+    </cs:fontRef>
+    <cs:defRPr sz="900" kern="1200"/>
+  </cs:valueAxis>
+  <cs:wall>
+    <cs:lnRef idx="0"/>
+    <cs:fillRef idx="0"/>
+    <cs:effectRef idx="0"/>
+    <cs:fontRef idx="minor">
+      <a:schemeClr val="tx1"/>
+    </cs:fontRef>
+    <cs:spPr>
+      <a:noFill/>
+      <a:ln>
+        <a:noFill/>
+      </a:ln>
+    </cs:spPr>
+  </cs:wall>
+</cs:chartStyle>
+</file>
+
+<file path=ppt/charts/style3.xml><?xml version="1.0" encoding="utf-8"?>
 <cs:chartStyle xmlns:cs="http://schemas.microsoft.com/office/drawing/2012/chartStyle" xmlns:a="http://schemas.openxmlformats.org/drawingml/2006/main" id="406">
   <cs:axisTitle>
     <cs:lnRef idx="0"/>
@@ -8407,30 +10332,6 @@
           </a:p>
         </p:txBody>
       </p:sp>
-      <p:pic>
-        <p:nvPicPr>
-          <p:cNvPr id="2" name="Imagem 1"/>
-          <p:cNvPicPr>
-            <a:picLocks noChangeAspect="1"/>
-          </p:cNvPicPr>
-          <p:nvPr/>
-        </p:nvPicPr>
-        <p:blipFill>
-          <a:blip r:embed="rId3"/>
-          <a:stretch>
-            <a:fillRect/>
-          </a:stretch>
-        </p:blipFill>
-        <p:spPr>
-          <a:xfrm>
-            <a:off x="475083" y="1512277"/>
-            <a:ext cx="8229237" cy="2537209"/>
-          </a:xfrm>
-          <a:prstGeom prst="rect">
-            <a:avLst/>
-          </a:prstGeom>
-        </p:spPr>
-      </p:pic>
       <p:sp>
         <p:nvSpPr>
           <p:cNvPr id="6" name="Retângulo 5"/>
@@ -8472,7 +10373,18 @@
                 </a:solidFill>
                 <a:latin typeface="Arial" panose="020B0604020202020204" pitchFamily="34" charset="0"/>
               </a:rPr>
-              <a:t>#2 – Top 10 Customers and their monthly payments</a:t>
+              <a:t>#1 </a:t>
+            </a:r>
+            <a:r>
+              <a:rPr lang="en-US" dirty="0" smtClean="0">
+                <a:solidFill>
+                  <a:schemeClr val="bg1">
+                    <a:lumMod val="50000"/>
+                  </a:schemeClr>
+                </a:solidFill>
+                <a:latin typeface="Arial" panose="020B0604020202020204" pitchFamily="34" charset="0"/>
+              </a:rPr>
+              <a:t>– Top 10 Customers and their monthly payments</a:t>
             </a:r>
             <a:endParaRPr lang="pt-PT" dirty="0">
               <a:solidFill>
@@ -8484,6 +10396,30 @@
           </a:p>
         </p:txBody>
       </p:sp>
+      <p:pic>
+        <p:nvPicPr>
+          <p:cNvPr id="3" name="Imagem 2"/>
+          <p:cNvPicPr>
+            <a:picLocks noChangeAspect="1"/>
+          </p:cNvPicPr>
+          <p:nvPr/>
+        </p:nvPicPr>
+        <p:blipFill>
+          <a:blip r:embed="rId3"/>
+          <a:stretch>
+            <a:fillRect/>
+          </a:stretch>
+        </p:blipFill>
+        <p:spPr>
+          <a:xfrm>
+            <a:off x="475083" y="1512275"/>
+            <a:ext cx="8229238" cy="2702489"/>
+          </a:xfrm>
+          <a:prstGeom prst="rect">
+            <a:avLst/>
+          </a:prstGeom>
+        </p:spPr>
+      </p:pic>
     </p:spTree>
   </p:cSld>
   <p:clrMapOvr>
@@ -8715,7 +10651,7 @@
           <p:nvPr>
             <p:extLst>
               <p:ext uri="{D42A27DB-BD31-4B8C-83A1-F6EECF244321}">
-                <p14:modId xmlns:p14="http://schemas.microsoft.com/office/powerpoint/2010/main" val="711014217"/>
+                <p14:modId xmlns:p14="http://schemas.microsoft.com/office/powerpoint/2010/main" val="3126426510"/>
               </p:ext>
             </p:extLst>
           </p:nvPr>
@@ -8881,7 +10817,43 @@
                 <a:cs typeface="Open Sans"/>
                 <a:sym typeface="Open Sans"/>
               </a:rPr>
-              <a:t> business performance according to the total payment amount as well as the total rentals made (during 2005 – 2006).</a:t>
+              <a:t> business performance. It shows that </a:t>
+            </a:r>
+            <a:r>
+              <a:rPr lang="en-US" dirty="0" err="1">
+                <a:latin typeface="Open Sans"/>
+                <a:ea typeface="Open Sans"/>
+                <a:cs typeface="Open Sans"/>
+                <a:sym typeface="Open Sans"/>
+              </a:rPr>
+              <a:t>Sakila</a:t>
+            </a:r>
+            <a:r>
+              <a:rPr lang="en-US" dirty="0">
+                <a:latin typeface="Open Sans"/>
+                <a:ea typeface="Open Sans"/>
+                <a:cs typeface="Open Sans"/>
+                <a:sym typeface="Open Sans"/>
+              </a:rPr>
+              <a:t> had and slowly market entrance, then eventually their sales grew exponentially from June/2005 to July/2005. Unfortunately, there were no sales afterward of </a:t>
+            </a:r>
+            <a:r>
+              <a:rPr lang="en-US" dirty="0" smtClean="0">
+                <a:latin typeface="Open Sans"/>
+                <a:ea typeface="Open Sans"/>
+                <a:cs typeface="Open Sans"/>
+                <a:sym typeface="Open Sans"/>
+              </a:rPr>
+              <a:t>August/2005, </a:t>
+            </a:r>
+            <a:r>
+              <a:rPr lang="en-US" dirty="0">
+                <a:latin typeface="Open Sans"/>
+                <a:ea typeface="Open Sans"/>
+                <a:cs typeface="Open Sans"/>
+                <a:sym typeface="Open Sans"/>
+              </a:rPr>
+              <a:t>which resulted in deep poor results leading to is closure.</a:t>
             </a:r>
             <a:endParaRPr dirty="0">
               <a:latin typeface="Open Sans"/>
@@ -8889,56 +10861,6 @@
               <a:cs typeface="Open Sans"/>
               <a:sym typeface="Open Sans"/>
             </a:endParaRPr>
-          </a:p>
-        </p:txBody>
-      </p:sp>
-      <p:sp>
-        <p:nvSpPr>
-          <p:cNvPr id="62" name="Shape 62"/>
-          <p:cNvSpPr/>
-          <p:nvPr/>
-        </p:nvSpPr>
-        <p:spPr>
-          <a:xfrm>
-            <a:off x="354299" y="1418450"/>
-            <a:ext cx="4731171" cy="3072600"/>
-          </a:xfrm>
-          <a:prstGeom prst="rect">
-            <a:avLst/>
-          </a:prstGeom>
-          <a:solidFill>
-            <a:schemeClr val="lt2"/>
-          </a:solidFill>
-          <a:ln w="9525" cap="flat" cmpd="sng">
-            <a:solidFill>
-              <a:schemeClr val="dk2"/>
-            </a:solidFill>
-            <a:prstDash val="solid"/>
-            <a:round/>
-            <a:headEnd type="none" w="sm" len="sm"/>
-            <a:tailEnd type="none" w="sm" len="sm"/>
-          </a:ln>
-        </p:spPr>
-        <p:txBody>
-          <a:bodyPr spcFirstLastPara="1" wrap="square" lIns="91425" tIns="91425" rIns="91425" bIns="91425" anchor="ctr" anchorCtr="0">
-            <a:noAutofit/>
-          </a:bodyPr>
-          <a:lstStyle/>
-          <a:p>
-            <a:pPr marL="0" lvl="0" indent="0" algn="ctr" rtl="0">
-              <a:spcBef>
-                <a:spcPts val="0"/>
-              </a:spcBef>
-              <a:spcAft>
-                <a:spcPts val="0"/>
-              </a:spcAft>
-              <a:buNone/>
-            </a:pPr>
-            <a:r>
-              <a:rPr lang="en"/>
-              <a:t>&lt;visualization&gt;</a:t>
-            </a:r>
-            <a:endParaRPr/>
           </a:p>
         </p:txBody>
       </p:sp>
@@ -8993,7 +10915,19 @@
                 <a:cs typeface="Open Sans"/>
                 <a:sym typeface="Open Sans"/>
               </a:rPr>
-              <a:t>performance (payment amount and number of rentals) of </a:t>
+              <a:t>performance </a:t>
+            </a:r>
+            <a:r>
+              <a:rPr lang="en-US" dirty="0" smtClean="0">
+                <a:solidFill>
+                  <a:srgbClr val="FFFFFF"/>
+                </a:solidFill>
+                <a:latin typeface="Open Sans"/>
+                <a:ea typeface="Open Sans"/>
+                <a:cs typeface="Open Sans"/>
+                <a:sym typeface="Open Sans"/>
+              </a:rPr>
+              <a:t>of </a:t>
             </a:r>
             <a:r>
               <a:rPr lang="en-US" dirty="0" err="1">
@@ -9017,7 +10951,19 @@
                 <a:cs typeface="Open Sans"/>
                 <a:sym typeface="Open Sans"/>
               </a:rPr>
-              <a:t> DVD Rental database</a:t>
+              <a:t> DVD Rental </a:t>
+            </a:r>
+            <a:r>
+              <a:rPr lang="en-US" dirty="0" smtClean="0">
+                <a:solidFill>
+                  <a:srgbClr val="FFFFFF"/>
+                </a:solidFill>
+                <a:latin typeface="Open Sans"/>
+                <a:ea typeface="Open Sans"/>
+                <a:cs typeface="Open Sans"/>
+                <a:sym typeface="Open Sans"/>
+              </a:rPr>
+              <a:t>Business</a:t>
             </a:r>
             <a:endParaRPr dirty="0">
               <a:solidFill>
@@ -9031,30 +10977,6 @@
           </a:p>
         </p:txBody>
       </p:sp>
-      <p:pic>
-        <p:nvPicPr>
-          <p:cNvPr id="3" name="Imagem 2"/>
-          <p:cNvPicPr>
-            <a:picLocks noChangeAspect="1"/>
-          </p:cNvPicPr>
-          <p:nvPr/>
-        </p:nvPicPr>
-        <p:blipFill>
-          <a:blip r:embed="rId3"/>
-          <a:stretch>
-            <a:fillRect/>
-          </a:stretch>
-        </p:blipFill>
-        <p:spPr>
-          <a:xfrm>
-            <a:off x="354300" y="1418451"/>
-            <a:ext cx="4731169" cy="3072600"/>
-          </a:xfrm>
-          <a:prstGeom prst="rect">
-            <a:avLst/>
-          </a:prstGeom>
-        </p:spPr>
-      </p:pic>
       <p:sp>
         <p:nvSpPr>
           <p:cNvPr id="10" name="Retângulo 9"/>
@@ -9064,7 +10986,7 @@
         <p:spPr>
           <a:xfrm>
             <a:off x="3230927" y="953136"/>
-            <a:ext cx="2682145" cy="307777"/>
+            <a:ext cx="3459601" cy="307777"/>
           </a:xfrm>
           <a:prstGeom prst="rect">
             <a:avLst/>
@@ -9118,7 +11040,18 @@
                 </a:solidFill>
                 <a:latin typeface="Arial" panose="020B0604020202020204" pitchFamily="34" charset="0"/>
               </a:rPr>
-              <a:t> Performance</a:t>
+              <a:t> Business </a:t>
+            </a:r>
+            <a:r>
+              <a:rPr lang="en-US" dirty="0" smtClean="0">
+                <a:solidFill>
+                  <a:schemeClr val="bg1">
+                    <a:lumMod val="50000"/>
+                  </a:schemeClr>
+                </a:solidFill>
+                <a:latin typeface="Arial" panose="020B0604020202020204" pitchFamily="34" charset="0"/>
+              </a:rPr>
+              <a:t>Performance</a:t>
             </a:r>
             <a:endParaRPr lang="pt-PT" dirty="0">
               <a:solidFill>
@@ -9130,6 +11063,30 @@
           </a:p>
         </p:txBody>
       </p:sp>
+      <p:graphicFrame>
+        <p:nvGraphicFramePr>
+          <p:cNvPr id="7" name="Gráfico 6"/>
+          <p:cNvGraphicFramePr>
+            <a:graphicFrameLocks/>
+          </p:cNvGraphicFramePr>
+          <p:nvPr>
+            <p:extLst>
+              <p:ext uri="{D42A27DB-BD31-4B8C-83A1-F6EECF244321}">
+                <p14:modId xmlns:p14="http://schemas.microsoft.com/office/powerpoint/2010/main" val="54778884"/>
+              </p:ext>
+            </p:extLst>
+          </p:nvPr>
+        </p:nvGraphicFramePr>
+        <p:xfrm>
+          <a:off x="468268" y="1469508"/>
+          <a:ext cx="4572000" cy="2743200"/>
+        </p:xfrm>
+        <a:graphic>
+          <a:graphicData uri="http://schemas.openxmlformats.org/drawingml/2006/chart">
+            <c:chart xmlns:c="http://schemas.openxmlformats.org/drawingml/2006/chart" xmlns:r="http://schemas.openxmlformats.org/officeDocument/2006/relationships" r:id="rId3"/>
+          </a:graphicData>
+        </a:graphic>
+      </p:graphicFrame>
     </p:spTree>
   </p:cSld>
   <p:clrMapOvr>
@@ -9363,7 +11320,7 @@
               <p:nvPr>
                 <p:extLst>
                   <p:ext uri="{D42A27DB-BD31-4B8C-83A1-F6EECF244321}">
-                    <p14:modId xmlns:p14="http://schemas.microsoft.com/office/powerpoint/2010/main" val="2148100624"/>
+                    <p14:modId xmlns:p14="http://schemas.microsoft.com/office/powerpoint/2010/main" val="2902097209"/>
                   </p:ext>
                 </p:extLst>
               </p:nvPr>
